--- a/TIStools.pptx
+++ b/TIStools.pptx
@@ -248,7 +248,7 @@
             <a:fld id="{5C979E5A-5764-4AAB-A962-3E8F18291B4D}" type="datetimeFigureOut">
               <a:rPr lang="zh-CN" altLang="en-US" smtClean="0"/>
               <a:pPr/>
-              <a:t>16/11/17</a:t>
+              <a:t>16/12/11</a:t>
             </a:fld>
             <a:endParaRPr lang="zh-CN" altLang="en-US"/>
           </a:p>
@@ -415,7 +415,7 @@
             <a:fld id="{01776D96-E550-42A4-AAC9-143101C0E129}" type="datetimeFigureOut">
               <a:rPr lang="zh-CN" altLang="en-US" smtClean="0"/>
               <a:pPr/>
-              <a:t>16/11/17</a:t>
+              <a:t>16/12/11</a:t>
             </a:fld>
             <a:endParaRPr lang="zh-CN" altLang="en-US"/>
           </a:p>
@@ -4290,7 +4290,7 @@
             <a:fld id="{530820CF-B880-4189-942D-D702A7CBA730}" type="datetimeFigureOut">
               <a:rPr lang="zh-CN" altLang="en-US" smtClean="0"/>
               <a:pPr/>
-              <a:t>16/11/17</a:t>
+              <a:t>16/12/11</a:t>
             </a:fld>
             <a:endParaRPr lang="zh-CN" altLang="en-US"/>
           </a:p>
@@ -5120,13 +5120,8 @@
           <a:p>
             <a:r>
               <a:rPr kumimoji="1" lang="zh-CN" altLang="en-US" sz="1200" dirty="0" smtClean="0"/>
-              <a:t>整体需求</a:t>
-            </a:r>
-            <a:r>
-              <a:rPr kumimoji="1" lang="zh-CN" altLang="en-US" sz="1200" dirty="0" smtClean="0"/>
-              <a:t>分析；</a:t>
-            </a:r>
-            <a:endParaRPr kumimoji="1" lang="zh-CN" altLang="en-US" sz="1200" dirty="0" smtClean="0"/>
+              <a:t>整体需求分析；</a:t>
+            </a:r>
           </a:p>
           <a:p>
             <a:r>
@@ -5135,21 +5130,12 @@
                   <a:srgbClr val="FF0000"/>
                 </a:solidFill>
               </a:rPr>
-              <a:t>业务</a:t>
-            </a:r>
-            <a:r>
-              <a:rPr kumimoji="1" lang="zh-CN" altLang="en-US" sz="1200" dirty="0" smtClean="0">
-                <a:solidFill>
-                  <a:srgbClr val="FF0000"/>
-                </a:solidFill>
-              </a:rPr>
-              <a:t>建模</a:t>
+              <a:t>业务建模</a:t>
             </a:r>
             <a:r>
               <a:rPr kumimoji="1" lang="zh-CN" altLang="en-US" sz="1200" dirty="0" smtClean="0"/>
               <a:t>；</a:t>
             </a:r>
-            <a:endParaRPr kumimoji="1" lang="zh-CN" altLang="en-US" sz="1200" dirty="0" smtClean="0"/>
           </a:p>
           <a:p>
             <a:r>
@@ -5162,23 +5148,7 @@
                   <a:srgbClr val="FF0000"/>
                 </a:solidFill>
               </a:rPr>
-              <a:t>典型</a:t>
-            </a:r>
-            <a:r>
-              <a:rPr kumimoji="1" lang="zh-CN" altLang="en-US" sz="1200" dirty="0" smtClean="0">
-                <a:solidFill>
-                  <a:srgbClr val="FF0000"/>
-                </a:solidFill>
-              </a:rPr>
-              <a:t>业务</a:t>
-            </a:r>
-            <a:r>
-              <a:rPr kumimoji="1" lang="zh-CN" altLang="en-US" sz="1200" dirty="0" smtClean="0">
-                <a:solidFill>
-                  <a:srgbClr val="FF0000"/>
-                </a:solidFill>
-              </a:rPr>
-              <a:t>场景</a:t>
+              <a:t>典型业务场景</a:t>
             </a:r>
             <a:r>
               <a:rPr kumimoji="1" lang="zh-CN" altLang="en-US" sz="1200" dirty="0" smtClean="0"/>
@@ -5220,27 +5190,11 @@
                   <a:srgbClr val="FF0000"/>
                 </a:solidFill>
               </a:rPr>
-              <a:t>业务模块</a:t>
-            </a:r>
-            <a:r>
-              <a:rPr kumimoji="1" lang="zh-CN" altLang="en-US" sz="1200" dirty="0" smtClean="0">
-                <a:solidFill>
-                  <a:srgbClr val="FF0000"/>
-                </a:solidFill>
-              </a:rPr>
-              <a:t>范围</a:t>
+              <a:t>业务模块范围</a:t>
             </a:r>
             <a:r>
               <a:rPr kumimoji="1" lang="zh-CN" altLang="en-US" sz="1200" dirty="0" smtClean="0"/>
-              <a:t>（</a:t>
-            </a:r>
-            <a:r>
-              <a:rPr kumimoji="1" lang="zh-CN" altLang="en-US" sz="1200" dirty="0" smtClean="0"/>
-              <a:t>原则，</a:t>
-            </a:r>
-            <a:r>
-              <a:rPr kumimoji="1" lang="zh-CN" altLang="en-US" sz="1200" dirty="0" smtClean="0"/>
-              <a:t>减少</a:t>
+              <a:t>（原则，减少</a:t>
             </a:r>
             <a:r>
               <a:rPr kumimoji="1" lang="zh-CN" altLang="en-US" sz="1200" dirty="0"/>
@@ -5251,11 +5205,7 @@
           <a:p>
             <a:r>
               <a:rPr kumimoji="1" lang="zh-CN" altLang="en-US" sz="1200" dirty="0" smtClean="0"/>
-              <a:t>梳理</a:t>
-            </a:r>
-            <a:r>
-              <a:rPr kumimoji="1" lang="zh-CN" altLang="en-US" sz="1200" dirty="0" smtClean="0"/>
-              <a:t>模块</a:t>
+              <a:t>梳理模块</a:t>
             </a:r>
             <a:r>
               <a:rPr kumimoji="1" lang="zh-CN" altLang="en-US" sz="1200" dirty="0" smtClean="0">
@@ -5263,21 +5213,12 @@
                   <a:srgbClr val="FF0000"/>
                 </a:solidFill>
               </a:rPr>
-              <a:t>业务</a:t>
-            </a:r>
-            <a:r>
-              <a:rPr kumimoji="1" lang="zh-CN" altLang="en-US" sz="1200" dirty="0" smtClean="0">
-                <a:solidFill>
-                  <a:srgbClr val="FF0000"/>
-                </a:solidFill>
-              </a:rPr>
-              <a:t>闭环</a:t>
+              <a:t>业务闭环</a:t>
             </a:r>
             <a:r>
               <a:rPr kumimoji="1" lang="zh-CN" altLang="en-US" sz="1200" dirty="0" smtClean="0"/>
               <a:t>；</a:t>
             </a:r>
-            <a:endParaRPr kumimoji="1" lang="zh-CN" altLang="en-US" sz="1200" dirty="0" smtClean="0"/>
           </a:p>
           <a:p>
             <a:endParaRPr kumimoji="1" lang="zh-CN" altLang="en-US" sz="1200" dirty="0"/>
@@ -5308,13 +5249,8 @@
           <a:p>
             <a:r>
               <a:rPr kumimoji="1" lang="zh-CN" altLang="en-US" sz="1200" dirty="0" smtClean="0"/>
-              <a:t>基于闭环分解业务</a:t>
-            </a:r>
-            <a:r>
-              <a:rPr kumimoji="1" lang="zh-CN" altLang="en-US" sz="1200" dirty="0" smtClean="0"/>
-              <a:t>功能点；</a:t>
-            </a:r>
-            <a:endParaRPr kumimoji="1" lang="zh-CN" altLang="en-US" sz="1200" dirty="0" smtClean="0"/>
+              <a:t>基于闭环分解业务功能点；</a:t>
+            </a:r>
           </a:p>
           <a:p>
             <a:r>
@@ -5327,21 +5263,12 @@
                   <a:srgbClr val="FF0000"/>
                 </a:solidFill>
               </a:rPr>
-              <a:t>功能</a:t>
-            </a:r>
-            <a:r>
-              <a:rPr kumimoji="1" lang="zh-CN" altLang="en-US" sz="1200" dirty="0" smtClean="0">
-                <a:solidFill>
-                  <a:srgbClr val="FF0000"/>
-                </a:solidFill>
-              </a:rPr>
-              <a:t>矩阵</a:t>
+              <a:t>功能矩阵</a:t>
             </a:r>
             <a:r>
               <a:rPr kumimoji="1" lang="zh-CN" altLang="en-US" sz="1200" dirty="0" smtClean="0"/>
               <a:t>；</a:t>
             </a:r>
-            <a:endParaRPr kumimoji="1" lang="zh-CN" altLang="en-US" sz="1200" dirty="0" smtClean="0"/>
           </a:p>
         </p:txBody>
       </p:sp>
@@ -5376,11 +5303,7 @@
           <a:p>
             <a:r>
               <a:rPr kumimoji="1" lang="zh-CN" altLang="en-US" sz="1200" dirty="0" smtClean="0"/>
-              <a:t>服务</a:t>
-            </a:r>
-            <a:r>
-              <a:rPr kumimoji="1" lang="zh-CN" altLang="en-US" sz="1200" dirty="0" smtClean="0"/>
-              <a:t>接口</a:t>
+              <a:t>服务接口</a:t>
             </a:r>
             <a:r>
               <a:rPr kumimoji="1" lang="en-US" altLang="zh-CN" sz="1200" dirty="0" smtClean="0">
@@ -5394,16 +5317,11 @@
               <a:rPr kumimoji="1" lang="zh-CN" altLang="en-US" sz="1200" dirty="0" smtClean="0"/>
               <a:t>；</a:t>
             </a:r>
-            <a:endParaRPr kumimoji="1" lang="zh-CN" altLang="en-US" sz="1200" dirty="0" smtClean="0"/>
           </a:p>
           <a:p>
             <a:r>
               <a:rPr kumimoji="1" lang="zh-CN" altLang="en-US" sz="1200" dirty="0" smtClean="0"/>
-              <a:t>扩展</a:t>
-            </a:r>
-            <a:r>
-              <a:rPr kumimoji="1" lang="zh-CN" altLang="en-US" sz="1200" dirty="0" smtClean="0"/>
-              <a:t>接口</a:t>
+              <a:t>扩展接口</a:t>
             </a:r>
             <a:r>
               <a:rPr kumimoji="1" lang="en-US" altLang="zh-CN" sz="1200" dirty="0" smtClean="0">
@@ -5431,7 +5349,6 @@
               <a:rPr kumimoji="1" lang="zh-CN" altLang="en-US" sz="1200" dirty="0" smtClean="0"/>
               <a:t>接口；</a:t>
             </a:r>
-            <a:endParaRPr kumimoji="1" lang="zh-CN" altLang="en-US" sz="1200" dirty="0" smtClean="0"/>
           </a:p>
           <a:p>
             <a:endParaRPr kumimoji="1" lang="zh-CN" altLang="en-US" sz="1200" dirty="0" smtClean="0"/>
@@ -5511,18 +5428,12 @@
               <a:rPr kumimoji="1" lang="zh-CN" altLang="en-US" sz="1200" dirty="0" smtClean="0"/>
               <a:t>；</a:t>
             </a:r>
-            <a:endParaRPr kumimoji="1" lang="zh-CN" altLang="en-US" sz="1200" dirty="0" smtClean="0"/>
           </a:p>
           <a:p>
             <a:r>
               <a:rPr kumimoji="1" lang="zh-CN" altLang="en-US" sz="1200" dirty="0" smtClean="0"/>
-              <a:t>向注册中心发布</a:t>
-            </a:r>
-            <a:r>
-              <a:rPr kumimoji="1" lang="zh-CN" altLang="en-US" sz="1200" dirty="0" smtClean="0"/>
-              <a:t>服务；</a:t>
-            </a:r>
-            <a:endParaRPr kumimoji="1" lang="zh-CN" altLang="en-US" sz="1200" dirty="0" smtClean="0"/>
+              <a:t>向注册中心发布服务；</a:t>
+            </a:r>
           </a:p>
           <a:p>
             <a:endParaRPr kumimoji="1" lang="zh-CN" altLang="en-US" sz="1200" dirty="0" smtClean="0"/>
@@ -5540,18 +5451,12 @@
               <a:rPr kumimoji="1" lang="zh-CN" altLang="en-US" sz="1200" dirty="0" smtClean="0"/>
               <a:t>；</a:t>
             </a:r>
-            <a:endParaRPr kumimoji="1" lang="zh-CN" altLang="en-US" sz="1200" dirty="0" smtClean="0"/>
           </a:p>
           <a:p>
             <a:r>
               <a:rPr kumimoji="1" lang="zh-CN" altLang="en-US" sz="1200" dirty="0" smtClean="0"/>
-              <a:t>预留扩展</a:t>
-            </a:r>
-            <a:r>
-              <a:rPr kumimoji="1" lang="zh-CN" altLang="en-US" sz="1200" dirty="0" smtClean="0"/>
-              <a:t>机制；</a:t>
-            </a:r>
-            <a:endParaRPr kumimoji="1" lang="zh-CN" altLang="en-US" sz="1200" dirty="0" smtClean="0"/>
+              <a:t>预留扩展机制；</a:t>
+            </a:r>
           </a:p>
         </p:txBody>
       </p:sp>
@@ -5653,7 +5558,6 @@
               <a:rPr kumimoji="1" lang="zh-CN" altLang="en-US" sz="1200" dirty="0" smtClean="0"/>
               <a:t>单元测试</a:t>
             </a:r>
-            <a:endParaRPr kumimoji="1" lang="zh-CN" altLang="en-US" sz="1200" dirty="0" smtClean="0"/>
           </a:p>
         </p:txBody>
       </p:sp>
@@ -6057,7 +5961,6 @@
               <a:rPr kumimoji="1" lang="zh-CN" altLang="en-US" sz="1200" dirty="0" smtClean="0"/>
               <a:t>验证功能满足需求！</a:t>
             </a:r>
-            <a:endParaRPr kumimoji="1" lang="zh-CN" altLang="en-US" sz="1200" dirty="0" smtClean="0"/>
           </a:p>
         </p:txBody>
       </p:sp>
@@ -10608,19 +10511,7 @@
           <a:p>
             <a:r>
               <a:rPr kumimoji="1" lang="zh-CN" altLang="en-US" sz="3000" dirty="0" smtClean="0"/>
-              <a:t>业务日志分析－界面设计</a:t>
-            </a:r>
-            <a:r>
-              <a:rPr kumimoji="1" lang="zh-CN" altLang="en-US" sz="3000" dirty="0" smtClean="0"/>
-              <a:t>（</a:t>
-            </a:r>
-            <a:r>
-              <a:rPr kumimoji="1" lang="zh-CN" altLang="en-US" sz="3000" dirty="0" smtClean="0"/>
-              <a:t>查询分析结果</a:t>
-            </a:r>
-            <a:r>
-              <a:rPr kumimoji="1" lang="zh-CN" altLang="en-US" sz="3000" dirty="0" smtClean="0"/>
-              <a:t>）</a:t>
+              <a:t>业务日志分析－界面设计（查询分析结果）</a:t>
             </a:r>
             <a:endParaRPr kumimoji="1" lang="zh-CN" altLang="en-US" sz="3000" dirty="0"/>
           </a:p>
@@ -15943,6 +15834,82 @@
           </a:p>
         </p:txBody>
       </p:sp>
+      <p:sp>
+        <p:nvSpPr>
+          <p:cNvPr id="46" name="矩形 45"/>
+          <p:cNvSpPr/>
+          <p:nvPr/>
+        </p:nvSpPr>
+        <p:spPr>
+          <a:xfrm>
+            <a:off x="8096973" y="1894884"/>
+            <a:ext cx="494239" cy="276999"/>
+          </a:xfrm>
+          <a:prstGeom prst="rect">
+            <a:avLst/>
+          </a:prstGeom>
+        </p:spPr>
+        <p:txBody>
+          <a:bodyPr wrap="none">
+            <a:spAutoFit/>
+          </a:bodyPr>
+          <a:lstStyle/>
+          <a:p>
+            <a:pPr algn="ctr"/>
+            <a:r>
+              <a:rPr kumimoji="1" lang="en-US" altLang="zh-CN" sz="1200" dirty="0" smtClean="0"/>
+              <a:t>tools</a:t>
+            </a:r>
+            <a:endParaRPr kumimoji="1" lang="zh-CN" altLang="en-US" sz="1200" dirty="0"/>
+          </a:p>
+        </p:txBody>
+      </p:sp>
+      <p:sp>
+        <p:nvSpPr>
+          <p:cNvPr id="47" name="矩形 46"/>
+          <p:cNvSpPr/>
+          <p:nvPr/>
+        </p:nvSpPr>
+        <p:spPr>
+          <a:xfrm>
+            <a:off x="7956380" y="3907773"/>
+            <a:ext cx="1107996" cy="646331"/>
+          </a:xfrm>
+          <a:prstGeom prst="rect">
+            <a:avLst/>
+          </a:prstGeom>
+        </p:spPr>
+        <p:txBody>
+          <a:bodyPr wrap="none">
+            <a:spAutoFit/>
+          </a:bodyPr>
+          <a:lstStyle/>
+          <a:p>
+            <a:pPr algn="ctr"/>
+            <a:r>
+              <a:rPr kumimoji="1" lang="zh-CN" altLang="en-US" sz="1200" dirty="0" smtClean="0"/>
+              <a:t>目标系统</a:t>
+            </a:r>
+            <a:endParaRPr kumimoji="1" lang="en-US" altLang="zh-CN" sz="1200" dirty="0" smtClean="0"/>
+          </a:p>
+          <a:p>
+            <a:pPr algn="ctr"/>
+            <a:r>
+              <a:rPr kumimoji="1" lang="zh-CN" altLang="en-US" sz="1200" dirty="0" smtClean="0"/>
+              <a:t>和</a:t>
+            </a:r>
+            <a:endParaRPr kumimoji="1" lang="en-US" altLang="zh-CN" sz="1200" dirty="0"/>
+          </a:p>
+          <a:p>
+            <a:pPr algn="ctr"/>
+            <a:r>
+              <a:rPr kumimoji="1" lang="zh-CN" altLang="en-US" sz="1200" dirty="0" smtClean="0"/>
+              <a:t>日志代理服务</a:t>
+            </a:r>
+            <a:endParaRPr kumimoji="1" lang="zh-CN" altLang="en-US" sz="1200" dirty="0"/>
+          </a:p>
+        </p:txBody>
+      </p:sp>
     </p:spTree>
     <p:extLst>
       <p:ext uri="{BB962C8B-B14F-4D97-AF65-F5344CB8AC3E}">
@@ -17921,11 +17888,7 @@
           <a:p>
             <a:r>
               <a:rPr kumimoji="1" lang="zh-CN" altLang="en-US" sz="1800" dirty="0" smtClean="0"/>
-              <a:t>提供功能</a:t>
-            </a:r>
-            <a:r>
-              <a:rPr kumimoji="1" lang="zh-CN" altLang="en-US" sz="1800" dirty="0" smtClean="0"/>
-              <a:t>：</a:t>
+              <a:t>提供功能：</a:t>
             </a:r>
           </a:p>
           <a:p>
@@ -17947,7 +17910,6 @@
               <a:rPr kumimoji="1" lang="zh-CN" altLang="en-US" sz="1800" dirty="0" smtClean="0"/>
               <a:t>登记布丁清单</a:t>
             </a:r>
-            <a:endParaRPr kumimoji="1" lang="zh-CN" altLang="en-US" sz="1800" dirty="0" smtClean="0"/>
           </a:p>
           <a:p>
             <a:pPr marL="285750" indent="-285750">
@@ -17958,7 +17920,6 @@
               <a:rPr kumimoji="1" lang="zh-CN" altLang="en-US" sz="1800" dirty="0" smtClean="0"/>
               <a:t>核对补丁包（补丁包与清单内容的核对）</a:t>
             </a:r>
-            <a:endParaRPr kumimoji="1" lang="zh-CN" altLang="en-US" sz="1800" dirty="0" smtClean="0"/>
           </a:p>
           <a:p>
             <a:pPr marL="285750" indent="-285750">
@@ -19055,11 +19016,7 @@
           <a:p>
             <a:r>
               <a:rPr kumimoji="1" lang="zh-CN" altLang="en-US" sz="1800" dirty="0" smtClean="0"/>
-              <a:t>提供功能</a:t>
-            </a:r>
-            <a:r>
-              <a:rPr kumimoji="1" lang="zh-CN" altLang="en-US" sz="1800" dirty="0" smtClean="0"/>
-              <a:t>：</a:t>
+              <a:t>提供功能：</a:t>
             </a:r>
           </a:p>
           <a:p>
@@ -19135,7 +19092,6 @@
               <a:rPr kumimoji="1" lang="zh-CN" altLang="en-US" sz="1800" dirty="0" smtClean="0"/>
               <a:t>、角色分配</a:t>
             </a:r>
-            <a:endParaRPr kumimoji="1" lang="zh-CN" altLang="en-US" sz="1800" dirty="0" smtClean="0"/>
           </a:p>
           <a:p>
             <a:pPr marL="285750" indent="-285750">
@@ -19211,7 +19167,6 @@
               <a:rPr kumimoji="1" lang="zh-CN" altLang="en-US" sz="1800" dirty="0" smtClean="0"/>
               <a:t>更多组织相关的基础数据管理、维护功能</a:t>
             </a:r>
-            <a:endParaRPr kumimoji="1" lang="zh-CN" altLang="en-US" sz="1800" dirty="0" smtClean="0"/>
           </a:p>
         </p:txBody>
       </p:sp>

--- a/TIStools.pptx
+++ b/TIStools.pptx
@@ -5,10 +5,10 @@
     <p:sldMasterId id="2147483648" r:id="rId1"/>
   </p:sldMasterIdLst>
   <p:notesMasterIdLst>
-    <p:notesMasterId r:id="rId25"/>
+    <p:notesMasterId r:id="rId28"/>
   </p:notesMasterIdLst>
   <p:handoutMasterIdLst>
-    <p:handoutMasterId r:id="rId26"/>
+    <p:handoutMasterId r:id="rId29"/>
   </p:handoutMasterIdLst>
   <p:sldIdLst>
     <p:sldId id="337" r:id="rId2"/>
@@ -34,6 +34,9 @@
     <p:sldId id="363" r:id="rId22"/>
     <p:sldId id="360" r:id="rId23"/>
     <p:sldId id="364" r:id="rId24"/>
+    <p:sldId id="365" r:id="rId25"/>
+    <p:sldId id="366" r:id="rId26"/>
+    <p:sldId id="367" r:id="rId27"/>
   </p:sldIdLst>
   <p:sldSz cx="9144000" cy="5143500" type="screen16x9"/>
   <p:notesSz cx="6858000" cy="9144000"/>
@@ -1793,6 +1796,99 @@
 </p:notes>
 </file>
 
+<file path=ppt/notesSlides/notesSlide19.xml><?xml version="1.0" encoding="utf-8"?>
+<p:notes xmlns:a="http://schemas.openxmlformats.org/drawingml/2006/main" xmlns:r="http://schemas.openxmlformats.org/officeDocument/2006/relationships" xmlns:p="http://schemas.openxmlformats.org/presentationml/2006/main">
+  <p:cSld>
+    <p:spTree>
+      <p:nvGrpSpPr>
+        <p:cNvPr id="1" name=""/>
+        <p:cNvGrpSpPr/>
+        <p:nvPr/>
+      </p:nvGrpSpPr>
+      <p:grpSpPr>
+        <a:xfrm>
+          <a:off x="0" y="0"/>
+          <a:ext cx="0" cy="0"/>
+          <a:chOff x="0" y="0"/>
+          <a:chExt cx="0" cy="0"/>
+        </a:xfrm>
+      </p:grpSpPr>
+      <p:sp>
+        <p:nvSpPr>
+          <p:cNvPr id="2" name="幻灯片图像占位符 1"/>
+          <p:cNvSpPr>
+            <a:spLocks noGrp="1" noRot="1" noChangeAspect="1"/>
+          </p:cNvSpPr>
+          <p:nvPr>
+            <p:ph type="sldImg"/>
+          </p:nvPr>
+        </p:nvSpPr>
+        <p:spPr/>
+      </p:sp>
+      <p:sp>
+        <p:nvSpPr>
+          <p:cNvPr id="3" name="备注占位符 2"/>
+          <p:cNvSpPr>
+            <a:spLocks noGrp="1"/>
+          </p:cNvSpPr>
+          <p:nvPr>
+            <p:ph type="body" idx="1"/>
+          </p:nvPr>
+        </p:nvSpPr>
+        <p:spPr/>
+        <p:txBody>
+          <a:bodyPr/>
+          <a:lstStyle/>
+          <a:p>
+            <a:r>
+              <a:rPr kumimoji="1" lang="zh-CN" altLang="en-US" dirty="0" smtClean="0"/>
+              <a:t>用户、开发管理、日志分析、</a:t>
+            </a:r>
+            <a:r>
+              <a:rPr kumimoji="1" lang="is-IS" altLang="zh-CN" dirty="0" smtClean="0"/>
+              <a:t>…</a:t>
+            </a:r>
+            <a:endParaRPr kumimoji="1" lang="zh-CN" altLang="en-US" dirty="0"/>
+          </a:p>
+        </p:txBody>
+      </p:sp>
+      <p:sp>
+        <p:nvSpPr>
+          <p:cNvPr id="4" name="幻灯片编号占位符 3"/>
+          <p:cNvSpPr>
+            <a:spLocks noGrp="1"/>
+          </p:cNvSpPr>
+          <p:nvPr>
+            <p:ph type="sldNum" sz="quarter" idx="10"/>
+          </p:nvPr>
+        </p:nvSpPr>
+        <p:spPr/>
+        <p:txBody>
+          <a:bodyPr/>
+          <a:lstStyle/>
+          <a:p>
+            <a:fld id="{1537D9F3-22A8-4B09-B716-F97D62E56ADC}" type="slidenum">
+              <a:rPr lang="zh-CN" altLang="en-US" smtClean="0"/>
+              <a:pPr/>
+              <a:t>25</a:t>
+            </a:fld>
+            <a:endParaRPr lang="zh-CN" altLang="en-US"/>
+          </a:p>
+        </p:txBody>
+      </p:sp>
+    </p:spTree>
+    <p:extLst>
+      <p:ext uri="{BB962C8B-B14F-4D97-AF65-F5344CB8AC3E}">
+        <p14:creationId xmlns:p14="http://schemas.microsoft.com/office/powerpoint/2010/main" val="26104548"/>
+      </p:ext>
+    </p:extLst>
+  </p:cSld>
+  <p:clrMapOvr>
+    <a:masterClrMapping/>
+  </p:clrMapOvr>
+</p:notes>
+</file>
+
 <file path=ppt/notesSlides/notesSlide2.xml><?xml version="1.0" encoding="utf-8"?>
 <p:notes xmlns:a="http://schemas.openxmlformats.org/drawingml/2006/main" xmlns:r="http://schemas.openxmlformats.org/officeDocument/2006/relationships" xmlns:p="http://schemas.openxmlformats.org/presentationml/2006/main">
   <p:cSld>
@@ -1869,6 +1965,99 @@
     <p:extLst>
       <p:ext uri="{BB962C8B-B14F-4D97-AF65-F5344CB8AC3E}">
         <p14:creationId xmlns:p14="http://schemas.microsoft.com/office/powerpoint/2010/main" val="1780873329"/>
+      </p:ext>
+    </p:extLst>
+  </p:cSld>
+  <p:clrMapOvr>
+    <a:masterClrMapping/>
+  </p:clrMapOvr>
+</p:notes>
+</file>
+
+<file path=ppt/notesSlides/notesSlide20.xml><?xml version="1.0" encoding="utf-8"?>
+<p:notes xmlns:a="http://schemas.openxmlformats.org/drawingml/2006/main" xmlns:r="http://schemas.openxmlformats.org/officeDocument/2006/relationships" xmlns:p="http://schemas.openxmlformats.org/presentationml/2006/main">
+  <p:cSld>
+    <p:spTree>
+      <p:nvGrpSpPr>
+        <p:cNvPr id="1" name=""/>
+        <p:cNvGrpSpPr/>
+        <p:nvPr/>
+      </p:nvGrpSpPr>
+      <p:grpSpPr>
+        <a:xfrm>
+          <a:off x="0" y="0"/>
+          <a:ext cx="0" cy="0"/>
+          <a:chOff x="0" y="0"/>
+          <a:chExt cx="0" cy="0"/>
+        </a:xfrm>
+      </p:grpSpPr>
+      <p:sp>
+        <p:nvSpPr>
+          <p:cNvPr id="2" name="幻灯片图像占位符 1"/>
+          <p:cNvSpPr>
+            <a:spLocks noGrp="1" noRot="1" noChangeAspect="1"/>
+          </p:cNvSpPr>
+          <p:nvPr>
+            <p:ph type="sldImg"/>
+          </p:nvPr>
+        </p:nvSpPr>
+        <p:spPr/>
+      </p:sp>
+      <p:sp>
+        <p:nvSpPr>
+          <p:cNvPr id="3" name="备注占位符 2"/>
+          <p:cNvSpPr>
+            <a:spLocks noGrp="1"/>
+          </p:cNvSpPr>
+          <p:nvPr>
+            <p:ph type="body" idx="1"/>
+          </p:nvPr>
+        </p:nvSpPr>
+        <p:spPr/>
+        <p:txBody>
+          <a:bodyPr/>
+          <a:lstStyle/>
+          <a:p>
+            <a:r>
+              <a:rPr kumimoji="1" lang="zh-CN" altLang="en-US" dirty="0" smtClean="0"/>
+              <a:t>用户、开发管理、日志分析、</a:t>
+            </a:r>
+            <a:r>
+              <a:rPr kumimoji="1" lang="is-IS" altLang="zh-CN" dirty="0" smtClean="0"/>
+              <a:t>…</a:t>
+            </a:r>
+            <a:endParaRPr kumimoji="1" lang="zh-CN" altLang="en-US" dirty="0"/>
+          </a:p>
+        </p:txBody>
+      </p:sp>
+      <p:sp>
+        <p:nvSpPr>
+          <p:cNvPr id="4" name="幻灯片编号占位符 3"/>
+          <p:cNvSpPr>
+            <a:spLocks noGrp="1"/>
+          </p:cNvSpPr>
+          <p:nvPr>
+            <p:ph type="sldNum" sz="quarter" idx="10"/>
+          </p:nvPr>
+        </p:nvSpPr>
+        <p:spPr/>
+        <p:txBody>
+          <a:bodyPr/>
+          <a:lstStyle/>
+          <a:p>
+            <a:fld id="{1537D9F3-22A8-4B09-B716-F97D62E56ADC}" type="slidenum">
+              <a:rPr lang="zh-CN" altLang="en-US" smtClean="0"/>
+              <a:pPr/>
+              <a:t>26</a:t>
+            </a:fld>
+            <a:endParaRPr lang="zh-CN" altLang="en-US"/>
+          </a:p>
+        </p:txBody>
+      </p:sp>
+    </p:spTree>
+    <p:extLst>
+      <p:ext uri="{BB962C8B-B14F-4D97-AF65-F5344CB8AC3E}">
+        <p14:creationId xmlns:p14="http://schemas.microsoft.com/office/powerpoint/2010/main" val="824638046"/>
       </p:ext>
     </p:extLst>
   </p:cSld>
@@ -19484,6 +19673,604 @@
 </p:sld>
 </file>
 
+<file path=ppt/slides/slide24.xml><?xml version="1.0" encoding="utf-8"?>
+<p:sld xmlns:a="http://schemas.openxmlformats.org/drawingml/2006/main" xmlns:r="http://schemas.openxmlformats.org/officeDocument/2006/relationships" xmlns:p="http://schemas.openxmlformats.org/presentationml/2006/main">
+  <p:cSld>
+    <p:spTree>
+      <p:nvGrpSpPr>
+        <p:cNvPr id="1" name=""/>
+        <p:cNvGrpSpPr/>
+        <p:nvPr/>
+      </p:nvGrpSpPr>
+      <p:grpSpPr>
+        <a:xfrm>
+          <a:off x="0" y="0"/>
+          <a:ext cx="0" cy="0"/>
+          <a:chOff x="0" y="0"/>
+          <a:chExt cx="0" cy="0"/>
+        </a:xfrm>
+      </p:grpSpPr>
+      <p:sp>
+        <p:nvSpPr>
+          <p:cNvPr id="2" name="标题 1"/>
+          <p:cNvSpPr>
+            <a:spLocks noGrp="1"/>
+          </p:cNvSpPr>
+          <p:nvPr>
+            <p:ph type="title"/>
+          </p:nvPr>
+        </p:nvSpPr>
+        <p:spPr/>
+        <p:txBody>
+          <a:bodyPr/>
+          <a:lstStyle/>
+          <a:p>
+            <a:r>
+              <a:rPr kumimoji="1" lang="zh-CN" altLang="en-US" dirty="0" smtClean="0"/>
+              <a:t>测试</a:t>
+            </a:r>
+            <a:r>
+              <a:rPr kumimoji="1" lang="zh-CN" altLang="en-US" dirty="0" smtClean="0"/>
+              <a:t>管理</a:t>
+            </a:r>
+            <a:endParaRPr kumimoji="1" lang="zh-CN" altLang="en-US" dirty="0"/>
+          </a:p>
+        </p:txBody>
+      </p:sp>
+      <p:sp>
+        <p:nvSpPr>
+          <p:cNvPr id="3" name="文本占位符 2"/>
+          <p:cNvSpPr>
+            <a:spLocks noGrp="1"/>
+          </p:cNvSpPr>
+          <p:nvPr>
+            <p:ph type="body" idx="1"/>
+          </p:nvPr>
+        </p:nvSpPr>
+        <p:spPr>
+          <a:xfrm>
+            <a:off x="722313" y="627534"/>
+            <a:ext cx="7772400" cy="2205260"/>
+          </a:xfrm>
+        </p:spPr>
+        <p:txBody>
+          <a:bodyPr>
+            <a:normAutofit/>
+          </a:bodyPr>
+          <a:lstStyle/>
+          <a:p>
+            <a:r>
+              <a:rPr kumimoji="1" lang="zh-CN" altLang="en-US" sz="1800" dirty="0" smtClean="0"/>
+              <a:t>提供功能</a:t>
+            </a:r>
+            <a:r>
+              <a:rPr kumimoji="1" lang="zh-CN" altLang="en-US" sz="1800" dirty="0" smtClean="0"/>
+              <a:t>：</a:t>
+            </a:r>
+          </a:p>
+          <a:p>
+            <a:pPr marL="285750" indent="-285750">
+              <a:buFont typeface="Arial" charset="0"/>
+              <a:buChar char="•"/>
+            </a:pPr>
+            <a:r>
+              <a:rPr kumimoji="1" lang="zh-CN" altLang="en-US" sz="1800" dirty="0" smtClean="0"/>
+              <a:t>通用</a:t>
+            </a:r>
+            <a:r>
+              <a:rPr kumimoji="1" lang="en-US" altLang="zh-CN" sz="1800" dirty="0" smtClean="0"/>
+              <a:t>Controller</a:t>
+            </a:r>
+            <a:r>
+              <a:rPr kumimoji="1" lang="zh-CN" altLang="en-US" sz="1800" dirty="0" smtClean="0"/>
+              <a:t>测试：通过指定参数、</a:t>
+            </a:r>
+            <a:r>
+              <a:rPr kumimoji="1" lang="en-US" altLang="zh-CN" sz="1800" dirty="0" smtClean="0"/>
+              <a:t>URL</a:t>
+            </a:r>
+            <a:r>
+              <a:rPr kumimoji="1" lang="zh-CN" altLang="en-US" sz="1800" dirty="0" smtClean="0"/>
+              <a:t>进行</a:t>
+            </a:r>
+            <a:r>
+              <a:rPr kumimoji="1" lang="en-US" altLang="zh-CN" sz="1800" dirty="0" smtClean="0"/>
+              <a:t>POST</a:t>
+            </a:r>
+            <a:r>
+              <a:rPr kumimoji="1" lang="zh-CN" altLang="en-US" sz="1800" dirty="0" smtClean="0"/>
+              <a:t>、</a:t>
+            </a:r>
+            <a:r>
+              <a:rPr kumimoji="1" lang="en-US" altLang="zh-CN" sz="1800" dirty="0" smtClean="0"/>
+              <a:t>GET</a:t>
+            </a:r>
+            <a:r>
+              <a:rPr kumimoji="1" lang="zh-CN" altLang="en-US" sz="1800" dirty="0" smtClean="0"/>
+              <a:t>、</a:t>
+            </a:r>
+            <a:r>
+              <a:rPr kumimoji="1" lang="en-US" altLang="zh-CN" sz="1800" dirty="0" smtClean="0"/>
+              <a:t>PUT</a:t>
+            </a:r>
+            <a:r>
+              <a:rPr kumimoji="1" lang="zh-CN" altLang="en-US" sz="1800" dirty="0" smtClean="0"/>
+              <a:t>测试</a:t>
+            </a:r>
+            <a:endParaRPr kumimoji="1" lang="en-US" altLang="zh-CN" sz="1800" dirty="0" smtClean="0"/>
+          </a:p>
+          <a:p>
+            <a:pPr marL="285750" indent="-285750">
+              <a:buFont typeface="Arial" charset="0"/>
+              <a:buChar char="•"/>
+            </a:pPr>
+            <a:endParaRPr kumimoji="1" lang="zh-CN" altLang="en-US" sz="1800" dirty="0" smtClean="0"/>
+          </a:p>
+        </p:txBody>
+      </p:sp>
+      <p:sp>
+        <p:nvSpPr>
+          <p:cNvPr id="4" name="文本占位符 2"/>
+          <p:cNvSpPr txBox="1">
+            <a:spLocks/>
+          </p:cNvSpPr>
+          <p:nvPr/>
+        </p:nvSpPr>
+        <p:spPr>
+          <a:xfrm>
+            <a:off x="722313" y="3507854"/>
+            <a:ext cx="7772400" cy="1125140"/>
+          </a:xfrm>
+          <a:prstGeom prst="rect">
+            <a:avLst/>
+          </a:prstGeom>
+        </p:spPr>
+        <p:txBody>
+          <a:bodyPr vert="horz" lIns="91440" tIns="45720" rIns="91440" bIns="45720" rtlCol="0" anchor="ctr">
+            <a:normAutofit/>
+          </a:bodyPr>
+          <a:lstStyle>
+            <a:lvl1pPr marL="0" indent="0" algn="l" defTabSz="914400" rtl="0" eaLnBrk="1" latinLnBrk="0" hangingPunct="1">
+              <a:spcBef>
+                <a:spcPct val="20000"/>
+              </a:spcBef>
+              <a:buFont typeface="Arial" pitchFamily="34" charset="0"/>
+              <a:buNone/>
+              <a:defRPr sz="2000" kern="1200">
+                <a:solidFill>
+                  <a:schemeClr val="tx1">
+                    <a:tint val="75000"/>
+                  </a:schemeClr>
+                </a:solidFill>
+                <a:latin typeface="微软雅黑" pitchFamily="34" charset="-122"/>
+                <a:ea typeface="微软雅黑" pitchFamily="34" charset="-122"/>
+                <a:cs typeface="+mn-cs"/>
+              </a:defRPr>
+            </a:lvl1pPr>
+            <a:lvl2pPr marL="457200" indent="0" algn="l" defTabSz="914400" rtl="0" eaLnBrk="1" latinLnBrk="0" hangingPunct="1">
+              <a:spcBef>
+                <a:spcPct val="20000"/>
+              </a:spcBef>
+              <a:buFont typeface="Arial" pitchFamily="34" charset="0"/>
+              <a:buNone/>
+              <a:defRPr sz="1800" kern="1200">
+                <a:solidFill>
+                  <a:schemeClr val="tx1">
+                    <a:tint val="75000"/>
+                  </a:schemeClr>
+                </a:solidFill>
+                <a:latin typeface="微软雅黑" pitchFamily="34" charset="-122"/>
+                <a:ea typeface="微软雅黑" pitchFamily="34" charset="-122"/>
+                <a:cs typeface="+mn-cs"/>
+              </a:defRPr>
+            </a:lvl2pPr>
+            <a:lvl3pPr marL="914400" indent="0" algn="l" defTabSz="914400" rtl="0" eaLnBrk="1" latinLnBrk="0" hangingPunct="1">
+              <a:spcBef>
+                <a:spcPct val="20000"/>
+              </a:spcBef>
+              <a:buFont typeface="Arial" pitchFamily="34" charset="0"/>
+              <a:buNone/>
+              <a:defRPr sz="1600" kern="1200">
+                <a:solidFill>
+                  <a:schemeClr val="tx1">
+                    <a:tint val="75000"/>
+                  </a:schemeClr>
+                </a:solidFill>
+                <a:latin typeface="微软雅黑" pitchFamily="34" charset="-122"/>
+                <a:ea typeface="微软雅黑" pitchFamily="34" charset="-122"/>
+                <a:cs typeface="+mn-cs"/>
+              </a:defRPr>
+            </a:lvl3pPr>
+            <a:lvl4pPr marL="1371600" indent="0" algn="l" defTabSz="914400" rtl="0" eaLnBrk="1" latinLnBrk="0" hangingPunct="1">
+              <a:spcBef>
+                <a:spcPct val="20000"/>
+              </a:spcBef>
+              <a:buFont typeface="Arial" pitchFamily="34" charset="0"/>
+              <a:buNone/>
+              <a:defRPr sz="1400" kern="1200">
+                <a:solidFill>
+                  <a:schemeClr val="tx1">
+                    <a:tint val="75000"/>
+                  </a:schemeClr>
+                </a:solidFill>
+                <a:latin typeface="微软雅黑" pitchFamily="34" charset="-122"/>
+                <a:ea typeface="微软雅黑" pitchFamily="34" charset="-122"/>
+                <a:cs typeface="+mn-cs"/>
+              </a:defRPr>
+            </a:lvl4pPr>
+            <a:lvl5pPr marL="1828800" indent="0" algn="l" defTabSz="914400" rtl="0" eaLnBrk="1" latinLnBrk="0" hangingPunct="1">
+              <a:spcBef>
+                <a:spcPct val="20000"/>
+              </a:spcBef>
+              <a:buFont typeface="Arial" pitchFamily="34" charset="0"/>
+              <a:buNone/>
+              <a:defRPr sz="1400" kern="1200">
+                <a:solidFill>
+                  <a:schemeClr val="tx1">
+                    <a:tint val="75000"/>
+                  </a:schemeClr>
+                </a:solidFill>
+                <a:latin typeface="微软雅黑" pitchFamily="34" charset="-122"/>
+                <a:ea typeface="微软雅黑" pitchFamily="34" charset="-122"/>
+                <a:cs typeface="+mn-cs"/>
+              </a:defRPr>
+            </a:lvl5pPr>
+            <a:lvl6pPr marL="2286000" indent="0" algn="l" defTabSz="914400" rtl="0" eaLnBrk="1" latinLnBrk="0" hangingPunct="1">
+              <a:spcBef>
+                <a:spcPct val="20000"/>
+              </a:spcBef>
+              <a:buFont typeface="Arial" pitchFamily="34" charset="0"/>
+              <a:buNone/>
+              <a:defRPr sz="1400" kern="1200">
+                <a:solidFill>
+                  <a:schemeClr val="tx1">
+                    <a:tint val="75000"/>
+                  </a:schemeClr>
+                </a:solidFill>
+                <a:latin typeface="+mn-lt"/>
+                <a:ea typeface="+mn-ea"/>
+                <a:cs typeface="+mn-cs"/>
+              </a:defRPr>
+            </a:lvl6pPr>
+            <a:lvl7pPr marL="2743200" indent="0" algn="l" defTabSz="914400" rtl="0" eaLnBrk="1" latinLnBrk="0" hangingPunct="1">
+              <a:spcBef>
+                <a:spcPct val="20000"/>
+              </a:spcBef>
+              <a:buFont typeface="Arial" pitchFamily="34" charset="0"/>
+              <a:buNone/>
+              <a:defRPr sz="1400" kern="1200">
+                <a:solidFill>
+                  <a:schemeClr val="tx1">
+                    <a:tint val="75000"/>
+                  </a:schemeClr>
+                </a:solidFill>
+                <a:latin typeface="+mn-lt"/>
+                <a:ea typeface="+mn-ea"/>
+                <a:cs typeface="+mn-cs"/>
+              </a:defRPr>
+            </a:lvl7pPr>
+            <a:lvl8pPr marL="3200400" indent="0" algn="l" defTabSz="914400" rtl="0" eaLnBrk="1" latinLnBrk="0" hangingPunct="1">
+              <a:spcBef>
+                <a:spcPct val="20000"/>
+              </a:spcBef>
+              <a:buFont typeface="Arial" pitchFamily="34" charset="0"/>
+              <a:buNone/>
+              <a:defRPr sz="1400" kern="1200">
+                <a:solidFill>
+                  <a:schemeClr val="tx1">
+                    <a:tint val="75000"/>
+                  </a:schemeClr>
+                </a:solidFill>
+                <a:latin typeface="+mn-lt"/>
+                <a:ea typeface="+mn-ea"/>
+                <a:cs typeface="+mn-cs"/>
+              </a:defRPr>
+            </a:lvl8pPr>
+            <a:lvl9pPr marL="3657600" indent="0" algn="l" defTabSz="914400" rtl="0" eaLnBrk="1" latinLnBrk="0" hangingPunct="1">
+              <a:spcBef>
+                <a:spcPct val="20000"/>
+              </a:spcBef>
+              <a:buFont typeface="Arial" pitchFamily="34" charset="0"/>
+              <a:buNone/>
+              <a:defRPr sz="1400" kern="1200">
+                <a:solidFill>
+                  <a:schemeClr val="tx1">
+                    <a:tint val="75000"/>
+                  </a:schemeClr>
+                </a:solidFill>
+                <a:latin typeface="+mn-lt"/>
+                <a:ea typeface="+mn-ea"/>
+                <a:cs typeface="+mn-cs"/>
+              </a:defRPr>
+            </a:lvl9pPr>
+          </a:lstStyle>
+          <a:p>
+            <a:r>
+              <a:rPr kumimoji="1" lang="en-US" altLang="zh-CN" dirty="0" smtClean="0">
+                <a:solidFill>
+                  <a:schemeClr val="tx1"/>
+                </a:solidFill>
+              </a:rPr>
+              <a:t>User</a:t>
+            </a:r>
+            <a:r>
+              <a:rPr kumimoji="1" lang="zh-CN" altLang="en-US" dirty="0" smtClean="0">
+                <a:solidFill>
+                  <a:schemeClr val="tx1"/>
+                </a:solidFill>
+              </a:rPr>
+              <a:t> </a:t>
+            </a:r>
+            <a:r>
+              <a:rPr kumimoji="1" lang="en-US" altLang="zh-CN" dirty="0" smtClean="0">
+                <a:solidFill>
+                  <a:schemeClr val="tx1"/>
+                </a:solidFill>
+              </a:rPr>
+              <a:t>Manager</a:t>
+            </a:r>
+            <a:endParaRPr kumimoji="1" lang="zh-CN" altLang="en-US" dirty="0">
+              <a:solidFill>
+                <a:schemeClr val="tx1"/>
+              </a:solidFill>
+            </a:endParaRPr>
+          </a:p>
+        </p:txBody>
+      </p:sp>
+    </p:spTree>
+    <p:extLst>
+      <p:ext uri="{BB962C8B-B14F-4D97-AF65-F5344CB8AC3E}">
+        <p14:creationId xmlns:p14="http://schemas.microsoft.com/office/powerpoint/2010/main" val="84674103"/>
+      </p:ext>
+    </p:extLst>
+  </p:cSld>
+  <p:clrMapOvr>
+    <a:masterClrMapping/>
+  </p:clrMapOvr>
+  <p:timing>
+    <p:tnLst>
+      <p:par>
+        <p:cTn id="1" dur="indefinite" restart="never" nodeType="tmRoot"/>
+      </p:par>
+    </p:tnLst>
+  </p:timing>
+</p:sld>
+</file>
+
+<file path=ppt/slides/slide25.xml><?xml version="1.0" encoding="utf-8"?>
+<p:sld xmlns:a="http://schemas.openxmlformats.org/drawingml/2006/main" xmlns:r="http://schemas.openxmlformats.org/officeDocument/2006/relationships" xmlns:p="http://schemas.openxmlformats.org/presentationml/2006/main">
+  <p:cSld>
+    <p:spTree>
+      <p:nvGrpSpPr>
+        <p:cNvPr id="1" name=""/>
+        <p:cNvGrpSpPr/>
+        <p:nvPr/>
+      </p:nvGrpSpPr>
+      <p:grpSpPr>
+        <a:xfrm>
+          <a:off x="0" y="0"/>
+          <a:ext cx="0" cy="0"/>
+          <a:chOff x="0" y="0"/>
+          <a:chExt cx="0" cy="0"/>
+        </a:xfrm>
+      </p:grpSpPr>
+      <p:sp>
+        <p:nvSpPr>
+          <p:cNvPr id="18" name="标题 1"/>
+          <p:cNvSpPr txBox="1">
+            <a:spLocks/>
+          </p:cNvSpPr>
+          <p:nvPr/>
+        </p:nvSpPr>
+        <p:spPr>
+          <a:xfrm>
+            <a:off x="0" y="0"/>
+            <a:ext cx="9144000" cy="504056"/>
+          </a:xfrm>
+          <a:prstGeom prst="rect">
+            <a:avLst/>
+          </a:prstGeom>
+        </p:spPr>
+        <p:txBody>
+          <a:bodyPr/>
+          <a:lstStyle>
+            <a:lvl1pPr algn="ctr" defTabSz="914400" rtl="0" eaLnBrk="1" latinLnBrk="0" hangingPunct="1">
+              <a:spcBef>
+                <a:spcPct val="0"/>
+              </a:spcBef>
+              <a:buNone/>
+              <a:defRPr sz="4400" kern="1200">
+                <a:solidFill>
+                  <a:schemeClr val="tx1"/>
+                </a:solidFill>
+                <a:latin typeface="微软雅黑" pitchFamily="34" charset="-122"/>
+                <a:ea typeface="微软雅黑" pitchFamily="34" charset="-122"/>
+                <a:cs typeface="+mj-cs"/>
+              </a:defRPr>
+            </a:lvl1pPr>
+          </a:lstStyle>
+          <a:p>
+            <a:r>
+              <a:rPr kumimoji="1" lang="zh-CN" altLang="en-US" sz="3000" dirty="0" smtClean="0"/>
+              <a:t>通用</a:t>
+            </a:r>
+            <a:r>
+              <a:rPr kumimoji="1" lang="en-US" altLang="zh-CN" sz="3000" dirty="0" smtClean="0"/>
+              <a:t>Controller</a:t>
+            </a:r>
+            <a:r>
+              <a:rPr kumimoji="1" lang="zh-CN" altLang="en-US" sz="3000" dirty="0" smtClean="0"/>
+              <a:t>测试 </a:t>
+            </a:r>
+            <a:r>
+              <a:rPr kumimoji="1" lang="en-US" altLang="zh-CN" sz="3000" dirty="0" smtClean="0"/>
+              <a:t>POST</a:t>
+            </a:r>
+            <a:endParaRPr kumimoji="1" lang="zh-CN" altLang="en-US" sz="3000" dirty="0"/>
+          </a:p>
+        </p:txBody>
+      </p:sp>
+      <p:pic>
+        <p:nvPicPr>
+          <p:cNvPr id="2" name="图片 1"/>
+          <p:cNvPicPr>
+            <a:picLocks noChangeAspect="1"/>
+          </p:cNvPicPr>
+          <p:nvPr/>
+        </p:nvPicPr>
+        <p:blipFill>
+          <a:blip r:embed="rId3"/>
+          <a:stretch>
+            <a:fillRect/>
+          </a:stretch>
+        </p:blipFill>
+        <p:spPr>
+          <a:xfrm>
+            <a:off x="1187624" y="1131590"/>
+            <a:ext cx="6948264" cy="3235886"/>
+          </a:xfrm>
+          <a:prstGeom prst="rect">
+            <a:avLst/>
+          </a:prstGeom>
+        </p:spPr>
+      </p:pic>
+    </p:spTree>
+    <p:extLst>
+      <p:ext uri="{BB962C8B-B14F-4D97-AF65-F5344CB8AC3E}">
+        <p14:creationId xmlns:p14="http://schemas.microsoft.com/office/powerpoint/2010/main" val="162656797"/>
+      </p:ext>
+    </p:extLst>
+  </p:cSld>
+  <p:clrMapOvr>
+    <a:masterClrMapping/>
+  </p:clrMapOvr>
+  <p:timing>
+    <p:tnLst>
+      <p:par>
+        <p:cTn id="1" dur="indefinite" restart="never" nodeType="tmRoot"/>
+      </p:par>
+    </p:tnLst>
+  </p:timing>
+</p:sld>
+</file>
+
+<file path=ppt/slides/slide26.xml><?xml version="1.0" encoding="utf-8"?>
+<p:sld xmlns:a="http://schemas.openxmlformats.org/drawingml/2006/main" xmlns:r="http://schemas.openxmlformats.org/officeDocument/2006/relationships" xmlns:p="http://schemas.openxmlformats.org/presentationml/2006/main">
+  <p:cSld>
+    <p:spTree>
+      <p:nvGrpSpPr>
+        <p:cNvPr id="1" name=""/>
+        <p:cNvGrpSpPr/>
+        <p:nvPr/>
+      </p:nvGrpSpPr>
+      <p:grpSpPr>
+        <a:xfrm>
+          <a:off x="0" y="0"/>
+          <a:ext cx="0" cy="0"/>
+          <a:chOff x="0" y="0"/>
+          <a:chExt cx="0" cy="0"/>
+        </a:xfrm>
+      </p:grpSpPr>
+      <p:sp>
+        <p:nvSpPr>
+          <p:cNvPr id="18" name="标题 1"/>
+          <p:cNvSpPr txBox="1">
+            <a:spLocks/>
+          </p:cNvSpPr>
+          <p:nvPr/>
+        </p:nvSpPr>
+        <p:spPr>
+          <a:xfrm>
+            <a:off x="0" y="0"/>
+            <a:ext cx="9144000" cy="504056"/>
+          </a:xfrm>
+          <a:prstGeom prst="rect">
+            <a:avLst/>
+          </a:prstGeom>
+        </p:spPr>
+        <p:txBody>
+          <a:bodyPr/>
+          <a:lstStyle>
+            <a:lvl1pPr algn="ctr" defTabSz="914400" rtl="0" eaLnBrk="1" latinLnBrk="0" hangingPunct="1">
+              <a:spcBef>
+                <a:spcPct val="0"/>
+              </a:spcBef>
+              <a:buNone/>
+              <a:defRPr sz="4400" kern="1200">
+                <a:solidFill>
+                  <a:schemeClr val="tx1"/>
+                </a:solidFill>
+                <a:latin typeface="微软雅黑" pitchFamily="34" charset="-122"/>
+                <a:ea typeface="微软雅黑" pitchFamily="34" charset="-122"/>
+                <a:cs typeface="+mj-cs"/>
+              </a:defRPr>
+            </a:lvl1pPr>
+          </a:lstStyle>
+          <a:p>
+            <a:r>
+              <a:rPr kumimoji="1" lang="zh-CN" altLang="en-US" sz="3000" dirty="0" smtClean="0"/>
+              <a:t>通用</a:t>
+            </a:r>
+            <a:r>
+              <a:rPr kumimoji="1" lang="en-US" altLang="zh-CN" sz="3000" dirty="0" smtClean="0"/>
+              <a:t>Controller</a:t>
+            </a:r>
+            <a:r>
+              <a:rPr kumimoji="1" lang="zh-CN" altLang="en-US" sz="3000" dirty="0" smtClean="0"/>
+              <a:t>测试 </a:t>
+            </a:r>
+            <a:r>
+              <a:rPr kumimoji="1" lang="en-US" altLang="zh-CN" sz="3000" dirty="0" smtClean="0"/>
+              <a:t>GET</a:t>
+            </a:r>
+            <a:endParaRPr kumimoji="1" lang="zh-CN" altLang="en-US" sz="3000" dirty="0"/>
+          </a:p>
+        </p:txBody>
+      </p:sp>
+      <p:pic>
+        <p:nvPicPr>
+          <p:cNvPr id="3" name="图片 2"/>
+          <p:cNvPicPr>
+            <a:picLocks noChangeAspect="1"/>
+          </p:cNvPicPr>
+          <p:nvPr/>
+        </p:nvPicPr>
+        <p:blipFill>
+          <a:blip r:embed="rId3"/>
+          <a:stretch>
+            <a:fillRect/>
+          </a:stretch>
+        </p:blipFill>
+        <p:spPr>
+          <a:xfrm>
+            <a:off x="598955" y="987574"/>
+            <a:ext cx="7946090" cy="3222042"/>
+          </a:xfrm>
+          <a:prstGeom prst="rect">
+            <a:avLst/>
+          </a:prstGeom>
+        </p:spPr>
+      </p:pic>
+    </p:spTree>
+    <p:extLst>
+      <p:ext uri="{BB962C8B-B14F-4D97-AF65-F5344CB8AC3E}">
+        <p14:creationId xmlns:p14="http://schemas.microsoft.com/office/powerpoint/2010/main" val="863923459"/>
+      </p:ext>
+    </p:extLst>
+  </p:cSld>
+  <p:clrMapOvr>
+    <a:masterClrMapping/>
+  </p:clrMapOvr>
+  <p:timing>
+    <p:tnLst>
+      <p:par>
+        <p:cTn id="1" dur="indefinite" restart="never" nodeType="tmRoot"/>
+      </p:par>
+    </p:tnLst>
+  </p:timing>
+</p:sld>
+</file>
+
 <file path=ppt/slides/slide3.xml><?xml version="1.0" encoding="utf-8"?>
 <p:sld xmlns:a="http://schemas.openxmlformats.org/drawingml/2006/main" xmlns:r="http://schemas.openxmlformats.org/officeDocument/2006/relationships" xmlns:p="http://schemas.openxmlformats.org/presentationml/2006/main">
   <p:cSld>

--- a/TIStools.pptx
+++ b/TIStools.pptx
@@ -251,7 +251,7 @@
             <a:fld id="{5C979E5A-5764-4AAB-A962-3E8F18291B4D}" type="datetimeFigureOut">
               <a:rPr lang="zh-CN" altLang="en-US" smtClean="0"/>
               <a:pPr/>
-              <a:t>16/12/11</a:t>
+              <a:t>16/12/13</a:t>
             </a:fld>
             <a:endParaRPr lang="zh-CN" altLang="en-US"/>
           </a:p>
@@ -418,7 +418,7 @@
             <a:fld id="{01776D96-E550-42A4-AAC9-143101C0E129}" type="datetimeFigureOut">
               <a:rPr lang="zh-CN" altLang="en-US" smtClean="0"/>
               <a:pPr/>
-              <a:t>16/12/11</a:t>
+              <a:t>16/12/13</a:t>
             </a:fld>
             <a:endParaRPr lang="zh-CN" altLang="en-US"/>
           </a:p>
@@ -4479,7 +4479,7 @@
             <a:fld id="{530820CF-B880-4189-942D-D702A7CBA730}" type="datetimeFigureOut">
               <a:rPr lang="zh-CN" altLang="en-US" smtClean="0"/>
               <a:pPr/>
-              <a:t>16/12/11</a:t>
+              <a:t>16/12/13</a:t>
             </a:fld>
             <a:endParaRPr lang="zh-CN" altLang="en-US"/>
           </a:p>
@@ -19707,11 +19707,7 @@
           <a:p>
             <a:r>
               <a:rPr kumimoji="1" lang="zh-CN" altLang="en-US" dirty="0" smtClean="0"/>
-              <a:t>测试</a:t>
-            </a:r>
-            <a:r>
-              <a:rPr kumimoji="1" lang="zh-CN" altLang="en-US" dirty="0" smtClean="0"/>
-              <a:t>管理</a:t>
+              <a:t>测试管理</a:t>
             </a:r>
             <a:endParaRPr kumimoji="1" lang="zh-CN" altLang="en-US" dirty="0"/>
           </a:p>
@@ -19741,11 +19737,7 @@
           <a:p>
             <a:r>
               <a:rPr kumimoji="1" lang="zh-CN" altLang="en-US" sz="1800" dirty="0" smtClean="0"/>
-              <a:t>提供功能</a:t>
-            </a:r>
-            <a:r>
-              <a:rPr kumimoji="1" lang="zh-CN" altLang="en-US" sz="1800" dirty="0" smtClean="0"/>
-              <a:t>：</a:t>
+              <a:t>提供功能：</a:t>
             </a:r>
           </a:p>
           <a:p>
@@ -27684,7 +27676,7 @@
         </p:blipFill>
         <p:spPr>
           <a:xfrm>
-            <a:off x="2989103" y="3043163"/>
+            <a:off x="3203848" y="3043163"/>
             <a:ext cx="1143469" cy="1390030"/>
           </a:xfrm>
           <a:prstGeom prst="rect">
@@ -27782,6 +27774,30 @@
           <a:xfrm>
             <a:off x="5463729" y="3826996"/>
             <a:ext cx="3030984" cy="606197"/>
+          </a:xfrm>
+          <a:prstGeom prst="rect">
+            <a:avLst/>
+          </a:prstGeom>
+        </p:spPr>
+      </p:pic>
+      <p:pic>
+        <p:nvPicPr>
+          <p:cNvPr id="12" name="图片 11"/>
+          <p:cNvPicPr>
+            <a:picLocks noChangeAspect="1"/>
+          </p:cNvPicPr>
+          <p:nvPr/>
+        </p:nvPicPr>
+        <p:blipFill>
+          <a:blip r:embed="rId9"/>
+          <a:stretch>
+            <a:fillRect/>
+          </a:stretch>
+        </p:blipFill>
+        <p:spPr>
+          <a:xfrm>
+            <a:off x="5920805" y="2152982"/>
+            <a:ext cx="1759012" cy="498544"/>
           </a:xfrm>
           <a:prstGeom prst="rect">
             <a:avLst/>

--- a/TIStools.pptx
+++ b/TIStools.pptx
@@ -251,7 +251,7 @@
             <a:fld id="{5C979E5A-5764-4AAB-A962-3E8F18291B4D}" type="datetimeFigureOut">
               <a:rPr lang="zh-CN" altLang="en-US" smtClean="0"/>
               <a:pPr/>
-              <a:t>16/12/13</a:t>
+              <a:t>16/12/16</a:t>
             </a:fld>
             <a:endParaRPr lang="zh-CN" altLang="en-US"/>
           </a:p>
@@ -418,7 +418,7 @@
             <a:fld id="{01776D96-E550-42A4-AAC9-143101C0E129}" type="datetimeFigureOut">
               <a:rPr lang="zh-CN" altLang="en-US" smtClean="0"/>
               <a:pPr/>
-              <a:t>16/12/13</a:t>
+              <a:t>16/12/16</a:t>
             </a:fld>
             <a:endParaRPr lang="zh-CN" altLang="en-US"/>
           </a:p>
@@ -4479,7 +4479,7 @@
             <a:fld id="{530820CF-B880-4189-942D-D702A7CBA730}" type="datetimeFigureOut">
               <a:rPr lang="zh-CN" altLang="en-US" smtClean="0"/>
               <a:pPr/>
-              <a:t>16/12/13</a:t>
+              <a:t>16/12/16</a:t>
             </a:fld>
             <a:endParaRPr lang="zh-CN" altLang="en-US"/>
           </a:p>

--- a/TIStools.pptx
+++ b/TIStools.pptx
@@ -251,7 +251,7 @@
             <a:fld id="{5C979E5A-5764-4AAB-A962-3E8F18291B4D}" type="datetimeFigureOut">
               <a:rPr lang="zh-CN" altLang="en-US" smtClean="0"/>
               <a:pPr/>
-              <a:t>16/12/16</a:t>
+              <a:t>16/12/21</a:t>
             </a:fld>
             <a:endParaRPr lang="zh-CN" altLang="en-US"/>
           </a:p>
@@ -418,7 +418,7 @@
             <a:fld id="{01776D96-E550-42A4-AAC9-143101C0E129}" type="datetimeFigureOut">
               <a:rPr lang="zh-CN" altLang="en-US" smtClean="0"/>
               <a:pPr/>
-              <a:t>16/12/16</a:t>
+              <a:t>16/12/21</a:t>
             </a:fld>
             <a:endParaRPr lang="zh-CN" altLang="en-US"/>
           </a:p>
@@ -4479,7 +4479,7 @@
             <a:fld id="{530820CF-B880-4189-942D-D702A7CBA730}" type="datetimeFigureOut">
               <a:rPr lang="zh-CN" altLang="en-US" smtClean="0"/>
               <a:pPr/>
-              <a:t>16/12/16</a:t>
+              <a:t>16/12/21</a:t>
             </a:fld>
             <a:endParaRPr lang="zh-CN" altLang="en-US"/>
           </a:p>

--- a/TIStools.pptx
+++ b/TIStools.pptx
@@ -251,7 +251,7 @@
             <a:fld id="{5C979E5A-5764-4AAB-A962-3E8F18291B4D}" type="datetimeFigureOut">
               <a:rPr lang="zh-CN" altLang="en-US" smtClean="0"/>
               <a:pPr/>
-              <a:t>16/12/21</a:t>
+              <a:t>16/12/23</a:t>
             </a:fld>
             <a:endParaRPr lang="zh-CN" altLang="en-US"/>
           </a:p>
@@ -418,7 +418,7 @@
             <a:fld id="{01776D96-E550-42A4-AAC9-143101C0E129}" type="datetimeFigureOut">
               <a:rPr lang="zh-CN" altLang="en-US" smtClean="0"/>
               <a:pPr/>
-              <a:t>16/12/21</a:t>
+              <a:t>16/12/23</a:t>
             </a:fld>
             <a:endParaRPr lang="zh-CN" altLang="en-US"/>
           </a:p>
@@ -4479,7 +4479,7 @@
             <a:fld id="{530820CF-B880-4189-942D-D702A7CBA730}" type="datetimeFigureOut">
               <a:rPr lang="zh-CN" altLang="en-US" smtClean="0"/>
               <a:pPr/>
-              <a:t>16/12/21</a:t>
+              <a:t>16/12/23</a:t>
             </a:fld>
             <a:endParaRPr lang="zh-CN" altLang="en-US"/>
           </a:p>
@@ -20971,7 +20971,15 @@
             <a:pPr algn="ctr"/>
             <a:r>
               <a:rPr kumimoji="1" lang="en-US" altLang="zh-CN" dirty="0" smtClean="0"/>
-              <a:t>Biz</a:t>
+              <a:t>Service </a:t>
+            </a:r>
+            <a:r>
+              <a:rPr kumimoji="1" lang="en-US" altLang="zh-CN" dirty="0" err="1" smtClean="0"/>
+              <a:t>impl</a:t>
+            </a:r>
+            <a:r>
+              <a:rPr kumimoji="1" lang="en-US" altLang="zh-CN" dirty="0" smtClean="0"/>
+              <a:t> </a:t>
             </a:r>
             <a:endParaRPr kumimoji="1" lang="zh-CN" altLang="en-US" dirty="0"/>
           </a:p>
@@ -21122,8 +21130,12 @@
           <a:p>
             <a:pPr algn="ctr"/>
             <a:r>
-              <a:rPr kumimoji="1" lang="en-US" altLang="zh-CN" dirty="0" smtClean="0"/>
-              <a:t>Biz</a:t>
+              <a:rPr kumimoji="1" lang="en-US" altLang="zh-CN" dirty="0"/>
+              <a:t>Service </a:t>
+            </a:r>
+            <a:r>
+              <a:rPr kumimoji="1" lang="en-US" altLang="zh-CN" dirty="0" err="1" smtClean="0"/>
+              <a:t>impl</a:t>
             </a:r>
             <a:endParaRPr kumimoji="1" lang="zh-CN" altLang="en-US" dirty="0"/>
           </a:p>
@@ -21366,8 +21378,12 @@
           <a:p>
             <a:pPr algn="ctr"/>
             <a:r>
-              <a:rPr kumimoji="1" lang="en-US" altLang="zh-CN" dirty="0" smtClean="0"/>
-              <a:t>Biz</a:t>
+              <a:rPr kumimoji="1" lang="en-US" altLang="zh-CN" dirty="0"/>
+              <a:t>Service </a:t>
+            </a:r>
+            <a:r>
+              <a:rPr kumimoji="1" lang="en-US" altLang="zh-CN" dirty="0" err="1"/>
+              <a:t>impl</a:t>
             </a:r>
             <a:endParaRPr kumimoji="1" lang="zh-CN" altLang="en-US" dirty="0"/>
           </a:p>
@@ -21609,8 +21625,8 @@
         </p:nvSpPr>
         <p:spPr>
           <a:xfrm>
-            <a:off x="5857041" y="3248389"/>
-            <a:ext cx="582211" cy="338554"/>
+            <a:off x="5724128" y="3248389"/>
+            <a:ext cx="1053494" cy="338554"/>
           </a:xfrm>
           <a:prstGeom prst="rect">
             <a:avLst/>
@@ -21623,13 +21639,22 @@
           <a:lstStyle/>
           <a:p>
             <a:r>
-              <a:rPr lang="en-US" altLang="zh-CN" sz="1600" dirty="0">
+              <a:rPr lang="en-US" altLang="zh-CN" sz="1600" dirty="0" smtClean="0">
                 <a:solidFill>
                   <a:srgbClr val="666666"/>
                 </a:solidFill>
                 <a:latin typeface="Microsoft YaHei" charset="0"/>
               </a:rPr>
               <a:t>RPC</a:t>
+            </a:r>
+            <a:r>
+              <a:rPr lang="zh-CN" altLang="en-US" sz="1600" dirty="0" smtClean="0">
+                <a:solidFill>
+                  <a:srgbClr val="666666"/>
+                </a:solidFill>
+                <a:latin typeface="Microsoft YaHei" charset="0"/>
+              </a:rPr>
+              <a:t> 调用</a:t>
             </a:r>
             <a:endParaRPr lang="zh-CN" altLang="en-US" sz="1600" dirty="0"/>
           </a:p>
@@ -22161,7 +22186,7 @@
             <a:pPr algn="ctr"/>
             <a:r>
               <a:rPr kumimoji="1" lang="en-US" altLang="zh-CN" dirty="0" smtClean="0"/>
-              <a:t>Biz</a:t>
+              <a:t>Service</a:t>
             </a:r>
             <a:endParaRPr kumimoji="1" lang="zh-CN" altLang="en-US" dirty="0"/>
           </a:p>
@@ -22437,7 +22462,7 @@
             <a:pPr algn="ctr"/>
             <a:r>
               <a:rPr kumimoji="1" lang="en-US" altLang="zh-CN" dirty="0" smtClean="0"/>
-              <a:t>Biz</a:t>
+              <a:t>Service</a:t>
             </a:r>
             <a:endParaRPr kumimoji="1" lang="zh-CN" altLang="en-US" dirty="0"/>
           </a:p>
@@ -22483,7 +22508,7 @@
             <a:pPr algn="ctr"/>
             <a:r>
               <a:rPr kumimoji="1" lang="en-US" altLang="zh-CN" dirty="0" smtClean="0"/>
-              <a:t>Service</a:t>
+              <a:t>Service API</a:t>
             </a:r>
             <a:endParaRPr kumimoji="1" lang="zh-CN" altLang="en-US" dirty="0"/>
           </a:p>
@@ -22528,8 +22553,8 @@
           <a:p>
             <a:pPr algn="ctr"/>
             <a:r>
-              <a:rPr kumimoji="1" lang="en-US" altLang="zh-CN" dirty="0" smtClean="0"/>
-              <a:t>Service</a:t>
+              <a:rPr kumimoji="1" lang="en-US" altLang="zh-CN" dirty="0"/>
+              <a:t>Service API</a:t>
             </a:r>
             <a:endParaRPr kumimoji="1" lang="zh-CN" altLang="en-US" dirty="0"/>
           </a:p>
@@ -22574,8 +22599,12 @@
           <a:p>
             <a:pPr algn="ctr"/>
             <a:r>
+              <a:rPr kumimoji="1" lang="en-US" altLang="zh-CN" dirty="0"/>
+              <a:t>Service </a:t>
+            </a:r>
+            <a:r>
               <a:rPr kumimoji="1" lang="en-US" altLang="zh-CN" dirty="0" smtClean="0"/>
-              <a:t>Service</a:t>
+              <a:t>API</a:t>
             </a:r>
             <a:endParaRPr kumimoji="1" lang="zh-CN" altLang="en-US" dirty="0"/>
           </a:p>
@@ -22626,8 +22655,8 @@
         </p:nvSpPr>
         <p:spPr>
           <a:xfrm>
-            <a:off x="467544" y="1275606"/>
-            <a:ext cx="2489477" cy="3240360"/>
+            <a:off x="179512" y="1275606"/>
+            <a:ext cx="2024729" cy="3240360"/>
           </a:xfrm>
           <a:prstGeom prst="rect">
             <a:avLst/>
@@ -22669,8 +22698,8 @@
         </p:nvSpPr>
         <p:spPr>
           <a:xfrm>
-            <a:off x="573156" y="3795480"/>
-            <a:ext cx="2270652" cy="640263"/>
+            <a:off x="285124" y="3795480"/>
+            <a:ext cx="1838604" cy="640263"/>
           </a:xfrm>
           <a:prstGeom prst="roundRect">
             <a:avLst>
@@ -22775,8 +22804,8 @@
         </p:nvSpPr>
         <p:spPr>
           <a:xfrm>
-            <a:off x="755576" y="3076251"/>
-            <a:ext cx="1944216" cy="504056"/>
+            <a:off x="467544" y="3076251"/>
+            <a:ext cx="1574281" cy="504056"/>
           </a:xfrm>
           <a:prstGeom prst="roundRect">
             <a:avLst>
@@ -22807,7 +22836,7 @@
             <a:pPr algn="ctr"/>
             <a:r>
               <a:rPr kumimoji="1" lang="en-US" altLang="zh-CN" dirty="0" smtClean="0"/>
-              <a:t>Biz</a:t>
+              <a:t>Service</a:t>
             </a:r>
             <a:endParaRPr kumimoji="1" lang="zh-CN" altLang="en-US" dirty="0"/>
           </a:p>
@@ -22821,8 +22850,8 @@
         </p:nvSpPr>
         <p:spPr>
           <a:xfrm>
-            <a:off x="747071" y="1490779"/>
-            <a:ext cx="1944216" cy="504056"/>
+            <a:off x="459039" y="1490779"/>
+            <a:ext cx="1574281" cy="504056"/>
           </a:xfrm>
           <a:prstGeom prst="roundRect">
             <a:avLst>
@@ -22867,8 +22896,8 @@
         </p:nvSpPr>
         <p:spPr>
           <a:xfrm>
-            <a:off x="747071" y="2274207"/>
-            <a:ext cx="1944216" cy="504056"/>
+            <a:off x="459039" y="2274207"/>
+            <a:ext cx="1574281" cy="504056"/>
           </a:xfrm>
           <a:prstGeom prst="roundRect">
             <a:avLst>
@@ -22913,8 +22942,8 @@
         </p:nvSpPr>
         <p:spPr>
           <a:xfrm>
-            <a:off x="755576" y="3870189"/>
-            <a:ext cx="648072" cy="216024"/>
+            <a:off x="467544" y="3873119"/>
+            <a:ext cx="462616" cy="213094"/>
           </a:xfrm>
           <a:prstGeom prst="roundRect">
             <a:avLst>
@@ -22959,8 +22988,8 @@
         </p:nvSpPr>
         <p:spPr>
           <a:xfrm>
-            <a:off x="1431490" y="3870189"/>
-            <a:ext cx="648072" cy="216024"/>
+            <a:off x="971600" y="3873119"/>
+            <a:ext cx="462616" cy="213094"/>
           </a:xfrm>
           <a:prstGeom prst="roundRect">
             <a:avLst>
@@ -23005,14 +23034,17 @@
         </p:nvSpPr>
         <p:spPr>
           <a:xfrm>
-            <a:off x="2090636" y="3871180"/>
-            <a:ext cx="648072" cy="216024"/>
+            <a:off x="1475656" y="3874110"/>
+            <a:ext cx="462616" cy="213094"/>
           </a:xfrm>
           <a:prstGeom prst="roundRect">
             <a:avLst>
               <a:gd name="adj" fmla="val 7545"/>
             </a:avLst>
           </a:prstGeom>
+          <a:solidFill>
+            <a:schemeClr val="accent2"/>
+          </a:solidFill>
         </p:spPr>
         <p:style>
           <a:lnRef idx="2">
@@ -23051,12 +23083,15 @@
         </p:nvSpPr>
         <p:spPr>
           <a:xfrm>
-            <a:off x="3214242" y="2560943"/>
+            <a:off x="2411760" y="2637881"/>
             <a:ext cx="504056" cy="433344"/>
           </a:xfrm>
           <a:prstGeom prst="rightArrow">
             <a:avLst/>
           </a:prstGeom>
+          <a:solidFill>
+            <a:schemeClr val="accent2"/>
+          </a:solidFill>
         </p:spPr>
         <p:style>
           <a:lnRef idx="2">
@@ -23091,8 +23126,8 @@
         </p:nvSpPr>
         <p:spPr>
           <a:xfrm>
-            <a:off x="2957021" y="2211710"/>
-            <a:ext cx="990977" cy="276999"/>
+            <a:off x="2241714" y="3016381"/>
+            <a:ext cx="954107" cy="276999"/>
           </a:xfrm>
           <a:prstGeom prst="rect">
             <a:avLst/>
@@ -23105,118 +23140,17 @@
           <a:lstStyle/>
           <a:p>
             <a:r>
-              <a:rPr lang="zh-CN" altLang="en-US" sz="1200" smtClean="0">
-                <a:solidFill>
-                  <a:srgbClr val="666666"/>
+              <a:rPr lang="zh-CN" altLang="en-US" sz="1200" dirty="0" smtClean="0">
+                <a:solidFill>
+                  <a:srgbClr val="C00000"/>
                 </a:solidFill>
                 <a:latin typeface="Microsoft YaHei" charset="0"/>
               </a:rPr>
-              <a:t>服务化改造</a:t>
-            </a:r>
-            <a:endParaRPr lang="zh-CN" altLang="en-US" sz="1200" dirty="0"/>
-          </a:p>
-        </p:txBody>
-      </p:sp>
-      <p:sp>
-        <p:nvSpPr>
-          <p:cNvPr id="33" name="矩形 32"/>
-          <p:cNvSpPr/>
-          <p:nvPr/>
-        </p:nvSpPr>
-        <p:spPr>
-          <a:xfrm>
-            <a:off x="3921404" y="1061876"/>
-            <a:ext cx="2489477" cy="3670113"/>
-          </a:xfrm>
-          <a:prstGeom prst="rect">
-            <a:avLst/>
-          </a:prstGeom>
-          <a:solidFill>
-            <a:schemeClr val="bg1"/>
-          </a:solidFill>
-        </p:spPr>
-        <p:style>
-          <a:lnRef idx="2">
-            <a:schemeClr val="accent1">
-              <a:shade val="50000"/>
-            </a:schemeClr>
-          </a:lnRef>
-          <a:fillRef idx="1">
-            <a:schemeClr val="accent1"/>
-          </a:fillRef>
-          <a:effectRef idx="0">
-            <a:schemeClr val="accent1"/>
-          </a:effectRef>
-          <a:fontRef idx="minor">
-            <a:schemeClr val="lt1"/>
-          </a:fontRef>
-        </p:style>
-        <p:txBody>
-          <a:bodyPr rtlCol="0" anchor="b"/>
-          <a:lstStyle/>
-          <a:p>
-            <a:pPr algn="ctr"/>
-            <a:endParaRPr kumimoji="1" lang="zh-CN" altLang="en-US"/>
-          </a:p>
-        </p:txBody>
-      </p:sp>
-      <p:sp>
-        <p:nvSpPr>
-          <p:cNvPr id="34" name="圆角矩形 33"/>
-          <p:cNvSpPr/>
-          <p:nvPr/>
-        </p:nvSpPr>
-        <p:spPr>
-          <a:xfrm>
-            <a:off x="4018511" y="4029723"/>
-            <a:ext cx="2270652" cy="640263"/>
-          </a:xfrm>
-          <a:prstGeom prst="roundRect">
-            <a:avLst>
-              <a:gd name="adj" fmla="val 7545"/>
-            </a:avLst>
-          </a:prstGeom>
-          <a:solidFill>
-            <a:srgbClr val="0070C0"/>
-          </a:solidFill>
-        </p:spPr>
-        <p:style>
-          <a:lnRef idx="2">
-            <a:schemeClr val="accent1">
-              <a:shade val="50000"/>
-            </a:schemeClr>
-          </a:lnRef>
-          <a:fillRef idx="1">
-            <a:schemeClr val="accent1"/>
-          </a:fillRef>
-          <a:effectRef idx="0">
-            <a:schemeClr val="accent1"/>
-          </a:effectRef>
-          <a:fontRef idx="minor">
-            <a:schemeClr val="lt1"/>
-          </a:fontRef>
-        </p:style>
-        <p:txBody>
-          <a:bodyPr rot="0" spcFirstLastPara="0" vertOverflow="overflow" horzOverflow="overflow" vert="horz" wrap="square" lIns="91440" tIns="45720" rIns="91440" bIns="45720" numCol="1" spcCol="0" rtlCol="0" fromWordArt="0" anchor="b" anchorCtr="0" forceAA="0" compatLnSpc="1">
-            <a:prstTxWarp prst="textNoShape">
-              <a:avLst/>
-            </a:prstTxWarp>
-            <a:noAutofit/>
-          </a:bodyPr>
-          <a:lstStyle/>
-          <a:p>
-            <a:pPr algn="ctr"/>
-            <a:r>
-              <a:rPr kumimoji="1" lang="en-US" altLang="zh-CN" sz="1400" smtClean="0">
-                <a:solidFill>
-                  <a:schemeClr val="tx1"/>
-                </a:solidFill>
-              </a:rPr>
-              <a:t>Model/DAO</a:t>
-            </a:r>
-            <a:endParaRPr kumimoji="1" lang="zh-CN" altLang="en-US" sz="1400" dirty="0">
+              <a:t>服务化拆分</a:t>
+            </a:r>
+            <a:endParaRPr lang="zh-CN" altLang="en-US" sz="1200" dirty="0">
               <a:solidFill>
-                <a:schemeClr val="tx1"/>
+                <a:srgbClr val="C00000"/>
               </a:solidFill>
             </a:endParaRPr>
           </a:p>
@@ -23224,604 +23158,14 @@
       </p:sp>
       <p:sp>
         <p:nvSpPr>
-          <p:cNvPr id="35" name="圆角矩形 34"/>
+          <p:cNvPr id="54" name="下箭头 53"/>
           <p:cNvSpPr/>
           <p:nvPr/>
         </p:nvSpPr>
         <p:spPr>
           <a:xfrm>
-            <a:off x="4200931" y="3310494"/>
-            <a:ext cx="1944216" cy="504056"/>
-          </a:xfrm>
-          <a:prstGeom prst="roundRect">
-            <a:avLst>
-              <a:gd name="adj" fmla="val 7545"/>
-            </a:avLst>
-          </a:prstGeom>
-        </p:spPr>
-        <p:style>
-          <a:lnRef idx="2">
-            <a:schemeClr val="accent1">
-              <a:shade val="50000"/>
-            </a:schemeClr>
-          </a:lnRef>
-          <a:fillRef idx="1">
-            <a:schemeClr val="accent1"/>
-          </a:fillRef>
-          <a:effectRef idx="0">
-            <a:schemeClr val="accent1"/>
-          </a:effectRef>
-          <a:fontRef idx="minor">
-            <a:schemeClr val="lt1"/>
-          </a:fontRef>
-        </p:style>
-        <p:txBody>
-          <a:bodyPr rtlCol="0" anchor="ctr"/>
-          <a:lstStyle/>
-          <a:p>
-            <a:pPr algn="ctr"/>
-            <a:r>
-              <a:rPr kumimoji="1" lang="en-US" altLang="zh-CN" dirty="0" smtClean="0"/>
-              <a:t>Biz</a:t>
-            </a:r>
-            <a:endParaRPr kumimoji="1" lang="zh-CN" altLang="en-US" dirty="0"/>
-          </a:p>
-        </p:txBody>
-      </p:sp>
-      <p:sp>
-        <p:nvSpPr>
-          <p:cNvPr id="38" name="圆角矩形 37"/>
-          <p:cNvSpPr/>
-          <p:nvPr/>
-        </p:nvSpPr>
-        <p:spPr>
-          <a:xfrm>
-            <a:off x="4200931" y="1277050"/>
-            <a:ext cx="1944216" cy="504056"/>
-          </a:xfrm>
-          <a:prstGeom prst="roundRect">
-            <a:avLst>
-              <a:gd name="adj" fmla="val 7545"/>
-            </a:avLst>
-          </a:prstGeom>
-        </p:spPr>
-        <p:style>
-          <a:lnRef idx="2">
-            <a:schemeClr val="accent1">
-              <a:shade val="50000"/>
-            </a:schemeClr>
-          </a:lnRef>
-          <a:fillRef idx="1">
-            <a:schemeClr val="accent1"/>
-          </a:fillRef>
-          <a:effectRef idx="0">
-            <a:schemeClr val="accent1"/>
-          </a:effectRef>
-          <a:fontRef idx="minor">
-            <a:schemeClr val="lt1"/>
-          </a:fontRef>
-        </p:style>
-        <p:txBody>
-          <a:bodyPr rtlCol="0" anchor="ctr"/>
-          <a:lstStyle/>
-          <a:p>
-            <a:pPr algn="ctr"/>
-            <a:r>
-              <a:rPr kumimoji="1" lang="en-US" altLang="zh-CN" dirty="0" smtClean="0"/>
-              <a:t>View</a:t>
-            </a:r>
-            <a:endParaRPr kumimoji="1" lang="zh-CN" altLang="en-US" dirty="0"/>
-          </a:p>
-        </p:txBody>
-      </p:sp>
-      <p:sp>
-        <p:nvSpPr>
-          <p:cNvPr id="41" name="圆角矩形 40"/>
-          <p:cNvSpPr/>
-          <p:nvPr/>
-        </p:nvSpPr>
-        <p:spPr>
-          <a:xfrm>
-            <a:off x="4200931" y="1913168"/>
-            <a:ext cx="1944216" cy="504056"/>
-          </a:xfrm>
-          <a:prstGeom prst="roundRect">
-            <a:avLst>
-              <a:gd name="adj" fmla="val 7545"/>
-            </a:avLst>
-          </a:prstGeom>
-        </p:spPr>
-        <p:style>
-          <a:lnRef idx="2">
-            <a:schemeClr val="accent1">
-              <a:shade val="50000"/>
-            </a:schemeClr>
-          </a:lnRef>
-          <a:fillRef idx="1">
-            <a:schemeClr val="accent1"/>
-          </a:fillRef>
-          <a:effectRef idx="0">
-            <a:schemeClr val="accent1"/>
-          </a:effectRef>
-          <a:fontRef idx="minor">
-            <a:schemeClr val="lt1"/>
-          </a:fontRef>
-        </p:style>
-        <p:txBody>
-          <a:bodyPr rtlCol="0" anchor="ctr"/>
-          <a:lstStyle/>
-          <a:p>
-            <a:pPr algn="ctr"/>
-            <a:r>
-              <a:rPr kumimoji="1" lang="en-US" altLang="zh-CN" dirty="0" smtClean="0"/>
-              <a:t>Controller</a:t>
-            </a:r>
-            <a:endParaRPr kumimoji="1" lang="zh-CN" altLang="en-US" dirty="0"/>
-          </a:p>
-        </p:txBody>
-      </p:sp>
-      <p:sp>
-        <p:nvSpPr>
-          <p:cNvPr id="42" name="圆角矩形 41"/>
-          <p:cNvSpPr/>
-          <p:nvPr/>
-        </p:nvSpPr>
-        <p:spPr>
-          <a:xfrm>
-            <a:off x="4200931" y="4104432"/>
-            <a:ext cx="648072" cy="216024"/>
-          </a:xfrm>
-          <a:prstGeom prst="roundRect">
-            <a:avLst>
-              <a:gd name="adj" fmla="val 7545"/>
-            </a:avLst>
-          </a:prstGeom>
-        </p:spPr>
-        <p:style>
-          <a:lnRef idx="2">
-            <a:schemeClr val="accent1">
-              <a:shade val="50000"/>
-            </a:schemeClr>
-          </a:lnRef>
-          <a:fillRef idx="1">
-            <a:schemeClr val="accent1"/>
-          </a:fillRef>
-          <a:effectRef idx="0">
-            <a:schemeClr val="accent1"/>
-          </a:effectRef>
-          <a:fontRef idx="minor">
-            <a:schemeClr val="lt1"/>
-          </a:fontRef>
-        </p:style>
-        <p:txBody>
-          <a:bodyPr rtlCol="0" anchor="ctr"/>
-          <a:lstStyle/>
-          <a:p>
-            <a:pPr algn="ctr"/>
-            <a:r>
-              <a:rPr kumimoji="1" lang="zh-CN" altLang="en-US" sz="1200" dirty="0" smtClean="0"/>
-              <a:t>用户</a:t>
-            </a:r>
-            <a:endParaRPr kumimoji="1" lang="zh-CN" altLang="en-US" sz="1200" dirty="0"/>
-          </a:p>
-        </p:txBody>
-      </p:sp>
-      <p:sp>
-        <p:nvSpPr>
-          <p:cNvPr id="44" name="圆角矩形 43"/>
-          <p:cNvSpPr/>
-          <p:nvPr/>
-        </p:nvSpPr>
-        <p:spPr>
-          <a:xfrm>
-            <a:off x="4876845" y="4104432"/>
-            <a:ext cx="648072" cy="216024"/>
-          </a:xfrm>
-          <a:prstGeom prst="roundRect">
-            <a:avLst>
-              <a:gd name="adj" fmla="val 7545"/>
-            </a:avLst>
-          </a:prstGeom>
-        </p:spPr>
-        <p:style>
-          <a:lnRef idx="2">
-            <a:schemeClr val="accent1">
-              <a:shade val="50000"/>
-            </a:schemeClr>
-          </a:lnRef>
-          <a:fillRef idx="1">
-            <a:schemeClr val="accent1"/>
-          </a:fillRef>
-          <a:effectRef idx="0">
-            <a:schemeClr val="accent1"/>
-          </a:effectRef>
-          <a:fontRef idx="minor">
-            <a:schemeClr val="lt1"/>
-          </a:fontRef>
-        </p:style>
-        <p:txBody>
-          <a:bodyPr rtlCol="0" anchor="ctr"/>
-          <a:lstStyle/>
-          <a:p>
-            <a:pPr algn="ctr"/>
-            <a:r>
-              <a:rPr kumimoji="1" lang="zh-CN" altLang="en-US" sz="1200" dirty="0" smtClean="0"/>
-              <a:t>交易</a:t>
-            </a:r>
-            <a:endParaRPr kumimoji="1" lang="zh-CN" altLang="en-US" sz="1200" dirty="0"/>
-          </a:p>
-        </p:txBody>
-      </p:sp>
-      <p:sp>
-        <p:nvSpPr>
-          <p:cNvPr id="45" name="圆角矩形 44"/>
-          <p:cNvSpPr/>
-          <p:nvPr/>
-        </p:nvSpPr>
-        <p:spPr>
-          <a:xfrm>
-            <a:off x="5535991" y="4105423"/>
-            <a:ext cx="648072" cy="216024"/>
-          </a:xfrm>
-          <a:prstGeom prst="roundRect">
-            <a:avLst>
-              <a:gd name="adj" fmla="val 7545"/>
-            </a:avLst>
-          </a:prstGeom>
-        </p:spPr>
-        <p:style>
-          <a:lnRef idx="2">
-            <a:schemeClr val="accent1">
-              <a:shade val="50000"/>
-            </a:schemeClr>
-          </a:lnRef>
-          <a:fillRef idx="1">
-            <a:schemeClr val="accent1"/>
-          </a:fillRef>
-          <a:effectRef idx="0">
-            <a:schemeClr val="accent1"/>
-          </a:effectRef>
-          <a:fontRef idx="minor">
-            <a:schemeClr val="lt1"/>
-          </a:fontRef>
-        </p:style>
-        <p:txBody>
-          <a:bodyPr rtlCol="0" anchor="ctr"/>
-          <a:lstStyle/>
-          <a:p>
-            <a:pPr algn="ctr"/>
-            <a:r>
-              <a:rPr kumimoji="1" lang="zh-CN" altLang="en-US" sz="1200" dirty="0" smtClean="0"/>
-              <a:t>流水</a:t>
-            </a:r>
-            <a:endParaRPr kumimoji="1" lang="zh-CN" altLang="en-US" sz="1200" dirty="0"/>
-          </a:p>
-        </p:txBody>
-      </p:sp>
-      <p:sp>
-        <p:nvSpPr>
-          <p:cNvPr id="47" name="圆角矩形 46"/>
-          <p:cNvSpPr/>
-          <p:nvPr/>
-        </p:nvSpPr>
-        <p:spPr>
-          <a:xfrm>
-            <a:off x="4876845" y="2549286"/>
-            <a:ext cx="1268302" cy="504056"/>
-          </a:xfrm>
-          <a:prstGeom prst="roundRect">
-            <a:avLst>
-              <a:gd name="adj" fmla="val 7545"/>
-            </a:avLst>
-          </a:prstGeom>
-          <a:solidFill>
-            <a:schemeClr val="accent2"/>
-          </a:solidFill>
-        </p:spPr>
-        <p:style>
-          <a:lnRef idx="2">
-            <a:schemeClr val="accent1">
-              <a:shade val="50000"/>
-            </a:schemeClr>
-          </a:lnRef>
-          <a:fillRef idx="1">
-            <a:schemeClr val="accent1"/>
-          </a:fillRef>
-          <a:effectRef idx="0">
-            <a:schemeClr val="accent1"/>
-          </a:effectRef>
-          <a:fontRef idx="minor">
-            <a:schemeClr val="lt1"/>
-          </a:fontRef>
-        </p:style>
-        <p:txBody>
-          <a:bodyPr rtlCol="0" anchor="ctr"/>
-          <a:lstStyle/>
-          <a:p>
-            <a:pPr algn="ctr"/>
-            <a:r>
-              <a:rPr kumimoji="1" lang="en-US" altLang="zh-CN" dirty="0" smtClean="0"/>
-              <a:t>Service</a:t>
-            </a:r>
-            <a:endParaRPr kumimoji="1" lang="zh-CN" altLang="en-US" dirty="0"/>
-          </a:p>
-        </p:txBody>
-      </p:sp>
-      <p:sp>
-        <p:nvSpPr>
-          <p:cNvPr id="48" name="矩形 47"/>
-          <p:cNvSpPr/>
-          <p:nvPr/>
-        </p:nvSpPr>
-        <p:spPr>
-          <a:xfrm>
-            <a:off x="7298962" y="1415388"/>
-            <a:ext cx="1521510" cy="2380943"/>
-          </a:xfrm>
-          <a:prstGeom prst="rect">
-            <a:avLst/>
-          </a:prstGeom>
-          <a:solidFill>
-            <a:schemeClr val="bg1"/>
-          </a:solidFill>
-        </p:spPr>
-        <p:style>
-          <a:lnRef idx="2">
-            <a:schemeClr val="accent1">
-              <a:shade val="50000"/>
-            </a:schemeClr>
-          </a:lnRef>
-          <a:fillRef idx="1">
-            <a:schemeClr val="accent1"/>
-          </a:fillRef>
-          <a:effectRef idx="0">
-            <a:schemeClr val="accent1"/>
-          </a:effectRef>
-          <a:fontRef idx="minor">
-            <a:schemeClr val="lt1"/>
-          </a:fontRef>
-        </p:style>
-        <p:txBody>
-          <a:bodyPr rtlCol="0" anchor="b"/>
-          <a:lstStyle/>
-          <a:p>
-            <a:pPr algn="ctr"/>
-            <a:r>
-              <a:rPr kumimoji="1" lang="zh-CN" altLang="en-US" dirty="0" smtClean="0">
-                <a:solidFill>
-                  <a:schemeClr val="tx1"/>
-                </a:solidFill>
-              </a:rPr>
-              <a:t>消费者</a:t>
-            </a:r>
-            <a:endParaRPr kumimoji="1" lang="zh-CN" altLang="en-US" dirty="0">
-              <a:solidFill>
-                <a:schemeClr val="tx1"/>
-              </a:solidFill>
-            </a:endParaRPr>
-          </a:p>
-        </p:txBody>
-      </p:sp>
-      <p:sp>
-        <p:nvSpPr>
-          <p:cNvPr id="50" name="圆角矩形 49"/>
-          <p:cNvSpPr/>
-          <p:nvPr/>
-        </p:nvSpPr>
-        <p:spPr>
-          <a:xfrm>
-            <a:off x="7370970" y="1709098"/>
-            <a:ext cx="1368152" cy="456098"/>
-          </a:xfrm>
-          <a:prstGeom prst="roundRect">
-            <a:avLst>
-              <a:gd name="adj" fmla="val 7545"/>
-            </a:avLst>
-          </a:prstGeom>
-          <a:solidFill>
-            <a:schemeClr val="bg1"/>
-          </a:solidFill>
-        </p:spPr>
-        <p:style>
-          <a:lnRef idx="2">
-            <a:schemeClr val="accent1">
-              <a:shade val="50000"/>
-            </a:schemeClr>
-          </a:lnRef>
-          <a:fillRef idx="1">
-            <a:schemeClr val="accent1"/>
-          </a:fillRef>
-          <a:effectRef idx="0">
-            <a:schemeClr val="accent1"/>
-          </a:effectRef>
-          <a:fontRef idx="minor">
-            <a:schemeClr val="lt1"/>
-          </a:fontRef>
-        </p:style>
-        <p:txBody>
-          <a:bodyPr rtlCol="0" anchor="ctr"/>
-          <a:lstStyle/>
-          <a:p>
-            <a:pPr algn="ctr"/>
-            <a:r>
-              <a:rPr kumimoji="1" lang="en-US" altLang="zh-CN" dirty="0" smtClean="0">
-                <a:solidFill>
-                  <a:schemeClr val="tx1"/>
-                </a:solidFill>
-              </a:rPr>
-              <a:t>View</a:t>
-            </a:r>
-            <a:endParaRPr kumimoji="1" lang="zh-CN" altLang="en-US" dirty="0">
-              <a:solidFill>
-                <a:schemeClr val="tx1"/>
-              </a:solidFill>
-            </a:endParaRPr>
-          </a:p>
-        </p:txBody>
-      </p:sp>
-      <p:sp>
-        <p:nvSpPr>
-          <p:cNvPr id="51" name="圆角矩形 50"/>
-          <p:cNvSpPr/>
-          <p:nvPr/>
-        </p:nvSpPr>
-        <p:spPr>
-          <a:xfrm>
-            <a:off x="7370970" y="2273208"/>
-            <a:ext cx="1368152" cy="456098"/>
-          </a:xfrm>
-          <a:prstGeom prst="roundRect">
-            <a:avLst>
-              <a:gd name="adj" fmla="val 7545"/>
-            </a:avLst>
-          </a:prstGeom>
-          <a:solidFill>
-            <a:schemeClr val="bg1"/>
-          </a:solidFill>
-        </p:spPr>
-        <p:style>
-          <a:lnRef idx="2">
-            <a:schemeClr val="accent1">
-              <a:shade val="50000"/>
-            </a:schemeClr>
-          </a:lnRef>
-          <a:fillRef idx="1">
-            <a:schemeClr val="accent1"/>
-          </a:fillRef>
-          <a:effectRef idx="0">
-            <a:schemeClr val="accent1"/>
-          </a:effectRef>
-          <a:fontRef idx="minor">
-            <a:schemeClr val="lt1"/>
-          </a:fontRef>
-        </p:style>
-        <p:txBody>
-          <a:bodyPr rtlCol="0" anchor="ctr"/>
-          <a:lstStyle/>
-          <a:p>
-            <a:pPr algn="ctr"/>
-            <a:r>
-              <a:rPr kumimoji="1" lang="en-US" altLang="zh-CN" dirty="0" smtClean="0">
-                <a:solidFill>
-                  <a:schemeClr val="tx1"/>
-                </a:solidFill>
-              </a:rPr>
-              <a:t>Controller</a:t>
-            </a:r>
-            <a:endParaRPr kumimoji="1" lang="zh-CN" altLang="en-US" dirty="0">
-              <a:solidFill>
-                <a:schemeClr val="tx1"/>
-              </a:solidFill>
-            </a:endParaRPr>
-          </a:p>
-        </p:txBody>
-      </p:sp>
-      <p:sp>
-        <p:nvSpPr>
-          <p:cNvPr id="52" name="圆角矩形 51"/>
-          <p:cNvSpPr/>
-          <p:nvPr/>
-        </p:nvSpPr>
-        <p:spPr>
-          <a:xfrm>
-            <a:off x="7370970" y="2849272"/>
-            <a:ext cx="1368152" cy="456098"/>
-          </a:xfrm>
-          <a:prstGeom prst="roundRect">
-            <a:avLst>
-              <a:gd name="adj" fmla="val 7545"/>
-            </a:avLst>
-          </a:prstGeom>
-          <a:solidFill>
-            <a:schemeClr val="bg1"/>
-          </a:solidFill>
-        </p:spPr>
-        <p:style>
-          <a:lnRef idx="2">
-            <a:schemeClr val="accent1">
-              <a:shade val="50000"/>
-            </a:schemeClr>
-          </a:lnRef>
-          <a:fillRef idx="1">
-            <a:schemeClr val="accent1"/>
-          </a:fillRef>
-          <a:effectRef idx="0">
-            <a:schemeClr val="accent1"/>
-          </a:effectRef>
-          <a:fontRef idx="minor">
-            <a:schemeClr val="lt1"/>
-          </a:fontRef>
-        </p:style>
-        <p:txBody>
-          <a:bodyPr rtlCol="0" anchor="ctr"/>
-          <a:lstStyle/>
-          <a:p>
-            <a:pPr algn="ctr"/>
-            <a:r>
-              <a:rPr kumimoji="1" lang="en-US" altLang="zh-CN" smtClean="0">
-                <a:solidFill>
-                  <a:schemeClr val="tx1"/>
-                </a:solidFill>
-              </a:rPr>
-              <a:t>Biz</a:t>
-            </a:r>
-            <a:endParaRPr kumimoji="1" lang="zh-CN" altLang="en-US" dirty="0">
-              <a:solidFill>
-                <a:schemeClr val="tx1"/>
-              </a:solidFill>
-            </a:endParaRPr>
-          </a:p>
-        </p:txBody>
-      </p:sp>
-      <p:cxnSp>
-        <p:nvCxnSpPr>
-          <p:cNvPr id="5" name="直线箭头连接符 4"/>
-          <p:cNvCxnSpPr>
-            <a:stCxn id="52" idx="1"/>
-            <a:endCxn id="47" idx="3"/>
-          </p:cNvCxnSpPr>
-          <p:nvPr/>
-        </p:nvCxnSpPr>
-        <p:spPr>
-          <a:xfrm flipH="1" flipV="1">
-            <a:off x="6145147" y="2801314"/>
-            <a:ext cx="1225823" cy="276007"/>
-          </a:xfrm>
-          <a:prstGeom prst="straightConnector1">
-            <a:avLst/>
-          </a:prstGeom>
-          <a:ln w="28575">
-            <a:solidFill>
-              <a:srgbClr val="C00000"/>
-            </a:solidFill>
-            <a:tailEnd type="triangle"/>
-          </a:ln>
-        </p:spPr>
-        <p:style>
-          <a:lnRef idx="1">
-            <a:schemeClr val="accent1"/>
-          </a:lnRef>
-          <a:fillRef idx="0">
-            <a:schemeClr val="accent1"/>
-          </a:fillRef>
-          <a:effectRef idx="0">
-            <a:schemeClr val="accent1"/>
-          </a:effectRef>
-          <a:fontRef idx="minor">
-            <a:schemeClr val="tx1"/>
-          </a:fontRef>
-        </p:style>
-      </p:cxnSp>
-      <p:sp>
-        <p:nvSpPr>
-          <p:cNvPr id="17" name="下箭头 16"/>
-          <p:cNvSpPr/>
-          <p:nvPr/>
-        </p:nvSpPr>
-        <p:spPr>
-          <a:xfrm>
-            <a:off x="4358649" y="2417224"/>
-            <a:ext cx="110532" cy="881909"/>
+            <a:off x="1658017" y="2807551"/>
+            <a:ext cx="122073" cy="245791"/>
           </a:xfrm>
           <a:prstGeom prst="downArrow">
             <a:avLst/>
@@ -23862,13 +23206,268 @@
       </p:sp>
       <p:sp>
         <p:nvSpPr>
-          <p:cNvPr id="53" name="下箭头 52"/>
+          <p:cNvPr id="39" name="圆角矩形 38"/>
           <p:cNvSpPr/>
           <p:nvPr/>
         </p:nvSpPr>
         <p:spPr>
           <a:xfrm>
-            <a:off x="5097990" y="3053342"/>
+            <a:off x="1547664" y="3154881"/>
+            <a:ext cx="451830" cy="367760"/>
+          </a:xfrm>
+          <a:prstGeom prst="roundRect">
+            <a:avLst>
+              <a:gd name="adj" fmla="val 7545"/>
+            </a:avLst>
+          </a:prstGeom>
+          <a:solidFill>
+            <a:schemeClr val="accent2"/>
+          </a:solidFill>
+        </p:spPr>
+        <p:style>
+          <a:lnRef idx="2">
+            <a:schemeClr val="accent1">
+              <a:shade val="50000"/>
+            </a:schemeClr>
+          </a:lnRef>
+          <a:fillRef idx="1">
+            <a:schemeClr val="accent1"/>
+          </a:fillRef>
+          <a:effectRef idx="0">
+            <a:schemeClr val="accent1"/>
+          </a:effectRef>
+          <a:fontRef idx="minor">
+            <a:schemeClr val="lt1"/>
+          </a:fontRef>
+        </p:style>
+        <p:txBody>
+          <a:bodyPr rtlCol="0" anchor="ctr"/>
+          <a:lstStyle/>
+          <a:p>
+            <a:pPr algn="ctr"/>
+            <a:r>
+              <a:rPr kumimoji="1" lang="zh-CN" altLang="en-US" sz="1200" smtClean="0"/>
+              <a:t>流水</a:t>
+            </a:r>
+            <a:endParaRPr kumimoji="1" lang="zh-CN" altLang="en-US" sz="1200" dirty="0"/>
+          </a:p>
+        </p:txBody>
+      </p:sp>
+      <p:sp>
+        <p:nvSpPr>
+          <p:cNvPr id="40" name="矩形 39"/>
+          <p:cNvSpPr/>
+          <p:nvPr/>
+        </p:nvSpPr>
+        <p:spPr>
+          <a:xfrm>
+            <a:off x="3064563" y="1347614"/>
+            <a:ext cx="2155509" cy="1523967"/>
+          </a:xfrm>
+          <a:prstGeom prst="rect">
+            <a:avLst/>
+          </a:prstGeom>
+          <a:solidFill>
+            <a:schemeClr val="bg1"/>
+          </a:solidFill>
+        </p:spPr>
+        <p:style>
+          <a:lnRef idx="2">
+            <a:schemeClr val="accent1">
+              <a:shade val="50000"/>
+            </a:schemeClr>
+          </a:lnRef>
+          <a:fillRef idx="1">
+            <a:schemeClr val="accent1"/>
+          </a:fillRef>
+          <a:effectRef idx="0">
+            <a:schemeClr val="accent1"/>
+          </a:effectRef>
+          <a:fontRef idx="minor">
+            <a:schemeClr val="lt1"/>
+          </a:fontRef>
+        </p:style>
+        <p:txBody>
+          <a:bodyPr rtlCol="0" anchor="b"/>
+          <a:lstStyle/>
+          <a:p>
+            <a:pPr algn="ctr"/>
+            <a:r>
+              <a:rPr kumimoji="1" lang="zh-CN" altLang="en-US" dirty="0" smtClean="0">
+                <a:solidFill>
+                  <a:schemeClr val="tx1"/>
+                </a:solidFill>
+              </a:rPr>
+              <a:t>应用</a:t>
+            </a:r>
+            <a:r>
+              <a:rPr kumimoji="1" lang="en-US" altLang="zh-CN" dirty="0" smtClean="0">
+                <a:solidFill>
+                  <a:schemeClr val="tx1"/>
+                </a:solidFill>
+              </a:rPr>
+              <a:t>A</a:t>
+            </a:r>
+            <a:endParaRPr kumimoji="1" lang="zh-CN" altLang="en-US" dirty="0">
+              <a:solidFill>
+                <a:schemeClr val="tx1"/>
+              </a:solidFill>
+            </a:endParaRPr>
+          </a:p>
+        </p:txBody>
+      </p:sp>
+      <p:sp>
+        <p:nvSpPr>
+          <p:cNvPr id="46" name="圆角矩形 45"/>
+          <p:cNvSpPr/>
+          <p:nvPr/>
+        </p:nvSpPr>
+        <p:spPr>
+          <a:xfrm>
+            <a:off x="3189210" y="2133744"/>
+            <a:ext cx="1944216" cy="313356"/>
+          </a:xfrm>
+          <a:prstGeom prst="roundRect">
+            <a:avLst>
+              <a:gd name="adj" fmla="val 7545"/>
+            </a:avLst>
+          </a:prstGeom>
+          <a:ln>
+            <a:solidFill>
+              <a:srgbClr val="C00000"/>
+            </a:solidFill>
+          </a:ln>
+        </p:spPr>
+        <p:style>
+          <a:lnRef idx="2">
+            <a:schemeClr val="accent1">
+              <a:shade val="50000"/>
+            </a:schemeClr>
+          </a:lnRef>
+          <a:fillRef idx="1">
+            <a:schemeClr val="accent1"/>
+          </a:fillRef>
+          <a:effectRef idx="0">
+            <a:schemeClr val="accent1"/>
+          </a:effectRef>
+          <a:fontRef idx="minor">
+            <a:schemeClr val="lt1"/>
+          </a:fontRef>
+        </p:style>
+        <p:txBody>
+          <a:bodyPr rtlCol="0" anchor="ctr"/>
+          <a:lstStyle/>
+          <a:p>
+            <a:pPr algn="ctr"/>
+            <a:r>
+              <a:rPr kumimoji="1" lang="en-US" altLang="zh-CN" dirty="0" smtClean="0"/>
+              <a:t>Service</a:t>
+            </a:r>
+            <a:endParaRPr kumimoji="1" lang="zh-CN" altLang="en-US" dirty="0"/>
+          </a:p>
+        </p:txBody>
+      </p:sp>
+      <p:sp>
+        <p:nvSpPr>
+          <p:cNvPr id="49" name="圆角矩形 48"/>
+          <p:cNvSpPr/>
+          <p:nvPr/>
+        </p:nvSpPr>
+        <p:spPr>
+          <a:xfrm>
+            <a:off x="3189210" y="1419622"/>
+            <a:ext cx="1944216" cy="288883"/>
+          </a:xfrm>
+          <a:prstGeom prst="roundRect">
+            <a:avLst>
+              <a:gd name="adj" fmla="val 7545"/>
+            </a:avLst>
+          </a:prstGeom>
+        </p:spPr>
+        <p:style>
+          <a:lnRef idx="2">
+            <a:schemeClr val="accent1">
+              <a:shade val="50000"/>
+            </a:schemeClr>
+          </a:lnRef>
+          <a:fillRef idx="1">
+            <a:schemeClr val="accent1"/>
+          </a:fillRef>
+          <a:effectRef idx="0">
+            <a:schemeClr val="accent1"/>
+          </a:effectRef>
+          <a:fontRef idx="minor">
+            <a:schemeClr val="lt1"/>
+          </a:fontRef>
+        </p:style>
+        <p:txBody>
+          <a:bodyPr rtlCol="0" anchor="ctr"/>
+          <a:lstStyle/>
+          <a:p>
+            <a:pPr algn="ctr"/>
+            <a:r>
+              <a:rPr kumimoji="1" lang="en-US" altLang="zh-CN" dirty="0" smtClean="0"/>
+              <a:t>View</a:t>
+            </a:r>
+            <a:endParaRPr kumimoji="1" lang="zh-CN" altLang="en-US" dirty="0"/>
+          </a:p>
+        </p:txBody>
+      </p:sp>
+      <p:sp>
+        <p:nvSpPr>
+          <p:cNvPr id="56" name="圆角矩形 55"/>
+          <p:cNvSpPr/>
+          <p:nvPr/>
+        </p:nvSpPr>
+        <p:spPr>
+          <a:xfrm>
+            <a:off x="3189210" y="1797185"/>
+            <a:ext cx="1944216" cy="252028"/>
+          </a:xfrm>
+          <a:prstGeom prst="roundRect">
+            <a:avLst>
+              <a:gd name="adj" fmla="val 7545"/>
+            </a:avLst>
+          </a:prstGeom>
+        </p:spPr>
+        <p:style>
+          <a:lnRef idx="2">
+            <a:schemeClr val="accent1">
+              <a:shade val="50000"/>
+            </a:schemeClr>
+          </a:lnRef>
+          <a:fillRef idx="1">
+            <a:schemeClr val="accent1"/>
+          </a:fillRef>
+          <a:effectRef idx="0">
+            <a:schemeClr val="accent1"/>
+          </a:effectRef>
+          <a:fontRef idx="minor">
+            <a:schemeClr val="lt1"/>
+          </a:fontRef>
+        </p:style>
+        <p:txBody>
+          <a:bodyPr rtlCol="0" anchor="ctr"/>
+          <a:lstStyle/>
+          <a:p>
+            <a:pPr algn="ctr"/>
+            <a:r>
+              <a:rPr kumimoji="1" lang="en-US" altLang="zh-CN" dirty="0" smtClean="0"/>
+              <a:t>Controller</a:t>
+            </a:r>
+            <a:endParaRPr kumimoji="1" lang="zh-CN" altLang="en-US" dirty="0"/>
+          </a:p>
+        </p:txBody>
+      </p:sp>
+      <p:sp>
+        <p:nvSpPr>
+          <p:cNvPr id="60" name="下箭头 59"/>
+          <p:cNvSpPr/>
+          <p:nvPr/>
+        </p:nvSpPr>
+        <p:spPr>
+          <a:xfrm>
+            <a:off x="4724550" y="1949281"/>
             <a:ext cx="122073" cy="245791"/>
           </a:xfrm>
           <a:prstGeom prst="downArrow">
@@ -23910,13 +23509,802 @@
       </p:sp>
       <p:sp>
         <p:nvSpPr>
-          <p:cNvPr id="54" name="下箭头 53"/>
+          <p:cNvPr id="63" name="矩形 62"/>
           <p:cNvSpPr/>
           <p:nvPr/>
         </p:nvSpPr>
         <p:spPr>
           <a:xfrm>
-            <a:off x="1946049" y="2807551"/>
+            <a:off x="6330995" y="3071225"/>
+            <a:ext cx="2489477" cy="1516748"/>
+          </a:xfrm>
+          <a:prstGeom prst="rect">
+            <a:avLst/>
+          </a:prstGeom>
+          <a:solidFill>
+            <a:schemeClr val="bg1"/>
+          </a:solidFill>
+        </p:spPr>
+        <p:style>
+          <a:lnRef idx="2">
+            <a:schemeClr val="accent1">
+              <a:shade val="50000"/>
+            </a:schemeClr>
+          </a:lnRef>
+          <a:fillRef idx="1">
+            <a:schemeClr val="accent1"/>
+          </a:fillRef>
+          <a:effectRef idx="0">
+            <a:schemeClr val="accent1"/>
+          </a:effectRef>
+          <a:fontRef idx="minor">
+            <a:schemeClr val="lt1"/>
+          </a:fontRef>
+        </p:style>
+        <p:txBody>
+          <a:bodyPr rtlCol="0" anchor="b"/>
+          <a:lstStyle/>
+          <a:p>
+            <a:pPr algn="ctr"/>
+            <a:endParaRPr kumimoji="1" lang="zh-CN" altLang="en-US"/>
+          </a:p>
+        </p:txBody>
+      </p:sp>
+      <p:sp>
+        <p:nvSpPr>
+          <p:cNvPr id="64" name="圆角矩形 63"/>
+          <p:cNvSpPr/>
+          <p:nvPr/>
+        </p:nvSpPr>
+        <p:spPr>
+          <a:xfrm>
+            <a:off x="6619027" y="3723878"/>
+            <a:ext cx="1944216" cy="360446"/>
+          </a:xfrm>
+          <a:prstGeom prst="roundRect">
+            <a:avLst>
+              <a:gd name="adj" fmla="val 7545"/>
+            </a:avLst>
+          </a:prstGeom>
+          <a:solidFill>
+            <a:schemeClr val="accent2"/>
+          </a:solidFill>
+        </p:spPr>
+        <p:style>
+          <a:lnRef idx="2">
+            <a:schemeClr val="accent1">
+              <a:shade val="50000"/>
+            </a:schemeClr>
+          </a:lnRef>
+          <a:fillRef idx="1">
+            <a:schemeClr val="accent1"/>
+          </a:fillRef>
+          <a:effectRef idx="0">
+            <a:schemeClr val="accent1"/>
+          </a:effectRef>
+          <a:fontRef idx="minor">
+            <a:schemeClr val="lt1"/>
+          </a:fontRef>
+        </p:style>
+        <p:txBody>
+          <a:bodyPr rot="0" spcFirstLastPara="0" vertOverflow="overflow" horzOverflow="overflow" vert="horz" wrap="square" lIns="91440" tIns="45720" rIns="91440" bIns="45720" numCol="1" spcCol="0" rtlCol="0" fromWordArt="0" anchor="b" anchorCtr="0" forceAA="0" compatLnSpc="1">
+            <a:prstTxWarp prst="textNoShape">
+              <a:avLst/>
+            </a:prstTxWarp>
+            <a:noAutofit/>
+          </a:bodyPr>
+          <a:lstStyle/>
+          <a:p>
+            <a:pPr algn="ctr"/>
+            <a:r>
+              <a:rPr kumimoji="1" lang="zh-CN" altLang="en-US" sz="1400" smtClean="0">
+                <a:solidFill>
+                  <a:schemeClr val="bg1"/>
+                </a:solidFill>
+              </a:rPr>
+              <a:t>流水</a:t>
+            </a:r>
+            <a:r>
+              <a:rPr kumimoji="1" lang="en-US" altLang="zh-CN" sz="1400" dirty="0" smtClean="0">
+                <a:solidFill>
+                  <a:schemeClr val="bg1"/>
+                </a:solidFill>
+              </a:rPr>
+              <a:t>DAO</a:t>
+            </a:r>
+            <a:endParaRPr kumimoji="1" lang="zh-CN" altLang="en-US" sz="1400" dirty="0">
+              <a:solidFill>
+                <a:schemeClr val="bg1"/>
+              </a:solidFill>
+            </a:endParaRPr>
+          </a:p>
+        </p:txBody>
+      </p:sp>
+      <p:sp>
+        <p:nvSpPr>
+          <p:cNvPr id="65" name="圆角矩形 64"/>
+          <p:cNvSpPr/>
+          <p:nvPr/>
+        </p:nvSpPr>
+        <p:spPr>
+          <a:xfrm>
+            <a:off x="6619027" y="3148259"/>
+            <a:ext cx="1944216" cy="504056"/>
+          </a:xfrm>
+          <a:prstGeom prst="roundRect">
+            <a:avLst>
+              <a:gd name="adj" fmla="val 7545"/>
+            </a:avLst>
+          </a:prstGeom>
+          <a:solidFill>
+            <a:schemeClr val="accent2"/>
+          </a:solidFill>
+        </p:spPr>
+        <p:style>
+          <a:lnRef idx="2">
+            <a:schemeClr val="accent1">
+              <a:shade val="50000"/>
+            </a:schemeClr>
+          </a:lnRef>
+          <a:fillRef idx="1">
+            <a:schemeClr val="accent1"/>
+          </a:fillRef>
+          <a:effectRef idx="0">
+            <a:schemeClr val="accent1"/>
+          </a:effectRef>
+          <a:fontRef idx="minor">
+            <a:schemeClr val="lt1"/>
+          </a:fontRef>
+        </p:style>
+        <p:txBody>
+          <a:bodyPr rtlCol="0" anchor="ctr"/>
+          <a:lstStyle/>
+          <a:p>
+            <a:pPr algn="ctr"/>
+            <a:r>
+              <a:rPr kumimoji="1" lang="en-US" altLang="zh-CN" dirty="0" smtClean="0"/>
+              <a:t>Service </a:t>
+            </a:r>
+            <a:r>
+              <a:rPr kumimoji="1" lang="en-US" altLang="zh-CN" dirty="0" err="1" smtClean="0"/>
+              <a:t>impl</a:t>
+            </a:r>
+            <a:endParaRPr kumimoji="1" lang="zh-CN" altLang="en-US" dirty="0"/>
+          </a:p>
+        </p:txBody>
+      </p:sp>
+      <p:sp>
+        <p:nvSpPr>
+          <p:cNvPr id="72" name="矩形 71"/>
+          <p:cNvSpPr/>
+          <p:nvPr/>
+        </p:nvSpPr>
+        <p:spPr>
+          <a:xfrm>
+            <a:off x="6311423" y="1365382"/>
+            <a:ext cx="2489477" cy="1368152"/>
+          </a:xfrm>
+          <a:prstGeom prst="rect">
+            <a:avLst/>
+          </a:prstGeom>
+          <a:solidFill>
+            <a:schemeClr val="bg1"/>
+          </a:solidFill>
+        </p:spPr>
+        <p:style>
+          <a:lnRef idx="2">
+            <a:schemeClr val="accent1">
+              <a:shade val="50000"/>
+            </a:schemeClr>
+          </a:lnRef>
+          <a:fillRef idx="1">
+            <a:schemeClr val="accent1"/>
+          </a:fillRef>
+          <a:effectRef idx="0">
+            <a:schemeClr val="accent1"/>
+          </a:effectRef>
+          <a:fontRef idx="minor">
+            <a:schemeClr val="lt1"/>
+          </a:fontRef>
+        </p:style>
+        <p:txBody>
+          <a:bodyPr rtlCol="0" anchor="b"/>
+          <a:lstStyle/>
+          <a:p>
+            <a:pPr algn="ctr"/>
+            <a:endParaRPr kumimoji="1" lang="zh-CN" altLang="en-US"/>
+          </a:p>
+        </p:txBody>
+      </p:sp>
+      <p:sp>
+        <p:nvSpPr>
+          <p:cNvPr id="73" name="圆角矩形 72"/>
+          <p:cNvSpPr/>
+          <p:nvPr/>
+        </p:nvSpPr>
+        <p:spPr>
+          <a:xfrm>
+            <a:off x="6599825" y="1496560"/>
+            <a:ext cx="1944216" cy="504056"/>
+          </a:xfrm>
+          <a:prstGeom prst="roundRect">
+            <a:avLst>
+              <a:gd name="adj" fmla="val 7545"/>
+            </a:avLst>
+          </a:prstGeom>
+          <a:solidFill>
+            <a:schemeClr val="accent2"/>
+          </a:solidFill>
+        </p:spPr>
+        <p:style>
+          <a:lnRef idx="2">
+            <a:schemeClr val="accent1">
+              <a:shade val="50000"/>
+            </a:schemeClr>
+          </a:lnRef>
+          <a:fillRef idx="1">
+            <a:schemeClr val="accent1"/>
+          </a:fillRef>
+          <a:effectRef idx="0">
+            <a:schemeClr val="accent1"/>
+          </a:effectRef>
+          <a:fontRef idx="minor">
+            <a:schemeClr val="lt1"/>
+          </a:fontRef>
+        </p:style>
+        <p:txBody>
+          <a:bodyPr rtlCol="0" anchor="ctr"/>
+          <a:lstStyle/>
+          <a:p>
+            <a:pPr algn="ctr"/>
+            <a:r>
+              <a:rPr kumimoji="1" lang="en-US" altLang="zh-CN" dirty="0" smtClean="0"/>
+              <a:t>Service </a:t>
+            </a:r>
+            <a:r>
+              <a:rPr kumimoji="1" lang="en-US" altLang="zh-CN" dirty="0" err="1" smtClean="0"/>
+              <a:t>api</a:t>
+            </a:r>
+            <a:endParaRPr kumimoji="1" lang="zh-CN" altLang="en-US" dirty="0"/>
+          </a:p>
+        </p:txBody>
+      </p:sp>
+      <p:sp>
+        <p:nvSpPr>
+          <p:cNvPr id="74" name="圆角矩形 73"/>
+          <p:cNvSpPr/>
+          <p:nvPr/>
+        </p:nvSpPr>
+        <p:spPr>
+          <a:xfrm>
+            <a:off x="6619027" y="2072624"/>
+            <a:ext cx="1944216" cy="504056"/>
+          </a:xfrm>
+          <a:prstGeom prst="roundRect">
+            <a:avLst>
+              <a:gd name="adj" fmla="val 7545"/>
+            </a:avLst>
+          </a:prstGeom>
+          <a:solidFill>
+            <a:schemeClr val="accent2"/>
+          </a:solidFill>
+        </p:spPr>
+        <p:style>
+          <a:lnRef idx="2">
+            <a:schemeClr val="accent1">
+              <a:shade val="50000"/>
+            </a:schemeClr>
+          </a:lnRef>
+          <a:fillRef idx="1">
+            <a:schemeClr val="accent1"/>
+          </a:fillRef>
+          <a:effectRef idx="0">
+            <a:schemeClr val="accent1"/>
+          </a:effectRef>
+          <a:fontRef idx="minor">
+            <a:schemeClr val="lt1"/>
+          </a:fontRef>
+        </p:style>
+        <p:txBody>
+          <a:bodyPr rtlCol="0" anchor="ctr"/>
+          <a:lstStyle/>
+          <a:p>
+            <a:pPr algn="ctr"/>
+            <a:r>
+              <a:rPr kumimoji="1" lang="zh-CN" altLang="en-US" dirty="0" smtClean="0"/>
+              <a:t>流水 </a:t>
+            </a:r>
+            <a:r>
+              <a:rPr kumimoji="1" lang="en-US" altLang="zh-CN" dirty="0" smtClean="0"/>
+              <a:t>Model</a:t>
+            </a:r>
+          </a:p>
+          <a:p>
+            <a:pPr algn="ctr"/>
+            <a:r>
+              <a:rPr kumimoji="1" lang="en-US" altLang="zh-CN" sz="1200" dirty="0" err="1" smtClean="0"/>
+              <a:t>po</a:t>
+            </a:r>
+            <a:r>
+              <a:rPr kumimoji="1" lang="en-US" altLang="zh-CN" sz="1200" dirty="0" smtClean="0"/>
+              <a:t>/</a:t>
+            </a:r>
+            <a:r>
+              <a:rPr kumimoji="1" lang="en-US" altLang="zh-CN" sz="1200" dirty="0" err="1" smtClean="0"/>
+              <a:t>dto</a:t>
+            </a:r>
+            <a:r>
+              <a:rPr kumimoji="1" lang="en-US" altLang="zh-CN" sz="1200" dirty="0" smtClean="0"/>
+              <a:t>/</a:t>
+            </a:r>
+            <a:r>
+              <a:rPr kumimoji="1" lang="en-US" altLang="zh-CN" sz="1200" dirty="0" err="1" smtClean="0"/>
+              <a:t>vo</a:t>
+            </a:r>
+            <a:endParaRPr kumimoji="1" lang="zh-CN" altLang="en-US" sz="1200" dirty="0"/>
+          </a:p>
+        </p:txBody>
+      </p:sp>
+      <p:cxnSp>
+        <p:nvCxnSpPr>
+          <p:cNvPr id="16" name="肘形连接符 15"/>
+          <p:cNvCxnSpPr>
+            <a:stCxn id="40" idx="0"/>
+            <a:endCxn id="72" idx="0"/>
+          </p:cNvCxnSpPr>
+          <p:nvPr/>
+        </p:nvCxnSpPr>
+        <p:spPr>
+          <a:xfrm rot="16200000" flipH="1">
+            <a:off x="5840356" y="-350424"/>
+            <a:ext cx="17768" cy="3413844"/>
+          </a:xfrm>
+          <a:prstGeom prst="bentConnector3">
+            <a:avLst>
+              <a:gd name="adj1" fmla="val -1286583"/>
+            </a:avLst>
+          </a:prstGeom>
+          <a:ln w="19050">
+            <a:solidFill>
+              <a:schemeClr val="tx1"/>
+            </a:solidFill>
+            <a:prstDash val="dash"/>
+            <a:tailEnd type="triangle"/>
+          </a:ln>
+        </p:spPr>
+        <p:style>
+          <a:lnRef idx="1">
+            <a:schemeClr val="accent1"/>
+          </a:lnRef>
+          <a:fillRef idx="0">
+            <a:schemeClr val="accent1"/>
+          </a:fillRef>
+          <a:effectRef idx="0">
+            <a:schemeClr val="accent1"/>
+          </a:effectRef>
+          <a:fontRef idx="minor">
+            <a:schemeClr val="tx1"/>
+          </a:fontRef>
+        </p:style>
+      </p:cxnSp>
+      <p:sp>
+        <p:nvSpPr>
+          <p:cNvPr id="75" name="矩形 74"/>
+          <p:cNvSpPr/>
+          <p:nvPr/>
+        </p:nvSpPr>
+        <p:spPr>
+          <a:xfrm>
+            <a:off x="5225500" y="629275"/>
+            <a:ext cx="2116990" cy="646331"/>
+          </a:xfrm>
+          <a:prstGeom prst="rect">
+            <a:avLst/>
+          </a:prstGeom>
+        </p:spPr>
+        <p:txBody>
+          <a:bodyPr wrap="none">
+            <a:spAutoFit/>
+          </a:bodyPr>
+          <a:lstStyle/>
+          <a:p>
+            <a:pPr marL="228600" indent="-228600">
+              <a:buFont typeface="+mj-lt"/>
+              <a:buAutoNum type="arabicPeriod"/>
+            </a:pPr>
+            <a:r>
+              <a:rPr lang="zh-CN" altLang="en-US" sz="1200" dirty="0" smtClean="0">
+                <a:solidFill>
+                  <a:srgbClr val="666666"/>
+                </a:solidFill>
+                <a:latin typeface="Microsoft YaHei" charset="0"/>
+              </a:rPr>
+              <a:t>工程依赖</a:t>
+            </a:r>
+            <a:endParaRPr lang="en-US" altLang="zh-CN" sz="1200" dirty="0" smtClean="0">
+              <a:solidFill>
+                <a:srgbClr val="666666"/>
+              </a:solidFill>
+              <a:latin typeface="Microsoft YaHei" charset="0"/>
+            </a:endParaRPr>
+          </a:p>
+          <a:p>
+            <a:pPr marL="228600" indent="-228600">
+              <a:buFont typeface="+mj-lt"/>
+              <a:buAutoNum type="arabicPeriod"/>
+            </a:pPr>
+            <a:r>
+              <a:rPr lang="zh-CN" altLang="en-US" sz="1200" dirty="0" smtClean="0">
+                <a:solidFill>
+                  <a:srgbClr val="666666"/>
+                </a:solidFill>
+                <a:latin typeface="Microsoft YaHei" charset="0"/>
+              </a:rPr>
+              <a:t>服务引用 </a:t>
+            </a:r>
+            <a:r>
+              <a:rPr lang="en-US" altLang="zh-CN" sz="1200" dirty="0" err="1"/>
+              <a:t>dubbo:reference</a:t>
+            </a:r>
+            <a:endParaRPr lang="en-US" altLang="zh-CN" sz="1200" dirty="0"/>
+          </a:p>
+          <a:p>
+            <a:pPr marL="228600" indent="-228600">
+              <a:buFont typeface="+mj-lt"/>
+              <a:buAutoNum type="arabicPeriod"/>
+            </a:pPr>
+            <a:endParaRPr lang="zh-CN" altLang="en-US" sz="1200" dirty="0"/>
+          </a:p>
+        </p:txBody>
+      </p:sp>
+      <p:cxnSp>
+        <p:nvCxnSpPr>
+          <p:cNvPr id="23" name="直线箭头连接符 22"/>
+          <p:cNvCxnSpPr>
+            <a:stCxn id="46" idx="3"/>
+            <a:endCxn id="65" idx="1"/>
+          </p:cNvCxnSpPr>
+          <p:nvPr/>
+        </p:nvCxnSpPr>
+        <p:spPr>
+          <a:xfrm>
+            <a:off x="5133426" y="2290422"/>
+            <a:ext cx="1485601" cy="1109865"/>
+          </a:xfrm>
+          <a:prstGeom prst="straightConnector1">
+            <a:avLst/>
+          </a:prstGeom>
+          <a:ln w="28575">
+            <a:solidFill>
+              <a:srgbClr val="C00000"/>
+            </a:solidFill>
+            <a:tailEnd type="triangle"/>
+          </a:ln>
+        </p:spPr>
+        <p:style>
+          <a:lnRef idx="1">
+            <a:schemeClr val="accent1"/>
+          </a:lnRef>
+          <a:fillRef idx="0">
+            <a:schemeClr val="accent1"/>
+          </a:fillRef>
+          <a:effectRef idx="0">
+            <a:schemeClr val="accent1"/>
+          </a:effectRef>
+          <a:fontRef idx="minor">
+            <a:schemeClr val="tx1"/>
+          </a:fontRef>
+        </p:style>
+      </p:cxnSp>
+      <p:sp>
+        <p:nvSpPr>
+          <p:cNvPr id="30" name="罐形 29"/>
+          <p:cNvSpPr/>
+          <p:nvPr/>
+        </p:nvSpPr>
+        <p:spPr>
+          <a:xfrm>
+            <a:off x="7282350" y="4179493"/>
+            <a:ext cx="509258" cy="360039"/>
+          </a:xfrm>
+          <a:prstGeom prst="can">
+            <a:avLst/>
+          </a:prstGeom>
+          <a:solidFill>
+            <a:schemeClr val="accent2"/>
+          </a:solidFill>
+        </p:spPr>
+        <p:style>
+          <a:lnRef idx="2">
+            <a:schemeClr val="accent1">
+              <a:shade val="50000"/>
+            </a:schemeClr>
+          </a:lnRef>
+          <a:fillRef idx="1">
+            <a:schemeClr val="accent1"/>
+          </a:fillRef>
+          <a:effectRef idx="0">
+            <a:schemeClr val="accent1"/>
+          </a:effectRef>
+          <a:fontRef idx="minor">
+            <a:schemeClr val="lt1"/>
+          </a:fontRef>
+        </p:style>
+        <p:txBody>
+          <a:bodyPr rtlCol="0" anchor="ctr"/>
+          <a:lstStyle/>
+          <a:p>
+            <a:pPr algn="ctr"/>
+            <a:r>
+              <a:rPr kumimoji="1" lang="en-US" altLang="zh-CN" sz="1200" dirty="0" smtClean="0"/>
+              <a:t>DB</a:t>
+            </a:r>
+            <a:endParaRPr kumimoji="1" lang="zh-CN" altLang="en-US" sz="1200" dirty="0"/>
+          </a:p>
+        </p:txBody>
+      </p:sp>
+      <p:sp>
+        <p:nvSpPr>
+          <p:cNvPr id="31" name="立方体 30"/>
+          <p:cNvSpPr/>
+          <p:nvPr/>
+        </p:nvSpPr>
+        <p:spPr>
+          <a:xfrm>
+            <a:off x="8041486" y="4169690"/>
+            <a:ext cx="587666" cy="379646"/>
+          </a:xfrm>
+          <a:prstGeom prst="cube">
+            <a:avLst/>
+          </a:prstGeom>
+          <a:solidFill>
+            <a:schemeClr val="accent2"/>
+          </a:solidFill>
+        </p:spPr>
+        <p:style>
+          <a:lnRef idx="2">
+            <a:schemeClr val="accent1">
+              <a:shade val="50000"/>
+            </a:schemeClr>
+          </a:lnRef>
+          <a:fillRef idx="1">
+            <a:schemeClr val="accent1"/>
+          </a:fillRef>
+          <a:effectRef idx="0">
+            <a:schemeClr val="accent1"/>
+          </a:effectRef>
+          <a:fontRef idx="minor">
+            <a:schemeClr val="lt1"/>
+          </a:fontRef>
+        </p:style>
+        <p:txBody>
+          <a:bodyPr rtlCol="0" anchor="ctr"/>
+          <a:lstStyle/>
+          <a:p>
+            <a:pPr algn="ctr"/>
+            <a:r>
+              <a:rPr kumimoji="1" lang="en-US" altLang="zh-CN" sz="1000" dirty="0" err="1" smtClean="0"/>
+              <a:t>Redis</a:t>
+            </a:r>
+            <a:endParaRPr kumimoji="1" lang="zh-CN" altLang="en-US" sz="1000" dirty="0"/>
+          </a:p>
+        </p:txBody>
+      </p:sp>
+      <p:sp>
+        <p:nvSpPr>
+          <p:cNvPr id="78" name="矩形 77"/>
+          <p:cNvSpPr/>
+          <p:nvPr/>
+        </p:nvSpPr>
+        <p:spPr>
+          <a:xfrm>
+            <a:off x="3396411" y="3079596"/>
+            <a:ext cx="2111693" cy="1508377"/>
+          </a:xfrm>
+          <a:prstGeom prst="rect">
+            <a:avLst/>
+          </a:prstGeom>
+          <a:solidFill>
+            <a:schemeClr val="bg1"/>
+          </a:solidFill>
+        </p:spPr>
+        <p:style>
+          <a:lnRef idx="2">
+            <a:schemeClr val="accent1">
+              <a:shade val="50000"/>
+            </a:schemeClr>
+          </a:lnRef>
+          <a:fillRef idx="1">
+            <a:schemeClr val="accent1"/>
+          </a:fillRef>
+          <a:effectRef idx="0">
+            <a:schemeClr val="accent1"/>
+          </a:effectRef>
+          <a:fontRef idx="minor">
+            <a:schemeClr val="lt1"/>
+          </a:fontRef>
+        </p:style>
+        <p:txBody>
+          <a:bodyPr rtlCol="0" anchor="b"/>
+          <a:lstStyle/>
+          <a:p>
+            <a:pPr algn="ctr"/>
+            <a:r>
+              <a:rPr kumimoji="1" lang="zh-CN" altLang="en-US" dirty="0" smtClean="0">
+                <a:solidFill>
+                  <a:schemeClr val="tx1"/>
+                </a:solidFill>
+              </a:rPr>
+              <a:t>应用</a:t>
+            </a:r>
+            <a:r>
+              <a:rPr kumimoji="1" lang="en-US" altLang="zh-CN" dirty="0" smtClean="0">
+                <a:solidFill>
+                  <a:schemeClr val="tx1"/>
+                </a:solidFill>
+              </a:rPr>
+              <a:t>B</a:t>
+            </a:r>
+            <a:endParaRPr kumimoji="1" lang="zh-CN" altLang="en-US" dirty="0">
+              <a:solidFill>
+                <a:schemeClr val="tx1"/>
+              </a:solidFill>
+            </a:endParaRPr>
+          </a:p>
+        </p:txBody>
+      </p:sp>
+      <p:sp>
+        <p:nvSpPr>
+          <p:cNvPr id="79" name="圆角矩形 78"/>
+          <p:cNvSpPr/>
+          <p:nvPr/>
+        </p:nvSpPr>
+        <p:spPr>
+          <a:xfrm>
+            <a:off x="3486452" y="3914578"/>
+            <a:ext cx="1944216" cy="313356"/>
+          </a:xfrm>
+          <a:prstGeom prst="roundRect">
+            <a:avLst>
+              <a:gd name="adj" fmla="val 7545"/>
+            </a:avLst>
+          </a:prstGeom>
+        </p:spPr>
+        <p:style>
+          <a:lnRef idx="2">
+            <a:schemeClr val="accent1">
+              <a:shade val="50000"/>
+            </a:schemeClr>
+          </a:lnRef>
+          <a:fillRef idx="1">
+            <a:schemeClr val="accent1"/>
+          </a:fillRef>
+          <a:effectRef idx="0">
+            <a:schemeClr val="accent1"/>
+          </a:effectRef>
+          <a:fontRef idx="minor">
+            <a:schemeClr val="lt1"/>
+          </a:fontRef>
+        </p:style>
+        <p:txBody>
+          <a:bodyPr rtlCol="0" anchor="ctr"/>
+          <a:lstStyle/>
+          <a:p>
+            <a:pPr algn="ctr"/>
+            <a:r>
+              <a:rPr kumimoji="1" lang="en-US" altLang="zh-CN" dirty="0" smtClean="0"/>
+              <a:t>Service</a:t>
+            </a:r>
+            <a:endParaRPr kumimoji="1" lang="zh-CN" altLang="en-US" dirty="0"/>
+          </a:p>
+        </p:txBody>
+      </p:sp>
+      <p:sp>
+        <p:nvSpPr>
+          <p:cNvPr id="80" name="圆角矩形 79"/>
+          <p:cNvSpPr/>
+          <p:nvPr/>
+        </p:nvSpPr>
+        <p:spPr>
+          <a:xfrm>
+            <a:off x="3486452" y="3200456"/>
+            <a:ext cx="1944216" cy="288883"/>
+          </a:xfrm>
+          <a:prstGeom prst="roundRect">
+            <a:avLst>
+              <a:gd name="adj" fmla="val 7545"/>
+            </a:avLst>
+          </a:prstGeom>
+        </p:spPr>
+        <p:style>
+          <a:lnRef idx="2">
+            <a:schemeClr val="accent1">
+              <a:shade val="50000"/>
+            </a:schemeClr>
+          </a:lnRef>
+          <a:fillRef idx="1">
+            <a:schemeClr val="accent1"/>
+          </a:fillRef>
+          <a:effectRef idx="0">
+            <a:schemeClr val="accent1"/>
+          </a:effectRef>
+          <a:fontRef idx="minor">
+            <a:schemeClr val="lt1"/>
+          </a:fontRef>
+        </p:style>
+        <p:txBody>
+          <a:bodyPr rtlCol="0" anchor="ctr"/>
+          <a:lstStyle/>
+          <a:p>
+            <a:pPr algn="ctr"/>
+            <a:r>
+              <a:rPr kumimoji="1" lang="en-US" altLang="zh-CN" dirty="0" smtClean="0"/>
+              <a:t>View</a:t>
+            </a:r>
+            <a:endParaRPr kumimoji="1" lang="zh-CN" altLang="en-US" dirty="0"/>
+          </a:p>
+        </p:txBody>
+      </p:sp>
+      <p:sp>
+        <p:nvSpPr>
+          <p:cNvPr id="81" name="圆角矩形 80"/>
+          <p:cNvSpPr/>
+          <p:nvPr/>
+        </p:nvSpPr>
+        <p:spPr>
+          <a:xfrm>
+            <a:off x="3486452" y="3578019"/>
+            <a:ext cx="1944216" cy="252028"/>
+          </a:xfrm>
+          <a:prstGeom prst="roundRect">
+            <a:avLst>
+              <a:gd name="adj" fmla="val 7545"/>
+            </a:avLst>
+          </a:prstGeom>
+          <a:ln>
+            <a:solidFill>
+              <a:srgbClr val="C00000"/>
+            </a:solidFill>
+          </a:ln>
+        </p:spPr>
+        <p:style>
+          <a:lnRef idx="2">
+            <a:schemeClr val="accent1">
+              <a:shade val="50000"/>
+            </a:schemeClr>
+          </a:lnRef>
+          <a:fillRef idx="1">
+            <a:schemeClr val="accent1"/>
+          </a:fillRef>
+          <a:effectRef idx="0">
+            <a:schemeClr val="accent1"/>
+          </a:effectRef>
+          <a:fontRef idx="minor">
+            <a:schemeClr val="lt1"/>
+          </a:fontRef>
+        </p:style>
+        <p:txBody>
+          <a:bodyPr rtlCol="0" anchor="ctr"/>
+          <a:lstStyle/>
+          <a:p>
+            <a:pPr algn="ctr"/>
+            <a:r>
+              <a:rPr kumimoji="1" lang="en-US" altLang="zh-CN" dirty="0" smtClean="0"/>
+              <a:t>Controller</a:t>
+            </a:r>
+            <a:endParaRPr kumimoji="1" lang="zh-CN" altLang="en-US" dirty="0"/>
+          </a:p>
+        </p:txBody>
+      </p:sp>
+      <p:sp>
+        <p:nvSpPr>
+          <p:cNvPr id="82" name="下箭头 81"/>
+          <p:cNvSpPr/>
+          <p:nvPr/>
+        </p:nvSpPr>
+        <p:spPr>
+          <a:xfrm>
+            <a:off x="5021792" y="3730115"/>
             <a:ext cx="122073" cy="245791"/>
           </a:xfrm>
           <a:prstGeom prst="downArrow">
@@ -23956,16 +24344,144 @@
           </a:p>
         </p:txBody>
       </p:sp>
-      <p:sp>
-        <p:nvSpPr>
-          <p:cNvPr id="55" name="矩形 54"/>
+      <p:cxnSp>
+        <p:nvCxnSpPr>
+          <p:cNvPr id="86" name="直线箭头连接符 85"/>
+          <p:cNvCxnSpPr>
+            <a:stCxn id="81" idx="3"/>
+            <a:endCxn id="65" idx="1"/>
+          </p:cNvCxnSpPr>
+          <p:nvPr/>
+        </p:nvCxnSpPr>
+        <p:spPr>
+          <a:xfrm flipV="1">
+            <a:off x="5430668" y="3400287"/>
+            <a:ext cx="1188359" cy="303746"/>
+          </a:xfrm>
+          <a:prstGeom prst="straightConnector1">
+            <a:avLst/>
+          </a:prstGeom>
+          <a:ln w="28575">
+            <a:solidFill>
+              <a:srgbClr val="C00000"/>
+            </a:solidFill>
+            <a:tailEnd type="triangle"/>
+          </a:ln>
+        </p:spPr>
+        <p:style>
+          <a:lnRef idx="1">
+            <a:schemeClr val="accent1"/>
+          </a:lnRef>
+          <a:fillRef idx="0">
+            <a:schemeClr val="accent1"/>
+          </a:fillRef>
+          <a:effectRef idx="0">
+            <a:schemeClr val="accent1"/>
+          </a:effectRef>
+          <a:fontRef idx="minor">
+            <a:schemeClr val="tx1"/>
+          </a:fontRef>
+        </p:style>
+      </p:cxnSp>
+      <p:cxnSp>
+        <p:nvCxnSpPr>
+          <p:cNvPr id="89" name="肘形连接符 88"/>
+          <p:cNvCxnSpPr>
+            <a:endCxn id="72" idx="0"/>
+          </p:cNvCxnSpPr>
+          <p:nvPr/>
+        </p:nvCxnSpPr>
+        <p:spPr>
+          <a:xfrm flipV="1">
+            <a:off x="5278811" y="1365382"/>
+            <a:ext cx="2277351" cy="1714214"/>
+          </a:xfrm>
+          <a:prstGeom prst="bentConnector4">
+            <a:avLst>
+              <a:gd name="adj1" fmla="val 7614"/>
+              <a:gd name="adj2" fmla="val 113336"/>
+            </a:avLst>
+          </a:prstGeom>
+          <a:ln w="19050">
+            <a:solidFill>
+              <a:schemeClr val="tx1"/>
+            </a:solidFill>
+            <a:prstDash val="dash"/>
+            <a:tailEnd type="triangle"/>
+          </a:ln>
+        </p:spPr>
+        <p:style>
+          <a:lnRef idx="1">
+            <a:schemeClr val="accent1"/>
+          </a:lnRef>
+          <a:fillRef idx="0">
+            <a:schemeClr val="accent1"/>
+          </a:fillRef>
+          <a:effectRef idx="0">
+            <a:schemeClr val="accent1"/>
+          </a:effectRef>
+          <a:fontRef idx="minor">
+            <a:schemeClr val="tx1"/>
+          </a:fontRef>
+        </p:style>
+      </p:cxnSp>
+      <p:sp>
+        <p:nvSpPr>
+          <p:cNvPr id="99" name="折角形 98"/>
           <p:cNvSpPr/>
           <p:nvPr/>
         </p:nvSpPr>
         <p:spPr>
           <a:xfrm>
-            <a:off x="6438707" y="3014831"/>
-            <a:ext cx="869597" cy="276999"/>
+            <a:off x="6528417" y="4185758"/>
+            <a:ext cx="504056" cy="360079"/>
+          </a:xfrm>
+          <a:prstGeom prst="foldedCorner">
+            <a:avLst/>
+          </a:prstGeom>
+          <a:solidFill>
+            <a:schemeClr val="accent2"/>
+          </a:solidFill>
+        </p:spPr>
+        <p:style>
+          <a:lnRef idx="2">
+            <a:schemeClr val="accent1">
+              <a:shade val="50000"/>
+            </a:schemeClr>
+          </a:lnRef>
+          <a:fillRef idx="1">
+            <a:schemeClr val="accent1"/>
+          </a:fillRef>
+          <a:effectRef idx="0">
+            <a:schemeClr val="accent1"/>
+          </a:effectRef>
+          <a:fontRef idx="minor">
+            <a:schemeClr val="lt1"/>
+          </a:fontRef>
+        </p:style>
+        <p:txBody>
+          <a:bodyPr rtlCol="0" anchor="ctr"/>
+          <a:lstStyle/>
+          <a:p>
+            <a:pPr algn="ctr"/>
+            <a:r>
+              <a:rPr kumimoji="1" lang="zh-CN" altLang="en-US" sz="1000" dirty="0" smtClean="0"/>
+              <a:t>文件</a:t>
+            </a:r>
+            <a:endParaRPr kumimoji="1" lang="zh-CN" altLang="en-US" sz="1000" dirty="0"/>
+          </a:p>
+        </p:txBody>
+      </p:sp>
+      <p:sp>
+        <p:nvSpPr>
+          <p:cNvPr id="100" name="矩形 99"/>
+          <p:cNvSpPr/>
+          <p:nvPr/>
+        </p:nvSpPr>
+        <p:spPr>
+          <a:xfrm>
+            <a:off x="3902216" y="4740069"/>
+            <a:ext cx="3647152" cy="369332"/>
           </a:xfrm>
           <a:prstGeom prst="rect">
             <a:avLst/>
@@ -23977,16 +24493,36 @@
           </a:bodyPr>
           <a:lstStyle/>
           <a:p>
-            <a:r>
-              <a:rPr lang="en-US" altLang="zh-CN" sz="1200" smtClean="0">
-                <a:solidFill>
-                  <a:srgbClr val="666666"/>
-                </a:solidFill>
-                <a:latin typeface="Microsoft YaHei" charset="0"/>
+            <a:pPr algn="ctr"/>
+            <a:r>
+              <a:rPr kumimoji="1" lang="zh-CN" altLang="en-US" smtClean="0">
+                <a:solidFill>
+                  <a:srgbClr val="C00000"/>
+                </a:solidFill>
               </a:rPr>
-              <a:t>reference</a:t>
-            </a:r>
-            <a:endParaRPr lang="zh-CN" altLang="en-US" sz="1200" dirty="0"/>
+              <a:t>例：实现</a:t>
+            </a:r>
+            <a:r>
+              <a:rPr kumimoji="1" lang="zh-CN" altLang="en-US" dirty="0" smtClean="0">
+                <a:solidFill>
+                  <a:srgbClr val="C00000"/>
+                </a:solidFill>
+              </a:rPr>
+              <a:t>对流水</a:t>
+            </a:r>
+            <a:r>
+              <a:rPr kumimoji="1" lang="zh-CN" altLang="en-US" smtClean="0">
+                <a:solidFill>
+                  <a:srgbClr val="C00000"/>
+                </a:solidFill>
+              </a:rPr>
+              <a:t>服务的封装和复用</a:t>
+            </a:r>
+            <a:endParaRPr kumimoji="1" lang="zh-CN" altLang="en-US" dirty="0">
+              <a:solidFill>
+                <a:srgbClr val="C00000"/>
+              </a:solidFill>
+            </a:endParaRPr>
           </a:p>
         </p:txBody>
       </p:sp>

--- a/TIStools.pptx
+++ b/TIStools.pptx
@@ -251,7 +251,7 @@
             <a:fld id="{5C979E5A-5764-4AAB-A962-3E8F18291B4D}" type="datetimeFigureOut">
               <a:rPr lang="zh-CN" altLang="en-US" smtClean="0"/>
               <a:pPr/>
-              <a:t>16/12/23</a:t>
+              <a:t>16/12/25</a:t>
             </a:fld>
             <a:endParaRPr lang="zh-CN" altLang="en-US"/>
           </a:p>
@@ -418,7 +418,7 @@
             <a:fld id="{01776D96-E550-42A4-AAC9-143101C0E129}" type="datetimeFigureOut">
               <a:rPr lang="zh-CN" altLang="en-US" smtClean="0"/>
               <a:pPr/>
-              <a:t>16/12/23</a:t>
+              <a:t>16/12/25</a:t>
             </a:fld>
             <a:endParaRPr lang="zh-CN" altLang="en-US"/>
           </a:p>
@@ -4479,7 +4479,7 @@
             <a:fld id="{530820CF-B880-4189-942D-D702A7CBA730}" type="datetimeFigureOut">
               <a:rPr lang="zh-CN" altLang="en-US" smtClean="0"/>
               <a:pPr/>
-              <a:t>16/12/23</a:t>
+              <a:t>16/12/25</a:t>
             </a:fld>
             <a:endParaRPr lang="zh-CN" altLang="en-US"/>
           </a:p>
@@ -23293,6 +23293,14 @@
           <a:p>
             <a:pPr algn="ctr"/>
             <a:r>
+              <a:rPr kumimoji="1" lang="en-US" altLang="zh-CN" dirty="0" smtClean="0">
+                <a:solidFill>
+                  <a:schemeClr val="tx1"/>
+                </a:solidFill>
+              </a:rPr>
+              <a:t>web</a:t>
+            </a:r>
+            <a:r>
               <a:rPr kumimoji="1" lang="zh-CN" altLang="en-US" dirty="0" smtClean="0">
                 <a:solidFill>
                   <a:schemeClr val="tx1"/>
@@ -23515,7 +23523,7 @@
         </p:nvSpPr>
         <p:spPr>
           <a:xfrm>
-            <a:off x="6330995" y="3071225"/>
+            <a:off x="6300192" y="3215242"/>
             <a:ext cx="2489477" cy="1516748"/>
           </a:xfrm>
           <a:prstGeom prst="rect">
@@ -23558,7 +23566,7 @@
         </p:nvSpPr>
         <p:spPr>
           <a:xfrm>
-            <a:off x="6619027" y="3723878"/>
+            <a:off x="6588224" y="3867895"/>
             <a:ext cx="1944216" cy="360446"/>
           </a:xfrm>
           <a:prstGeom prst="roundRect">
@@ -23628,7 +23636,7 @@
         </p:nvSpPr>
         <p:spPr>
           <a:xfrm>
-            <a:off x="6619027" y="3148259"/>
+            <a:off x="6588224" y="3292276"/>
             <a:ext cx="1944216" cy="504056"/>
           </a:xfrm>
           <a:prstGeom prst="roundRect">
@@ -23969,7 +23977,7 @@
         <p:spPr>
           <a:xfrm>
             <a:off x="5133426" y="2290422"/>
-            <a:ext cx="1485601" cy="1109865"/>
+            <a:ext cx="1454798" cy="1253882"/>
           </a:xfrm>
           <a:prstGeom prst="straightConnector1">
             <a:avLst/>
@@ -24004,7 +24012,7 @@
         </p:nvSpPr>
         <p:spPr>
           <a:xfrm>
-            <a:off x="7282350" y="4179493"/>
+            <a:off x="7251547" y="4323510"/>
             <a:ext cx="509258" cy="360039"/>
           </a:xfrm>
           <a:prstGeom prst="can">
@@ -24051,7 +24059,7 @@
         </p:nvSpPr>
         <p:spPr>
           <a:xfrm>
-            <a:off x="8041486" y="4169690"/>
+            <a:off x="8010683" y="4313707"/>
             <a:ext cx="587666" cy="379646"/>
           </a:xfrm>
           <a:prstGeom prst="cube">
@@ -24129,6 +24137,14 @@
           <a:lstStyle/>
           <a:p>
             <a:pPr algn="ctr"/>
+            <a:r>
+              <a:rPr kumimoji="1" lang="en-US" altLang="zh-CN" dirty="0" smtClean="0">
+                <a:solidFill>
+                  <a:schemeClr val="tx1"/>
+                </a:solidFill>
+              </a:rPr>
+              <a:t>web</a:t>
+            </a:r>
             <a:r>
               <a:rPr kumimoji="1" lang="zh-CN" altLang="en-US" dirty="0" smtClean="0">
                 <a:solidFill>
@@ -24355,8 +24371,8 @@
         </p:nvCxnSpPr>
         <p:spPr>
           <a:xfrm flipV="1">
-            <a:off x="5430668" y="3400287"/>
-            <a:ext cx="1188359" cy="303746"/>
+            <a:off x="5430668" y="3544304"/>
+            <a:ext cx="1157556" cy="159729"/>
           </a:xfrm>
           <a:prstGeom prst="straightConnector1">
             <a:avLst/>
@@ -24433,7 +24449,7 @@
         </p:nvSpPr>
         <p:spPr>
           <a:xfrm>
-            <a:off x="6528417" y="4185758"/>
+            <a:off x="6497614" y="4329775"/>
             <a:ext cx="504056" cy="360079"/>
           </a:xfrm>
           <a:prstGeom prst="foldedCorner">
@@ -24480,8 +24496,8 @@
         </p:nvSpPr>
         <p:spPr>
           <a:xfrm>
-            <a:off x="3902216" y="4740069"/>
-            <a:ext cx="3647152" cy="369332"/>
+            <a:off x="4133048" y="4740069"/>
+            <a:ext cx="3185487" cy="369332"/>
           </a:xfrm>
           <a:prstGeom prst="rect">
             <a:avLst/>
@@ -24495,33 +24511,145 @@
           <a:p>
             <a:pPr algn="ctr"/>
             <a:r>
-              <a:rPr kumimoji="1" lang="zh-CN" altLang="en-US" smtClean="0">
+              <a:rPr kumimoji="1" lang="zh-CN" altLang="en-US" dirty="0" smtClean="0"/>
+              <a:t>例</a:t>
+            </a:r>
+            <a:r>
+              <a:rPr kumimoji="1" lang="zh-CN" altLang="en-US" dirty="0" smtClean="0"/>
+              <a:t>：对</a:t>
+            </a:r>
+            <a:r>
+              <a:rPr kumimoji="1" lang="zh-CN" altLang="en-US" dirty="0" smtClean="0">
                 <a:solidFill>
                   <a:srgbClr val="C00000"/>
                 </a:solidFill>
               </a:rPr>
-              <a:t>例：实现</a:t>
-            </a:r>
-            <a:r>
-              <a:rPr kumimoji="1" lang="zh-CN" altLang="en-US" dirty="0" smtClean="0">
+              <a:t>流水服务</a:t>
+            </a:r>
+            <a:r>
+              <a:rPr kumimoji="1" lang="zh-CN" altLang="en-US" dirty="0" smtClean="0"/>
+              <a:t>的封装和复用</a:t>
+            </a:r>
+            <a:endParaRPr kumimoji="1" lang="zh-CN" altLang="en-US" dirty="0"/>
+          </a:p>
+        </p:txBody>
+      </p:sp>
+      <p:cxnSp>
+        <p:nvCxnSpPr>
+          <p:cNvPr id="41" name="肘形连接符 40"/>
+          <p:cNvCxnSpPr>
+            <a:stCxn id="63" idx="0"/>
+            <a:endCxn id="72" idx="2"/>
+          </p:cNvCxnSpPr>
+          <p:nvPr/>
+        </p:nvCxnSpPr>
+        <p:spPr>
+          <a:xfrm rot="5400000" flipH="1" flipV="1">
+            <a:off x="7309692" y="2968773"/>
+            <a:ext cx="481708" cy="11231"/>
+          </a:xfrm>
+          <a:prstGeom prst="bentConnector3">
+            <a:avLst>
+              <a:gd name="adj1" fmla="val 50000"/>
+            </a:avLst>
+          </a:prstGeom>
+          <a:ln w="19050">
+            <a:solidFill>
+              <a:schemeClr val="tx1"/>
+            </a:solidFill>
+            <a:prstDash val="dash"/>
+            <a:tailEnd type="triangle"/>
+          </a:ln>
+        </p:spPr>
+        <p:style>
+          <a:lnRef idx="1">
+            <a:schemeClr val="accent1"/>
+          </a:lnRef>
+          <a:fillRef idx="0">
+            <a:schemeClr val="accent1"/>
+          </a:fillRef>
+          <a:effectRef idx="0">
+            <a:schemeClr val="accent1"/>
+          </a:effectRef>
+          <a:fontRef idx="minor">
+            <a:schemeClr val="tx1"/>
+          </a:fontRef>
+        </p:style>
+      </p:cxnSp>
+      <p:sp>
+        <p:nvSpPr>
+          <p:cNvPr id="5" name="矩形 4"/>
+          <p:cNvSpPr/>
+          <p:nvPr/>
+        </p:nvSpPr>
+        <p:spPr>
+          <a:xfrm>
+            <a:off x="7122458" y="2782250"/>
+            <a:ext cx="492443" cy="276999"/>
+          </a:xfrm>
+          <a:prstGeom prst="rect">
+            <a:avLst/>
+          </a:prstGeom>
+        </p:spPr>
+        <p:txBody>
+          <a:bodyPr wrap="none">
+            <a:spAutoFit/>
+          </a:bodyPr>
+          <a:lstStyle/>
+          <a:p>
+            <a:r>
+              <a:rPr lang="zh-CN" altLang="en-US" sz="1200">
+                <a:solidFill>
+                  <a:srgbClr val="666666"/>
+                </a:solidFill>
+                <a:latin typeface="Microsoft YaHei" charset="0"/>
+              </a:rPr>
+              <a:t>依赖</a:t>
+            </a:r>
+            <a:endParaRPr lang="en-US" altLang="zh-CN" sz="1200" dirty="0">
+              <a:solidFill>
+                <a:srgbClr val="666666"/>
+              </a:solidFill>
+              <a:latin typeface="Microsoft YaHei" charset="0"/>
+            </a:endParaRPr>
+          </a:p>
+        </p:txBody>
+      </p:sp>
+      <p:sp>
+        <p:nvSpPr>
+          <p:cNvPr id="44" name="矩形 43"/>
+          <p:cNvSpPr/>
+          <p:nvPr/>
+        </p:nvSpPr>
+        <p:spPr>
+          <a:xfrm>
+            <a:off x="5622934" y="3018969"/>
+            <a:ext cx="492443" cy="276999"/>
+          </a:xfrm>
+          <a:prstGeom prst="rect">
+            <a:avLst/>
+          </a:prstGeom>
+        </p:spPr>
+        <p:txBody>
+          <a:bodyPr wrap="none">
+            <a:spAutoFit/>
+          </a:bodyPr>
+          <a:lstStyle/>
+          <a:p>
+            <a:r>
+              <a:rPr lang="zh-CN" altLang="en-US" sz="1200" smtClean="0">
                 <a:solidFill>
                   <a:srgbClr val="C00000"/>
                 </a:solidFill>
+                <a:latin typeface="Microsoft YaHei" charset="0"/>
               </a:rPr>
-              <a:t>对流水</a:t>
-            </a:r>
-            <a:r>
-              <a:rPr kumimoji="1" lang="zh-CN" altLang="en-US" smtClean="0">
-                <a:solidFill>
-                  <a:srgbClr val="C00000"/>
-                </a:solidFill>
-              </a:rPr>
-              <a:t>服务的封装和复用</a:t>
-            </a:r>
-            <a:endParaRPr kumimoji="1" lang="zh-CN" altLang="en-US" dirty="0">
+              <a:t>调用</a:t>
+            </a:r>
+            <a:endParaRPr lang="en-US" altLang="zh-CN" sz="1200" dirty="0">
               <a:solidFill>
                 <a:srgbClr val="C00000"/>
               </a:solidFill>
+              <a:latin typeface="Microsoft YaHei" charset="0"/>
             </a:endParaRPr>
           </a:p>
         </p:txBody>

--- a/TIStools.pptx
+++ b/TIStools.pptx
@@ -22649,6 +22649,61 @@
       </p:grpSpPr>
       <p:sp>
         <p:nvSpPr>
+          <p:cNvPr id="51" name="矩形 50"/>
+          <p:cNvSpPr/>
+          <p:nvPr/>
+        </p:nvSpPr>
+        <p:spPr>
+          <a:xfrm>
+            <a:off x="6154133" y="1236270"/>
+            <a:ext cx="2812398" cy="3907230"/>
+          </a:xfrm>
+          <a:prstGeom prst="rect">
+            <a:avLst/>
+          </a:prstGeom>
+          <a:solidFill>
+            <a:schemeClr val="bg1"/>
+          </a:solidFill>
+        </p:spPr>
+        <p:style>
+          <a:lnRef idx="2">
+            <a:schemeClr val="accent1">
+              <a:shade val="50000"/>
+            </a:schemeClr>
+          </a:lnRef>
+          <a:fillRef idx="1">
+            <a:schemeClr val="accent1"/>
+          </a:fillRef>
+          <a:effectRef idx="0">
+            <a:schemeClr val="accent1"/>
+          </a:effectRef>
+          <a:fontRef idx="minor">
+            <a:schemeClr val="lt1"/>
+          </a:fontRef>
+        </p:style>
+        <p:txBody>
+          <a:bodyPr rtlCol="0" anchor="b"/>
+          <a:lstStyle/>
+          <a:p>
+            <a:pPr algn="ctr"/>
+            <a:r>
+              <a:rPr kumimoji="1" lang="en-US" altLang="zh-CN" dirty="0" smtClean="0">
+                <a:solidFill>
+                  <a:srgbClr val="C00000"/>
+                </a:solidFill>
+              </a:rPr>
+              <a:t>Service</a:t>
+            </a:r>
+            <a:endParaRPr kumimoji="1" lang="zh-CN" altLang="en-US" dirty="0">
+              <a:solidFill>
+                <a:srgbClr val="C00000"/>
+              </a:solidFill>
+            </a:endParaRPr>
+          </a:p>
+        </p:txBody>
+      </p:sp>
+      <p:sp>
+        <p:nvSpPr>
           <p:cNvPr id="3" name="矩形 2"/>
           <p:cNvSpPr/>
           <p:nvPr/>
@@ -23690,7 +23745,7 @@
         <p:spPr>
           <a:xfrm>
             <a:off x="6311423" y="1365382"/>
-            <a:ext cx="2489477" cy="1368152"/>
+            <a:ext cx="2489477" cy="1293990"/>
           </a:xfrm>
           <a:prstGeom prst="rect">
             <a:avLst/>
@@ -23732,7 +23787,7 @@
         </p:nvSpPr>
         <p:spPr>
           <a:xfrm>
-            <a:off x="6599825" y="1496560"/>
+            <a:off x="6599825" y="1419622"/>
             <a:ext cx="1944216" cy="504056"/>
           </a:xfrm>
           <a:prstGeom prst="roundRect">
@@ -23785,7 +23840,7 @@
         </p:nvSpPr>
         <p:spPr>
           <a:xfrm>
-            <a:off x="6619027" y="2072624"/>
+            <a:off x="6619027" y="1995686"/>
             <a:ext cx="1944216" cy="504056"/>
           </a:xfrm>
           <a:prstGeom prst="roundRect">
@@ -24403,20 +24458,17 @@
         <p:nvCxnSpPr>
           <p:cNvPr id="89" name="肘形连接符 88"/>
           <p:cNvCxnSpPr>
-            <a:endCxn id="72" idx="0"/>
+            <a:endCxn id="72" idx="1"/>
           </p:cNvCxnSpPr>
           <p:nvPr/>
         </p:nvCxnSpPr>
         <p:spPr>
-          <a:xfrm flipV="1">
-            <a:off x="5278811" y="1365382"/>
-            <a:ext cx="2277351" cy="1714214"/>
-          </a:xfrm>
-          <a:prstGeom prst="bentConnector4">
-            <a:avLst>
-              <a:gd name="adj1" fmla="val 7614"/>
-              <a:gd name="adj2" fmla="val 113336"/>
-            </a:avLst>
+          <a:xfrm rot="5400000" flipH="1" flipV="1">
+            <a:off x="5318933" y="2097571"/>
+            <a:ext cx="1077683" cy="907297"/>
+          </a:xfrm>
+          <a:prstGeom prst="bentConnector2">
+            <a:avLst/>
           </a:prstGeom>
           <a:ln w="19050">
             <a:solidFill>
@@ -24496,7 +24548,7 @@
         </p:nvSpPr>
         <p:spPr>
           <a:xfrm>
-            <a:off x="4133048" y="4740069"/>
+            <a:off x="2675338" y="4765070"/>
             <a:ext cx="3185487" cy="369332"/>
           </a:xfrm>
           <a:prstGeom prst="rect">
@@ -24545,8 +24597,8 @@
         </p:nvCxnSpPr>
         <p:spPr>
           <a:xfrm rot="5400000" flipH="1" flipV="1">
-            <a:off x="7309692" y="2968773"/>
-            <a:ext cx="481708" cy="11231"/>
+            <a:off x="7272611" y="2931692"/>
+            <a:ext cx="555870" cy="11231"/>
           </a:xfrm>
           <a:prstGeom prst="bentConnector3">
             <a:avLst>
@@ -24584,7 +24636,7 @@
         </p:nvSpPr>
         <p:spPr>
           <a:xfrm>
-            <a:off x="7122458" y="2782250"/>
+            <a:off x="7122458" y="2798807"/>
             <a:ext cx="492443" cy="276999"/>
           </a:xfrm>
           <a:prstGeom prst="rect">

--- a/TIStools.pptx
+++ b/TIStools.pptx
@@ -255,7 +255,7 @@
             <a:fld id="{5C979E5A-5764-4AAB-A962-3E8F18291B4D}" type="datetimeFigureOut">
               <a:rPr lang="zh-CN" altLang="en-US" smtClean="0"/>
               <a:pPr/>
-              <a:t>17/1/3</a:t>
+              <a:t>17/1/11</a:t>
             </a:fld>
             <a:endParaRPr lang="zh-CN" altLang="en-US"/>
           </a:p>
@@ -422,7 +422,7 @@
             <a:fld id="{01776D96-E550-42A4-AAC9-143101C0E129}" type="datetimeFigureOut">
               <a:rPr lang="zh-CN" altLang="en-US" smtClean="0"/>
               <a:pPr/>
-              <a:t>17/1/3</a:t>
+              <a:t>17/1/11</a:t>
             </a:fld>
             <a:endParaRPr lang="zh-CN" altLang="en-US"/>
           </a:p>
@@ -5211,7 +5211,7 @@
             <a:fld id="{530820CF-B880-4189-942D-D702A7CBA730}" type="datetimeFigureOut">
               <a:rPr lang="zh-CN" altLang="en-US" smtClean="0"/>
               <a:pPr/>
-              <a:t>17/1/3</a:t>
+              <a:t>17/1/11</a:t>
             </a:fld>
             <a:endParaRPr lang="zh-CN" altLang="en-US"/>
           </a:p>
@@ -20179,6 +20179,30 @@
           </a:prstGeom>
         </p:spPr>
       </p:pic>
+      <p:pic>
+        <p:nvPicPr>
+          <p:cNvPr id="11" name="图片 10"/>
+          <p:cNvPicPr>
+            <a:picLocks noChangeAspect="1"/>
+          </p:cNvPicPr>
+          <p:nvPr/>
+        </p:nvPicPr>
+        <p:blipFill>
+          <a:blip r:embed="rId10"/>
+          <a:stretch>
+            <a:fillRect/>
+          </a:stretch>
+        </p:blipFill>
+        <p:spPr>
+          <a:xfrm>
+            <a:off x="3193712" y="3684998"/>
+            <a:ext cx="1776185" cy="1028666"/>
+          </a:xfrm>
+          <a:prstGeom prst="rect">
+            <a:avLst/>
+          </a:prstGeom>
+        </p:spPr>
+      </p:pic>
     </p:spTree>
     <p:extLst>
       <p:ext uri="{BB962C8B-B14F-4D97-AF65-F5344CB8AC3E}">
@@ -32804,15 +32828,7 @@
                   <a:schemeClr val="bg1"/>
                 </a:solidFill>
               </a:rPr>
-              <a:t>权限</a:t>
-            </a:r>
-            <a:r>
-              <a:rPr kumimoji="1" lang="zh-CN" altLang="en-US" sz="1200" dirty="0" smtClean="0">
-                <a:solidFill>
-                  <a:schemeClr val="bg1"/>
-                </a:solidFill>
-              </a:rPr>
-              <a:t>管理</a:t>
+              <a:t>权限管理</a:t>
             </a:r>
             <a:endParaRPr kumimoji="1" lang="en-US" altLang="zh-CN" sz="1200" dirty="0" smtClean="0">
               <a:solidFill>

--- a/TIStools.pptx
+++ b/TIStools.pptx
@@ -34901,6 +34901,160 @@
           <a:chExt cx="0" cy="0"/>
         </a:xfrm>
       </p:grpSpPr>
+      <p:grpSp>
+        <p:nvGrpSpPr>
+          <p:cNvPr id="27" name="组 26"/>
+          <p:cNvGrpSpPr/>
+          <p:nvPr/>
+        </p:nvGrpSpPr>
+        <p:grpSpPr>
+          <a:xfrm>
+            <a:off x="109244" y="699542"/>
+            <a:ext cx="5256584" cy="4014367"/>
+            <a:chOff x="109244" y="699542"/>
+            <a:chExt cx="5256584" cy="4014367"/>
+          </a:xfrm>
+        </p:grpSpPr>
+        <p:sp>
+          <p:nvSpPr>
+            <p:cNvPr id="39" name="矩形 38"/>
+            <p:cNvSpPr/>
+            <p:nvPr/>
+          </p:nvSpPr>
+          <p:spPr>
+            <a:xfrm>
+              <a:off x="109244" y="1131590"/>
+              <a:ext cx="5256584" cy="3582319"/>
+            </a:xfrm>
+            <a:prstGeom prst="rect">
+              <a:avLst/>
+            </a:prstGeom>
+            <a:solidFill>
+              <a:srgbClr val="00B0F0"/>
+            </a:solidFill>
+          </p:spPr>
+          <p:style>
+            <a:lnRef idx="2">
+              <a:schemeClr val="accent1">
+                <a:shade val="50000"/>
+              </a:schemeClr>
+            </a:lnRef>
+            <a:fillRef idx="1">
+              <a:schemeClr val="accent1"/>
+            </a:fillRef>
+            <a:effectRef idx="0">
+              <a:schemeClr val="accent1"/>
+            </a:effectRef>
+            <a:fontRef idx="minor">
+              <a:schemeClr val="lt1"/>
+            </a:fontRef>
+          </p:style>
+          <p:txBody>
+            <a:bodyPr rtlCol="0" anchor="t" anchorCtr="0"/>
+            <a:lstStyle/>
+            <a:p>
+              <a:pPr algn="ctr"/>
+              <a:r>
+                <a:rPr kumimoji="1" lang="en-US" altLang="zh-CN" sz="1400" dirty="0" smtClean="0">
+                  <a:solidFill>
+                    <a:schemeClr val="tx1"/>
+                  </a:solidFill>
+                </a:rPr>
+                <a:t>[</a:t>
+              </a:r>
+              <a:r>
+                <a:rPr kumimoji="1" lang="zh-CN" altLang="en-US" sz="1400" dirty="0" smtClean="0">
+                  <a:solidFill>
+                    <a:schemeClr val="tx1"/>
+                  </a:solidFill>
+                </a:rPr>
+                <a:t>产品</a:t>
+              </a:r>
+              <a:r>
+                <a:rPr kumimoji="1" lang="en-US" altLang="zh-CN" sz="1400" dirty="0" smtClean="0">
+                  <a:solidFill>
+                    <a:schemeClr val="tx1"/>
+                  </a:solidFill>
+                </a:rPr>
+                <a:t>]=tools</a:t>
+              </a:r>
+              <a:endParaRPr kumimoji="1" lang="zh-CN" altLang="en-US" sz="1400" dirty="0">
+                <a:solidFill>
+                  <a:schemeClr val="tx1"/>
+                </a:solidFill>
+              </a:endParaRPr>
+            </a:p>
+          </p:txBody>
+        </p:sp>
+        <p:sp>
+          <p:nvSpPr>
+            <p:cNvPr id="9" name="文本框 8"/>
+            <p:cNvSpPr txBox="1"/>
+            <p:nvPr/>
+          </p:nvSpPr>
+          <p:spPr>
+            <a:xfrm>
+              <a:off x="1722795" y="699542"/>
+              <a:ext cx="543739" cy="307777"/>
+            </a:xfrm>
+            <a:prstGeom prst="rect">
+              <a:avLst/>
+            </a:prstGeom>
+            <a:noFill/>
+          </p:spPr>
+          <p:txBody>
+            <a:bodyPr wrap="none" rtlCol="0">
+              <a:spAutoFit/>
+            </a:bodyPr>
+            <a:lstStyle/>
+            <a:p>
+              <a:r>
+                <a:rPr kumimoji="1" lang="zh-CN" altLang="en-US" sz="1400" smtClean="0"/>
+                <a:t>属于</a:t>
+              </a:r>
+              <a:endParaRPr kumimoji="1" lang="zh-CN" altLang="en-US" sz="1400"/>
+            </a:p>
+          </p:txBody>
+        </p:sp>
+        <p:cxnSp>
+          <p:nvCxnSpPr>
+            <p:cNvPr id="11" name="曲线连接符 10"/>
+            <p:cNvCxnSpPr>
+              <a:stCxn id="39" idx="0"/>
+              <a:endCxn id="20" idx="1"/>
+            </p:cNvCxnSpPr>
+            <p:nvPr/>
+          </p:nvCxnSpPr>
+          <p:spPr>
+            <a:xfrm rot="16200000" flipV="1">
+              <a:off x="1944037" y="338091"/>
+              <a:ext cx="292646" cy="1294352"/>
+            </a:xfrm>
+            <a:prstGeom prst="curvedConnector3">
+              <a:avLst>
+                <a:gd name="adj1" fmla="val 50000"/>
+              </a:avLst>
+            </a:prstGeom>
+            <a:ln>
+              <a:tailEnd type="triangle"/>
+            </a:ln>
+          </p:spPr>
+          <p:style>
+            <a:lnRef idx="1">
+              <a:schemeClr val="accent1"/>
+            </a:lnRef>
+            <a:fillRef idx="0">
+              <a:schemeClr val="accent1"/>
+            </a:fillRef>
+            <a:effectRef idx="0">
+              <a:schemeClr val="accent1"/>
+            </a:effectRef>
+            <a:fontRef idx="minor">
+              <a:schemeClr val="tx1"/>
+            </a:fontRef>
+          </p:style>
+        </p:cxnSp>
+      </p:grpSp>
       <p:sp>
         <p:nvSpPr>
           <p:cNvPr id="18" name="标题 1"/>
@@ -34939,29 +35093,447 @@
           <a:p>
             <a:r>
               <a:rPr kumimoji="1" lang="zh-CN" altLang="en-US" sz="3000" dirty="0" smtClean="0"/>
-              <a:t>包命名规范</a:t>
-            </a:r>
-            <a:endParaRPr kumimoji="1" lang="zh-CN" altLang="en-US" sz="3000" dirty="0"/>
-          </a:p>
-        </p:txBody>
-      </p:sp>
-      <p:sp>
-        <p:nvSpPr>
-          <p:cNvPr id="39" name="矩形 38"/>
+              <a:t>包命名规范 ： </a:t>
+            </a:r>
+            <a:r>
+              <a:rPr kumimoji="1" lang="zh-CN" altLang="en-US" sz="2000" dirty="0" smtClean="0"/>
+              <a:t>命名，用来标识所属技术分层！</a:t>
+            </a:r>
+            <a:endParaRPr kumimoji="1" lang="zh-CN" altLang="en-US" sz="2000" dirty="0"/>
+          </a:p>
+        </p:txBody>
+      </p:sp>
+      <p:grpSp>
+        <p:nvGrpSpPr>
+          <p:cNvPr id="28" name="组 27"/>
+          <p:cNvGrpSpPr/>
+          <p:nvPr/>
+        </p:nvGrpSpPr>
+        <p:grpSpPr>
+          <a:xfrm>
+            <a:off x="181252" y="1625644"/>
+            <a:ext cx="5051093" cy="2961953"/>
+            <a:chOff x="181252" y="1625644"/>
+            <a:chExt cx="5051093" cy="2961953"/>
+          </a:xfrm>
+        </p:grpSpPr>
+        <p:sp>
+          <p:nvSpPr>
+            <p:cNvPr id="40" name="矩形 39"/>
+            <p:cNvSpPr/>
+            <p:nvPr/>
+          </p:nvSpPr>
+          <p:spPr>
+            <a:xfrm>
+              <a:off x="181252" y="1625644"/>
+              <a:ext cx="5038375" cy="840266"/>
+            </a:xfrm>
+            <a:prstGeom prst="rect">
+              <a:avLst/>
+            </a:prstGeom>
+            <a:solidFill>
+              <a:schemeClr val="bg1">
+                <a:lumMod val="95000"/>
+              </a:schemeClr>
+            </a:solidFill>
+            <a:ln>
+              <a:prstDash val="sysDash"/>
+            </a:ln>
+          </p:spPr>
+          <p:style>
+            <a:lnRef idx="2">
+              <a:schemeClr val="accent1">
+                <a:shade val="50000"/>
+              </a:schemeClr>
+            </a:lnRef>
+            <a:fillRef idx="1">
+              <a:schemeClr val="accent1"/>
+            </a:fillRef>
+            <a:effectRef idx="0">
+              <a:schemeClr val="accent1"/>
+            </a:effectRef>
+            <a:fontRef idx="minor">
+              <a:schemeClr val="lt1"/>
+            </a:fontRef>
+          </p:style>
+          <p:txBody>
+            <a:bodyPr rtlCol="0" anchor="b" anchorCtr="0"/>
+            <a:lstStyle/>
+            <a:p>
+              <a:pPr algn="r"/>
+              <a:r>
+                <a:rPr kumimoji="1" lang="en-US" altLang="zh-CN" sz="1400" dirty="0" smtClean="0">
+                  <a:solidFill>
+                    <a:schemeClr val="tx1"/>
+                  </a:solidFill>
+                </a:rPr>
+                <a:t>[</a:t>
+              </a:r>
+              <a:r>
+                <a:rPr kumimoji="1" lang="zh-CN" altLang="en-US" sz="1400" dirty="0" smtClean="0">
+                  <a:solidFill>
+                    <a:schemeClr val="tx1"/>
+                  </a:solidFill>
+                </a:rPr>
+                <a:t>技术分层</a:t>
+              </a:r>
+              <a:r>
+                <a:rPr kumimoji="1" lang="en-US" altLang="zh-CN" sz="1400" dirty="0" smtClean="0">
+                  <a:solidFill>
+                    <a:schemeClr val="tx1"/>
+                  </a:solidFill>
+                </a:rPr>
+                <a:t>]=web</a:t>
+              </a:r>
+              <a:endParaRPr kumimoji="1" lang="zh-CN" altLang="en-US" sz="1400" dirty="0">
+                <a:solidFill>
+                  <a:schemeClr val="tx1"/>
+                </a:solidFill>
+              </a:endParaRPr>
+            </a:p>
+          </p:txBody>
+        </p:sp>
+        <p:sp>
+          <p:nvSpPr>
+            <p:cNvPr id="41" name="矩形 40"/>
+            <p:cNvSpPr/>
+            <p:nvPr/>
+          </p:nvSpPr>
+          <p:spPr>
+            <a:xfrm>
+              <a:off x="193989" y="2538512"/>
+              <a:ext cx="5027823" cy="1124262"/>
+            </a:xfrm>
+            <a:prstGeom prst="rect">
+              <a:avLst/>
+            </a:prstGeom>
+            <a:solidFill>
+              <a:schemeClr val="bg1">
+                <a:lumMod val="95000"/>
+              </a:schemeClr>
+            </a:solidFill>
+            <a:ln>
+              <a:prstDash val="sysDash"/>
+            </a:ln>
+          </p:spPr>
+          <p:style>
+            <a:lnRef idx="2">
+              <a:schemeClr val="accent1">
+                <a:shade val="50000"/>
+              </a:schemeClr>
+            </a:lnRef>
+            <a:fillRef idx="1">
+              <a:schemeClr val="accent1"/>
+            </a:fillRef>
+            <a:effectRef idx="0">
+              <a:schemeClr val="accent1"/>
+            </a:effectRef>
+            <a:fontRef idx="minor">
+              <a:schemeClr val="lt1"/>
+            </a:fontRef>
+          </p:style>
+          <p:txBody>
+            <a:bodyPr rot="0" spcFirstLastPara="0" vertOverflow="overflow" horzOverflow="overflow" vert="horz" wrap="square" lIns="91440" tIns="45720" rIns="91440" bIns="45720" numCol="1" spcCol="0" rtlCol="0" fromWordArt="0" anchor="b" anchorCtr="0" forceAA="0" compatLnSpc="1">
+              <a:prstTxWarp prst="textNoShape">
+                <a:avLst/>
+              </a:prstTxWarp>
+              <a:noAutofit/>
+            </a:bodyPr>
+            <a:lstStyle/>
+            <a:p>
+              <a:pPr algn="r"/>
+              <a:r>
+                <a:rPr kumimoji="1" lang="en-US" altLang="zh-CN" sz="1400" dirty="0" smtClean="0">
+                  <a:solidFill>
+                    <a:schemeClr val="tx1"/>
+                  </a:solidFill>
+                </a:rPr>
+                <a:t>[</a:t>
+              </a:r>
+              <a:r>
+                <a:rPr kumimoji="1" lang="zh-CN" altLang="en-US" sz="1400" dirty="0" smtClean="0">
+                  <a:solidFill>
+                    <a:schemeClr val="tx1"/>
+                  </a:solidFill>
+                </a:rPr>
+                <a:t>技术分层</a:t>
+              </a:r>
+              <a:r>
+                <a:rPr kumimoji="1" lang="en-US" altLang="zh-CN" sz="1400" dirty="0" smtClean="0">
+                  <a:solidFill>
+                    <a:schemeClr val="tx1"/>
+                  </a:solidFill>
+                </a:rPr>
+                <a:t>]=</a:t>
+              </a:r>
+              <a:r>
+                <a:rPr kumimoji="1" lang="en-US" altLang="zh-CN" sz="1400" dirty="0" err="1" smtClean="0">
+                  <a:solidFill>
+                    <a:schemeClr val="tx1"/>
+                  </a:solidFill>
+                </a:rPr>
+                <a:t>rservice</a:t>
+              </a:r>
+              <a:r>
+                <a:rPr kumimoji="1" lang="en-US" altLang="zh-CN" sz="1400" dirty="0">
+                  <a:solidFill>
+                    <a:schemeClr val="tx1"/>
+                  </a:solidFill>
+                </a:rPr>
+                <a:t> </a:t>
+              </a:r>
+              <a:endParaRPr kumimoji="1" lang="en-US" altLang="zh-CN" sz="1400" dirty="0" smtClean="0">
+                <a:solidFill>
+                  <a:schemeClr val="tx1"/>
+                </a:solidFill>
+              </a:endParaRPr>
+            </a:p>
+            <a:p>
+              <a:pPr algn="r"/>
+              <a:r>
+                <a:rPr kumimoji="1" lang="zh-CN" altLang="en-US" sz="1400" dirty="0" smtClean="0">
+                  <a:solidFill>
+                    <a:schemeClr val="tx1"/>
+                  </a:solidFill>
+                </a:rPr>
+                <a:t>（</a:t>
+              </a:r>
+              <a:r>
+                <a:rPr kumimoji="1" lang="en-US" altLang="zh-CN" sz="1400" dirty="0" smtClean="0">
+                  <a:solidFill>
+                    <a:schemeClr val="tx1"/>
+                  </a:solidFill>
+                </a:rPr>
+                <a:t>Remote</a:t>
+              </a:r>
+              <a:r>
+                <a:rPr kumimoji="1" lang="zh-CN" altLang="en-US" sz="1400" dirty="0" smtClean="0">
+                  <a:solidFill>
+                    <a:schemeClr val="tx1"/>
+                  </a:solidFill>
+                </a:rPr>
+                <a:t> </a:t>
+              </a:r>
+              <a:r>
+                <a:rPr kumimoji="1" lang="en-US" altLang="zh-CN" sz="1400" dirty="0" smtClean="0">
+                  <a:solidFill>
+                    <a:schemeClr val="tx1"/>
+                  </a:solidFill>
+                </a:rPr>
+                <a:t>Service</a:t>
+              </a:r>
+              <a:r>
+                <a:rPr kumimoji="1" lang="zh-CN" altLang="en-US" sz="1400" dirty="0" smtClean="0">
+                  <a:solidFill>
+                    <a:schemeClr val="tx1"/>
+                  </a:solidFill>
+                </a:rPr>
+                <a:t>）</a:t>
+              </a:r>
+              <a:endParaRPr kumimoji="1" lang="zh-CN" altLang="en-US" sz="1400" dirty="0">
+                <a:solidFill>
+                  <a:schemeClr val="tx1"/>
+                </a:solidFill>
+              </a:endParaRPr>
+            </a:p>
+          </p:txBody>
+        </p:sp>
+        <p:sp>
+          <p:nvSpPr>
+            <p:cNvPr id="42" name="矩形 41"/>
+            <p:cNvSpPr/>
+            <p:nvPr/>
+          </p:nvSpPr>
+          <p:spPr>
+            <a:xfrm>
+              <a:off x="204522" y="4190356"/>
+              <a:ext cx="5027823" cy="397241"/>
+            </a:xfrm>
+            <a:prstGeom prst="rect">
+              <a:avLst/>
+            </a:prstGeom>
+            <a:solidFill>
+              <a:schemeClr val="bg1">
+                <a:lumMod val="95000"/>
+              </a:schemeClr>
+            </a:solidFill>
+            <a:ln>
+              <a:prstDash val="sysDash"/>
+            </a:ln>
+          </p:spPr>
+          <p:style>
+            <a:lnRef idx="2">
+              <a:schemeClr val="accent1">
+                <a:shade val="50000"/>
+              </a:schemeClr>
+            </a:lnRef>
+            <a:fillRef idx="1">
+              <a:schemeClr val="accent1"/>
+            </a:fillRef>
+            <a:effectRef idx="0">
+              <a:schemeClr val="accent1"/>
+            </a:effectRef>
+            <a:fontRef idx="minor">
+              <a:schemeClr val="lt1"/>
+            </a:fontRef>
+          </p:style>
+          <p:txBody>
+            <a:bodyPr rot="0" spcFirstLastPara="0" vertOverflow="overflow" horzOverflow="overflow" vert="horz" wrap="square" lIns="91440" tIns="45720" rIns="91440" bIns="45720" numCol="1" spcCol="0" rtlCol="0" fromWordArt="0" anchor="b" anchorCtr="0" forceAA="0" compatLnSpc="1">
+              <a:prstTxWarp prst="textNoShape">
+                <a:avLst/>
+              </a:prstTxWarp>
+              <a:noAutofit/>
+            </a:bodyPr>
+            <a:lstStyle/>
+            <a:p>
+              <a:pPr algn="r"/>
+              <a:r>
+                <a:rPr kumimoji="1" lang="en-US" altLang="zh-CN" sz="1400" dirty="0" smtClean="0">
+                  <a:solidFill>
+                    <a:schemeClr val="tx1"/>
+                  </a:solidFill>
+                </a:rPr>
+                <a:t>[</a:t>
+              </a:r>
+              <a:r>
+                <a:rPr kumimoji="1" lang="zh-CN" altLang="en-US" sz="1400" dirty="0" smtClean="0">
+                  <a:solidFill>
+                    <a:schemeClr val="tx1"/>
+                  </a:solidFill>
+                </a:rPr>
+                <a:t>技术</a:t>
+              </a:r>
+              <a:r>
+                <a:rPr kumimoji="1" lang="zh-CN" altLang="en-US" sz="1400" dirty="0" smtClean="0">
+                  <a:solidFill>
+                    <a:schemeClr val="tx1"/>
+                  </a:solidFill>
+                </a:rPr>
+                <a:t>分层</a:t>
+              </a:r>
+              <a:r>
+                <a:rPr kumimoji="1" lang="en-US" altLang="zh-CN" sz="1400" dirty="0" smtClean="0">
+                  <a:solidFill>
+                    <a:schemeClr val="tx1"/>
+                  </a:solidFill>
+                </a:rPr>
+                <a:t>]=</a:t>
+              </a:r>
+              <a:r>
+                <a:rPr kumimoji="1" lang="en-US" altLang="zh-CN" sz="1400" dirty="0" err="1" smtClean="0">
+                  <a:solidFill>
+                    <a:schemeClr val="tx1"/>
+                  </a:solidFill>
+                </a:rPr>
+                <a:t>dao</a:t>
+              </a:r>
+              <a:endParaRPr kumimoji="1" lang="zh-CN" altLang="en-US" sz="1400" dirty="0">
+                <a:solidFill>
+                  <a:schemeClr val="tx1"/>
+                </a:solidFill>
+              </a:endParaRPr>
+            </a:p>
+          </p:txBody>
+        </p:sp>
+        <p:sp>
+          <p:nvSpPr>
+            <p:cNvPr id="48" name="矩形 47"/>
+            <p:cNvSpPr/>
+            <p:nvPr/>
+          </p:nvSpPr>
+          <p:spPr>
+            <a:xfrm>
+              <a:off x="192241" y="3718737"/>
+              <a:ext cx="5027823" cy="397241"/>
+            </a:xfrm>
+            <a:prstGeom prst="rect">
+              <a:avLst/>
+            </a:prstGeom>
+            <a:solidFill>
+              <a:schemeClr val="bg1">
+                <a:lumMod val="95000"/>
+              </a:schemeClr>
+            </a:solidFill>
+            <a:ln>
+              <a:prstDash val="sysDash"/>
+            </a:ln>
+          </p:spPr>
+          <p:style>
+            <a:lnRef idx="2">
+              <a:schemeClr val="accent1">
+                <a:shade val="50000"/>
+              </a:schemeClr>
+            </a:lnRef>
+            <a:fillRef idx="1">
+              <a:schemeClr val="accent1"/>
+            </a:fillRef>
+            <a:effectRef idx="0">
+              <a:schemeClr val="accent1"/>
+            </a:effectRef>
+            <a:fontRef idx="minor">
+              <a:schemeClr val="lt1"/>
+            </a:fontRef>
+          </p:style>
+          <p:txBody>
+            <a:bodyPr rot="0" spcFirstLastPara="0" vertOverflow="overflow" horzOverflow="overflow" vert="horz" wrap="square" lIns="91440" tIns="45720" rIns="91440" bIns="45720" numCol="1" spcCol="0" rtlCol="0" fromWordArt="0" anchor="b" anchorCtr="0" forceAA="0" compatLnSpc="1">
+              <a:prstTxWarp prst="textNoShape">
+                <a:avLst/>
+              </a:prstTxWarp>
+              <a:noAutofit/>
+            </a:bodyPr>
+            <a:lstStyle/>
+            <a:p>
+              <a:pPr algn="r"/>
+              <a:r>
+                <a:rPr kumimoji="1" lang="en-US" altLang="zh-CN" sz="1400" dirty="0" smtClean="0">
+                  <a:solidFill>
+                    <a:schemeClr val="tx1"/>
+                  </a:solidFill>
+                </a:rPr>
+                <a:t>[</a:t>
+              </a:r>
+              <a:r>
+                <a:rPr kumimoji="1" lang="zh-CN" altLang="en-US" sz="1400" dirty="0" smtClean="0">
+                  <a:solidFill>
+                    <a:schemeClr val="tx1"/>
+                  </a:solidFill>
+                </a:rPr>
+                <a:t>技术</a:t>
+              </a:r>
+              <a:r>
+                <a:rPr kumimoji="1" lang="zh-CN" altLang="en-US" sz="1400" dirty="0" smtClean="0">
+                  <a:solidFill>
+                    <a:schemeClr val="tx1"/>
+                  </a:solidFill>
+                </a:rPr>
+                <a:t>分层</a:t>
+              </a:r>
+              <a:r>
+                <a:rPr kumimoji="1" lang="en-US" altLang="zh-CN" sz="1400" dirty="0" smtClean="0">
+                  <a:solidFill>
+                    <a:schemeClr val="tx1"/>
+                  </a:solidFill>
+                </a:rPr>
+                <a:t>]=service </a:t>
+              </a:r>
+            </a:p>
+          </p:txBody>
+        </p:sp>
+      </p:grpSp>
+      <p:sp>
+        <p:nvSpPr>
+          <p:cNvPr id="50" name="圆角矩形 49"/>
           <p:cNvSpPr/>
           <p:nvPr/>
         </p:nvSpPr>
         <p:spPr>
           <a:xfrm>
-            <a:off x="179512" y="781552"/>
-            <a:ext cx="7056784" cy="3582319"/>
-          </a:xfrm>
-          <a:prstGeom prst="rect">
+            <a:off x="447017" y="3779110"/>
+            <a:ext cx="1558977" cy="276493"/>
+          </a:xfrm>
+          <a:prstGeom prst="roundRect">
             <a:avLst/>
           </a:prstGeom>
-          <a:solidFill>
-            <a:srgbClr val="00B0F0"/>
-          </a:solidFill>
         </p:spPr>
         <p:style>
           <a:lnRef idx="2">
@@ -34980,61 +35552,32 @@
           </a:fontRef>
         </p:style>
         <p:txBody>
-          <a:bodyPr rtlCol="0" anchor="t" anchorCtr="0"/>
+          <a:bodyPr rtlCol="0" anchor="ctr"/>
           <a:lstStyle/>
           <a:p>
             <a:pPr algn="ctr"/>
             <a:r>
-              <a:rPr kumimoji="1" lang="en-US" altLang="zh-CN" sz="1400" dirty="0" smtClean="0">
-                <a:solidFill>
-                  <a:schemeClr val="tx1"/>
-                </a:solidFill>
-              </a:rPr>
-              <a:t>[</a:t>
-            </a:r>
-            <a:r>
-              <a:rPr kumimoji="1" lang="zh-CN" altLang="en-US" sz="1400" dirty="0" smtClean="0">
-                <a:solidFill>
-                  <a:schemeClr val="tx1"/>
-                </a:solidFill>
-              </a:rPr>
-              <a:t>产品</a:t>
-            </a:r>
-            <a:r>
-              <a:rPr kumimoji="1" lang="en-US" altLang="zh-CN" sz="1400" dirty="0" smtClean="0">
-                <a:solidFill>
-                  <a:schemeClr val="tx1"/>
-                </a:solidFill>
-              </a:rPr>
-              <a:t>]=tools</a:t>
-            </a:r>
-            <a:endParaRPr kumimoji="1" lang="zh-CN" altLang="en-US" sz="1400" dirty="0">
-              <a:solidFill>
-                <a:schemeClr val="tx1"/>
-              </a:solidFill>
-            </a:endParaRPr>
-          </a:p>
-        </p:txBody>
-      </p:sp>
-      <p:sp>
-        <p:nvSpPr>
-          <p:cNvPr id="40" name="矩形 39"/>
+              <a:rPr kumimoji="1" lang="en-US" altLang="zh-CN" sz="1400" dirty="0" smtClean="0"/>
+              <a:t>JNL</a:t>
+            </a:r>
+            <a:endParaRPr kumimoji="1" lang="zh-CN" altLang="en-US" sz="1400" dirty="0"/>
+          </a:p>
+        </p:txBody>
+      </p:sp>
+      <p:sp>
+        <p:nvSpPr>
+          <p:cNvPr id="51" name="圆角矩形 50"/>
           <p:cNvSpPr/>
           <p:nvPr/>
         </p:nvSpPr>
         <p:spPr>
           <a:xfrm>
-            <a:off x="251520" y="1275606"/>
-            <a:ext cx="6912768" cy="840266"/>
-          </a:xfrm>
-          <a:prstGeom prst="rect">
+            <a:off x="447017" y="4250729"/>
+            <a:ext cx="1558977" cy="276493"/>
+          </a:xfrm>
+          <a:prstGeom prst="roundRect">
             <a:avLst/>
           </a:prstGeom>
-          <a:solidFill>
-            <a:schemeClr val="bg1">
-              <a:lumMod val="95000"/>
-            </a:schemeClr>
-          </a:solidFill>
         </p:spPr>
         <p:style>
           <a:lnRef idx="2">
@@ -35053,61 +35596,666 @@
           </a:fontRef>
         </p:style>
         <p:txBody>
-          <a:bodyPr rtlCol="0" anchor="b" anchorCtr="0"/>
+          <a:bodyPr rtlCol="0" anchor="ctr"/>
           <a:lstStyle/>
           <a:p>
             <a:pPr algn="ctr"/>
             <a:r>
-              <a:rPr kumimoji="1" lang="en-US" altLang="zh-CN" sz="1400" dirty="0" smtClean="0">
+              <a:rPr kumimoji="1" lang="en-US" altLang="zh-CN" sz="1400" dirty="0" smtClean="0"/>
+              <a:t>JNL</a:t>
+            </a:r>
+            <a:endParaRPr kumimoji="1" lang="zh-CN" altLang="en-US" sz="1400" dirty="0"/>
+          </a:p>
+        </p:txBody>
+      </p:sp>
+      <p:grpSp>
+        <p:nvGrpSpPr>
+          <p:cNvPr id="24" name="组 23"/>
+          <p:cNvGrpSpPr/>
+          <p:nvPr/>
+        </p:nvGrpSpPr>
+        <p:grpSpPr>
+          <a:xfrm>
+            <a:off x="447017" y="1697653"/>
+            <a:ext cx="1676711" cy="698212"/>
+            <a:chOff x="447017" y="1697653"/>
+            <a:chExt cx="1676711" cy="698212"/>
+          </a:xfrm>
+        </p:grpSpPr>
+        <p:sp>
+          <p:nvSpPr>
+            <p:cNvPr id="49" name="圆角矩形 48"/>
+            <p:cNvSpPr/>
+            <p:nvPr/>
+          </p:nvSpPr>
+          <p:spPr>
+            <a:xfrm>
+              <a:off x="447017" y="1697653"/>
+              <a:ext cx="1676711" cy="698212"/>
+            </a:xfrm>
+            <a:prstGeom prst="roundRect">
+              <a:avLst>
+                <a:gd name="adj" fmla="val 7313"/>
+              </a:avLst>
+            </a:prstGeom>
+          </p:spPr>
+          <p:style>
+            <a:lnRef idx="2">
+              <a:schemeClr val="accent1">
+                <a:shade val="50000"/>
+              </a:schemeClr>
+            </a:lnRef>
+            <a:fillRef idx="1">
+              <a:schemeClr val="accent1"/>
+            </a:fillRef>
+            <a:effectRef idx="0">
+              <a:schemeClr val="accent1"/>
+            </a:effectRef>
+            <a:fontRef idx="minor">
+              <a:schemeClr val="lt1"/>
+            </a:fontRef>
+          </p:style>
+          <p:txBody>
+            <a:bodyPr rot="0" spcFirstLastPara="0" vertOverflow="overflow" horzOverflow="overflow" vert="horz" wrap="square" lIns="91440" tIns="45720" rIns="91440" bIns="45720" numCol="1" spcCol="0" rtlCol="0" fromWordArt="0" anchor="t" anchorCtr="0" forceAA="0" compatLnSpc="1">
+              <a:prstTxWarp prst="textNoShape">
+                <a:avLst/>
+              </a:prstTxWarp>
+              <a:noAutofit/>
+            </a:bodyPr>
+            <a:lstStyle/>
+            <a:p>
+              <a:pPr algn="ctr"/>
+              <a:r>
+                <a:rPr kumimoji="1" lang="en-US" altLang="zh-CN" sz="1400" dirty="0"/>
+                <a:t>JNL</a:t>
+              </a:r>
+              <a:endParaRPr kumimoji="1" lang="zh-CN" altLang="en-US" sz="1400" dirty="0"/>
+            </a:p>
+          </p:txBody>
+        </p:sp>
+        <p:sp>
+          <p:nvSpPr>
+            <p:cNvPr id="16" name="椭圆 15"/>
+            <p:cNvSpPr/>
+            <p:nvPr/>
+          </p:nvSpPr>
+          <p:spPr>
+            <a:xfrm>
+              <a:off x="607522" y="1981567"/>
+              <a:ext cx="1319971" cy="216024"/>
+            </a:xfrm>
+            <a:prstGeom prst="ellipse">
+              <a:avLst/>
+            </a:prstGeom>
+          </p:spPr>
+          <p:style>
+            <a:lnRef idx="2">
+              <a:schemeClr val="accent1">
+                <a:shade val="50000"/>
+              </a:schemeClr>
+            </a:lnRef>
+            <a:fillRef idx="1">
+              <a:schemeClr val="accent1"/>
+            </a:fillRef>
+            <a:effectRef idx="0">
+              <a:schemeClr val="accent1"/>
+            </a:effectRef>
+            <a:fontRef idx="minor">
+              <a:schemeClr val="lt1"/>
+            </a:fontRef>
+          </p:style>
+          <p:txBody>
+            <a:bodyPr rtlCol="0" anchor="ctr"/>
+            <a:lstStyle/>
+            <a:p>
+              <a:pPr algn="ctr"/>
+              <a:r>
+                <a:rPr kumimoji="1" lang="en-US" altLang="zh-CN" sz="1000" dirty="0" err="1" smtClean="0"/>
+                <a:t>YYYController</a:t>
+              </a:r>
+              <a:endParaRPr kumimoji="1" lang="zh-CN" altLang="en-US" sz="1000" dirty="0"/>
+            </a:p>
+          </p:txBody>
+        </p:sp>
+        <p:sp>
+          <p:nvSpPr>
+            <p:cNvPr id="84" name="椭圆 83"/>
+            <p:cNvSpPr/>
+            <p:nvPr/>
+          </p:nvSpPr>
+          <p:spPr>
+            <a:xfrm>
+              <a:off x="691127" y="2131253"/>
+              <a:ext cx="1319971" cy="216024"/>
+            </a:xfrm>
+            <a:prstGeom prst="ellipse">
+              <a:avLst/>
+            </a:prstGeom>
+          </p:spPr>
+          <p:style>
+            <a:lnRef idx="2">
+              <a:schemeClr val="accent1">
+                <a:shade val="50000"/>
+              </a:schemeClr>
+            </a:lnRef>
+            <a:fillRef idx="1">
+              <a:schemeClr val="accent1"/>
+            </a:fillRef>
+            <a:effectRef idx="0">
+              <a:schemeClr val="accent1"/>
+            </a:effectRef>
+            <a:fontRef idx="minor">
+              <a:schemeClr val="lt1"/>
+            </a:fontRef>
+          </p:style>
+          <p:txBody>
+            <a:bodyPr rtlCol="0" anchor="ctr"/>
+            <a:lstStyle/>
+            <a:p>
+              <a:pPr algn="ctr"/>
+              <a:r>
+                <a:rPr kumimoji="1" lang="en-US" altLang="zh-CN" sz="1000" dirty="0" err="1" smtClean="0"/>
+                <a:t>XXXController</a:t>
+              </a:r>
+              <a:endParaRPr kumimoji="1" lang="zh-CN" altLang="en-US" sz="1000" dirty="0"/>
+            </a:p>
+          </p:txBody>
+        </p:sp>
+      </p:grpSp>
+      <p:grpSp>
+        <p:nvGrpSpPr>
+          <p:cNvPr id="25" name="组 24"/>
+          <p:cNvGrpSpPr/>
+          <p:nvPr/>
+        </p:nvGrpSpPr>
+        <p:grpSpPr>
+          <a:xfrm>
+            <a:off x="413289" y="2613472"/>
+            <a:ext cx="1702359" cy="987437"/>
+            <a:chOff x="413289" y="2613472"/>
+            <a:chExt cx="1702359" cy="987437"/>
+          </a:xfrm>
+        </p:grpSpPr>
+        <p:sp>
+          <p:nvSpPr>
+            <p:cNvPr id="43" name="圆角矩形 42"/>
+            <p:cNvSpPr/>
+            <p:nvPr/>
+          </p:nvSpPr>
+          <p:spPr>
+            <a:xfrm>
+              <a:off x="413289" y="2613472"/>
+              <a:ext cx="1702359" cy="987437"/>
+            </a:xfrm>
+            <a:prstGeom prst="roundRect">
+              <a:avLst>
+                <a:gd name="adj" fmla="val 4640"/>
+              </a:avLst>
+            </a:prstGeom>
+          </p:spPr>
+          <p:style>
+            <a:lnRef idx="2">
+              <a:schemeClr val="accent1">
+                <a:shade val="50000"/>
+              </a:schemeClr>
+            </a:lnRef>
+            <a:fillRef idx="1">
+              <a:schemeClr val="accent1"/>
+            </a:fillRef>
+            <a:effectRef idx="0">
+              <a:schemeClr val="accent1"/>
+            </a:effectRef>
+            <a:fontRef idx="minor">
+              <a:schemeClr val="lt1"/>
+            </a:fontRef>
+          </p:style>
+          <p:txBody>
+            <a:bodyPr rtlCol="0" anchor="t" anchorCtr="0"/>
+            <a:lstStyle/>
+            <a:p>
+              <a:pPr algn="ctr"/>
+              <a:r>
+                <a:rPr kumimoji="1" lang="en-US" altLang="zh-CN" sz="1400" dirty="0" smtClean="0"/>
+                <a:t>JNL</a:t>
+              </a:r>
+              <a:endParaRPr kumimoji="1" lang="zh-CN" altLang="en-US" sz="1400" dirty="0"/>
+            </a:p>
+          </p:txBody>
+        </p:sp>
+        <p:sp>
+          <p:nvSpPr>
+            <p:cNvPr id="79" name="矩形 78"/>
+            <p:cNvSpPr/>
+            <p:nvPr/>
+          </p:nvSpPr>
+          <p:spPr>
+            <a:xfrm>
+              <a:off x="499338" y="2882532"/>
+              <a:ext cx="1512167" cy="215113"/>
+            </a:xfrm>
+            <a:prstGeom prst="rect">
+              <a:avLst/>
+            </a:prstGeom>
+          </p:spPr>
+          <p:style>
+            <a:lnRef idx="2">
+              <a:schemeClr val="accent1">
+                <a:shade val="50000"/>
+              </a:schemeClr>
+            </a:lnRef>
+            <a:fillRef idx="1">
+              <a:schemeClr val="accent1"/>
+            </a:fillRef>
+            <a:effectRef idx="0">
+              <a:schemeClr val="accent1"/>
+            </a:effectRef>
+            <a:fontRef idx="minor">
+              <a:schemeClr val="lt1"/>
+            </a:fontRef>
+          </p:style>
+          <p:txBody>
+            <a:bodyPr rtlCol="0" anchor="ctr"/>
+            <a:lstStyle/>
+            <a:p>
+              <a:pPr algn="ctr"/>
+              <a:r>
+                <a:rPr kumimoji="1" lang="en-US" altLang="zh-CN" sz="1000" dirty="0" smtClean="0"/>
+                <a:t>comprehensive</a:t>
+              </a:r>
+              <a:endParaRPr kumimoji="1" lang="zh-CN" altLang="en-US" sz="1000" dirty="0"/>
+            </a:p>
+          </p:txBody>
+        </p:sp>
+        <p:sp>
+          <p:nvSpPr>
+            <p:cNvPr id="80" name="矩形 79"/>
+            <p:cNvSpPr/>
+            <p:nvPr/>
+          </p:nvSpPr>
+          <p:spPr>
+            <a:xfrm>
+              <a:off x="504128" y="3147814"/>
+              <a:ext cx="1512167" cy="395444"/>
+            </a:xfrm>
+            <a:prstGeom prst="rect">
+              <a:avLst/>
+            </a:prstGeom>
+          </p:spPr>
+          <p:style>
+            <a:lnRef idx="2">
+              <a:schemeClr val="accent1">
+                <a:shade val="50000"/>
+              </a:schemeClr>
+            </a:lnRef>
+            <a:fillRef idx="1">
+              <a:schemeClr val="accent1"/>
+            </a:fillRef>
+            <a:effectRef idx="0">
+              <a:schemeClr val="accent1"/>
+            </a:effectRef>
+            <a:fontRef idx="minor">
+              <a:schemeClr val="lt1"/>
+            </a:fontRef>
+          </p:style>
+          <p:txBody>
+            <a:bodyPr rtlCol="0" anchor="t"/>
+            <a:lstStyle/>
+            <a:p>
+              <a:pPr algn="ctr"/>
+              <a:r>
+                <a:rPr kumimoji="1" lang="en-US" altLang="zh-CN" sz="1000" dirty="0" smtClean="0"/>
+                <a:t>basal</a:t>
+              </a:r>
+              <a:endParaRPr kumimoji="1" lang="zh-CN" altLang="en-US" sz="1000" dirty="0"/>
+            </a:p>
+          </p:txBody>
+        </p:sp>
+        <p:sp>
+          <p:nvSpPr>
+            <p:cNvPr id="85" name="椭圆 84"/>
+            <p:cNvSpPr/>
+            <p:nvPr/>
+          </p:nvSpPr>
+          <p:spPr>
+            <a:xfrm>
+              <a:off x="869774" y="3323877"/>
+              <a:ext cx="1124890" cy="216024"/>
+            </a:xfrm>
+            <a:prstGeom prst="ellipse">
+              <a:avLst/>
+            </a:prstGeom>
+          </p:spPr>
+          <p:style>
+            <a:lnRef idx="2">
+              <a:schemeClr val="accent1">
+                <a:shade val="50000"/>
+              </a:schemeClr>
+            </a:lnRef>
+            <a:fillRef idx="1">
+              <a:schemeClr val="accent1"/>
+            </a:fillRef>
+            <a:effectRef idx="0">
+              <a:schemeClr val="accent1"/>
+            </a:effectRef>
+            <a:fontRef idx="minor">
+              <a:schemeClr val="lt1"/>
+            </a:fontRef>
+          </p:style>
+          <p:txBody>
+            <a:bodyPr rtlCol="0" anchor="ctr"/>
+            <a:lstStyle/>
+            <a:p>
+              <a:pPr algn="ctr"/>
+              <a:r>
+                <a:rPr kumimoji="1" lang="en-US" altLang="zh-CN" sz="1000" dirty="0" err="1"/>
+                <a:t>J</a:t>
+              </a:r>
+              <a:r>
+                <a:rPr kumimoji="1" lang="en-US" altLang="zh-CN" sz="1000" dirty="0" err="1" smtClean="0"/>
+                <a:t>nlRService</a:t>
+              </a:r>
+              <a:endParaRPr kumimoji="1" lang="zh-CN" altLang="en-US" sz="1000" dirty="0"/>
+            </a:p>
+          </p:txBody>
+        </p:sp>
+      </p:grpSp>
+      <p:grpSp>
+        <p:nvGrpSpPr>
+          <p:cNvPr id="26" name="组 25"/>
+          <p:cNvGrpSpPr/>
+          <p:nvPr/>
+        </p:nvGrpSpPr>
+        <p:grpSpPr>
+          <a:xfrm>
+            <a:off x="276530" y="1493502"/>
+            <a:ext cx="5089298" cy="3599092"/>
+            <a:chOff x="276530" y="1493502"/>
+            <a:chExt cx="5089298" cy="3599092"/>
+          </a:xfrm>
+        </p:grpSpPr>
+        <p:sp>
+          <p:nvSpPr>
+            <p:cNvPr id="15" name="矩形 14"/>
+            <p:cNvSpPr/>
+            <p:nvPr/>
+          </p:nvSpPr>
+          <p:spPr>
+            <a:xfrm>
+              <a:off x="276530" y="1493502"/>
+              <a:ext cx="1991214" cy="3312368"/>
+            </a:xfrm>
+            <a:prstGeom prst="rect">
+              <a:avLst/>
+            </a:prstGeom>
+            <a:noFill/>
+            <a:ln>
+              <a:solidFill>
+                <a:srgbClr val="C00000"/>
+              </a:solidFill>
+              <a:prstDash val="dash"/>
+            </a:ln>
+          </p:spPr>
+          <p:style>
+            <a:lnRef idx="2">
+              <a:schemeClr val="accent1">
+                <a:shade val="50000"/>
+              </a:schemeClr>
+            </a:lnRef>
+            <a:fillRef idx="1">
+              <a:schemeClr val="accent1"/>
+            </a:fillRef>
+            <a:effectRef idx="0">
+              <a:schemeClr val="accent1"/>
+            </a:effectRef>
+            <a:fontRef idx="minor">
+              <a:schemeClr val="lt1"/>
+            </a:fontRef>
+          </p:style>
+          <p:txBody>
+            <a:bodyPr rtlCol="0" anchor="ctr"/>
+            <a:lstStyle/>
+            <a:p>
+              <a:pPr algn="ctr"/>
+              <a:endParaRPr kumimoji="1" lang="zh-CN" altLang="en-US"/>
+            </a:p>
+          </p:txBody>
+        </p:sp>
+        <p:sp>
+          <p:nvSpPr>
+            <p:cNvPr id="17" name="矩形标注 16"/>
+            <p:cNvSpPr/>
+            <p:nvPr/>
+          </p:nvSpPr>
+          <p:spPr>
+            <a:xfrm>
+              <a:off x="2686196" y="4787274"/>
+              <a:ext cx="2679632" cy="305320"/>
+            </a:xfrm>
+            <a:prstGeom prst="wedgeRectCallout">
+              <a:avLst>
+                <a:gd name="adj1" fmla="val -67855"/>
+                <a:gd name="adj2" fmla="val -43985"/>
+              </a:avLst>
+            </a:prstGeom>
+            <a:solidFill>
+              <a:schemeClr val="bg1">
+                <a:lumMod val="95000"/>
+              </a:schemeClr>
+            </a:solidFill>
+            <a:ln>
+              <a:solidFill>
+                <a:srgbClr val="C00000"/>
+              </a:solidFill>
+            </a:ln>
+          </p:spPr>
+          <p:style>
+            <a:lnRef idx="2">
+              <a:schemeClr val="accent1">
+                <a:shade val="50000"/>
+              </a:schemeClr>
+            </a:lnRef>
+            <a:fillRef idx="1">
+              <a:schemeClr val="accent1"/>
+            </a:fillRef>
+            <a:effectRef idx="0">
+              <a:schemeClr val="accent1"/>
+            </a:effectRef>
+            <a:fontRef idx="minor">
+              <a:schemeClr val="lt1"/>
+            </a:fontRef>
+          </p:style>
+          <p:txBody>
+            <a:bodyPr rtlCol="0" anchor="ctr"/>
+            <a:lstStyle/>
+            <a:p>
+              <a:pPr algn="ctr"/>
+              <a:r>
+                <a:rPr kumimoji="1" lang="zh-CN" altLang="en-US" sz="1400" dirty="0" smtClean="0">
+                  <a:solidFill>
+                    <a:schemeClr val="tx1"/>
+                  </a:solidFill>
+                </a:rPr>
+                <a:t>应用域：流水管理 </a:t>
+              </a:r>
+              <a:r>
+                <a:rPr kumimoji="1" lang="en-US" altLang="zh-CN" sz="1400" dirty="0" smtClean="0">
+                  <a:solidFill>
+                    <a:schemeClr val="tx1"/>
+                  </a:solidFill>
+                </a:rPr>
+                <a:t>JNL</a:t>
+              </a:r>
+              <a:endParaRPr kumimoji="1" lang="zh-CN" altLang="en-US" sz="1400" dirty="0">
                 <a:solidFill>
                   <a:schemeClr val="tx1"/>
                 </a:solidFill>
-              </a:rPr>
-              <a:t>[</a:t>
-            </a:r>
-            <a:r>
-              <a:rPr kumimoji="1" lang="zh-CN" altLang="en-US" sz="1400" dirty="0" smtClean="0">
-                <a:solidFill>
-                  <a:schemeClr val="tx1"/>
-                </a:solidFill>
-              </a:rPr>
-              <a:t>技术分层</a:t>
-            </a:r>
-            <a:r>
-              <a:rPr kumimoji="1" lang="en-US" altLang="zh-CN" sz="1400" dirty="0" smtClean="0">
-                <a:solidFill>
-                  <a:schemeClr val="tx1"/>
-                </a:solidFill>
-              </a:rPr>
-              <a:t>]=web</a:t>
-            </a:r>
-            <a:endParaRPr kumimoji="1" lang="zh-CN" altLang="en-US" sz="1400" dirty="0">
-              <a:solidFill>
-                <a:schemeClr val="tx1"/>
-              </a:solidFill>
-            </a:endParaRPr>
-          </a:p>
-        </p:txBody>
-      </p:sp>
-      <p:sp>
-        <p:nvSpPr>
-          <p:cNvPr id="41" name="矩形 40"/>
-          <p:cNvSpPr/>
-          <p:nvPr/>
-        </p:nvSpPr>
-        <p:spPr>
-          <a:xfrm>
-            <a:off x="264257" y="2188474"/>
-            <a:ext cx="6898291" cy="1124262"/>
+              </a:endParaRPr>
+            </a:p>
+          </p:txBody>
+        </p:sp>
+      </p:grpSp>
+      <p:sp>
+        <p:nvSpPr>
+          <p:cNvPr id="19" name="文本框 18"/>
+          <p:cNvSpPr txBox="1"/>
+          <p:nvPr/>
+        </p:nvSpPr>
+        <p:spPr>
+          <a:xfrm>
+            <a:off x="5472088" y="3682267"/>
+            <a:ext cx="3443985" cy="1261884"/>
           </a:xfrm>
           <a:prstGeom prst="rect">
             <a:avLst/>
           </a:prstGeom>
-          <a:solidFill>
-            <a:schemeClr val="bg1">
-              <a:lumMod val="95000"/>
-            </a:schemeClr>
-          </a:solidFill>
+          <a:noFill/>
+        </p:spPr>
+        <p:txBody>
+          <a:bodyPr wrap="square" rtlCol="0">
+            <a:spAutoFit/>
+          </a:bodyPr>
+          <a:lstStyle/>
+          <a:p>
+            <a:r>
+              <a:rPr kumimoji="1" lang="zh-CN" altLang="en-US" sz="1400" dirty="0" smtClean="0">
+                <a:solidFill>
+                  <a:srgbClr val="FF0000"/>
+                </a:solidFill>
+                <a:latin typeface="Microsoft YaHei" charset="-122"/>
+                <a:ea typeface="Microsoft YaHei" charset="-122"/>
+                <a:cs typeface="Microsoft YaHei" charset="-122"/>
+              </a:rPr>
+              <a:t>命名原则：按照层次／概念的“</a:t>
+            </a:r>
+            <a:r>
+              <a:rPr kumimoji="1" lang="zh-CN" altLang="en-US" sz="1400" dirty="0">
+                <a:solidFill>
+                  <a:srgbClr val="FF0000"/>
+                </a:solidFill>
+                <a:latin typeface="Microsoft YaHei" charset="-122"/>
+                <a:ea typeface="Microsoft YaHei" charset="-122"/>
+                <a:cs typeface="Microsoft YaHei" charset="-122"/>
+              </a:rPr>
+              <a:t>范围大小</a:t>
+            </a:r>
+            <a:r>
+              <a:rPr kumimoji="1" lang="zh-CN" altLang="en-US" sz="1400" dirty="0" smtClean="0">
+                <a:solidFill>
+                  <a:srgbClr val="FF0000"/>
+                </a:solidFill>
+                <a:latin typeface="Microsoft YaHei" charset="-122"/>
+                <a:ea typeface="Microsoft YaHei" charset="-122"/>
+                <a:cs typeface="Microsoft YaHei" charset="-122"/>
+              </a:rPr>
+              <a:t>”做先后排列，组织</a:t>
+            </a:r>
+            <a:r>
+              <a:rPr kumimoji="1" lang="en-US" altLang="zh-CN" sz="1400" dirty="0" smtClean="0">
+                <a:solidFill>
+                  <a:srgbClr val="FF0000"/>
+                </a:solidFill>
+                <a:latin typeface="Microsoft YaHei" charset="-122"/>
+                <a:ea typeface="Microsoft YaHei" charset="-122"/>
+                <a:cs typeface="Microsoft YaHei" charset="-122"/>
+              </a:rPr>
+              <a:t>package</a:t>
+            </a:r>
+            <a:r>
+              <a:rPr kumimoji="1" lang="zh-CN" altLang="en-US" sz="1400" smtClean="0">
+                <a:solidFill>
+                  <a:srgbClr val="FF0000"/>
+                </a:solidFill>
+                <a:latin typeface="Microsoft YaHei" charset="-122"/>
+                <a:ea typeface="Microsoft YaHei" charset="-122"/>
+                <a:cs typeface="Microsoft YaHei" charset="-122"/>
+              </a:rPr>
+              <a:t>的命名。</a:t>
+            </a:r>
+            <a:endParaRPr kumimoji="1" lang="en-US" altLang="zh-CN" sz="1400" dirty="0" smtClean="0">
+              <a:solidFill>
+                <a:srgbClr val="FF0000"/>
+              </a:solidFill>
+              <a:latin typeface="Microsoft YaHei" charset="-122"/>
+              <a:ea typeface="Microsoft YaHei" charset="-122"/>
+              <a:cs typeface="Microsoft YaHei" charset="-122"/>
+            </a:endParaRPr>
+          </a:p>
+          <a:p>
+            <a:endParaRPr kumimoji="1" lang="en-US" altLang="zh-CN" sz="1200" dirty="0" smtClean="0"/>
+          </a:p>
+          <a:p>
+            <a:r>
+              <a:rPr kumimoji="1" lang="zh-CN" altLang="en-US" sz="1200" dirty="0" smtClean="0"/>
+              <a:t>如上举例中：</a:t>
+            </a:r>
+            <a:endParaRPr kumimoji="1" lang="en-US" altLang="zh-CN" sz="1200" dirty="0" smtClean="0"/>
+          </a:p>
+          <a:p>
+            <a:endParaRPr kumimoji="1" lang="en-US" altLang="zh-CN" sz="1200" dirty="0" smtClean="0"/>
+          </a:p>
+          <a:p>
+            <a:r>
+              <a:rPr kumimoji="1" lang="zh-CN" altLang="en-US" sz="1200" dirty="0" smtClean="0"/>
+              <a:t>公司 </a:t>
+            </a:r>
+            <a:r>
+              <a:rPr kumimoji="1" lang="en-US" altLang="zh-CN" sz="1200" dirty="0" smtClean="0"/>
+              <a:t>&gt; </a:t>
+            </a:r>
+            <a:r>
+              <a:rPr kumimoji="1" lang="zh-CN" altLang="en-US" sz="1200" dirty="0" smtClean="0"/>
+              <a:t>产品 </a:t>
+            </a:r>
+            <a:r>
+              <a:rPr kumimoji="1" lang="en-US" altLang="zh-CN" sz="1200" dirty="0" smtClean="0"/>
+              <a:t>&gt; </a:t>
+            </a:r>
+            <a:r>
+              <a:rPr kumimoji="1" lang="zh-CN" altLang="en-US" sz="1200" dirty="0" smtClean="0"/>
+              <a:t>技术分层 </a:t>
+            </a:r>
+            <a:r>
+              <a:rPr kumimoji="1" lang="en-US" altLang="zh-CN" sz="1200" dirty="0" smtClean="0"/>
+              <a:t>&gt; </a:t>
+            </a:r>
+            <a:r>
+              <a:rPr kumimoji="1" lang="zh-CN" altLang="en-US" sz="1200" dirty="0" smtClean="0"/>
+              <a:t>应用域 </a:t>
+            </a:r>
+            <a:r>
+              <a:rPr kumimoji="1" lang="en-US" altLang="zh-CN" sz="1200" dirty="0" smtClean="0"/>
+              <a:t>&gt; </a:t>
+            </a:r>
+            <a:r>
+              <a:rPr kumimoji="1" lang="zh-CN" altLang="en-US" sz="1200" dirty="0" smtClean="0"/>
+              <a:t>模块 </a:t>
+            </a:r>
+            <a:r>
+              <a:rPr kumimoji="1" lang="en-US" altLang="zh-CN" sz="1200" dirty="0" smtClean="0"/>
+              <a:t>&gt; </a:t>
+            </a:r>
+            <a:r>
+              <a:rPr kumimoji="1" lang="zh-CN" altLang="en-US" sz="1200" dirty="0" smtClean="0"/>
+              <a:t>类名</a:t>
+            </a:r>
+            <a:endParaRPr kumimoji="1" lang="zh-CN" altLang="en-US" sz="1200" dirty="0"/>
+          </a:p>
+        </p:txBody>
+      </p:sp>
+      <p:sp>
+        <p:nvSpPr>
+          <p:cNvPr id="87" name="椭圆 86"/>
+          <p:cNvSpPr/>
+          <p:nvPr/>
+        </p:nvSpPr>
+        <p:spPr>
+          <a:xfrm>
+            <a:off x="8176555" y="710802"/>
+            <a:ext cx="763020" cy="216024"/>
+          </a:xfrm>
+          <a:prstGeom prst="ellipse">
+            <a:avLst/>
+          </a:prstGeom>
         </p:spPr>
         <p:style>
           <a:lnRef idx="2">
@@ -35126,122 +36274,32 @@
           </a:fontRef>
         </p:style>
         <p:txBody>
-          <a:bodyPr rot="0" spcFirstLastPara="0" vertOverflow="overflow" horzOverflow="overflow" vert="horz" wrap="square" lIns="91440" tIns="45720" rIns="91440" bIns="45720" numCol="1" spcCol="0" rtlCol="0" fromWordArt="0" anchor="b" anchorCtr="0" forceAA="0" compatLnSpc="1">
-            <a:prstTxWarp prst="textNoShape">
-              <a:avLst/>
-            </a:prstTxWarp>
-            <a:noAutofit/>
-          </a:bodyPr>
+          <a:bodyPr rtlCol="0" anchor="ctr"/>
           <a:lstStyle/>
           <a:p>
             <a:pPr algn="ctr"/>
             <a:r>
-              <a:rPr kumimoji="1" lang="en-US" altLang="zh-CN" sz="1400" dirty="0" smtClean="0">
-                <a:solidFill>
-                  <a:schemeClr val="tx1"/>
-                </a:solidFill>
-              </a:rPr>
-              <a:t>[</a:t>
-            </a:r>
-            <a:r>
-              <a:rPr kumimoji="1" lang="zh-CN" altLang="en-US" sz="1400" dirty="0" smtClean="0">
-                <a:solidFill>
-                  <a:schemeClr val="tx1"/>
-                </a:solidFill>
-              </a:rPr>
-              <a:t>技术分层</a:t>
-            </a:r>
-            <a:r>
-              <a:rPr kumimoji="1" lang="en-US" altLang="zh-CN" sz="1400" dirty="0" smtClean="0">
-                <a:solidFill>
-                  <a:schemeClr val="tx1"/>
-                </a:solidFill>
-              </a:rPr>
-              <a:t>]=</a:t>
-            </a:r>
-            <a:r>
-              <a:rPr kumimoji="1" lang="en-US" altLang="zh-CN" sz="1400" dirty="0" err="1" smtClean="0">
-                <a:solidFill>
-                  <a:schemeClr val="tx1"/>
-                </a:solidFill>
-              </a:rPr>
-              <a:t>rservice</a:t>
-            </a:r>
-            <a:r>
-              <a:rPr kumimoji="1" lang="en-US" altLang="zh-CN" sz="1400" dirty="0">
-                <a:solidFill>
-                  <a:schemeClr val="tx1"/>
-                </a:solidFill>
-              </a:rPr>
-              <a:t> </a:t>
-            </a:r>
-            <a:r>
-              <a:rPr kumimoji="1" lang="zh-CN" altLang="en-US" sz="1400" dirty="0" smtClean="0">
-                <a:solidFill>
-                  <a:schemeClr val="tx1"/>
-                </a:solidFill>
-              </a:rPr>
-              <a:t>（</a:t>
-            </a:r>
-            <a:r>
-              <a:rPr kumimoji="1" lang="en-US" altLang="zh-CN" sz="1400" dirty="0" smtClean="0">
-                <a:solidFill>
-                  <a:schemeClr val="tx1"/>
-                </a:solidFill>
-              </a:rPr>
-              <a:t>Remote</a:t>
-            </a:r>
-            <a:r>
-              <a:rPr kumimoji="1" lang="zh-CN" altLang="en-US" sz="1400" dirty="0" smtClean="0">
-                <a:solidFill>
-                  <a:schemeClr val="tx1"/>
-                </a:solidFill>
-              </a:rPr>
-              <a:t> </a:t>
-            </a:r>
-            <a:r>
-              <a:rPr kumimoji="1" lang="en-US" altLang="zh-CN" sz="1400" dirty="0" smtClean="0">
-                <a:solidFill>
-                  <a:schemeClr val="tx1"/>
-                </a:solidFill>
-              </a:rPr>
-              <a:t>Service</a:t>
-            </a:r>
-            <a:r>
-              <a:rPr kumimoji="1" lang="zh-CN" altLang="en-US" sz="1400" dirty="0" smtClean="0">
-                <a:solidFill>
-                  <a:schemeClr val="tx1"/>
-                </a:solidFill>
-              </a:rPr>
-              <a:t>）</a:t>
-            </a:r>
-            <a:endParaRPr kumimoji="1" lang="zh-CN" altLang="en-US" sz="1400" dirty="0">
-              <a:solidFill>
-                <a:schemeClr val="tx1"/>
-              </a:solidFill>
-            </a:endParaRPr>
-          </a:p>
-        </p:txBody>
-      </p:sp>
-      <p:sp>
-        <p:nvSpPr>
-          <p:cNvPr id="42" name="矩形 41"/>
+              <a:rPr kumimoji="1" lang="zh-CN" altLang="en-US" sz="1200" dirty="0" smtClean="0"/>
+              <a:t>类</a:t>
+            </a:r>
+            <a:endParaRPr kumimoji="1" lang="zh-CN" altLang="en-US" sz="1200" dirty="0"/>
+          </a:p>
+        </p:txBody>
+      </p:sp>
+      <p:sp>
+        <p:nvSpPr>
+          <p:cNvPr id="20" name="六边形 19"/>
           <p:cNvSpPr/>
           <p:nvPr/>
         </p:nvSpPr>
         <p:spPr>
           <a:xfrm>
-            <a:off x="274790" y="3840318"/>
-            <a:ext cx="6898291" cy="397241"/>
-          </a:xfrm>
-          <a:prstGeom prst="rect">
+            <a:off x="276530" y="314025"/>
+            <a:ext cx="1297884" cy="524919"/>
+          </a:xfrm>
+          <a:prstGeom prst="hexagon">
             <a:avLst/>
           </a:prstGeom>
-          <a:solidFill>
-            <a:schemeClr val="bg1">
-              <a:lumMod val="95000"/>
-            </a:schemeClr>
-          </a:solidFill>
         </p:spPr>
         <p:style>
           <a:lnRef idx="2">
@@ -35260,76 +36318,41 @@
           </a:fontRef>
         </p:style>
         <p:txBody>
-          <a:bodyPr rot="0" spcFirstLastPara="0" vertOverflow="overflow" horzOverflow="overflow" vert="horz" wrap="square" lIns="91440" tIns="45720" rIns="91440" bIns="45720" numCol="1" spcCol="0" rtlCol="0" fromWordArt="0" anchor="b" anchorCtr="0" forceAA="0" compatLnSpc="1">
-            <a:prstTxWarp prst="textNoShape">
-              <a:avLst/>
-            </a:prstTxWarp>
-            <a:noAutofit/>
-          </a:bodyPr>
+          <a:bodyPr rtlCol="0" anchor="ctr"/>
           <a:lstStyle/>
           <a:p>
             <a:pPr algn="ctr"/>
             <a:r>
-              <a:rPr kumimoji="1" lang="en-US" altLang="zh-CN" sz="1400" dirty="0" smtClean="0">
-                <a:solidFill>
-                  <a:schemeClr val="tx1"/>
-                </a:solidFill>
-              </a:rPr>
-              <a:t>[</a:t>
-            </a:r>
-            <a:r>
-              <a:rPr kumimoji="1" lang="zh-CN" altLang="en-US" sz="1400" dirty="0" smtClean="0">
-                <a:solidFill>
-                  <a:schemeClr val="tx1"/>
-                </a:solidFill>
-              </a:rPr>
-              <a:t>技术</a:t>
-            </a:r>
-            <a:r>
-              <a:rPr kumimoji="1" lang="zh-CN" altLang="en-US" sz="1400" dirty="0" smtClean="0">
-                <a:solidFill>
-                  <a:schemeClr val="tx1"/>
-                </a:solidFill>
-              </a:rPr>
-              <a:t>分层</a:t>
-            </a:r>
-            <a:r>
-              <a:rPr kumimoji="1" lang="en-US" altLang="zh-CN" sz="1400" dirty="0" smtClean="0">
-                <a:solidFill>
-                  <a:schemeClr val="tx1"/>
-                </a:solidFill>
-              </a:rPr>
-              <a:t>]=</a:t>
-            </a:r>
-            <a:r>
-              <a:rPr kumimoji="1" lang="en-US" altLang="zh-CN" sz="1400" dirty="0" err="1" smtClean="0">
-                <a:solidFill>
-                  <a:schemeClr val="tx1"/>
-                </a:solidFill>
-              </a:rPr>
-              <a:t>dao</a:t>
-            </a:r>
-            <a:endParaRPr kumimoji="1" lang="zh-CN" altLang="en-US" sz="1400" dirty="0">
-              <a:solidFill>
-                <a:schemeClr val="tx1"/>
-              </a:solidFill>
-            </a:endParaRPr>
-          </a:p>
-        </p:txBody>
-      </p:sp>
-      <p:sp>
-        <p:nvSpPr>
-          <p:cNvPr id="43" name="圆角矩形 42"/>
+              <a:rPr kumimoji="1" lang="zh-CN" altLang="en-US" dirty="0"/>
+              <a:t>公司</a:t>
+            </a:r>
+            <a:endParaRPr kumimoji="1" lang="en-US" altLang="zh-CN" dirty="0"/>
+          </a:p>
+          <a:p>
+            <a:pPr algn="ctr"/>
+            <a:r>
+              <a:rPr kumimoji="1" lang="en-US" altLang="zh-CN" sz="1200" dirty="0" err="1"/>
+              <a:t>com.fone</a:t>
+            </a:r>
+            <a:endParaRPr kumimoji="1" lang="zh-CN" altLang="en-US" sz="1200" dirty="0"/>
+          </a:p>
+        </p:txBody>
+      </p:sp>
+      <p:sp>
+        <p:nvSpPr>
+          <p:cNvPr id="88" name="圆角矩形 87"/>
           <p:cNvSpPr/>
           <p:nvPr/>
         </p:nvSpPr>
         <p:spPr>
           <a:xfrm>
-            <a:off x="405356" y="2254949"/>
-            <a:ext cx="1702359" cy="987437"/>
+            <a:off x="6812145" y="687524"/>
+            <a:ext cx="1205622" cy="296141"/>
           </a:xfrm>
           <a:prstGeom prst="roundRect">
-            <a:avLst/>
+            <a:avLst>
+              <a:gd name="adj" fmla="val 7313"/>
+            </a:avLst>
           </a:prstGeom>
         </p:spPr>
         <p:style>
@@ -35349,28 +36372,33 @@
           </a:fontRef>
         </p:style>
         <p:txBody>
-          <a:bodyPr rtlCol="0" anchor="t" anchorCtr="0"/>
+          <a:bodyPr rot="0" spcFirstLastPara="0" vertOverflow="overflow" horzOverflow="overflow" vert="horz" wrap="square" lIns="91440" tIns="45720" rIns="91440" bIns="45720" numCol="1" spcCol="0" rtlCol="0" fromWordArt="0" anchor="t" anchorCtr="0" forceAA="0" compatLnSpc="1">
+            <a:prstTxWarp prst="textNoShape">
+              <a:avLst/>
+            </a:prstTxWarp>
+            <a:noAutofit/>
+          </a:bodyPr>
           <a:lstStyle/>
           <a:p>
             <a:pPr algn="ctr"/>
             <a:r>
-              <a:rPr kumimoji="1" lang="en-US" altLang="zh-CN" sz="1400" dirty="0" smtClean="0"/>
-              <a:t>JNL</a:t>
-            </a:r>
-            <a:endParaRPr kumimoji="1" lang="zh-CN" altLang="en-US" sz="1400" dirty="0"/>
-          </a:p>
-        </p:txBody>
-      </p:sp>
-      <p:sp>
-        <p:nvSpPr>
-          <p:cNvPr id="48" name="矩形 47"/>
+              <a:rPr kumimoji="1" lang="zh-CN" altLang="en-US" sz="1200" smtClean="0"/>
+              <a:t>应用域和模块</a:t>
+            </a:r>
+            <a:endParaRPr kumimoji="1" lang="zh-CN" altLang="en-US" sz="1200" dirty="0"/>
+          </a:p>
+        </p:txBody>
+      </p:sp>
+      <p:sp>
+        <p:nvSpPr>
+          <p:cNvPr id="89" name="矩形 88"/>
           <p:cNvSpPr/>
           <p:nvPr/>
         </p:nvSpPr>
         <p:spPr>
           <a:xfrm>
-            <a:off x="262509" y="3368699"/>
-            <a:ext cx="6898291" cy="397241"/>
+            <a:off x="5512284" y="683783"/>
+            <a:ext cx="1136485" cy="310320"/>
           </a:xfrm>
           <a:prstGeom prst="rect">
             <a:avLst/>
@@ -35380,6 +36408,9 @@
               <a:lumMod val="95000"/>
             </a:schemeClr>
           </a:solidFill>
+          <a:ln>
+            <a:prstDash val="sysDash"/>
+          </a:ln>
         </p:spPr>
         <p:style>
           <a:lnRef idx="2">
@@ -35398,17 +36429,12 @@
           </a:fontRef>
         </p:style>
         <p:txBody>
-          <a:bodyPr rot="0" spcFirstLastPara="0" vertOverflow="overflow" horzOverflow="overflow" vert="horz" wrap="square" lIns="91440" tIns="45720" rIns="91440" bIns="45720" numCol="1" spcCol="0" rtlCol="0" fromWordArt="0" anchor="b" anchorCtr="0" forceAA="0" compatLnSpc="1">
-            <a:prstTxWarp prst="textNoShape">
-              <a:avLst/>
-            </a:prstTxWarp>
-            <a:noAutofit/>
-          </a:bodyPr>
+          <a:bodyPr rtlCol="0" anchor="b" anchorCtr="0"/>
           <a:lstStyle/>
           <a:p>
             <a:pPr algn="ctr"/>
             <a:r>
-              <a:rPr kumimoji="1" lang="en-US" altLang="zh-CN" sz="1400" dirty="0" smtClean="0">
+              <a:rPr kumimoji="1" lang="en-US" altLang="zh-CN" sz="1200" dirty="0" smtClean="0">
                 <a:solidFill>
                   <a:schemeClr val="tx1"/>
                 </a:solidFill>
@@ -35416,54 +36442,22 @@
               <a:t>[</a:t>
             </a:r>
             <a:r>
-              <a:rPr kumimoji="1" lang="zh-CN" altLang="en-US" sz="1400" dirty="0" smtClean="0">
+              <a:rPr kumimoji="1" lang="zh-CN" altLang="en-US" sz="1200" dirty="0" smtClean="0">
                 <a:solidFill>
                   <a:schemeClr val="tx1"/>
                 </a:solidFill>
               </a:rPr>
-              <a:t>技术</a:t>
-            </a:r>
-            <a:r>
-              <a:rPr kumimoji="1" lang="zh-CN" altLang="en-US" sz="1400" dirty="0" smtClean="0">
+              <a:t>技术分层</a:t>
+            </a:r>
+            <a:r>
+              <a:rPr kumimoji="1" lang="en-US" altLang="zh-CN" sz="1200" dirty="0" smtClean="0">
                 <a:solidFill>
                   <a:schemeClr val="tx1"/>
                 </a:solidFill>
               </a:rPr>
-              <a:t>分层</a:t>
-            </a:r>
-            <a:r>
-              <a:rPr kumimoji="1" lang="en-US" altLang="zh-CN" sz="1400" dirty="0" smtClean="0">
-                <a:solidFill>
-                  <a:schemeClr val="tx1"/>
-                </a:solidFill>
-              </a:rPr>
-              <a:t>]=service </a:t>
-            </a:r>
-            <a:r>
-              <a:rPr kumimoji="1" lang="zh-CN" altLang="en-US" sz="1400" dirty="0" smtClean="0">
-                <a:solidFill>
-                  <a:schemeClr val="tx1"/>
-                </a:solidFill>
-              </a:rPr>
-              <a:t>（</a:t>
-            </a:r>
-            <a:r>
-              <a:rPr kumimoji="1" lang="en-US" altLang="zh-CN" sz="1400" dirty="0" smtClean="0">
-                <a:solidFill>
-                  <a:schemeClr val="tx1"/>
-                </a:solidFill>
-              </a:rPr>
-              <a:t>Service</a:t>
-            </a:r>
-            <a:r>
-              <a:rPr kumimoji="1" lang="zh-CN" altLang="en-US" sz="1400" dirty="0" smtClean="0">
-                <a:solidFill>
-                  <a:schemeClr val="tx1"/>
-                </a:solidFill>
-              </a:rPr>
-              <a:t>）</a:t>
-            </a:r>
-            <a:endParaRPr kumimoji="1" lang="zh-CN" altLang="en-US" sz="1400" dirty="0">
+              <a:t>]</a:t>
+            </a:r>
+            <a:endParaRPr kumimoji="1" lang="zh-CN" altLang="en-US" sz="1200" dirty="0">
               <a:solidFill>
                 <a:schemeClr val="tx1"/>
               </a:solidFill>
@@ -35473,18 +36467,24 @@
       </p:sp>
       <p:sp>
         <p:nvSpPr>
-          <p:cNvPr id="49" name="圆角矩形 48"/>
+          <p:cNvPr id="23" name="矩形标注 22"/>
           <p:cNvSpPr/>
           <p:nvPr/>
         </p:nvSpPr>
         <p:spPr>
           <a:xfrm>
-            <a:off x="431004" y="1347615"/>
-            <a:ext cx="1676711" cy="698212"/>
-          </a:xfrm>
-          <a:prstGeom prst="roundRect">
-            <a:avLst/>
-          </a:prstGeom>
+            <a:off x="5437836" y="1634539"/>
+            <a:ext cx="3504538" cy="486183"/>
+          </a:xfrm>
+          <a:prstGeom prst="wedgeRectCallout">
+            <a:avLst>
+              <a:gd name="adj1" fmla="val -59260"/>
+              <a:gd name="adj2" fmla="val 55535"/>
+            </a:avLst>
+          </a:prstGeom>
+          <a:solidFill>
+            <a:schemeClr val="bg1"/>
+          </a:solidFill>
         </p:spPr>
         <p:style>
           <a:lnRef idx="2">
@@ -35503,37 +36503,60 @@
           </a:fontRef>
         </p:style>
         <p:txBody>
-          <a:bodyPr rot="0" spcFirstLastPara="0" vertOverflow="overflow" horzOverflow="overflow" vert="horz" wrap="square" lIns="91440" tIns="45720" rIns="91440" bIns="45720" numCol="1" spcCol="0" rtlCol="0" fromWordArt="0" anchor="t" anchorCtr="0" forceAA="0" compatLnSpc="1">
-            <a:prstTxWarp prst="textNoShape">
-              <a:avLst/>
-            </a:prstTxWarp>
-            <a:noAutofit/>
-          </a:bodyPr>
-          <a:lstStyle/>
-          <a:p>
-            <a:pPr algn="ctr"/>
-            <a:r>
-              <a:rPr kumimoji="1" lang="en-US" altLang="zh-CN" sz="1400" dirty="0"/>
-              <a:t>JNL</a:t>
-            </a:r>
-            <a:endParaRPr kumimoji="1" lang="zh-CN" altLang="en-US" sz="1400" dirty="0"/>
-          </a:p>
-        </p:txBody>
-      </p:sp>
-      <p:sp>
-        <p:nvSpPr>
-          <p:cNvPr id="50" name="圆角矩形 49"/>
+          <a:bodyPr rtlCol="0" anchor="ctr"/>
+          <a:lstStyle/>
+          <a:p>
+            <a:r>
+              <a:rPr kumimoji="1" lang="en-US" altLang="zh-CN" sz="1200" dirty="0" err="1" smtClean="0">
+                <a:solidFill>
+                  <a:schemeClr val="tx1"/>
+                </a:solidFill>
+              </a:rPr>
+              <a:t>com.fone.tools.web.jnl.YYYController.java</a:t>
+            </a:r>
+            <a:endParaRPr kumimoji="1" lang="en-US" altLang="zh-CN" sz="1200" dirty="0">
+              <a:solidFill>
+                <a:schemeClr val="tx1"/>
+              </a:solidFill>
+            </a:endParaRPr>
+          </a:p>
+          <a:p>
+            <a:r>
+              <a:rPr kumimoji="1" lang="en-US" altLang="zh-CN" sz="1200" dirty="0" err="1" smtClean="0">
+                <a:solidFill>
+                  <a:schemeClr val="tx1"/>
+                </a:solidFill>
+              </a:rPr>
+              <a:t>com.fone.tools.web.jnl.XXXController.java</a:t>
+            </a:r>
+            <a:endParaRPr kumimoji="1" lang="zh-CN" altLang="en-US" sz="1200" dirty="0">
+              <a:solidFill>
+                <a:schemeClr val="tx1"/>
+              </a:solidFill>
+            </a:endParaRPr>
+          </a:p>
+        </p:txBody>
+      </p:sp>
+      <p:sp>
+        <p:nvSpPr>
+          <p:cNvPr id="90" name="矩形标注 89"/>
           <p:cNvSpPr/>
           <p:nvPr/>
         </p:nvSpPr>
         <p:spPr>
           <a:xfrm>
-            <a:off x="431004" y="3429072"/>
-            <a:ext cx="1558977" cy="276493"/>
-          </a:xfrm>
-          <a:prstGeom prst="roundRect">
-            <a:avLst/>
-          </a:prstGeom>
+            <a:off x="5437836" y="2556751"/>
+            <a:ext cx="3504538" cy="777434"/>
+          </a:xfrm>
+          <a:prstGeom prst="wedgeRectCallout">
+            <a:avLst>
+              <a:gd name="adj1" fmla="val -60227"/>
+              <a:gd name="adj2" fmla="val 14877"/>
+            </a:avLst>
+          </a:prstGeom>
+          <a:solidFill>
+            <a:schemeClr val="bg1"/>
+          </a:solidFill>
         </p:spPr>
         <p:style>
           <a:lnRef idx="2">
@@ -35555,232 +36578,65 @@
           <a:bodyPr rtlCol="0" anchor="ctr"/>
           <a:lstStyle/>
           <a:p>
-            <a:pPr algn="ctr"/>
-            <a:r>
-              <a:rPr kumimoji="1" lang="en-US" altLang="zh-CN" sz="1400" dirty="0" smtClean="0"/>
-              <a:t>JNL</a:t>
-            </a:r>
-            <a:endParaRPr kumimoji="1" lang="zh-CN" altLang="en-US" sz="1400" dirty="0"/>
-          </a:p>
-        </p:txBody>
-      </p:sp>
-      <p:sp>
-        <p:nvSpPr>
-          <p:cNvPr id="51" name="圆角矩形 50"/>
-          <p:cNvSpPr/>
-          <p:nvPr/>
-        </p:nvSpPr>
-        <p:spPr>
-          <a:xfrm>
-            <a:off x="431004" y="3900691"/>
-            <a:ext cx="1558977" cy="276493"/>
-          </a:xfrm>
-          <a:prstGeom prst="roundRect">
-            <a:avLst/>
-          </a:prstGeom>
-        </p:spPr>
-        <p:style>
-          <a:lnRef idx="2">
-            <a:schemeClr val="accent1">
-              <a:shade val="50000"/>
-            </a:schemeClr>
-          </a:lnRef>
-          <a:fillRef idx="1">
-            <a:schemeClr val="accent1"/>
-          </a:fillRef>
-          <a:effectRef idx="0">
-            <a:schemeClr val="accent1"/>
-          </a:effectRef>
-          <a:fontRef idx="minor">
-            <a:schemeClr val="lt1"/>
-          </a:fontRef>
-        </p:style>
-        <p:txBody>
-          <a:bodyPr rtlCol="0" anchor="ctr"/>
-          <a:lstStyle/>
-          <a:p>
-            <a:pPr algn="ctr"/>
-            <a:r>
-              <a:rPr kumimoji="1" lang="en-US" altLang="zh-CN" sz="1400" dirty="0" smtClean="0"/>
-              <a:t>JNL</a:t>
-            </a:r>
-            <a:endParaRPr kumimoji="1" lang="zh-CN" altLang="en-US" sz="1400" dirty="0"/>
-          </a:p>
-        </p:txBody>
-      </p:sp>
-      <p:sp>
-        <p:nvSpPr>
-          <p:cNvPr id="79" name="矩形 78"/>
-          <p:cNvSpPr/>
-          <p:nvPr/>
-        </p:nvSpPr>
-        <p:spPr>
-          <a:xfrm>
-            <a:off x="629779" y="2643758"/>
-            <a:ext cx="1253511" cy="215113"/>
-          </a:xfrm>
-          <a:prstGeom prst="rect">
-            <a:avLst/>
-          </a:prstGeom>
-        </p:spPr>
-        <p:style>
-          <a:lnRef idx="2">
-            <a:schemeClr val="accent1">
-              <a:shade val="50000"/>
-            </a:schemeClr>
-          </a:lnRef>
-          <a:fillRef idx="1">
-            <a:schemeClr val="accent1"/>
-          </a:fillRef>
-          <a:effectRef idx="0">
-            <a:schemeClr val="accent1"/>
-          </a:effectRef>
-          <a:fontRef idx="minor">
-            <a:schemeClr val="lt1"/>
-          </a:fontRef>
-        </p:style>
-        <p:txBody>
-          <a:bodyPr rtlCol="0" anchor="ctr"/>
-          <a:lstStyle/>
-          <a:p>
-            <a:pPr algn="ctr"/>
-            <a:r>
-              <a:rPr kumimoji="1" lang="en-US" altLang="zh-CN" sz="1000" dirty="0" smtClean="0"/>
-              <a:t>comprehensive</a:t>
-            </a:r>
-            <a:endParaRPr kumimoji="1" lang="zh-CN" altLang="en-US" sz="1000" dirty="0"/>
-          </a:p>
-        </p:txBody>
-      </p:sp>
-      <p:sp>
-        <p:nvSpPr>
-          <p:cNvPr id="80" name="矩形 79"/>
-          <p:cNvSpPr/>
-          <p:nvPr/>
-        </p:nvSpPr>
-        <p:spPr>
-          <a:xfrm>
-            <a:off x="629779" y="2917118"/>
-            <a:ext cx="1253511" cy="215113"/>
-          </a:xfrm>
-          <a:prstGeom prst="rect">
-            <a:avLst/>
-          </a:prstGeom>
-        </p:spPr>
-        <p:style>
-          <a:lnRef idx="2">
-            <a:schemeClr val="accent1">
-              <a:shade val="50000"/>
-            </a:schemeClr>
-          </a:lnRef>
-          <a:fillRef idx="1">
-            <a:schemeClr val="accent1"/>
-          </a:fillRef>
-          <a:effectRef idx="0">
-            <a:schemeClr val="accent1"/>
-          </a:effectRef>
-          <a:fontRef idx="minor">
-            <a:schemeClr val="lt1"/>
-          </a:fontRef>
-        </p:style>
-        <p:txBody>
-          <a:bodyPr rtlCol="0" anchor="ctr"/>
-          <a:lstStyle/>
-          <a:p>
-            <a:pPr algn="ctr"/>
-            <a:r>
-              <a:rPr kumimoji="1" lang="en-US" altLang="zh-CN" sz="1000" dirty="0" smtClean="0"/>
-              <a:t>basal</a:t>
-            </a:r>
-            <a:endParaRPr kumimoji="1" lang="zh-CN" altLang="en-US" sz="1000" dirty="0"/>
-          </a:p>
-        </p:txBody>
-      </p:sp>
-      <p:sp>
-        <p:nvSpPr>
-          <p:cNvPr id="81" name="矩形 80"/>
-          <p:cNvSpPr/>
-          <p:nvPr/>
-        </p:nvSpPr>
-        <p:spPr>
-          <a:xfrm>
-            <a:off x="539552" y="1640436"/>
-            <a:ext cx="1253511" cy="215113"/>
-          </a:xfrm>
-          <a:prstGeom prst="rect">
-            <a:avLst/>
-          </a:prstGeom>
-        </p:spPr>
-        <p:style>
-          <a:lnRef idx="2">
-            <a:schemeClr val="accent1">
-              <a:shade val="50000"/>
-            </a:schemeClr>
-          </a:lnRef>
-          <a:fillRef idx="1">
-            <a:schemeClr val="accent1"/>
-          </a:fillRef>
-          <a:effectRef idx="0">
-            <a:schemeClr val="accent1"/>
-          </a:effectRef>
-          <a:fontRef idx="minor">
-            <a:schemeClr val="lt1"/>
-          </a:fontRef>
-        </p:style>
-        <p:txBody>
-          <a:bodyPr rtlCol="0" anchor="ctr"/>
-          <a:lstStyle/>
-          <a:p>
-            <a:pPr algn="ctr"/>
-            <a:r>
-              <a:rPr kumimoji="1" lang="en-US" altLang="zh-CN" sz="1000" dirty="0" err="1" smtClean="0"/>
-              <a:t>JnlXXXController</a:t>
-            </a:r>
-            <a:endParaRPr kumimoji="1" lang="zh-CN" altLang="en-US" sz="1000" dirty="0"/>
-          </a:p>
-        </p:txBody>
-      </p:sp>
-      <p:sp>
-        <p:nvSpPr>
-          <p:cNvPr id="82" name="矩形 81"/>
-          <p:cNvSpPr/>
-          <p:nvPr/>
-        </p:nvSpPr>
-        <p:spPr>
-          <a:xfrm>
-            <a:off x="680922" y="1792133"/>
-            <a:ext cx="1253511" cy="215113"/>
-          </a:xfrm>
-          <a:prstGeom prst="rect">
-            <a:avLst/>
-          </a:prstGeom>
-        </p:spPr>
-        <p:style>
-          <a:lnRef idx="2">
-            <a:schemeClr val="accent1">
-              <a:shade val="50000"/>
-            </a:schemeClr>
-          </a:lnRef>
-          <a:fillRef idx="1">
-            <a:schemeClr val="accent1"/>
-          </a:fillRef>
-          <a:effectRef idx="0">
-            <a:schemeClr val="accent1"/>
-          </a:effectRef>
-          <a:fontRef idx="minor">
-            <a:schemeClr val="lt1"/>
-          </a:fontRef>
-        </p:style>
-        <p:txBody>
-          <a:bodyPr rtlCol="0" anchor="ctr"/>
-          <a:lstStyle/>
-          <a:p>
-            <a:pPr algn="ctr"/>
-            <a:r>
-              <a:rPr kumimoji="1" lang="en-US" altLang="zh-CN" sz="1000" dirty="0" err="1" smtClean="0"/>
-              <a:t>JnlYYYController</a:t>
-            </a:r>
-            <a:endParaRPr kumimoji="1" lang="zh-CN" altLang="en-US" sz="1000" dirty="0"/>
+            <a:r>
+              <a:rPr kumimoji="1" lang="en-US" altLang="zh-CN" sz="1200" dirty="0" err="1">
+                <a:solidFill>
+                  <a:schemeClr val="tx1"/>
+                </a:solidFill>
+              </a:rPr>
+              <a:t>com.fone.tools.rservice.jnl.comprehensive</a:t>
+            </a:r>
+            <a:r>
+              <a:rPr kumimoji="1" lang="en-US" altLang="zh-CN" sz="1200" dirty="0" smtClean="0">
+                <a:solidFill>
+                  <a:schemeClr val="tx1"/>
+                </a:solidFill>
+              </a:rPr>
+              <a:t>.*.java</a:t>
+            </a:r>
+            <a:endParaRPr kumimoji="1" lang="en-US" altLang="zh-CN" sz="1200" dirty="0">
+              <a:solidFill>
+                <a:schemeClr val="tx1"/>
+              </a:solidFill>
+            </a:endParaRPr>
+          </a:p>
+          <a:p>
+            <a:r>
+              <a:rPr kumimoji="1" lang="en-US" altLang="zh-CN" sz="1200" dirty="0" err="1" smtClean="0">
+                <a:solidFill>
+                  <a:schemeClr val="tx1"/>
+                </a:solidFill>
+              </a:rPr>
+              <a:t>com.fone.tools.rservice.jnl.basal.JnlRService.java</a:t>
+            </a:r>
+            <a:endParaRPr kumimoji="1" lang="en-US" altLang="zh-CN" sz="1200" dirty="0" smtClean="0">
+              <a:solidFill>
+                <a:schemeClr val="tx1"/>
+              </a:solidFill>
+            </a:endParaRPr>
+          </a:p>
+          <a:p>
+            <a:r>
+              <a:rPr kumimoji="1" lang="en-US" altLang="zh-CN" sz="1200" dirty="0" err="1" smtClean="0">
+                <a:solidFill>
+                  <a:schemeClr val="tx1"/>
+                </a:solidFill>
+              </a:rPr>
+              <a:t>com.fone.tools.rservice.jnl.basal</a:t>
+            </a:r>
+            <a:r>
+              <a:rPr kumimoji="1" lang="en-US" altLang="zh-CN" sz="1200" dirty="0" smtClean="0">
+                <a:solidFill>
+                  <a:schemeClr val="tx1"/>
+                </a:solidFill>
+              </a:rPr>
+              <a:t>.*.java</a:t>
+            </a:r>
+            <a:endParaRPr kumimoji="1" lang="zh-CN" altLang="en-US" sz="1200" dirty="0">
+              <a:solidFill>
+                <a:schemeClr val="tx1"/>
+              </a:solidFill>
+            </a:endParaRPr>
           </a:p>
         </p:txBody>
       </p:sp>
@@ -35797,9 +36653,525 @@
   <p:timing>
     <p:tnLst>
       <p:par>
-        <p:cTn id="1" dur="indefinite" restart="never" nodeType="tmRoot"/>
+        <p:cTn id="1" dur="indefinite" restart="never" nodeType="tmRoot">
+          <p:childTnLst>
+            <p:seq concurrent="1" nextAc="seek">
+              <p:cTn id="2" dur="indefinite" nodeType="mainSeq">
+                <p:childTnLst>
+                  <p:par>
+                    <p:cTn id="3" fill="hold">
+                      <p:stCondLst>
+                        <p:cond delay="indefinite"/>
+                      </p:stCondLst>
+                      <p:childTnLst>
+                        <p:par>
+                          <p:cTn id="4" fill="hold">
+                            <p:stCondLst>
+                              <p:cond delay="0"/>
+                            </p:stCondLst>
+                            <p:childTnLst>
+                              <p:par>
+                                <p:cTn id="5" presetID="3" presetClass="entr" presetSubtype="10" fill="hold" nodeType="clickEffect">
+                                  <p:stCondLst>
+                                    <p:cond delay="0"/>
+                                  </p:stCondLst>
+                                  <p:childTnLst>
+                                    <p:set>
+                                      <p:cBhvr>
+                                        <p:cTn id="6" dur="1" fill="hold">
+                                          <p:stCondLst>
+                                            <p:cond delay="0"/>
+                                          </p:stCondLst>
+                                        </p:cTn>
+                                        <p:tgtEl>
+                                          <p:spTgt spid="27"/>
+                                        </p:tgtEl>
+                                        <p:attrNameLst>
+                                          <p:attrName>style.visibility</p:attrName>
+                                        </p:attrNameLst>
+                                      </p:cBhvr>
+                                      <p:to>
+                                        <p:strVal val="visible"/>
+                                      </p:to>
+                                    </p:set>
+                                    <p:animEffect transition="in" filter="blinds(horizontal)">
+                                      <p:cBhvr>
+                                        <p:cTn id="7" dur="500"/>
+                                        <p:tgtEl>
+                                          <p:spTgt spid="27"/>
+                                        </p:tgtEl>
+                                      </p:cBhvr>
+                                    </p:animEffect>
+                                  </p:childTnLst>
+                                </p:cTn>
+                              </p:par>
+                            </p:childTnLst>
+                          </p:cTn>
+                        </p:par>
+                      </p:childTnLst>
+                    </p:cTn>
+                  </p:par>
+                  <p:par>
+                    <p:cTn id="8" fill="hold">
+                      <p:stCondLst>
+                        <p:cond delay="indefinite"/>
+                      </p:stCondLst>
+                      <p:childTnLst>
+                        <p:par>
+                          <p:cTn id="9" fill="hold">
+                            <p:stCondLst>
+                              <p:cond delay="0"/>
+                            </p:stCondLst>
+                            <p:childTnLst>
+                              <p:par>
+                                <p:cTn id="10" presetID="3" presetClass="entr" presetSubtype="10" fill="hold" nodeType="clickEffect">
+                                  <p:stCondLst>
+                                    <p:cond delay="0"/>
+                                  </p:stCondLst>
+                                  <p:childTnLst>
+                                    <p:set>
+                                      <p:cBhvr>
+                                        <p:cTn id="11" dur="1" fill="hold">
+                                          <p:stCondLst>
+                                            <p:cond delay="0"/>
+                                          </p:stCondLst>
+                                        </p:cTn>
+                                        <p:tgtEl>
+                                          <p:spTgt spid="28"/>
+                                        </p:tgtEl>
+                                        <p:attrNameLst>
+                                          <p:attrName>style.visibility</p:attrName>
+                                        </p:attrNameLst>
+                                      </p:cBhvr>
+                                      <p:to>
+                                        <p:strVal val="visible"/>
+                                      </p:to>
+                                    </p:set>
+                                    <p:animEffect transition="in" filter="blinds(horizontal)">
+                                      <p:cBhvr>
+                                        <p:cTn id="12" dur="500"/>
+                                        <p:tgtEl>
+                                          <p:spTgt spid="28"/>
+                                        </p:tgtEl>
+                                      </p:cBhvr>
+                                    </p:animEffect>
+                                  </p:childTnLst>
+                                </p:cTn>
+                              </p:par>
+                            </p:childTnLst>
+                          </p:cTn>
+                        </p:par>
+                      </p:childTnLst>
+                    </p:cTn>
+                  </p:par>
+                  <p:par>
+                    <p:cTn id="13" fill="hold">
+                      <p:stCondLst>
+                        <p:cond delay="indefinite"/>
+                      </p:stCondLst>
+                      <p:childTnLst>
+                        <p:par>
+                          <p:cTn id="14" fill="hold">
+                            <p:stCondLst>
+                              <p:cond delay="0"/>
+                            </p:stCondLst>
+                            <p:childTnLst>
+                              <p:par>
+                                <p:cTn id="15" presetID="3" presetClass="entr" presetSubtype="10" fill="hold" nodeType="clickEffect">
+                                  <p:stCondLst>
+                                    <p:cond delay="0"/>
+                                  </p:stCondLst>
+                                  <p:childTnLst>
+                                    <p:set>
+                                      <p:cBhvr>
+                                        <p:cTn id="16" dur="1" fill="hold">
+                                          <p:stCondLst>
+                                            <p:cond delay="0"/>
+                                          </p:stCondLst>
+                                        </p:cTn>
+                                        <p:tgtEl>
+                                          <p:spTgt spid="24"/>
+                                        </p:tgtEl>
+                                        <p:attrNameLst>
+                                          <p:attrName>style.visibility</p:attrName>
+                                        </p:attrNameLst>
+                                      </p:cBhvr>
+                                      <p:to>
+                                        <p:strVal val="visible"/>
+                                      </p:to>
+                                    </p:set>
+                                    <p:animEffect transition="in" filter="blinds(horizontal)">
+                                      <p:cBhvr>
+                                        <p:cTn id="17" dur="500"/>
+                                        <p:tgtEl>
+                                          <p:spTgt spid="24"/>
+                                        </p:tgtEl>
+                                      </p:cBhvr>
+                                    </p:animEffect>
+                                  </p:childTnLst>
+                                </p:cTn>
+                              </p:par>
+                            </p:childTnLst>
+                          </p:cTn>
+                        </p:par>
+                      </p:childTnLst>
+                    </p:cTn>
+                  </p:par>
+                  <p:par>
+                    <p:cTn id="18" fill="hold">
+                      <p:stCondLst>
+                        <p:cond delay="indefinite"/>
+                      </p:stCondLst>
+                      <p:childTnLst>
+                        <p:par>
+                          <p:cTn id="19" fill="hold">
+                            <p:stCondLst>
+                              <p:cond delay="0"/>
+                            </p:stCondLst>
+                            <p:childTnLst>
+                              <p:par>
+                                <p:cTn id="20" presetID="3" presetClass="entr" presetSubtype="10" fill="hold" nodeType="clickEffect">
+                                  <p:stCondLst>
+                                    <p:cond delay="0"/>
+                                  </p:stCondLst>
+                                  <p:childTnLst>
+                                    <p:set>
+                                      <p:cBhvr>
+                                        <p:cTn id="21" dur="1" fill="hold">
+                                          <p:stCondLst>
+                                            <p:cond delay="0"/>
+                                          </p:stCondLst>
+                                        </p:cTn>
+                                        <p:tgtEl>
+                                          <p:spTgt spid="25"/>
+                                        </p:tgtEl>
+                                        <p:attrNameLst>
+                                          <p:attrName>style.visibility</p:attrName>
+                                        </p:attrNameLst>
+                                      </p:cBhvr>
+                                      <p:to>
+                                        <p:strVal val="visible"/>
+                                      </p:to>
+                                    </p:set>
+                                    <p:animEffect transition="in" filter="blinds(horizontal)">
+                                      <p:cBhvr>
+                                        <p:cTn id="22" dur="500"/>
+                                        <p:tgtEl>
+                                          <p:spTgt spid="25"/>
+                                        </p:tgtEl>
+                                      </p:cBhvr>
+                                    </p:animEffect>
+                                  </p:childTnLst>
+                                </p:cTn>
+                              </p:par>
+                            </p:childTnLst>
+                          </p:cTn>
+                        </p:par>
+                      </p:childTnLst>
+                    </p:cTn>
+                  </p:par>
+                  <p:par>
+                    <p:cTn id="23" fill="hold">
+                      <p:stCondLst>
+                        <p:cond delay="indefinite"/>
+                      </p:stCondLst>
+                      <p:childTnLst>
+                        <p:par>
+                          <p:cTn id="24" fill="hold">
+                            <p:stCondLst>
+                              <p:cond delay="0"/>
+                            </p:stCondLst>
+                            <p:childTnLst>
+                              <p:par>
+                                <p:cTn id="25" presetID="3" presetClass="entr" presetSubtype="10" fill="hold" grpId="0" nodeType="clickEffect">
+                                  <p:stCondLst>
+                                    <p:cond delay="0"/>
+                                  </p:stCondLst>
+                                  <p:childTnLst>
+                                    <p:set>
+                                      <p:cBhvr>
+                                        <p:cTn id="26" dur="1" fill="hold">
+                                          <p:stCondLst>
+                                            <p:cond delay="0"/>
+                                          </p:stCondLst>
+                                        </p:cTn>
+                                        <p:tgtEl>
+                                          <p:spTgt spid="50"/>
+                                        </p:tgtEl>
+                                        <p:attrNameLst>
+                                          <p:attrName>style.visibility</p:attrName>
+                                        </p:attrNameLst>
+                                      </p:cBhvr>
+                                      <p:to>
+                                        <p:strVal val="visible"/>
+                                      </p:to>
+                                    </p:set>
+                                    <p:animEffect transition="in" filter="blinds(horizontal)">
+                                      <p:cBhvr>
+                                        <p:cTn id="27" dur="500"/>
+                                        <p:tgtEl>
+                                          <p:spTgt spid="50"/>
+                                        </p:tgtEl>
+                                      </p:cBhvr>
+                                    </p:animEffect>
+                                  </p:childTnLst>
+                                </p:cTn>
+                              </p:par>
+                              <p:par>
+                                <p:cTn id="28" presetID="3" presetClass="entr" presetSubtype="10" fill="hold" grpId="0" nodeType="withEffect">
+                                  <p:stCondLst>
+                                    <p:cond delay="0"/>
+                                  </p:stCondLst>
+                                  <p:childTnLst>
+                                    <p:set>
+                                      <p:cBhvr>
+                                        <p:cTn id="29" dur="1" fill="hold">
+                                          <p:stCondLst>
+                                            <p:cond delay="0"/>
+                                          </p:stCondLst>
+                                        </p:cTn>
+                                        <p:tgtEl>
+                                          <p:spTgt spid="51"/>
+                                        </p:tgtEl>
+                                        <p:attrNameLst>
+                                          <p:attrName>style.visibility</p:attrName>
+                                        </p:attrNameLst>
+                                      </p:cBhvr>
+                                      <p:to>
+                                        <p:strVal val="visible"/>
+                                      </p:to>
+                                    </p:set>
+                                    <p:animEffect transition="in" filter="blinds(horizontal)">
+                                      <p:cBhvr>
+                                        <p:cTn id="30" dur="500"/>
+                                        <p:tgtEl>
+                                          <p:spTgt spid="51"/>
+                                        </p:tgtEl>
+                                      </p:cBhvr>
+                                    </p:animEffect>
+                                  </p:childTnLst>
+                                </p:cTn>
+                              </p:par>
+                            </p:childTnLst>
+                          </p:cTn>
+                        </p:par>
+                      </p:childTnLst>
+                    </p:cTn>
+                  </p:par>
+                  <p:par>
+                    <p:cTn id="31" fill="hold">
+                      <p:stCondLst>
+                        <p:cond delay="indefinite"/>
+                      </p:stCondLst>
+                      <p:childTnLst>
+                        <p:par>
+                          <p:cTn id="32" fill="hold">
+                            <p:stCondLst>
+                              <p:cond delay="0"/>
+                            </p:stCondLst>
+                            <p:childTnLst>
+                              <p:par>
+                                <p:cTn id="33" presetID="3" presetClass="entr" presetSubtype="10" fill="hold" nodeType="clickEffect">
+                                  <p:stCondLst>
+                                    <p:cond delay="0"/>
+                                  </p:stCondLst>
+                                  <p:childTnLst>
+                                    <p:set>
+                                      <p:cBhvr>
+                                        <p:cTn id="34" dur="1" fill="hold">
+                                          <p:stCondLst>
+                                            <p:cond delay="0"/>
+                                          </p:stCondLst>
+                                        </p:cTn>
+                                        <p:tgtEl>
+                                          <p:spTgt spid="26"/>
+                                        </p:tgtEl>
+                                        <p:attrNameLst>
+                                          <p:attrName>style.visibility</p:attrName>
+                                        </p:attrNameLst>
+                                      </p:cBhvr>
+                                      <p:to>
+                                        <p:strVal val="visible"/>
+                                      </p:to>
+                                    </p:set>
+                                    <p:animEffect transition="in" filter="blinds(horizontal)">
+                                      <p:cBhvr>
+                                        <p:cTn id="35" dur="500"/>
+                                        <p:tgtEl>
+                                          <p:spTgt spid="26"/>
+                                        </p:tgtEl>
+                                      </p:cBhvr>
+                                    </p:animEffect>
+                                  </p:childTnLst>
+                                </p:cTn>
+                              </p:par>
+                            </p:childTnLst>
+                          </p:cTn>
+                        </p:par>
+                      </p:childTnLst>
+                    </p:cTn>
+                  </p:par>
+                  <p:par>
+                    <p:cTn id="36" fill="hold">
+                      <p:stCondLst>
+                        <p:cond delay="indefinite"/>
+                      </p:stCondLst>
+                      <p:childTnLst>
+                        <p:par>
+                          <p:cTn id="37" fill="hold">
+                            <p:stCondLst>
+                              <p:cond delay="0"/>
+                            </p:stCondLst>
+                            <p:childTnLst>
+                              <p:par>
+                                <p:cTn id="38" presetID="3" presetClass="entr" presetSubtype="10" fill="hold" grpId="0" nodeType="clickEffect">
+                                  <p:stCondLst>
+                                    <p:cond delay="0"/>
+                                  </p:stCondLst>
+                                  <p:childTnLst>
+                                    <p:set>
+                                      <p:cBhvr>
+                                        <p:cTn id="39" dur="1" fill="hold">
+                                          <p:stCondLst>
+                                            <p:cond delay="0"/>
+                                          </p:stCondLst>
+                                        </p:cTn>
+                                        <p:tgtEl>
+                                          <p:spTgt spid="23"/>
+                                        </p:tgtEl>
+                                        <p:attrNameLst>
+                                          <p:attrName>style.visibility</p:attrName>
+                                        </p:attrNameLst>
+                                      </p:cBhvr>
+                                      <p:to>
+                                        <p:strVal val="visible"/>
+                                      </p:to>
+                                    </p:set>
+                                    <p:animEffect transition="in" filter="blinds(horizontal)">
+                                      <p:cBhvr>
+                                        <p:cTn id="40" dur="500"/>
+                                        <p:tgtEl>
+                                          <p:spTgt spid="23"/>
+                                        </p:tgtEl>
+                                      </p:cBhvr>
+                                    </p:animEffect>
+                                  </p:childTnLst>
+                                </p:cTn>
+                              </p:par>
+                              <p:par>
+                                <p:cTn id="41" presetID="3" presetClass="entr" presetSubtype="10" fill="hold" grpId="0" nodeType="withEffect">
+                                  <p:stCondLst>
+                                    <p:cond delay="0"/>
+                                  </p:stCondLst>
+                                  <p:childTnLst>
+                                    <p:set>
+                                      <p:cBhvr>
+                                        <p:cTn id="42" dur="1" fill="hold">
+                                          <p:stCondLst>
+                                            <p:cond delay="0"/>
+                                          </p:stCondLst>
+                                        </p:cTn>
+                                        <p:tgtEl>
+                                          <p:spTgt spid="90"/>
+                                        </p:tgtEl>
+                                        <p:attrNameLst>
+                                          <p:attrName>style.visibility</p:attrName>
+                                        </p:attrNameLst>
+                                      </p:cBhvr>
+                                      <p:to>
+                                        <p:strVal val="visible"/>
+                                      </p:to>
+                                    </p:set>
+                                    <p:animEffect transition="in" filter="blinds(horizontal)">
+                                      <p:cBhvr>
+                                        <p:cTn id="43" dur="500"/>
+                                        <p:tgtEl>
+                                          <p:spTgt spid="90"/>
+                                        </p:tgtEl>
+                                      </p:cBhvr>
+                                    </p:animEffect>
+                                  </p:childTnLst>
+                                </p:cTn>
+                              </p:par>
+                            </p:childTnLst>
+                          </p:cTn>
+                        </p:par>
+                      </p:childTnLst>
+                    </p:cTn>
+                  </p:par>
+                  <p:par>
+                    <p:cTn id="44" fill="hold">
+                      <p:stCondLst>
+                        <p:cond delay="indefinite"/>
+                      </p:stCondLst>
+                      <p:childTnLst>
+                        <p:par>
+                          <p:cTn id="45" fill="hold">
+                            <p:stCondLst>
+                              <p:cond delay="0"/>
+                            </p:stCondLst>
+                            <p:childTnLst>
+                              <p:par>
+                                <p:cTn id="46" presetID="1" presetClass="entr" presetSubtype="0" fill="hold" grpId="0" nodeType="clickEffect">
+                                  <p:stCondLst>
+                                    <p:cond delay="0"/>
+                                  </p:stCondLst>
+                                  <p:childTnLst>
+                                    <p:set>
+                                      <p:cBhvr>
+                                        <p:cTn id="47" dur="1" fill="hold">
+                                          <p:stCondLst>
+                                            <p:cond delay="0"/>
+                                          </p:stCondLst>
+                                        </p:cTn>
+                                        <p:tgtEl>
+                                          <p:spTgt spid="19"/>
+                                        </p:tgtEl>
+                                        <p:attrNameLst>
+                                          <p:attrName>style.visibility</p:attrName>
+                                        </p:attrNameLst>
+                                      </p:cBhvr>
+                                      <p:to>
+                                        <p:strVal val="visible"/>
+                                      </p:to>
+                                    </p:set>
+                                  </p:childTnLst>
+                                </p:cTn>
+                              </p:par>
+                            </p:childTnLst>
+                          </p:cTn>
+                        </p:par>
+                      </p:childTnLst>
+                    </p:cTn>
+                  </p:par>
+                </p:childTnLst>
+              </p:cTn>
+              <p:prevCondLst>
+                <p:cond evt="onPrev" delay="0">
+                  <p:tgtEl>
+                    <p:sldTgt/>
+                  </p:tgtEl>
+                </p:cond>
+              </p:prevCondLst>
+              <p:nextCondLst>
+                <p:cond evt="onNext" delay="0">
+                  <p:tgtEl>
+                    <p:sldTgt/>
+                  </p:tgtEl>
+                </p:cond>
+              </p:nextCondLst>
+            </p:seq>
+          </p:childTnLst>
+        </p:cTn>
       </p:par>
     </p:tnLst>
+    <p:bldLst>
+      <p:bldP spid="50" grpId="0" animBg="1"/>
+      <p:bldP spid="51" grpId="0" animBg="1"/>
+      <p:bldP spid="19" grpId="0"/>
+      <p:bldP spid="23" grpId="0" animBg="1"/>
+      <p:bldP spid="90" grpId="0" animBg="1"/>
+    </p:bldLst>
   </p:timing>
 </p:sld>
 </file>

--- a/TIStools.pptx
+++ b/TIStools.pptx
@@ -263,7 +263,7 @@
             <a:fld id="{5C979E5A-5764-4AAB-A962-3E8F18291B4D}" type="datetimeFigureOut">
               <a:rPr lang="zh-CN" altLang="en-US" smtClean="0"/>
               <a:pPr/>
-              <a:t>17/4/6</a:t>
+              <a:t>17/4/9</a:t>
             </a:fld>
             <a:endParaRPr lang="zh-CN" altLang="en-US"/>
           </a:p>
@@ -430,7 +430,7 @@
             <a:fld id="{01776D96-E550-42A4-AAC9-143101C0E129}" type="datetimeFigureOut">
               <a:rPr lang="zh-CN" altLang="en-US" smtClean="0"/>
               <a:pPr/>
-              <a:t>17/4/6</a:t>
+              <a:t>17/4/9</a:t>
             </a:fld>
             <a:endParaRPr lang="zh-CN" altLang="en-US"/>
           </a:p>
@@ -7159,7 +7159,7 @@
             <a:fld id="{530820CF-B880-4189-942D-D702A7CBA730}" type="datetimeFigureOut">
               <a:rPr lang="zh-CN" altLang="en-US" smtClean="0"/>
               <a:pPr/>
-              <a:t>17/4/6</a:t>
+              <a:t>17/4/9</a:t>
             </a:fld>
             <a:endParaRPr lang="zh-CN" altLang="en-US"/>
           </a:p>
@@ -15751,8 +15751,16 @@
               <a:t>包命名规范 ： </a:t>
             </a:r>
             <a:r>
+              <a:rPr kumimoji="1" lang="zh-CN" altLang="en-US" sz="2000" dirty="0"/>
+              <a:t>用</a:t>
+            </a:r>
+            <a:r>
               <a:rPr kumimoji="1" lang="zh-CN" altLang="en-US" sz="2000" dirty="0" smtClean="0"/>
-              <a:t>命名，用来标识所属技术分层！</a:t>
+              <a:t>命名来</a:t>
+            </a:r>
+            <a:r>
+              <a:rPr kumimoji="1" lang="zh-CN" altLang="en-US" sz="2000" dirty="0" smtClean="0"/>
+              <a:t>标识所属技术分层！</a:t>
             </a:r>
             <a:endParaRPr kumimoji="1" lang="zh-CN" altLang="en-US" sz="2000" dirty="0"/>
           </a:p>
@@ -16543,7 +16551,7 @@
               <a:pPr algn="ctr"/>
               <a:r>
                 <a:rPr kumimoji="1" lang="en-US" altLang="zh-CN" sz="1000" dirty="0" smtClean="0"/>
-                <a:t>basal</a:t>
+                <a:t>basic</a:t>
               </a:r>
               <a:endParaRPr kumimoji="1" lang="zh-CN" altLang="en-US" sz="1000" dirty="0"/>
             </a:p>
@@ -16741,7 +16749,7 @@
         </p:nvSpPr>
         <p:spPr>
           <a:xfrm>
-            <a:off x="5472088" y="3682267"/>
+            <a:off x="5461106" y="3830710"/>
             <a:ext cx="3443985" cy="1261884"/>
           </a:xfrm>
           <a:prstGeom prst="rect">
@@ -16800,7 +16808,7 @@
               <a:t>package</a:t>
             </a:r>
             <a:r>
-              <a:rPr kumimoji="1" lang="zh-CN" altLang="en-US" sz="1400" smtClean="0">
+              <a:rPr kumimoji="1" lang="zh-CN" altLang="en-US" sz="1400" dirty="0" smtClean="0">
                 <a:solidFill>
                   <a:srgbClr val="FF0000"/>
                 </a:solidFill>
@@ -17112,7 +17120,7 @@
         </p:nvSpPr>
         <p:spPr>
           <a:xfrm>
-            <a:off x="5437836" y="1634539"/>
+            <a:off x="5437836" y="1285374"/>
             <a:ext cx="3504538" cy="486183"/>
           </a:xfrm>
           <a:prstGeom prst="wedgeRectCallout">
@@ -17184,13 +17192,13 @@
         </p:nvSpPr>
         <p:spPr>
           <a:xfrm>
-            <a:off x="5437836" y="2556751"/>
+            <a:off x="5500637" y="2922749"/>
             <a:ext cx="3504538" cy="777434"/>
           </a:xfrm>
           <a:prstGeom prst="wedgeRectCallout">
             <a:avLst>
-              <a:gd name="adj1" fmla="val -60227"/>
-              <a:gd name="adj2" fmla="val 14877"/>
+              <a:gd name="adj1" fmla="val -59940"/>
+              <a:gd name="adj2" fmla="val -20020"/>
             </a:avLst>
           </a:prstGeom>
           <a:solidFill>
@@ -17246,7 +17254,7 @@
                   <a:schemeClr val="tx1"/>
                 </a:solidFill>
               </a:rPr>
-              <a:t>com.fone.tools.rservice.jnl.basal.JnlRService.java</a:t>
+              <a:t>com.fone.tools.rservice.jnl.basic.JnlRService.java</a:t>
             </a:r>
             <a:endParaRPr kumimoji="1" lang="en-US" altLang="zh-CN" sz="1200" dirty="0" smtClean="0">
               <a:solidFill>
@@ -17261,7 +17269,7 @@
                   <a:schemeClr val="tx1"/>
                 </a:solidFill>
               </a:rPr>
-              <a:t>com.fone.tools.rservice.jnl.basal</a:t>
+              <a:t>com.fone.tools.rservice.jnl.basic</a:t>
             </a:r>
             <a:r>
               <a:rPr kumimoji="1" lang="en-US" altLang="zh-CN" sz="1200" dirty="0" smtClean="0">
@@ -17269,7 +17277,15 @@
                   <a:schemeClr val="tx1"/>
                 </a:solidFill>
               </a:rPr>
-              <a:t>.*.java</a:t>
+              <a:t>.*.</a:t>
+            </a:r>
+            <a:r>
+              <a:rPr kumimoji="1" lang="en-US" altLang="zh-CN" sz="1200" dirty="0" smtClean="0">
+                <a:solidFill>
+                  <a:schemeClr val="tx1"/>
+                </a:solidFill>
+              </a:rPr>
+              <a:t>java</a:t>
             </a:r>
             <a:endParaRPr kumimoji="1" lang="zh-CN" altLang="en-US" sz="1200" dirty="0">
               <a:solidFill>
@@ -17279,6 +17295,301 @@
           </a:p>
         </p:txBody>
       </p:sp>
+      <p:grpSp>
+        <p:nvGrpSpPr>
+          <p:cNvPr id="7" name="组 6"/>
+          <p:cNvGrpSpPr/>
+          <p:nvPr/>
+        </p:nvGrpSpPr>
+        <p:grpSpPr>
+          <a:xfrm>
+            <a:off x="5338849" y="2082141"/>
+            <a:ext cx="3975420" cy="735144"/>
+            <a:chOff x="5232345" y="2089579"/>
+            <a:chExt cx="3975420" cy="735144"/>
+          </a:xfrm>
+        </p:grpSpPr>
+        <p:sp>
+          <p:nvSpPr>
+            <p:cNvPr id="3" name="矩形 2"/>
+            <p:cNvSpPr/>
+            <p:nvPr/>
+          </p:nvSpPr>
+          <p:spPr>
+            <a:xfrm>
+              <a:off x="5232345" y="2089579"/>
+              <a:ext cx="3975420" cy="276999"/>
+            </a:xfrm>
+            <a:prstGeom prst="rect">
+              <a:avLst/>
+            </a:prstGeom>
+          </p:spPr>
+          <p:txBody>
+            <a:bodyPr wrap="square">
+              <a:spAutoFit/>
+            </a:bodyPr>
+            <a:lstStyle/>
+            <a:p>
+              <a:r>
+                <a:rPr lang="en-US" altLang="zh-CN" sz="1200" dirty="0" smtClean="0">
+                  <a:latin typeface="Monaco" charset="0"/>
+                </a:rPr>
+                <a:t>Package</a:t>
+              </a:r>
+              <a:r>
+                <a:rPr lang="zh-CN" altLang="en-US" sz="1200" dirty="0">
+                  <a:latin typeface="Monaco" charset="0"/>
+                </a:rPr>
+                <a:t>：</a:t>
+              </a:r>
+              <a:r>
+                <a:rPr lang="zh-CN" altLang="en-US" sz="1200" dirty="0" smtClean="0">
+                  <a:solidFill>
+                    <a:srgbClr val="C00000"/>
+                  </a:solidFill>
+                  <a:latin typeface="Monaco" charset="0"/>
+                </a:rPr>
+                <a:t>组织</a:t>
+              </a:r>
+              <a:r>
+                <a:rPr lang="en-US" altLang="zh-CN" sz="1200" dirty="0" smtClean="0">
+                  <a:solidFill>
+                    <a:srgbClr val="C00000"/>
+                  </a:solidFill>
+                  <a:latin typeface="Monaco" charset="0"/>
+                </a:rPr>
+                <a:t>.</a:t>
+              </a:r>
+              <a:r>
+                <a:rPr lang="zh-CN" altLang="en-US" sz="1200" dirty="0" smtClean="0">
+                  <a:solidFill>
+                    <a:srgbClr val="C00000"/>
+                  </a:solidFill>
+                  <a:latin typeface="Monaco" charset="0"/>
+                </a:rPr>
+                <a:t>产品</a:t>
+              </a:r>
+              <a:r>
+                <a:rPr lang="en-US" altLang="zh-CN" sz="1200" dirty="0" smtClean="0">
+                  <a:solidFill>
+                    <a:srgbClr val="C00000"/>
+                  </a:solidFill>
+                  <a:latin typeface="Monaco" charset="0"/>
+                </a:rPr>
+                <a:t>.</a:t>
+              </a:r>
+              <a:r>
+                <a:rPr lang="zh-CN" altLang="en-US" sz="1200" dirty="0" smtClean="0">
+                  <a:solidFill>
+                    <a:srgbClr val="C00000"/>
+                  </a:solidFill>
+                  <a:latin typeface="Monaco" charset="0"/>
+                </a:rPr>
+                <a:t>技术分层</a:t>
+              </a:r>
+              <a:r>
+                <a:rPr lang="en-US" altLang="zh-CN" sz="1200" dirty="0" smtClean="0">
+                  <a:solidFill>
+                    <a:srgbClr val="00B050"/>
+                  </a:solidFill>
+                  <a:latin typeface="Monaco" charset="0"/>
+                </a:rPr>
+                <a:t>.</a:t>
+              </a:r>
+              <a:r>
+                <a:rPr lang="zh-CN" altLang="en-US" sz="1200" dirty="0" smtClean="0">
+                  <a:solidFill>
+                    <a:srgbClr val="00B050"/>
+                  </a:solidFill>
+                  <a:latin typeface="Monaco" charset="0"/>
+                </a:rPr>
+                <a:t>业务域</a:t>
+              </a:r>
+              <a:r>
+                <a:rPr lang="en-US" altLang="zh-CN" sz="1200" dirty="0" smtClean="0">
+                  <a:solidFill>
+                    <a:srgbClr val="00B050"/>
+                  </a:solidFill>
+                  <a:latin typeface="Monaco" charset="0"/>
+                </a:rPr>
+                <a:t>.</a:t>
+              </a:r>
+              <a:r>
+                <a:rPr lang="zh-CN" altLang="en-US" sz="1200" dirty="0" smtClean="0">
+                  <a:solidFill>
+                    <a:srgbClr val="00B050"/>
+                  </a:solidFill>
+                  <a:latin typeface="Monaco" charset="0"/>
+                </a:rPr>
+                <a:t>业务域分层</a:t>
+              </a:r>
+              <a:endParaRPr lang="zh-CN" altLang="en-US" sz="1200" dirty="0">
+                <a:solidFill>
+                  <a:srgbClr val="00B050"/>
+                </a:solidFill>
+                <a:effectLst/>
+                <a:latin typeface="Monaco" charset="0"/>
+              </a:endParaRPr>
+            </a:p>
+          </p:txBody>
+        </p:sp>
+        <p:sp>
+          <p:nvSpPr>
+            <p:cNvPr id="5" name="左大括号 4"/>
+            <p:cNvSpPr/>
+            <p:nvPr/>
+          </p:nvSpPr>
+          <p:spPr>
+            <a:xfrm rot="16200000">
+              <a:off x="6775755" y="1827820"/>
+              <a:ext cx="144748" cy="1280839"/>
+            </a:xfrm>
+            <a:prstGeom prst="leftBrace">
+              <a:avLst>
+                <a:gd name="adj1" fmla="val 162650"/>
+                <a:gd name="adj2" fmla="val 50000"/>
+              </a:avLst>
+            </a:prstGeom>
+            <a:ln>
+              <a:solidFill>
+                <a:srgbClr val="C00000"/>
+              </a:solidFill>
+            </a:ln>
+          </p:spPr>
+          <p:style>
+            <a:lnRef idx="1">
+              <a:schemeClr val="accent1"/>
+            </a:lnRef>
+            <a:fillRef idx="0">
+              <a:schemeClr val="accent1"/>
+            </a:fillRef>
+            <a:effectRef idx="0">
+              <a:schemeClr val="accent1"/>
+            </a:effectRef>
+            <a:fontRef idx="minor">
+              <a:schemeClr val="tx1"/>
+            </a:fontRef>
+          </p:style>
+          <p:txBody>
+            <a:bodyPr rtlCol="0" anchor="ctr"/>
+            <a:lstStyle/>
+            <a:p>
+              <a:pPr algn="ctr"/>
+              <a:endParaRPr kumimoji="1" lang="zh-CN" altLang="en-US">
+                <a:solidFill>
+                  <a:srgbClr val="C00000"/>
+                </a:solidFill>
+              </a:endParaRPr>
+            </a:p>
+          </p:txBody>
+        </p:sp>
+        <p:sp>
+          <p:nvSpPr>
+            <p:cNvPr id="38" name="左大括号 37"/>
+            <p:cNvSpPr/>
+            <p:nvPr/>
+          </p:nvSpPr>
+          <p:spPr>
+            <a:xfrm rot="16200000">
+              <a:off x="8192298" y="1827820"/>
+              <a:ext cx="144748" cy="1280839"/>
+            </a:xfrm>
+            <a:prstGeom prst="leftBrace">
+              <a:avLst>
+                <a:gd name="adj1" fmla="val 162650"/>
+                <a:gd name="adj2" fmla="val 50000"/>
+              </a:avLst>
+            </a:prstGeom>
+            <a:ln>
+              <a:solidFill>
+                <a:srgbClr val="00B050"/>
+              </a:solidFill>
+            </a:ln>
+          </p:spPr>
+          <p:style>
+            <a:lnRef idx="1">
+              <a:schemeClr val="accent1"/>
+            </a:lnRef>
+            <a:fillRef idx="0">
+              <a:schemeClr val="accent1"/>
+            </a:fillRef>
+            <a:effectRef idx="0">
+              <a:schemeClr val="accent1"/>
+            </a:effectRef>
+            <a:fontRef idx="minor">
+              <a:schemeClr val="tx1"/>
+            </a:fontRef>
+          </p:style>
+          <p:txBody>
+            <a:bodyPr rtlCol="0" anchor="ctr"/>
+            <a:lstStyle/>
+            <a:p>
+              <a:pPr algn="ctr"/>
+              <a:endParaRPr kumimoji="1" lang="zh-CN" altLang="en-US"/>
+            </a:p>
+          </p:txBody>
+        </p:sp>
+        <p:sp>
+          <p:nvSpPr>
+            <p:cNvPr id="6" name="文本框 5"/>
+            <p:cNvSpPr txBox="1"/>
+            <p:nvPr/>
+          </p:nvSpPr>
+          <p:spPr>
+            <a:xfrm>
+              <a:off x="6448019" y="2534963"/>
+              <a:ext cx="800219" cy="276999"/>
+            </a:xfrm>
+            <a:prstGeom prst="rect">
+              <a:avLst/>
+            </a:prstGeom>
+            <a:noFill/>
+          </p:spPr>
+          <p:txBody>
+            <a:bodyPr wrap="none" rtlCol="0">
+              <a:spAutoFit/>
+            </a:bodyPr>
+            <a:lstStyle/>
+            <a:p>
+              <a:r>
+                <a:rPr kumimoji="1" lang="zh-CN" altLang="en-US" sz="1200" smtClean="0"/>
+                <a:t>相对固定</a:t>
+              </a:r>
+              <a:endParaRPr kumimoji="1" lang="zh-CN" altLang="en-US" sz="1200"/>
+            </a:p>
+          </p:txBody>
+        </p:sp>
+        <p:sp>
+          <p:nvSpPr>
+            <p:cNvPr id="44" name="文本框 43"/>
+            <p:cNvSpPr txBox="1"/>
+            <p:nvPr/>
+          </p:nvSpPr>
+          <p:spPr>
+            <a:xfrm>
+              <a:off x="7592519" y="2547724"/>
+              <a:ext cx="1438214" cy="276999"/>
+            </a:xfrm>
+            <a:prstGeom prst="rect">
+              <a:avLst/>
+            </a:prstGeom>
+            <a:noFill/>
+          </p:spPr>
+          <p:txBody>
+            <a:bodyPr wrap="none" rtlCol="0">
+              <a:spAutoFit/>
+            </a:bodyPr>
+            <a:lstStyle/>
+            <a:p>
+              <a:r>
+                <a:rPr kumimoji="1" lang="zh-CN" altLang="en-US" sz="1200" dirty="0" smtClean="0"/>
+                <a:t>随业务域特点分层</a:t>
+              </a:r>
+              <a:endParaRPr kumimoji="1" lang="zh-CN" altLang="en-US" sz="1200" dirty="0"/>
+            </a:p>
+          </p:txBody>
+        </p:sp>
+      </p:grpSp>
     </p:spTree>
     <p:extLst>
       <p:ext uri="{BB962C8B-B14F-4D97-AF65-F5344CB8AC3E}">
@@ -17783,6 +18094,59 @@
                       </p:childTnLst>
                     </p:cTn>
                   </p:par>
+                  <p:par>
+                    <p:cTn id="48" fill="hold">
+                      <p:stCondLst>
+                        <p:cond delay="indefinite"/>
+                      </p:stCondLst>
+                      <p:childTnLst>
+                        <p:par>
+                          <p:cTn id="49" fill="hold">
+                            <p:stCondLst>
+                              <p:cond delay="0"/>
+                            </p:stCondLst>
+                            <p:childTnLst>
+                              <p:par>
+                                <p:cTn id="50" presetID="3" presetClass="entr" presetSubtype="10" fill="hold" nodeType="clickEffect">
+                                  <p:stCondLst>
+                                    <p:cond delay="0"/>
+                                  </p:stCondLst>
+                                  <p:childTnLst>
+                                    <p:set>
+                                      <p:cBhvr>
+                                        <p:cTn id="51" dur="1" fill="hold">
+                                          <p:stCondLst>
+                                            <p:cond delay="0"/>
+                                          </p:stCondLst>
+                                        </p:cTn>
+                                        <p:tgtEl>
+                                          <p:spTgt spid="7"/>
+                                        </p:tgtEl>
+                                        <p:attrNameLst>
+                                          <p:attrName>style.visibility</p:attrName>
+                                        </p:attrNameLst>
+                                      </p:cBhvr>
+                                      <p:to>
+                                        <p:strVal val="visible"/>
+                                      </p:to>
+                                    </p:set>
+                                    <p:animEffect transition="in" filter="blinds(horizontal)">
+                                      <p:cBhvr>
+                                        <p:cTn id="52" dur="500"/>
+                                        <p:tgtEl>
+                                          <p:spTgt spid="7"/>
+                                        </p:tgtEl>
+                                      </p:cBhvr>
+                                    </p:animEffect>
+                                  </p:childTnLst>
+                                </p:cTn>
+                              </p:par>
+                            </p:childTnLst>
+                          </p:cTn>
+                        </p:par>
+                      </p:childTnLst>
+                    </p:cTn>
+                  </p:par>
                 </p:childTnLst>
               </p:cTn>
               <p:prevCondLst>
@@ -18848,11 +19212,7 @@
           <a:p>
             <a:r>
               <a:rPr kumimoji="1" lang="zh-CN" altLang="en-US" dirty="0" smtClean="0"/>
-              <a:t>典型应用</a:t>
-            </a:r>
-            <a:r>
-              <a:rPr kumimoji="1" lang="zh-CN" altLang="en-US" dirty="0" smtClean="0"/>
-              <a:t>场景</a:t>
+              <a:t>典型应用场景</a:t>
             </a:r>
             <a:endParaRPr kumimoji="1" lang="en-US" altLang="zh-CN" dirty="0" smtClean="0"/>
           </a:p>

--- a/TIStools.pptx
+++ b/TIStools.pptx
@@ -264,7 +264,7 @@
             <a:fld id="{5C979E5A-5764-4AAB-A962-3E8F18291B4D}" type="datetimeFigureOut">
               <a:rPr lang="zh-CN" altLang="en-US" smtClean="0"/>
               <a:pPr/>
-              <a:t>17/4/9</a:t>
+              <a:t>17/4/12</a:t>
             </a:fld>
             <a:endParaRPr lang="zh-CN" altLang="en-US"/>
           </a:p>
@@ -431,7 +431,7 @@
             <a:fld id="{01776D96-E550-42A4-AAC9-143101C0E129}" type="datetimeFigureOut">
               <a:rPr lang="zh-CN" altLang="en-US" smtClean="0"/>
               <a:pPr/>
-              <a:t>17/4/9</a:t>
+              <a:t>17/4/12</a:t>
             </a:fld>
             <a:endParaRPr lang="zh-CN" altLang="en-US"/>
           </a:p>
@@ -3901,7 +3901,19 @@
           <a:p>
             <a:r>
               <a:rPr kumimoji="1" lang="zh-CN" altLang="en-US" dirty="0" smtClean="0"/>
-              <a:t>应用领域：通过串联和调用基础服务，实现业务逻辑，完成业务流程实现；</a:t>
+              <a:t>应用领域：通过串联和调用基础服务，实现业务逻辑，完成业务流程串联</a:t>
+            </a:r>
+            <a:r>
+              <a:rPr kumimoji="1" lang="en-US" altLang="zh-CN" baseline="0" dirty="0" smtClean="0"/>
+              <a:t> ——</a:t>
+            </a:r>
+            <a:r>
+              <a:rPr kumimoji="1" lang="zh-CN" altLang="en-US" baseline="0" dirty="0" smtClean="0"/>
+              <a:t> 提供网点服务</a:t>
+            </a:r>
+            <a:r>
+              <a:rPr kumimoji="1" lang="zh-CN" altLang="en-US" dirty="0" smtClean="0"/>
+              <a:t>；</a:t>
             </a:r>
             <a:endParaRPr kumimoji="1" lang="en-US" altLang="zh-CN" dirty="0" smtClean="0"/>
           </a:p>
@@ -3915,11 +3927,7 @@
           <a:p>
             <a:r>
               <a:rPr kumimoji="1" lang="zh-CN" altLang="en-US" dirty="0" smtClean="0"/>
-              <a:t>支撑技术体系：支撑分布式，高并发，易扩展</a:t>
-            </a:r>
-            <a:r>
-              <a:rPr kumimoji="1" lang="zh-CN" altLang="en-US" smtClean="0"/>
-              <a:t>的技术体系；</a:t>
+              <a:t>支撑技术体系：支撑分布式，高并发，易扩展的技术体系；</a:t>
             </a:r>
             <a:endParaRPr kumimoji="1" lang="zh-CN" altLang="en-US" dirty="0"/>
           </a:p>
@@ -7447,7 +7455,7 @@
             <a:fld id="{530820CF-B880-4189-942D-D702A7CBA730}" type="datetimeFigureOut">
               <a:rPr lang="zh-CN" altLang="en-US" smtClean="0"/>
               <a:pPr/>
-              <a:t>17/4/9</a:t>
+              <a:t>17/4/12</a:t>
             </a:fld>
             <a:endParaRPr lang="zh-CN" altLang="en-US"/>
           </a:p>
@@ -17351,11 +17359,7 @@
             </a:r>
             <a:r>
               <a:rPr kumimoji="1" lang="zh-CN" altLang="en-US" sz="2000" dirty="0" smtClean="0"/>
-              <a:t>命名来</a:t>
-            </a:r>
-            <a:r>
-              <a:rPr kumimoji="1" lang="zh-CN" altLang="en-US" sz="2000" dirty="0" smtClean="0"/>
-              <a:t>标识所属技术分层！</a:t>
+              <a:t>命名来标识所属技术分层！</a:t>
             </a:r>
             <a:endParaRPr kumimoji="1" lang="zh-CN" altLang="en-US" sz="2000" dirty="0"/>
           </a:p>
@@ -18872,15 +18876,7 @@
                   <a:schemeClr val="tx1"/>
                 </a:solidFill>
               </a:rPr>
-              <a:t>.*.</a:t>
-            </a:r>
-            <a:r>
-              <a:rPr kumimoji="1" lang="en-US" altLang="zh-CN" sz="1200" dirty="0" smtClean="0">
-                <a:solidFill>
-                  <a:schemeClr val="tx1"/>
-                </a:solidFill>
-              </a:rPr>
-              <a:t>java</a:t>
+              <a:t>.*.java</a:t>
             </a:r>
             <a:endParaRPr kumimoji="1" lang="zh-CN" altLang="en-US" sz="1200" dirty="0">
               <a:solidFill>
@@ -33908,6 +33904,92 @@
           </a:p>
         </p:txBody>
       </p:sp>
+      <p:grpSp>
+        <p:nvGrpSpPr>
+          <p:cNvPr id="6" name="组 5"/>
+          <p:cNvGrpSpPr/>
+          <p:nvPr/>
+        </p:nvGrpSpPr>
+        <p:grpSpPr>
+          <a:xfrm>
+            <a:off x="7596336" y="2733599"/>
+            <a:ext cx="1087108" cy="1854375"/>
+            <a:chOff x="7596336" y="2733599"/>
+            <a:chExt cx="1087108" cy="1854375"/>
+          </a:xfrm>
+        </p:grpSpPr>
+        <p:sp>
+          <p:nvSpPr>
+            <p:cNvPr id="3" name="右大括号 2"/>
+            <p:cNvSpPr/>
+            <p:nvPr/>
+          </p:nvSpPr>
+          <p:spPr>
+            <a:xfrm>
+              <a:off x="7596336" y="2733599"/>
+              <a:ext cx="360040" cy="1854375"/>
+            </a:xfrm>
+            <a:prstGeom prst="rightBrace">
+              <a:avLst>
+                <a:gd name="adj1" fmla="val 128762"/>
+                <a:gd name="adj2" fmla="val 50000"/>
+              </a:avLst>
+            </a:prstGeom>
+          </p:spPr>
+          <p:style>
+            <a:lnRef idx="1">
+              <a:schemeClr val="accent1"/>
+            </a:lnRef>
+            <a:fillRef idx="0">
+              <a:schemeClr val="accent1"/>
+            </a:fillRef>
+            <a:effectRef idx="0">
+              <a:schemeClr val="accent1"/>
+            </a:effectRef>
+            <a:fontRef idx="minor">
+              <a:schemeClr val="tx1"/>
+            </a:fontRef>
+          </p:style>
+          <p:txBody>
+            <a:bodyPr rtlCol="0" anchor="ctr"/>
+            <a:lstStyle/>
+            <a:p>
+              <a:pPr algn="ctr"/>
+              <a:endParaRPr kumimoji="1" lang="zh-CN" altLang="en-US"/>
+            </a:p>
+          </p:txBody>
+        </p:sp>
+        <p:sp>
+          <p:nvSpPr>
+            <p:cNvPr id="5" name="文本框 4"/>
+            <p:cNvSpPr txBox="1"/>
+            <p:nvPr/>
+          </p:nvSpPr>
+          <p:spPr>
+            <a:xfrm>
+              <a:off x="8020570" y="3476120"/>
+              <a:ext cx="662874" cy="369332"/>
+            </a:xfrm>
+            <a:prstGeom prst="rect">
+              <a:avLst/>
+            </a:prstGeom>
+            <a:noFill/>
+          </p:spPr>
+          <p:txBody>
+            <a:bodyPr wrap="none" rtlCol="0">
+              <a:spAutoFit/>
+            </a:bodyPr>
+            <a:lstStyle/>
+            <a:p>
+              <a:r>
+                <a:rPr kumimoji="1" lang="en-US" altLang="zh-CN" dirty="0" smtClean="0"/>
+                <a:t>Tools</a:t>
+              </a:r>
+              <a:endParaRPr kumimoji="1" lang="zh-CN" altLang="en-US" dirty="0"/>
+            </a:p>
+          </p:txBody>
+        </p:sp>
+      </p:grpSp>
     </p:spTree>
     <p:extLst>
       <p:ext uri="{BB962C8B-B14F-4D97-AF65-F5344CB8AC3E}">
@@ -34461,6 +34543,59 @@
                       </p:childTnLst>
                     </p:cTn>
                   </p:par>
+                  <p:par>
+                    <p:cTn id="40" fill="hold">
+                      <p:stCondLst>
+                        <p:cond delay="indefinite"/>
+                      </p:stCondLst>
+                      <p:childTnLst>
+                        <p:par>
+                          <p:cTn id="41" fill="hold">
+                            <p:stCondLst>
+                              <p:cond delay="0"/>
+                            </p:stCondLst>
+                            <p:childTnLst>
+                              <p:par>
+                                <p:cTn id="42" presetID="3" presetClass="entr" presetSubtype="10" fill="hold" nodeType="clickEffect">
+                                  <p:stCondLst>
+                                    <p:cond delay="0"/>
+                                  </p:stCondLst>
+                                  <p:childTnLst>
+                                    <p:set>
+                                      <p:cBhvr>
+                                        <p:cTn id="43" dur="1" fill="hold">
+                                          <p:stCondLst>
+                                            <p:cond delay="0"/>
+                                          </p:stCondLst>
+                                        </p:cTn>
+                                        <p:tgtEl>
+                                          <p:spTgt spid="6"/>
+                                        </p:tgtEl>
+                                        <p:attrNameLst>
+                                          <p:attrName>style.visibility</p:attrName>
+                                        </p:attrNameLst>
+                                      </p:cBhvr>
+                                      <p:to>
+                                        <p:strVal val="visible"/>
+                                      </p:to>
+                                    </p:set>
+                                    <p:animEffect transition="in" filter="blinds(horizontal)">
+                                      <p:cBhvr>
+                                        <p:cTn id="44" dur="500"/>
+                                        <p:tgtEl>
+                                          <p:spTgt spid="6"/>
+                                        </p:tgtEl>
+                                      </p:cBhvr>
+                                    </p:animEffect>
+                                  </p:childTnLst>
+                                </p:cTn>
+                              </p:par>
+                            </p:childTnLst>
+                          </p:cTn>
+                        </p:par>
+                      </p:childTnLst>
+                    </p:cTn>
+                  </p:par>
                 </p:childTnLst>
               </p:cTn>
               <p:prevCondLst>
@@ -41106,7 +41241,7 @@
         </p:nvSpPr>
         <p:spPr>
           <a:xfrm>
-            <a:off x="5790788" y="3295199"/>
+            <a:off x="4572000" y="3295199"/>
             <a:ext cx="1080120" cy="540060"/>
           </a:xfrm>
           <a:prstGeom prst="rect">
@@ -41224,7 +41359,7 @@
                   <a:srgbClr val="FFFF00"/>
                 </a:solidFill>
               </a:rPr>
-              <a:t>组织管理</a:t>
+              <a:t>组织权限管理</a:t>
             </a:r>
             <a:endParaRPr kumimoji="1" lang="en-US" altLang="zh-CN" sz="1200" dirty="0" smtClean="0">
               <a:solidFill>
@@ -41240,7 +41375,7 @@
                   <a:srgbClr val="FFFF00"/>
                 </a:solidFill>
               </a:rPr>
-              <a:t>OM</a:t>
+              <a:t>OM&amp;AC</a:t>
             </a:r>
             <a:endParaRPr kumimoji="1" lang="zh-CN" altLang="en-US" sz="1200" dirty="0">
               <a:solidFill>
@@ -41300,7 +41435,7 @@
                   <a:schemeClr val="bg1"/>
                 </a:solidFill>
               </a:rPr>
-              <a:t>交易服务</a:t>
+              <a:t>交易处理</a:t>
             </a:r>
             <a:endParaRPr kumimoji="1" lang="en-US" altLang="zh-CN" sz="1200" dirty="0" smtClean="0">
               <a:solidFill>
@@ -41328,13 +41463,13 @@
       </p:sp>
       <p:sp>
         <p:nvSpPr>
-          <p:cNvPr id="58" name="矩形 57"/>
+          <p:cNvPr id="59" name="矩形 58"/>
           <p:cNvSpPr/>
           <p:nvPr/>
         </p:nvSpPr>
         <p:spPr>
           <a:xfrm>
-            <a:off x="2118380" y="3295199"/>
+            <a:off x="2123728" y="3295199"/>
             <a:ext cx="1080120" cy="540060"/>
           </a:xfrm>
           <a:prstGeom prst="rect">
@@ -41376,82 +41511,6 @@
                   <a:srgbClr val="FFFF00"/>
                 </a:solidFill>
               </a:rPr>
-              <a:t>权限管理</a:t>
-            </a:r>
-            <a:endParaRPr kumimoji="1" lang="en-US" altLang="zh-CN" sz="1200" dirty="0" smtClean="0">
-              <a:solidFill>
-                <a:srgbClr val="FFFF00"/>
-              </a:solidFill>
-            </a:endParaRPr>
-          </a:p>
-          <a:p>
-            <a:pPr algn="ctr"/>
-            <a:r>
-              <a:rPr kumimoji="1" lang="en-US" altLang="zh-CN" sz="1200" dirty="0" smtClean="0">
-                <a:solidFill>
-                  <a:srgbClr val="FFFF00"/>
-                </a:solidFill>
-              </a:rPr>
-              <a:t>AC</a:t>
-            </a:r>
-            <a:endParaRPr kumimoji="1" lang="zh-CN" altLang="en-US" sz="1200" dirty="0">
-              <a:solidFill>
-                <a:srgbClr val="FFFF00"/>
-              </a:solidFill>
-            </a:endParaRPr>
-          </a:p>
-        </p:txBody>
-      </p:sp>
-      <p:sp>
-        <p:nvSpPr>
-          <p:cNvPr id="59" name="矩形 58"/>
-          <p:cNvSpPr/>
-          <p:nvPr/>
-        </p:nvSpPr>
-        <p:spPr>
-          <a:xfrm>
-            <a:off x="3342516" y="3295199"/>
-            <a:ext cx="1080120" cy="540060"/>
-          </a:xfrm>
-          <a:prstGeom prst="rect">
-            <a:avLst/>
-          </a:prstGeom>
-          <a:solidFill>
-            <a:srgbClr val="00B050"/>
-          </a:solidFill>
-          <a:ln w="12700">
-            <a:solidFill>
-              <a:schemeClr val="tx1"/>
-            </a:solidFill>
-          </a:ln>
-        </p:spPr>
-        <p:style>
-          <a:lnRef idx="2">
-            <a:schemeClr val="accent1">
-              <a:shade val="50000"/>
-            </a:schemeClr>
-          </a:lnRef>
-          <a:fillRef idx="1">
-            <a:schemeClr val="accent1"/>
-          </a:fillRef>
-          <a:effectRef idx="0">
-            <a:schemeClr val="accent1"/>
-          </a:effectRef>
-          <a:fontRef idx="minor">
-            <a:schemeClr val="lt1"/>
-          </a:fontRef>
-        </p:style>
-        <p:txBody>
-          <a:bodyPr rtlCol="0" anchor="ctr"/>
-          <a:lstStyle/>
-          <a:p>
-            <a:pPr algn="ctr"/>
-            <a:r>
-              <a:rPr kumimoji="1" lang="zh-CN" altLang="en-US" sz="1200" dirty="0" smtClean="0">
-                <a:solidFill>
-                  <a:srgbClr val="FFFF00"/>
-                </a:solidFill>
-              </a:rPr>
               <a:t>流水日志</a:t>
             </a:r>
             <a:endParaRPr kumimoji="1" lang="en-US" altLang="zh-CN" sz="1200" dirty="0" smtClean="0">
@@ -41486,7 +41545,7 @@
         </p:nvSpPr>
         <p:spPr>
           <a:xfrm>
-            <a:off x="4566652" y="3295199"/>
+            <a:off x="3347864" y="3295199"/>
             <a:ext cx="1080120" cy="540060"/>
           </a:xfrm>
           <a:prstGeom prst="rect">
@@ -42005,18 +42064,6 @@
           <a:lstStyle/>
           <a:p>
             <a:pPr algn="ctr"/>
-            <a:r>
-              <a:rPr kumimoji="1" lang="zh-CN" altLang="en-US" sz="1400" dirty="0" smtClean="0">
-                <a:ln>
-                  <a:solidFill>
-                    <a:schemeClr val="bg1">
-                      <a:lumMod val="95000"/>
-                    </a:schemeClr>
-                  </a:solidFill>
-                </a:ln>
-              </a:rPr>
-              <a:t>移动应用</a:t>
-            </a:r>
             <a:endParaRPr kumimoji="1" lang="zh-CN" altLang="en-US" sz="1400" dirty="0">
               <a:ln>
                 <a:solidFill>
@@ -42245,7 +42292,7 @@
         </p:nvSpPr>
         <p:spPr>
           <a:xfrm>
-            <a:off x="3466018" y="1063835"/>
+            <a:off x="3466018" y="1094688"/>
             <a:ext cx="865528" cy="252926"/>
           </a:xfrm>
           <a:prstGeom prst="rect">
@@ -42305,7 +42352,7 @@
         </p:nvSpPr>
         <p:spPr>
           <a:xfrm>
-            <a:off x="4410574" y="1063835"/>
+            <a:off x="4410574" y="1094688"/>
             <a:ext cx="855644" cy="252926"/>
           </a:xfrm>
           <a:prstGeom prst="rect">
@@ -42347,7 +42394,7 @@
                   <a:schemeClr val="bg1"/>
                 </a:solidFill>
               </a:rPr>
-              <a:t>事件服务</a:t>
+              <a:t>客户服务</a:t>
             </a:r>
             <a:endParaRPr kumimoji="1" lang="zh-CN" altLang="en-US" sz="1200" dirty="0">
               <a:solidFill>
@@ -42365,7 +42412,7 @@
         </p:nvSpPr>
         <p:spPr>
           <a:xfrm>
-            <a:off x="5364156" y="1059582"/>
+            <a:off x="5364156" y="1090435"/>
             <a:ext cx="855644" cy="252926"/>
           </a:xfrm>
           <a:prstGeom prst="rect">
@@ -42747,7 +42794,7 @@
         </p:nvSpPr>
         <p:spPr>
           <a:xfrm>
-            <a:off x="6846270" y="1790871"/>
+            <a:off x="6918278" y="1790871"/>
             <a:ext cx="1470146" cy="369332"/>
           </a:xfrm>
           <a:prstGeom prst="rect">
@@ -42774,14 +42821,14 @@
       </p:sp>
       <p:sp>
         <p:nvSpPr>
-          <p:cNvPr id="36" name="矩形 35"/>
+          <p:cNvPr id="37" name="矩形 36"/>
           <p:cNvSpPr/>
           <p:nvPr/>
         </p:nvSpPr>
         <p:spPr>
           <a:xfrm>
-            <a:off x="7071267" y="1316761"/>
-            <a:ext cx="1245149" cy="369332"/>
+            <a:off x="7223874" y="3999656"/>
+            <a:ext cx="1164550" cy="369332"/>
           </a:xfrm>
           <a:prstGeom prst="rect">
             <a:avLst/>
@@ -42794,35 +42841,6 @@
           <a:lstStyle/>
           <a:p>
             <a:r>
-              <a:rPr lang="en-US" altLang="zh-CN" dirty="0" smtClean="0"/>
-              <a:t>Application</a:t>
-            </a:r>
-            <a:endParaRPr lang="zh-CN" altLang="en-US" dirty="0"/>
-          </a:p>
-        </p:txBody>
-      </p:sp>
-      <p:sp>
-        <p:nvSpPr>
-          <p:cNvPr id="37" name="矩形 36"/>
-          <p:cNvSpPr/>
-          <p:nvPr/>
-        </p:nvSpPr>
-        <p:spPr>
-          <a:xfrm>
-            <a:off x="7223874" y="3999656"/>
-            <a:ext cx="1164550" cy="369332"/>
-          </a:xfrm>
-          <a:prstGeom prst="rect">
-            <a:avLst/>
-          </a:prstGeom>
-        </p:spPr>
-        <p:txBody>
-          <a:bodyPr wrap="none">
-            <a:spAutoFit/>
-          </a:bodyPr>
-          <a:lstStyle/>
-          <a:p>
-            <a:r>
               <a:rPr lang="en-US" altLang="zh-CN" dirty="0" err="1" smtClean="0"/>
               <a:t>Framewok</a:t>
             </a:r>
@@ -42830,77 +42848,92 @@
           </a:p>
         </p:txBody>
       </p:sp>
-      <p:sp>
-        <p:nvSpPr>
-          <p:cNvPr id="3" name="右大括号 2"/>
-          <p:cNvSpPr/>
-          <p:nvPr/>
-        </p:nvSpPr>
-        <p:spPr>
+      <p:grpSp>
+        <p:nvGrpSpPr>
+          <p:cNvPr id="10" name="组 9"/>
+          <p:cNvGrpSpPr/>
+          <p:nvPr/>
+        </p:nvGrpSpPr>
+        <p:grpSpPr>
           <a:xfrm>
             <a:off x="8460432" y="847372"/>
-            <a:ext cx="216024" cy="3977127"/>
-          </a:xfrm>
-          <a:prstGeom prst="rightBrace">
-            <a:avLst>
-              <a:gd name="adj1" fmla="val 372094"/>
-              <a:gd name="adj2" fmla="val 50000"/>
-            </a:avLst>
-          </a:prstGeom>
-        </p:spPr>
-        <p:style>
-          <a:lnRef idx="1">
-            <a:schemeClr val="accent1"/>
-          </a:lnRef>
-          <a:fillRef idx="0">
-            <a:schemeClr val="accent1"/>
-          </a:fillRef>
-          <a:effectRef idx="0">
-            <a:schemeClr val="accent1"/>
-          </a:effectRef>
-          <a:fontRef idx="minor">
-            <a:schemeClr val="tx1"/>
-          </a:fontRef>
-        </p:style>
-        <p:txBody>
-          <a:bodyPr rtlCol="0" anchor="ctr"/>
-          <a:lstStyle/>
-          <a:p>
-            <a:pPr algn="ctr"/>
-            <a:endParaRPr kumimoji="1" lang="zh-CN" altLang="en-US"/>
-          </a:p>
-        </p:txBody>
-      </p:sp>
-      <p:sp>
-        <p:nvSpPr>
-          <p:cNvPr id="40" name="矩形 39"/>
-          <p:cNvSpPr/>
-          <p:nvPr/>
-        </p:nvSpPr>
-        <p:spPr>
-          <a:xfrm>
-            <a:off x="8604448" y="2682046"/>
-            <a:ext cx="558423" cy="307777"/>
-          </a:xfrm>
-          <a:prstGeom prst="rect">
-            <a:avLst/>
-          </a:prstGeom>
-        </p:spPr>
-        <p:txBody>
-          <a:bodyPr wrap="none">
-            <a:spAutoFit/>
-          </a:bodyPr>
-          <a:lstStyle/>
-          <a:p>
-            <a:pPr algn="r"/>
-            <a:r>
-              <a:rPr kumimoji="1" lang="en-US" altLang="zh-CN" sz="1400" smtClean="0"/>
-              <a:t>Tools</a:t>
-            </a:r>
-            <a:endParaRPr kumimoji="1" lang="en-US" altLang="zh-CN" sz="1400" dirty="0" smtClean="0"/>
-          </a:p>
-        </p:txBody>
-      </p:sp>
+            <a:ext cx="702439" cy="3977127"/>
+            <a:chOff x="8460432" y="847372"/>
+            <a:chExt cx="702439" cy="3977127"/>
+          </a:xfrm>
+        </p:grpSpPr>
+        <p:sp>
+          <p:nvSpPr>
+            <p:cNvPr id="3" name="右大括号 2"/>
+            <p:cNvSpPr/>
+            <p:nvPr/>
+          </p:nvSpPr>
+          <p:spPr>
+            <a:xfrm>
+              <a:off x="8460432" y="847372"/>
+              <a:ext cx="216024" cy="3977127"/>
+            </a:xfrm>
+            <a:prstGeom prst="rightBrace">
+              <a:avLst>
+                <a:gd name="adj1" fmla="val 372094"/>
+                <a:gd name="adj2" fmla="val 50000"/>
+              </a:avLst>
+            </a:prstGeom>
+          </p:spPr>
+          <p:style>
+            <a:lnRef idx="1">
+              <a:schemeClr val="accent1"/>
+            </a:lnRef>
+            <a:fillRef idx="0">
+              <a:schemeClr val="accent1"/>
+            </a:fillRef>
+            <a:effectRef idx="0">
+              <a:schemeClr val="accent1"/>
+            </a:effectRef>
+            <a:fontRef idx="minor">
+              <a:schemeClr val="tx1"/>
+            </a:fontRef>
+          </p:style>
+          <p:txBody>
+            <a:bodyPr rtlCol="0" anchor="ctr"/>
+            <a:lstStyle/>
+            <a:p>
+              <a:pPr algn="ctr"/>
+              <a:endParaRPr kumimoji="1" lang="zh-CN" altLang="en-US"/>
+            </a:p>
+          </p:txBody>
+        </p:sp>
+        <p:sp>
+          <p:nvSpPr>
+            <p:cNvPr id="40" name="矩形 39"/>
+            <p:cNvSpPr/>
+            <p:nvPr/>
+          </p:nvSpPr>
+          <p:spPr>
+            <a:xfrm>
+              <a:off x="8604448" y="2682046"/>
+              <a:ext cx="558423" cy="307777"/>
+            </a:xfrm>
+            <a:prstGeom prst="rect">
+              <a:avLst/>
+            </a:prstGeom>
+          </p:spPr>
+          <p:txBody>
+            <a:bodyPr wrap="none">
+              <a:spAutoFit/>
+            </a:bodyPr>
+            <a:lstStyle/>
+            <a:p>
+              <a:pPr algn="r"/>
+              <a:r>
+                <a:rPr kumimoji="1" lang="en-US" altLang="zh-CN" sz="1400" smtClean="0"/>
+                <a:t>Tools</a:t>
+              </a:r>
+              <a:endParaRPr kumimoji="1" lang="en-US" altLang="zh-CN" sz="1400" dirty="0" smtClean="0"/>
+            </a:p>
+          </p:txBody>
+        </p:sp>
+      </p:grpSp>
       <p:sp>
         <p:nvSpPr>
           <p:cNvPr id="41" name="矩形 40"/>
@@ -43137,7 +43170,7 @@
         </p:nvSpPr>
         <p:spPr>
           <a:xfrm>
-            <a:off x="7020272" y="3295199"/>
+            <a:off x="5801484" y="3295199"/>
             <a:ext cx="1080120" cy="540060"/>
           </a:xfrm>
           <a:prstGeom prst="rect">
@@ -43501,72 +43534,6 @@
           </p:style>
         </p:cxnSp>
       </p:grpSp>
-      <p:sp>
-        <p:nvSpPr>
-          <p:cNvPr id="82" name="形状 81"/>
-          <p:cNvSpPr/>
-          <p:nvPr/>
-        </p:nvSpPr>
-        <p:spPr>
-          <a:xfrm rot="20700000">
-            <a:off x="6590591" y="1869820"/>
-            <a:ext cx="251999" cy="251999"/>
-          </a:xfrm>
-          <a:prstGeom prst="gear6">
-            <a:avLst/>
-          </a:prstGeom>
-          <a:gradFill flip="none" rotWithShape="1">
-            <a:gsLst>
-              <a:gs pos="0">
-                <a:srgbClr val="FFFF00"/>
-              </a:gs>
-              <a:gs pos="48000">
-                <a:schemeClr val="accent6">
-                  <a:lumMod val="97000"/>
-                  <a:lumOff val="3000"/>
-                </a:schemeClr>
-              </a:gs>
-              <a:gs pos="100000">
-                <a:schemeClr val="accent6">
-                  <a:lumMod val="60000"/>
-                  <a:lumOff val="40000"/>
-                </a:schemeClr>
-              </a:gs>
-            </a:gsLst>
-            <a:lin ang="16200000" scaled="1"/>
-            <a:tileRect/>
-          </a:gradFill>
-        </p:spPr>
-        <p:style>
-          <a:lnRef idx="0">
-            <a:schemeClr val="lt1">
-              <a:hueOff val="0"/>
-              <a:satOff val="0"/>
-              <a:lumOff val="0"/>
-              <a:alphaOff val="0"/>
-            </a:schemeClr>
-          </a:lnRef>
-          <a:fillRef idx="3">
-            <a:schemeClr val="accent1">
-              <a:hueOff val="0"/>
-              <a:satOff val="0"/>
-              <a:lumOff val="0"/>
-              <a:alphaOff val="0"/>
-            </a:schemeClr>
-          </a:fillRef>
-          <a:effectRef idx="2">
-            <a:schemeClr val="accent1">
-              <a:hueOff val="0"/>
-              <a:satOff val="0"/>
-              <a:lumOff val="0"/>
-              <a:alphaOff val="0"/>
-            </a:schemeClr>
-          </a:effectRef>
-          <a:fontRef idx="minor">
-            <a:schemeClr val="lt1"/>
-          </a:fontRef>
-        </p:style>
-      </p:sp>
       <p:grpSp>
         <p:nvGrpSpPr>
           <p:cNvPr id="21" name="组 20"/>
@@ -43992,6 +43959,667 @@
           </p:style>
         </p:cxnSp>
       </p:grpSp>
+      <p:sp>
+        <p:nvSpPr>
+          <p:cNvPr id="81" name="矩形 80"/>
+          <p:cNvSpPr/>
+          <p:nvPr/>
+        </p:nvSpPr>
+        <p:spPr>
+          <a:xfrm>
+            <a:off x="5801854" y="2637920"/>
+            <a:ext cx="1080120" cy="540060"/>
+          </a:xfrm>
+          <a:prstGeom prst="rect">
+            <a:avLst/>
+          </a:prstGeom>
+          <a:solidFill>
+            <a:srgbClr val="00B050"/>
+          </a:solidFill>
+          <a:ln w="12700">
+            <a:solidFill>
+              <a:schemeClr val="tx1"/>
+            </a:solidFill>
+          </a:ln>
+        </p:spPr>
+        <p:style>
+          <a:lnRef idx="2">
+            <a:schemeClr val="accent1">
+              <a:shade val="50000"/>
+            </a:schemeClr>
+          </a:lnRef>
+          <a:fillRef idx="1">
+            <a:schemeClr val="accent1"/>
+          </a:fillRef>
+          <a:effectRef idx="0">
+            <a:schemeClr val="accent1"/>
+          </a:effectRef>
+          <a:fontRef idx="minor">
+            <a:schemeClr val="lt1"/>
+          </a:fontRef>
+        </p:style>
+        <p:txBody>
+          <a:bodyPr rtlCol="0" anchor="ctr"/>
+          <a:lstStyle/>
+          <a:p>
+            <a:pPr algn="ctr"/>
+            <a:r>
+              <a:rPr kumimoji="1" lang="zh-CN" altLang="en-US" sz="1200" dirty="0" smtClean="0">
+                <a:solidFill>
+                  <a:schemeClr val="bg1"/>
+                </a:solidFill>
+              </a:rPr>
+              <a:t>交易事件</a:t>
+            </a:r>
+            <a:endParaRPr kumimoji="1" lang="en-US" altLang="zh-CN" sz="1200" dirty="0" smtClean="0">
+              <a:solidFill>
+                <a:schemeClr val="bg1"/>
+              </a:solidFill>
+            </a:endParaRPr>
+          </a:p>
+          <a:p>
+            <a:pPr algn="ctr"/>
+            <a:r>
+              <a:rPr kumimoji="1" lang="en-US" altLang="zh-CN" sz="1200" dirty="0" smtClean="0">
+                <a:solidFill>
+                  <a:schemeClr val="bg1"/>
+                </a:solidFill>
+              </a:rPr>
+              <a:t>TE</a:t>
+            </a:r>
+            <a:endParaRPr kumimoji="1" lang="zh-CN" altLang="en-US" sz="1200" dirty="0">
+              <a:solidFill>
+                <a:schemeClr val="bg1"/>
+              </a:solidFill>
+            </a:endParaRPr>
+          </a:p>
+        </p:txBody>
+      </p:sp>
+      <p:grpSp>
+        <p:nvGrpSpPr>
+          <p:cNvPr id="11" name="组 10"/>
+          <p:cNvGrpSpPr/>
+          <p:nvPr/>
+        </p:nvGrpSpPr>
+        <p:grpSpPr>
+          <a:xfrm>
+            <a:off x="7039702" y="2150137"/>
+            <a:ext cx="1080120" cy="1684308"/>
+            <a:chOff x="7039702" y="2150137"/>
+            <a:chExt cx="1080120" cy="1684308"/>
+          </a:xfrm>
+        </p:grpSpPr>
+        <p:sp>
+          <p:nvSpPr>
+            <p:cNvPr id="89" name="矩形 88"/>
+            <p:cNvSpPr/>
+            <p:nvPr/>
+          </p:nvSpPr>
+          <p:spPr>
+            <a:xfrm>
+              <a:off x="7039702" y="2150137"/>
+              <a:ext cx="1080120" cy="1684308"/>
+            </a:xfrm>
+            <a:prstGeom prst="rect">
+              <a:avLst/>
+            </a:prstGeom>
+            <a:solidFill>
+              <a:srgbClr val="00B050"/>
+            </a:solidFill>
+            <a:ln w="12700">
+              <a:solidFill>
+                <a:schemeClr val="tx1"/>
+              </a:solidFill>
+            </a:ln>
+          </p:spPr>
+          <p:style>
+            <a:lnRef idx="2">
+              <a:schemeClr val="accent1">
+                <a:shade val="50000"/>
+              </a:schemeClr>
+            </a:lnRef>
+            <a:fillRef idx="1">
+              <a:schemeClr val="accent1"/>
+            </a:fillRef>
+            <a:effectRef idx="0">
+              <a:schemeClr val="accent1"/>
+            </a:effectRef>
+            <a:fontRef idx="minor">
+              <a:schemeClr val="lt1"/>
+            </a:fontRef>
+          </p:style>
+          <p:txBody>
+            <a:bodyPr rtlCol="0" anchor="t"/>
+            <a:lstStyle/>
+            <a:p>
+              <a:pPr algn="ctr"/>
+              <a:r>
+                <a:rPr kumimoji="1" lang="zh-CN" altLang="en-US" sz="1200" dirty="0" smtClean="0">
+                  <a:solidFill>
+                    <a:schemeClr val="bg1"/>
+                  </a:solidFill>
+                </a:rPr>
+                <a:t>通道服务</a:t>
+              </a:r>
+              <a:endParaRPr kumimoji="1" lang="en-US" altLang="zh-CN" sz="1200" dirty="0" smtClean="0">
+                <a:solidFill>
+                  <a:schemeClr val="bg1"/>
+                </a:solidFill>
+              </a:endParaRPr>
+            </a:p>
+            <a:p>
+              <a:pPr algn="ctr"/>
+              <a:r>
+                <a:rPr kumimoji="1" lang="en-US" altLang="zh-CN" sz="1200" dirty="0" smtClean="0">
+                  <a:solidFill>
+                    <a:schemeClr val="bg1"/>
+                  </a:solidFill>
+                </a:rPr>
+                <a:t>GW</a:t>
+              </a:r>
+              <a:endParaRPr kumimoji="1" lang="zh-CN" altLang="en-US" sz="1200" dirty="0">
+                <a:solidFill>
+                  <a:schemeClr val="bg1"/>
+                </a:solidFill>
+              </a:endParaRPr>
+            </a:p>
+          </p:txBody>
+        </p:sp>
+        <p:sp>
+          <p:nvSpPr>
+            <p:cNvPr id="4" name="椭圆 3"/>
+            <p:cNvSpPr/>
+            <p:nvPr/>
+          </p:nvSpPr>
+          <p:spPr>
+            <a:xfrm>
+              <a:off x="7128284" y="2621952"/>
+              <a:ext cx="864096" cy="420359"/>
+            </a:xfrm>
+            <a:prstGeom prst="ellipse">
+              <a:avLst/>
+            </a:prstGeom>
+            <a:ln w="12700">
+              <a:solidFill>
+                <a:schemeClr val="tx1"/>
+              </a:solidFill>
+            </a:ln>
+          </p:spPr>
+          <p:style>
+            <a:lnRef idx="2">
+              <a:schemeClr val="accent1">
+                <a:shade val="50000"/>
+              </a:schemeClr>
+            </a:lnRef>
+            <a:fillRef idx="1">
+              <a:schemeClr val="accent1"/>
+            </a:fillRef>
+            <a:effectRef idx="0">
+              <a:schemeClr val="accent1"/>
+            </a:effectRef>
+            <a:fontRef idx="minor">
+              <a:schemeClr val="lt1"/>
+            </a:fontRef>
+          </p:style>
+          <p:txBody>
+            <a:bodyPr rtlCol="0" anchor="ctr"/>
+            <a:lstStyle/>
+            <a:p>
+              <a:pPr algn="ctr"/>
+              <a:r>
+                <a:rPr kumimoji="1" lang="zh-CN" altLang="en-US" sz="1200" smtClean="0"/>
+                <a:t>主机服务</a:t>
+              </a:r>
+              <a:endParaRPr kumimoji="1" lang="zh-CN" altLang="en-US" sz="1200"/>
+            </a:p>
+          </p:txBody>
+        </p:sp>
+        <p:sp>
+          <p:nvSpPr>
+            <p:cNvPr id="90" name="椭圆 89"/>
+            <p:cNvSpPr/>
+            <p:nvPr/>
+          </p:nvSpPr>
+          <p:spPr>
+            <a:xfrm>
+              <a:off x="7130696" y="3078118"/>
+              <a:ext cx="864096" cy="420359"/>
+            </a:xfrm>
+            <a:prstGeom prst="ellipse">
+              <a:avLst/>
+            </a:prstGeom>
+            <a:ln w="12700">
+              <a:solidFill>
+                <a:schemeClr val="tx1"/>
+              </a:solidFill>
+            </a:ln>
+          </p:spPr>
+          <p:style>
+            <a:lnRef idx="2">
+              <a:schemeClr val="accent1">
+                <a:shade val="50000"/>
+              </a:schemeClr>
+            </a:lnRef>
+            <a:fillRef idx="1">
+              <a:schemeClr val="accent1"/>
+            </a:fillRef>
+            <a:effectRef idx="0">
+              <a:schemeClr val="accent1"/>
+            </a:effectRef>
+            <a:fontRef idx="minor">
+              <a:schemeClr val="lt1"/>
+            </a:fontRef>
+          </p:style>
+          <p:txBody>
+            <a:bodyPr rtlCol="0" anchor="ctr"/>
+            <a:lstStyle/>
+            <a:p>
+              <a:pPr algn="ctr"/>
+              <a:r>
+                <a:rPr kumimoji="1" lang="zh-CN" altLang="en-US" sz="1200" smtClean="0"/>
+                <a:t>主机服务</a:t>
+              </a:r>
+              <a:endParaRPr kumimoji="1" lang="zh-CN" altLang="en-US" sz="1200"/>
+            </a:p>
+          </p:txBody>
+        </p:sp>
+        <p:sp>
+          <p:nvSpPr>
+            <p:cNvPr id="92" name="椭圆 91"/>
+            <p:cNvSpPr/>
+            <p:nvPr/>
+          </p:nvSpPr>
+          <p:spPr>
+            <a:xfrm>
+              <a:off x="7146154" y="3554652"/>
+              <a:ext cx="864096" cy="248084"/>
+            </a:xfrm>
+            <a:prstGeom prst="ellipse">
+              <a:avLst/>
+            </a:prstGeom>
+            <a:ln w="12700">
+              <a:solidFill>
+                <a:schemeClr val="tx1"/>
+              </a:solidFill>
+            </a:ln>
+          </p:spPr>
+          <p:style>
+            <a:lnRef idx="2">
+              <a:schemeClr val="accent1">
+                <a:shade val="50000"/>
+              </a:schemeClr>
+            </a:lnRef>
+            <a:fillRef idx="1">
+              <a:schemeClr val="accent1"/>
+            </a:fillRef>
+            <a:effectRef idx="0">
+              <a:schemeClr val="accent1"/>
+            </a:effectRef>
+            <a:fontRef idx="minor">
+              <a:schemeClr val="lt1"/>
+            </a:fontRef>
+          </p:style>
+          <p:txBody>
+            <a:bodyPr rtlCol="0" anchor="ctr"/>
+            <a:lstStyle/>
+            <a:p>
+              <a:pPr algn="ctr"/>
+              <a:r>
+                <a:rPr kumimoji="1" lang="is-IS" altLang="zh-CN" sz="1200" smtClean="0"/>
+                <a:t>….</a:t>
+              </a:r>
+              <a:endParaRPr kumimoji="1" lang="zh-CN" altLang="en-US" sz="1200" dirty="0"/>
+            </a:p>
+          </p:txBody>
+        </p:sp>
+      </p:grpSp>
+      <p:sp>
+        <p:nvSpPr>
+          <p:cNvPr id="93" name="矩形 92"/>
+          <p:cNvSpPr/>
+          <p:nvPr/>
+        </p:nvSpPr>
+        <p:spPr>
+          <a:xfrm>
+            <a:off x="2114862" y="1997756"/>
+            <a:ext cx="1080120" cy="540060"/>
+          </a:xfrm>
+          <a:prstGeom prst="rect">
+            <a:avLst/>
+          </a:prstGeom>
+          <a:solidFill>
+            <a:srgbClr val="00B050"/>
+          </a:solidFill>
+          <a:ln w="12700">
+            <a:solidFill>
+              <a:schemeClr val="tx1"/>
+            </a:solidFill>
+          </a:ln>
+        </p:spPr>
+        <p:style>
+          <a:lnRef idx="2">
+            <a:schemeClr val="accent1">
+              <a:shade val="50000"/>
+            </a:schemeClr>
+          </a:lnRef>
+          <a:fillRef idx="1">
+            <a:schemeClr val="accent1"/>
+          </a:fillRef>
+          <a:effectRef idx="0">
+            <a:schemeClr val="accent1"/>
+          </a:effectRef>
+          <a:fontRef idx="minor">
+            <a:schemeClr val="lt1"/>
+          </a:fontRef>
+        </p:style>
+        <p:txBody>
+          <a:bodyPr rtlCol="0" anchor="ctr"/>
+          <a:lstStyle/>
+          <a:p>
+            <a:pPr algn="ctr"/>
+            <a:r>
+              <a:rPr kumimoji="1" lang="is-IS" altLang="zh-CN" sz="1200" dirty="0" smtClean="0">
+                <a:solidFill>
+                  <a:schemeClr val="bg1"/>
+                </a:solidFill>
+              </a:rPr>
+              <a:t>….</a:t>
+            </a:r>
+            <a:endParaRPr kumimoji="1" lang="zh-CN" altLang="en-US" sz="1200" dirty="0">
+              <a:solidFill>
+                <a:schemeClr val="bg1"/>
+              </a:solidFill>
+            </a:endParaRPr>
+          </a:p>
+        </p:txBody>
+      </p:sp>
+      <p:sp>
+        <p:nvSpPr>
+          <p:cNvPr id="94" name="矩形 93"/>
+          <p:cNvSpPr/>
+          <p:nvPr/>
+        </p:nvSpPr>
+        <p:spPr>
+          <a:xfrm>
+            <a:off x="3350424" y="1997621"/>
+            <a:ext cx="1080120" cy="540060"/>
+          </a:xfrm>
+          <a:prstGeom prst="rect">
+            <a:avLst/>
+          </a:prstGeom>
+          <a:solidFill>
+            <a:srgbClr val="00B050"/>
+          </a:solidFill>
+          <a:ln w="12700">
+            <a:solidFill>
+              <a:schemeClr val="tx1"/>
+            </a:solidFill>
+          </a:ln>
+        </p:spPr>
+        <p:style>
+          <a:lnRef idx="2">
+            <a:schemeClr val="accent1">
+              <a:shade val="50000"/>
+            </a:schemeClr>
+          </a:lnRef>
+          <a:fillRef idx="1">
+            <a:schemeClr val="accent1"/>
+          </a:fillRef>
+          <a:effectRef idx="0">
+            <a:schemeClr val="accent1"/>
+          </a:effectRef>
+          <a:fontRef idx="minor">
+            <a:schemeClr val="lt1"/>
+          </a:fontRef>
+        </p:style>
+        <p:txBody>
+          <a:bodyPr rtlCol="0" anchor="ctr"/>
+          <a:lstStyle/>
+          <a:p>
+            <a:pPr algn="ctr"/>
+            <a:r>
+              <a:rPr kumimoji="1" lang="is-IS" altLang="zh-CN" sz="1200" dirty="0" smtClean="0">
+                <a:solidFill>
+                  <a:schemeClr val="bg1"/>
+                </a:solidFill>
+              </a:rPr>
+              <a:t>….</a:t>
+            </a:r>
+            <a:endParaRPr kumimoji="1" lang="zh-CN" altLang="en-US" sz="1200" dirty="0">
+              <a:solidFill>
+                <a:schemeClr val="bg1"/>
+              </a:solidFill>
+            </a:endParaRPr>
+          </a:p>
+        </p:txBody>
+      </p:sp>
+      <p:sp>
+        <p:nvSpPr>
+          <p:cNvPr id="97" name="矩形 96"/>
+          <p:cNvSpPr/>
+          <p:nvPr/>
+        </p:nvSpPr>
+        <p:spPr>
+          <a:xfrm>
+            <a:off x="4571042" y="1996322"/>
+            <a:ext cx="1080120" cy="540060"/>
+          </a:xfrm>
+          <a:prstGeom prst="rect">
+            <a:avLst/>
+          </a:prstGeom>
+          <a:solidFill>
+            <a:srgbClr val="00B050"/>
+          </a:solidFill>
+          <a:ln w="12700">
+            <a:solidFill>
+              <a:schemeClr val="tx1"/>
+            </a:solidFill>
+          </a:ln>
+        </p:spPr>
+        <p:style>
+          <a:lnRef idx="2">
+            <a:schemeClr val="accent1">
+              <a:shade val="50000"/>
+            </a:schemeClr>
+          </a:lnRef>
+          <a:fillRef idx="1">
+            <a:schemeClr val="accent1"/>
+          </a:fillRef>
+          <a:effectRef idx="0">
+            <a:schemeClr val="accent1"/>
+          </a:effectRef>
+          <a:fontRef idx="minor">
+            <a:schemeClr val="lt1"/>
+          </a:fontRef>
+        </p:style>
+        <p:txBody>
+          <a:bodyPr rtlCol="0" anchor="ctr"/>
+          <a:lstStyle/>
+          <a:p>
+            <a:pPr algn="ctr"/>
+            <a:r>
+              <a:rPr kumimoji="1" lang="is-IS" altLang="zh-CN" sz="1200" dirty="0" smtClean="0">
+                <a:solidFill>
+                  <a:schemeClr val="bg1"/>
+                </a:solidFill>
+              </a:rPr>
+              <a:t>….</a:t>
+            </a:r>
+            <a:endParaRPr kumimoji="1" lang="zh-CN" altLang="en-US" sz="1200" dirty="0">
+              <a:solidFill>
+                <a:schemeClr val="bg1"/>
+              </a:solidFill>
+            </a:endParaRPr>
+          </a:p>
+        </p:txBody>
+      </p:sp>
+      <p:cxnSp>
+        <p:nvCxnSpPr>
+          <p:cNvPr id="7" name="曲线连接符 6"/>
+          <p:cNvCxnSpPr>
+            <a:stCxn id="86" idx="2"/>
+            <a:endCxn id="82" idx="5"/>
+          </p:cNvCxnSpPr>
+          <p:nvPr/>
+        </p:nvCxnSpPr>
+        <p:spPr>
+          <a:xfrm rot="16200000" flipH="1">
+            <a:off x="5229248" y="1573267"/>
+            <a:ext cx="278724" cy="420492"/>
+          </a:xfrm>
+          <a:prstGeom prst="curvedConnector3">
+            <a:avLst>
+              <a:gd name="adj1" fmla="val 50000"/>
+            </a:avLst>
+          </a:prstGeom>
+          <a:ln w="19050">
+            <a:solidFill>
+              <a:srgbClr val="FFC000"/>
+            </a:solidFill>
+            <a:tailEnd type="triangle"/>
+          </a:ln>
+        </p:spPr>
+        <p:style>
+          <a:lnRef idx="1">
+            <a:schemeClr val="accent1"/>
+          </a:lnRef>
+          <a:fillRef idx="0">
+            <a:schemeClr val="accent1"/>
+          </a:fillRef>
+          <a:effectRef idx="0">
+            <a:schemeClr val="accent1"/>
+          </a:effectRef>
+          <a:fontRef idx="minor">
+            <a:schemeClr val="tx1"/>
+          </a:fontRef>
+        </p:style>
+      </p:cxnSp>
+      <p:sp>
+        <p:nvSpPr>
+          <p:cNvPr id="82" name="形状 81"/>
+          <p:cNvSpPr/>
+          <p:nvPr/>
+        </p:nvSpPr>
+        <p:spPr>
+          <a:xfrm rot="20700000">
+            <a:off x="5484707" y="1915746"/>
+            <a:ext cx="251999" cy="251999"/>
+          </a:xfrm>
+          <a:prstGeom prst="gear6">
+            <a:avLst/>
+          </a:prstGeom>
+          <a:gradFill flip="none" rotWithShape="1">
+            <a:gsLst>
+              <a:gs pos="0">
+                <a:srgbClr val="FFFF00"/>
+              </a:gs>
+              <a:gs pos="48000">
+                <a:schemeClr val="accent6">
+                  <a:lumMod val="97000"/>
+                  <a:lumOff val="3000"/>
+                </a:schemeClr>
+              </a:gs>
+              <a:gs pos="100000">
+                <a:schemeClr val="accent6">
+                  <a:lumMod val="60000"/>
+                  <a:lumOff val="40000"/>
+                </a:schemeClr>
+              </a:gs>
+            </a:gsLst>
+            <a:lin ang="16200000" scaled="1"/>
+            <a:tileRect/>
+          </a:gradFill>
+        </p:spPr>
+        <p:style>
+          <a:lnRef idx="0">
+            <a:schemeClr val="lt1">
+              <a:hueOff val="0"/>
+              <a:satOff val="0"/>
+              <a:lumOff val="0"/>
+              <a:alphaOff val="0"/>
+            </a:schemeClr>
+          </a:lnRef>
+          <a:fillRef idx="3">
+            <a:schemeClr val="accent1">
+              <a:hueOff val="0"/>
+              <a:satOff val="0"/>
+              <a:lumOff val="0"/>
+              <a:alphaOff val="0"/>
+            </a:schemeClr>
+          </a:fillRef>
+          <a:effectRef idx="2">
+            <a:schemeClr val="accent1">
+              <a:hueOff val="0"/>
+              <a:satOff val="0"/>
+              <a:lumOff val="0"/>
+              <a:alphaOff val="0"/>
+            </a:schemeClr>
+          </a:effectRef>
+          <a:fontRef idx="minor">
+            <a:schemeClr val="lt1"/>
+          </a:fontRef>
+        </p:style>
+      </p:sp>
+      <p:sp>
+        <p:nvSpPr>
+          <p:cNvPr id="98" name="矩形 97"/>
+          <p:cNvSpPr/>
+          <p:nvPr/>
+        </p:nvSpPr>
+        <p:spPr>
+          <a:xfrm>
+            <a:off x="5791660" y="1996322"/>
+            <a:ext cx="1080120" cy="540060"/>
+          </a:xfrm>
+          <a:prstGeom prst="rect">
+            <a:avLst/>
+          </a:prstGeom>
+          <a:solidFill>
+            <a:srgbClr val="00B050"/>
+          </a:solidFill>
+          <a:ln w="12700">
+            <a:solidFill>
+              <a:schemeClr val="tx1"/>
+            </a:solidFill>
+          </a:ln>
+        </p:spPr>
+        <p:style>
+          <a:lnRef idx="2">
+            <a:schemeClr val="accent1">
+              <a:shade val="50000"/>
+            </a:schemeClr>
+          </a:lnRef>
+          <a:fillRef idx="1">
+            <a:schemeClr val="accent1"/>
+          </a:fillRef>
+          <a:effectRef idx="0">
+            <a:schemeClr val="accent1"/>
+          </a:effectRef>
+          <a:fontRef idx="minor">
+            <a:schemeClr val="lt1"/>
+          </a:fontRef>
+        </p:style>
+        <p:txBody>
+          <a:bodyPr rtlCol="0" anchor="ctr"/>
+          <a:lstStyle/>
+          <a:p>
+            <a:pPr algn="ctr"/>
+            <a:r>
+              <a:rPr kumimoji="1" lang="is-IS" altLang="zh-CN" sz="1200" dirty="0" smtClean="0">
+                <a:solidFill>
+                  <a:schemeClr val="bg1"/>
+                </a:solidFill>
+              </a:rPr>
+              <a:t>….</a:t>
+            </a:r>
+            <a:endParaRPr kumimoji="1" lang="zh-CN" altLang="en-US" sz="1200" dirty="0">
+              <a:solidFill>
+                <a:schemeClr val="bg1"/>
+              </a:solidFill>
+            </a:endParaRPr>
+          </a:p>
+        </p:txBody>
+      </p:sp>
     </p:spTree>
     <p:extLst>
       <p:ext uri="{BB962C8B-B14F-4D97-AF65-F5344CB8AC3E}">
@@ -44243,8 +44871,8 @@
         </p:nvSpPr>
         <p:spPr>
           <a:xfrm>
-            <a:off x="215516" y="4083918"/>
-            <a:ext cx="8712968" cy="843558"/>
+            <a:off x="215516" y="4176464"/>
+            <a:ext cx="4932548" cy="843558"/>
           </a:xfrm>
           <a:prstGeom prst="rect">
             <a:avLst/>
@@ -44281,7 +44909,15 @@
           <a:lstStyle/>
           <a:p>
             <a:pPr algn="r"/>
-            <a:endParaRPr kumimoji="1" lang="zh-CN" altLang="en-US" dirty="0">
+            <a:r>
+              <a:rPr kumimoji="1" lang="en-US" altLang="zh-CN" sz="1400" dirty="0" err="1" smtClean="0">
+                <a:solidFill>
+                  <a:schemeClr val="tx1"/>
+                </a:solidFill>
+              </a:rPr>
+              <a:t>Core.jar</a:t>
+            </a:r>
+            <a:endParaRPr kumimoji="1" lang="en-US" altLang="zh-CN" sz="1400" dirty="0" smtClean="0">
               <a:solidFill>
                 <a:schemeClr val="tx1"/>
               </a:solidFill>
@@ -44297,8 +44933,8 @@
         </p:nvSpPr>
         <p:spPr>
           <a:xfrm>
-            <a:off x="467544" y="4253669"/>
-            <a:ext cx="936104" cy="504056"/>
+            <a:off x="467544" y="4612013"/>
+            <a:ext cx="936104" cy="263993"/>
           </a:xfrm>
           <a:prstGeom prst="roundRect">
             <a:avLst/>
@@ -44326,10 +44962,10 @@
           <a:p>
             <a:pPr algn="ctr"/>
             <a:r>
-              <a:rPr kumimoji="1" lang="en-US" altLang="zh-CN" dirty="0" smtClean="0"/>
+              <a:rPr kumimoji="1" lang="en-US" altLang="zh-CN" sz="1200" dirty="0" smtClean="0"/>
               <a:t>base</a:t>
             </a:r>
-            <a:endParaRPr kumimoji="1" lang="zh-CN" altLang="en-US" dirty="0"/>
+            <a:endParaRPr kumimoji="1" lang="zh-CN" altLang="en-US" sz="1200" dirty="0"/>
           </a:p>
         </p:txBody>
       </p:sp>
@@ -44341,8 +44977,8 @@
         </p:nvSpPr>
         <p:spPr>
           <a:xfrm>
-            <a:off x="1616890" y="4253669"/>
-            <a:ext cx="936104" cy="504056"/>
+            <a:off x="3503367" y="4612013"/>
+            <a:ext cx="936104" cy="263993"/>
           </a:xfrm>
           <a:prstGeom prst="roundRect">
             <a:avLst/>
@@ -44370,10 +45006,10 @@
           <a:p>
             <a:pPr algn="ctr"/>
             <a:r>
-              <a:rPr kumimoji="1" lang="en-US" altLang="zh-CN" dirty="0" smtClean="0"/>
+              <a:rPr kumimoji="1" lang="en-US" altLang="zh-CN" sz="1200" dirty="0" smtClean="0"/>
               <a:t>core</a:t>
             </a:r>
-            <a:endParaRPr kumimoji="1" lang="zh-CN" altLang="en-US" dirty="0"/>
+            <a:endParaRPr kumimoji="1" lang="zh-CN" altLang="en-US" sz="1200" dirty="0"/>
           </a:p>
         </p:txBody>
       </p:sp>
@@ -44385,8 +45021,8 @@
         </p:nvSpPr>
         <p:spPr>
           <a:xfrm>
-            <a:off x="2743455" y="4253669"/>
-            <a:ext cx="936104" cy="504056"/>
+            <a:off x="1479485" y="4612013"/>
+            <a:ext cx="936104" cy="263993"/>
           </a:xfrm>
           <a:prstGeom prst="roundRect">
             <a:avLst/>
@@ -44414,10 +45050,10 @@
           <a:p>
             <a:pPr algn="ctr"/>
             <a:r>
-              <a:rPr kumimoji="1" lang="en-US" altLang="zh-CN" dirty="0" smtClean="0"/>
+              <a:rPr kumimoji="1" lang="en-US" altLang="zh-CN" sz="1200" dirty="0" smtClean="0"/>
               <a:t>model</a:t>
             </a:r>
-            <a:endParaRPr kumimoji="1" lang="zh-CN" altLang="en-US" dirty="0"/>
+            <a:endParaRPr kumimoji="1" lang="zh-CN" altLang="en-US" sz="1200" dirty="0"/>
           </a:p>
         </p:txBody>
       </p:sp>
@@ -44429,8 +45065,8 @@
         </p:nvSpPr>
         <p:spPr>
           <a:xfrm>
-            <a:off x="3870020" y="4253669"/>
-            <a:ext cx="936104" cy="504056"/>
+            <a:off x="2491426" y="4612013"/>
+            <a:ext cx="936104" cy="263993"/>
           </a:xfrm>
           <a:prstGeom prst="roundRect">
             <a:avLst/>
@@ -44458,10 +45094,2636 @@
           <a:p>
             <a:pPr algn="ctr"/>
             <a:r>
-              <a:rPr kumimoji="1" lang="en-US" altLang="zh-CN" smtClean="0"/>
+              <a:rPr kumimoji="1" lang="en-US" altLang="zh-CN" sz="1200" dirty="0" smtClean="0"/>
               <a:t>service</a:t>
             </a:r>
-            <a:endParaRPr kumimoji="1" lang="zh-CN" altLang="en-US" dirty="0"/>
+            <a:endParaRPr kumimoji="1" lang="zh-CN" altLang="en-US" sz="1200" dirty="0"/>
+          </a:p>
+        </p:txBody>
+      </p:sp>
+      <p:sp>
+        <p:nvSpPr>
+          <p:cNvPr id="9" name="矩形 8"/>
+          <p:cNvSpPr/>
+          <p:nvPr/>
+        </p:nvSpPr>
+        <p:spPr>
+          <a:xfrm>
+            <a:off x="5318032" y="4176464"/>
+            <a:ext cx="3718464" cy="843558"/>
+          </a:xfrm>
+          <a:prstGeom prst="rect">
+            <a:avLst/>
+          </a:prstGeom>
+          <a:solidFill>
+            <a:schemeClr val="accent6">
+              <a:lumMod val="50000"/>
+            </a:schemeClr>
+          </a:solidFill>
+          <a:ln w="12700">
+            <a:solidFill>
+              <a:schemeClr val="tx1"/>
+            </a:solidFill>
+          </a:ln>
+        </p:spPr>
+        <p:style>
+          <a:lnRef idx="2">
+            <a:schemeClr val="accent1">
+              <a:shade val="50000"/>
+            </a:schemeClr>
+          </a:lnRef>
+          <a:fillRef idx="1">
+            <a:schemeClr val="accent1"/>
+          </a:fillRef>
+          <a:effectRef idx="0">
+            <a:schemeClr val="accent1"/>
+          </a:effectRef>
+          <a:fontRef idx="minor">
+            <a:schemeClr val="lt1"/>
+          </a:fontRef>
+        </p:style>
+        <p:txBody>
+          <a:bodyPr rtlCol="0" anchor="t"/>
+          <a:lstStyle/>
+          <a:p>
+            <a:pPr algn="r"/>
+            <a:r>
+              <a:rPr kumimoji="1" lang="en-US" altLang="zh-CN" sz="1400" dirty="0" err="1" smtClean="0">
+                <a:solidFill>
+                  <a:schemeClr val="tx1"/>
+                </a:solidFill>
+              </a:rPr>
+              <a:t>Common.jar</a:t>
+            </a:r>
+            <a:endParaRPr kumimoji="1" lang="zh-CN" altLang="en-US" sz="1400" dirty="0">
+              <a:solidFill>
+                <a:schemeClr val="tx1"/>
+              </a:solidFill>
+            </a:endParaRPr>
+          </a:p>
+        </p:txBody>
+      </p:sp>
+      <p:sp>
+        <p:nvSpPr>
+          <p:cNvPr id="10" name="矩形 9"/>
+          <p:cNvSpPr/>
+          <p:nvPr/>
+        </p:nvSpPr>
+        <p:spPr>
+          <a:xfrm>
+            <a:off x="215517" y="2355726"/>
+            <a:ext cx="2556283" cy="1172217"/>
+          </a:xfrm>
+          <a:prstGeom prst="rect">
+            <a:avLst/>
+          </a:prstGeom>
+          <a:solidFill>
+            <a:srgbClr val="00B050"/>
+          </a:solidFill>
+          <a:ln w="12700">
+            <a:solidFill>
+              <a:schemeClr val="tx1"/>
+            </a:solidFill>
+          </a:ln>
+        </p:spPr>
+        <p:style>
+          <a:lnRef idx="2">
+            <a:schemeClr val="accent1">
+              <a:shade val="50000"/>
+            </a:schemeClr>
+          </a:lnRef>
+          <a:fillRef idx="1">
+            <a:schemeClr val="accent1"/>
+          </a:fillRef>
+          <a:effectRef idx="0">
+            <a:schemeClr val="accent1"/>
+          </a:effectRef>
+          <a:fontRef idx="minor">
+            <a:schemeClr val="lt1"/>
+          </a:fontRef>
+        </p:style>
+        <p:txBody>
+          <a:bodyPr rtlCol="0" anchor="t"/>
+          <a:lstStyle/>
+          <a:p>
+            <a:pPr algn="ctr"/>
+            <a:r>
+              <a:rPr kumimoji="1" lang="zh-CN" altLang="en-US" sz="1400" dirty="0" smtClean="0">
+                <a:solidFill>
+                  <a:schemeClr val="tx1"/>
+                </a:solidFill>
+              </a:rPr>
+              <a:t>应用基础服务框架</a:t>
+            </a:r>
+            <a:r>
+              <a:rPr kumimoji="1" lang="zh-CN" altLang="en-US" sz="1200" dirty="0" smtClean="0">
+                <a:solidFill>
+                  <a:schemeClr val="tx1"/>
+                </a:solidFill>
+              </a:rPr>
+              <a:t>（</a:t>
+            </a:r>
+            <a:r>
+              <a:rPr kumimoji="1" lang="en-US" altLang="zh-CN" sz="1200" dirty="0" smtClean="0">
+                <a:solidFill>
+                  <a:schemeClr val="tx1"/>
+                </a:solidFill>
+              </a:rPr>
+              <a:t>ABF</a:t>
+            </a:r>
+            <a:r>
+              <a:rPr kumimoji="1" lang="zh-CN" altLang="en-US" sz="1200" dirty="0" smtClean="0">
+                <a:solidFill>
+                  <a:schemeClr val="tx1"/>
+                </a:solidFill>
+              </a:rPr>
+              <a:t>）</a:t>
+            </a:r>
+            <a:endParaRPr kumimoji="1" lang="zh-CN" altLang="en-US" sz="1200" dirty="0">
+              <a:solidFill>
+                <a:schemeClr val="tx1"/>
+              </a:solidFill>
+            </a:endParaRPr>
+          </a:p>
+        </p:txBody>
+      </p:sp>
+      <p:sp>
+        <p:nvSpPr>
+          <p:cNvPr id="11" name="圆角矩形 10"/>
+          <p:cNvSpPr/>
+          <p:nvPr/>
+        </p:nvSpPr>
+        <p:spPr>
+          <a:xfrm>
+            <a:off x="336371" y="2704647"/>
+            <a:ext cx="936104" cy="216024"/>
+          </a:xfrm>
+          <a:prstGeom prst="roundRect">
+            <a:avLst/>
+          </a:prstGeom>
+        </p:spPr>
+        <p:style>
+          <a:lnRef idx="2">
+            <a:schemeClr val="accent1">
+              <a:shade val="50000"/>
+            </a:schemeClr>
+          </a:lnRef>
+          <a:fillRef idx="1">
+            <a:schemeClr val="accent1"/>
+          </a:fillRef>
+          <a:effectRef idx="0">
+            <a:schemeClr val="accent1"/>
+          </a:effectRef>
+          <a:fontRef idx="minor">
+            <a:schemeClr val="lt1"/>
+          </a:fontRef>
+        </p:style>
+        <p:txBody>
+          <a:bodyPr rtlCol="0" anchor="ctr"/>
+          <a:lstStyle/>
+          <a:p>
+            <a:pPr algn="ctr"/>
+            <a:r>
+              <a:rPr kumimoji="1" lang="en-US" altLang="zh-CN" sz="1200" dirty="0" smtClean="0"/>
+              <a:t>facade-sys</a:t>
+            </a:r>
+            <a:endParaRPr kumimoji="1" lang="zh-CN" altLang="en-US" sz="1200" dirty="0"/>
+          </a:p>
+        </p:txBody>
+      </p:sp>
+      <p:sp>
+        <p:nvSpPr>
+          <p:cNvPr id="13" name="圆角矩形 12"/>
+          <p:cNvSpPr/>
+          <p:nvPr/>
+        </p:nvSpPr>
+        <p:spPr>
+          <a:xfrm>
+            <a:off x="5508104" y="4612013"/>
+            <a:ext cx="936104" cy="263993"/>
+          </a:xfrm>
+          <a:prstGeom prst="roundRect">
+            <a:avLst/>
+          </a:prstGeom>
+        </p:spPr>
+        <p:style>
+          <a:lnRef idx="2">
+            <a:schemeClr val="accent1">
+              <a:shade val="50000"/>
+            </a:schemeClr>
+          </a:lnRef>
+          <a:fillRef idx="1">
+            <a:schemeClr val="accent1"/>
+          </a:fillRef>
+          <a:effectRef idx="0">
+            <a:schemeClr val="accent1"/>
+          </a:effectRef>
+          <a:fontRef idx="minor">
+            <a:schemeClr val="lt1"/>
+          </a:fontRef>
+        </p:style>
+        <p:txBody>
+          <a:bodyPr rtlCol="0" anchor="ctr"/>
+          <a:lstStyle/>
+          <a:p>
+            <a:pPr algn="ctr"/>
+            <a:r>
+              <a:rPr kumimoji="1" lang="en-US" altLang="zh-CN" sz="1200" smtClean="0"/>
+              <a:t>utils</a:t>
+            </a:r>
+            <a:endParaRPr kumimoji="1" lang="zh-CN" altLang="en-US" sz="1200" dirty="0"/>
+          </a:p>
+        </p:txBody>
+      </p:sp>
+      <p:sp>
+        <p:nvSpPr>
+          <p:cNvPr id="14" name="圆角矩形 13"/>
+          <p:cNvSpPr/>
+          <p:nvPr/>
+        </p:nvSpPr>
+        <p:spPr>
+          <a:xfrm>
+            <a:off x="6614176" y="4612013"/>
+            <a:ext cx="936104" cy="263993"/>
+          </a:xfrm>
+          <a:prstGeom prst="roundRect">
+            <a:avLst/>
+          </a:prstGeom>
+        </p:spPr>
+        <p:style>
+          <a:lnRef idx="2">
+            <a:schemeClr val="accent1">
+              <a:shade val="50000"/>
+            </a:schemeClr>
+          </a:lnRef>
+          <a:fillRef idx="1">
+            <a:schemeClr val="accent1"/>
+          </a:fillRef>
+          <a:effectRef idx="0">
+            <a:schemeClr val="accent1"/>
+          </a:effectRef>
+          <a:fontRef idx="minor">
+            <a:schemeClr val="lt1"/>
+          </a:fontRef>
+        </p:style>
+        <p:txBody>
+          <a:bodyPr rtlCol="0" anchor="ctr"/>
+          <a:lstStyle/>
+          <a:p>
+            <a:pPr algn="ctr"/>
+            <a:r>
+              <a:rPr kumimoji="1" lang="en-US" altLang="zh-CN" sz="1200" dirty="0" smtClean="0"/>
+              <a:t>helper</a:t>
+            </a:r>
+            <a:endParaRPr kumimoji="1" lang="zh-CN" altLang="en-US" sz="1200" dirty="0"/>
+          </a:p>
+        </p:txBody>
+      </p:sp>
+      <p:sp>
+        <p:nvSpPr>
+          <p:cNvPr id="15" name="矩形 14"/>
+          <p:cNvSpPr/>
+          <p:nvPr/>
+        </p:nvSpPr>
+        <p:spPr>
+          <a:xfrm>
+            <a:off x="218360" y="843559"/>
+            <a:ext cx="2463430" cy="1054385"/>
+          </a:xfrm>
+          <a:prstGeom prst="rect">
+            <a:avLst/>
+          </a:prstGeom>
+          <a:solidFill>
+            <a:srgbClr val="00B0F0"/>
+          </a:solidFill>
+          <a:ln w="12700">
+            <a:solidFill>
+              <a:schemeClr val="tx1"/>
+            </a:solidFill>
+          </a:ln>
+        </p:spPr>
+        <p:style>
+          <a:lnRef idx="2">
+            <a:schemeClr val="accent1">
+              <a:shade val="50000"/>
+            </a:schemeClr>
+          </a:lnRef>
+          <a:fillRef idx="1">
+            <a:schemeClr val="accent1"/>
+          </a:fillRef>
+          <a:effectRef idx="0">
+            <a:schemeClr val="accent1"/>
+          </a:effectRef>
+          <a:fontRef idx="minor">
+            <a:schemeClr val="lt1"/>
+          </a:fontRef>
+        </p:style>
+        <p:txBody>
+          <a:bodyPr rtlCol="0" anchor="t"/>
+          <a:lstStyle/>
+          <a:p>
+            <a:pPr algn="r"/>
+            <a:r>
+              <a:rPr kumimoji="1" lang="en-US" altLang="zh-CN" sz="1400" dirty="0" err="1" smtClean="0">
+                <a:solidFill>
+                  <a:schemeClr val="tx1"/>
+                </a:solidFill>
+              </a:rPr>
+              <a:t>BranchManager</a:t>
+            </a:r>
+            <a:r>
+              <a:rPr kumimoji="1" lang="zh-CN" altLang="en-US" sz="1400" dirty="0" smtClean="0">
+                <a:solidFill>
+                  <a:schemeClr val="tx1"/>
+                </a:solidFill>
+              </a:rPr>
+              <a:t>（应用系统</a:t>
+            </a:r>
+            <a:r>
+              <a:rPr kumimoji="1" lang="zh-CN" altLang="en-US" sz="1400" dirty="0" smtClean="0">
+                <a:solidFill>
+                  <a:schemeClr val="tx1"/>
+                </a:solidFill>
+              </a:rPr>
+              <a:t>）</a:t>
+            </a:r>
+            <a:endParaRPr kumimoji="1" lang="zh-CN" altLang="en-US" sz="1400" dirty="0">
+              <a:solidFill>
+                <a:schemeClr val="tx1"/>
+              </a:solidFill>
+            </a:endParaRPr>
+          </a:p>
+        </p:txBody>
+      </p:sp>
+      <p:sp>
+        <p:nvSpPr>
+          <p:cNvPr id="16" name="圆角矩形 15"/>
+          <p:cNvSpPr/>
+          <p:nvPr/>
+        </p:nvSpPr>
+        <p:spPr>
+          <a:xfrm>
+            <a:off x="359030" y="1233351"/>
+            <a:ext cx="634033" cy="504056"/>
+          </a:xfrm>
+          <a:prstGeom prst="roundRect">
+            <a:avLst/>
+          </a:prstGeom>
+        </p:spPr>
+        <p:style>
+          <a:lnRef idx="2">
+            <a:schemeClr val="accent1">
+              <a:shade val="50000"/>
+            </a:schemeClr>
+          </a:lnRef>
+          <a:fillRef idx="1">
+            <a:schemeClr val="accent1"/>
+          </a:fillRef>
+          <a:effectRef idx="0">
+            <a:schemeClr val="accent1"/>
+          </a:effectRef>
+          <a:fontRef idx="minor">
+            <a:schemeClr val="lt1"/>
+          </a:fontRef>
+        </p:style>
+        <p:txBody>
+          <a:bodyPr rtlCol="0" anchor="ctr"/>
+          <a:lstStyle/>
+          <a:p>
+            <a:pPr algn="ctr"/>
+            <a:r>
+              <a:rPr kumimoji="1" lang="zh-CN" altLang="en-US" sz="1200" dirty="0" smtClean="0"/>
+              <a:t>组织管理</a:t>
+            </a:r>
+            <a:endParaRPr kumimoji="1" lang="zh-CN" altLang="en-US" sz="1200" dirty="0"/>
+          </a:p>
+        </p:txBody>
+      </p:sp>
+      <p:sp>
+        <p:nvSpPr>
+          <p:cNvPr id="17" name="圆角矩形 16"/>
+          <p:cNvSpPr/>
+          <p:nvPr/>
+        </p:nvSpPr>
+        <p:spPr>
+          <a:xfrm>
+            <a:off x="1119138" y="1233351"/>
+            <a:ext cx="634033" cy="504056"/>
+          </a:xfrm>
+          <a:prstGeom prst="roundRect">
+            <a:avLst/>
+          </a:prstGeom>
+        </p:spPr>
+        <p:style>
+          <a:lnRef idx="2">
+            <a:schemeClr val="accent1">
+              <a:shade val="50000"/>
+            </a:schemeClr>
+          </a:lnRef>
+          <a:fillRef idx="1">
+            <a:schemeClr val="accent1"/>
+          </a:fillRef>
+          <a:effectRef idx="0">
+            <a:schemeClr val="accent1"/>
+          </a:effectRef>
+          <a:fontRef idx="minor">
+            <a:schemeClr val="lt1"/>
+          </a:fontRef>
+        </p:style>
+        <p:txBody>
+          <a:bodyPr rtlCol="0" anchor="ctr"/>
+          <a:lstStyle/>
+          <a:p>
+            <a:pPr algn="ctr"/>
+            <a:r>
+              <a:rPr kumimoji="1" lang="zh-CN" altLang="en-US" sz="1200" dirty="0" smtClean="0"/>
+              <a:t>权限管理</a:t>
+            </a:r>
+            <a:endParaRPr kumimoji="1" lang="zh-CN" altLang="en-US" sz="1200" dirty="0"/>
+          </a:p>
+        </p:txBody>
+      </p:sp>
+      <p:sp>
+        <p:nvSpPr>
+          <p:cNvPr id="18" name="圆角矩形 17"/>
+          <p:cNvSpPr/>
+          <p:nvPr/>
+        </p:nvSpPr>
+        <p:spPr>
+          <a:xfrm>
+            <a:off x="1894989" y="1239604"/>
+            <a:ext cx="634033" cy="504056"/>
+          </a:xfrm>
+          <a:prstGeom prst="roundRect">
+            <a:avLst/>
+          </a:prstGeom>
+        </p:spPr>
+        <p:style>
+          <a:lnRef idx="2">
+            <a:schemeClr val="accent1">
+              <a:shade val="50000"/>
+            </a:schemeClr>
+          </a:lnRef>
+          <a:fillRef idx="1">
+            <a:schemeClr val="accent1"/>
+          </a:fillRef>
+          <a:effectRef idx="0">
+            <a:schemeClr val="accent1"/>
+          </a:effectRef>
+          <a:fontRef idx="minor">
+            <a:schemeClr val="lt1"/>
+          </a:fontRef>
+        </p:style>
+        <p:txBody>
+          <a:bodyPr rtlCol="0" anchor="ctr"/>
+          <a:lstStyle/>
+          <a:p>
+            <a:pPr algn="ctr"/>
+            <a:r>
+              <a:rPr kumimoji="1" lang="zh-CN" altLang="en-US" sz="1200" dirty="0" smtClean="0"/>
+              <a:t>参数管理</a:t>
+            </a:r>
+            <a:endParaRPr kumimoji="1" lang="zh-CN" altLang="en-US" sz="1200" dirty="0"/>
+          </a:p>
+        </p:txBody>
+      </p:sp>
+      <p:sp>
+        <p:nvSpPr>
+          <p:cNvPr id="20" name="矩形 19"/>
+          <p:cNvSpPr/>
+          <p:nvPr/>
+        </p:nvSpPr>
+        <p:spPr>
+          <a:xfrm>
+            <a:off x="5332060" y="843558"/>
+            <a:ext cx="3633371" cy="1054385"/>
+          </a:xfrm>
+          <a:prstGeom prst="rect">
+            <a:avLst/>
+          </a:prstGeom>
+          <a:solidFill>
+            <a:srgbClr val="00B0F0"/>
+          </a:solidFill>
+          <a:ln w="12700">
+            <a:solidFill>
+              <a:schemeClr val="tx1"/>
+            </a:solidFill>
+          </a:ln>
+        </p:spPr>
+        <p:style>
+          <a:lnRef idx="2">
+            <a:schemeClr val="accent1">
+              <a:shade val="50000"/>
+            </a:schemeClr>
+          </a:lnRef>
+          <a:fillRef idx="1">
+            <a:schemeClr val="accent1"/>
+          </a:fillRef>
+          <a:effectRef idx="0">
+            <a:schemeClr val="accent1"/>
+          </a:effectRef>
+          <a:fontRef idx="minor">
+            <a:schemeClr val="lt1"/>
+          </a:fontRef>
+        </p:style>
+        <p:txBody>
+          <a:bodyPr rtlCol="0" anchor="t"/>
+          <a:lstStyle/>
+          <a:p>
+            <a:pPr algn="r"/>
+            <a:r>
+              <a:rPr kumimoji="1" lang="en-US" altLang="zh-CN" sz="1400" dirty="0">
+                <a:solidFill>
+                  <a:schemeClr val="tx1"/>
+                </a:solidFill>
+              </a:rPr>
+              <a:t>BRONS</a:t>
+            </a:r>
+            <a:r>
+              <a:rPr kumimoji="1" lang="zh-CN" altLang="en-US" sz="1400" dirty="0">
+                <a:solidFill>
+                  <a:schemeClr val="tx1"/>
+                </a:solidFill>
+              </a:rPr>
+              <a:t> </a:t>
+            </a:r>
+            <a:r>
+              <a:rPr kumimoji="1" lang="en-US" altLang="zh-CN" sz="1400" dirty="0">
+                <a:solidFill>
+                  <a:schemeClr val="tx1"/>
+                </a:solidFill>
+              </a:rPr>
+              <a:t>Server </a:t>
+            </a:r>
+            <a:r>
+              <a:rPr kumimoji="1" lang="zh-CN" altLang="en-US" sz="1400" dirty="0" smtClean="0">
+                <a:solidFill>
+                  <a:schemeClr val="tx1"/>
+                </a:solidFill>
+              </a:rPr>
+              <a:t>（应用系统）</a:t>
+            </a:r>
+            <a:endParaRPr kumimoji="1" lang="zh-CN" altLang="en-US" sz="1400" dirty="0">
+              <a:solidFill>
+                <a:schemeClr val="tx1"/>
+              </a:solidFill>
+            </a:endParaRPr>
+          </a:p>
+        </p:txBody>
+      </p:sp>
+      <p:sp>
+        <p:nvSpPr>
+          <p:cNvPr id="21" name="圆角矩形 20"/>
+          <p:cNvSpPr/>
+          <p:nvPr/>
+        </p:nvSpPr>
+        <p:spPr>
+          <a:xfrm>
+            <a:off x="5436096" y="1239604"/>
+            <a:ext cx="615323" cy="504056"/>
+          </a:xfrm>
+          <a:prstGeom prst="roundRect">
+            <a:avLst/>
+          </a:prstGeom>
+        </p:spPr>
+        <p:style>
+          <a:lnRef idx="2">
+            <a:schemeClr val="accent1">
+              <a:shade val="50000"/>
+            </a:schemeClr>
+          </a:lnRef>
+          <a:fillRef idx="1">
+            <a:schemeClr val="accent1"/>
+          </a:fillRef>
+          <a:effectRef idx="0">
+            <a:schemeClr val="accent1"/>
+          </a:effectRef>
+          <a:fontRef idx="minor">
+            <a:schemeClr val="lt1"/>
+          </a:fontRef>
+        </p:style>
+        <p:txBody>
+          <a:bodyPr rtlCol="0" anchor="ctr"/>
+          <a:lstStyle/>
+          <a:p>
+            <a:pPr algn="ctr"/>
+            <a:r>
+              <a:rPr kumimoji="1" lang="zh-CN" altLang="en-US" sz="1200" smtClean="0"/>
+              <a:t>交易引擎</a:t>
+            </a:r>
+            <a:endParaRPr kumimoji="1" lang="zh-CN" altLang="en-US" sz="1200" dirty="0"/>
+          </a:p>
+        </p:txBody>
+      </p:sp>
+      <p:sp>
+        <p:nvSpPr>
+          <p:cNvPr id="22" name="圆角矩形 21"/>
+          <p:cNvSpPr/>
+          <p:nvPr/>
+        </p:nvSpPr>
+        <p:spPr>
+          <a:xfrm>
+            <a:off x="6133619" y="1240254"/>
+            <a:ext cx="1159405" cy="504056"/>
+          </a:xfrm>
+          <a:prstGeom prst="roundRect">
+            <a:avLst/>
+          </a:prstGeom>
+        </p:spPr>
+        <p:style>
+          <a:lnRef idx="2">
+            <a:schemeClr val="accent1">
+              <a:shade val="50000"/>
+            </a:schemeClr>
+          </a:lnRef>
+          <a:fillRef idx="1">
+            <a:schemeClr val="accent1"/>
+          </a:fillRef>
+          <a:effectRef idx="0">
+            <a:schemeClr val="accent1"/>
+          </a:effectRef>
+          <a:fontRef idx="minor">
+            <a:schemeClr val="lt1"/>
+          </a:fontRef>
+        </p:style>
+        <p:txBody>
+          <a:bodyPr rtlCol="0" anchor="ctr"/>
+          <a:lstStyle/>
+          <a:p>
+            <a:pPr algn="ctr"/>
+            <a:r>
+              <a:rPr kumimoji="1" lang="zh-CN" altLang="en-US" sz="1200" dirty="0" smtClean="0"/>
+              <a:t>交易事件</a:t>
+            </a:r>
+            <a:endParaRPr kumimoji="1" lang="zh-CN" altLang="en-US" sz="1200" dirty="0"/>
+          </a:p>
+        </p:txBody>
+      </p:sp>
+      <p:sp>
+        <p:nvSpPr>
+          <p:cNvPr id="23" name="圆角矩形 22"/>
+          <p:cNvSpPr/>
+          <p:nvPr/>
+        </p:nvSpPr>
+        <p:spPr>
+          <a:xfrm>
+            <a:off x="7385601" y="1240254"/>
+            <a:ext cx="1159405" cy="504056"/>
+          </a:xfrm>
+          <a:prstGeom prst="roundRect">
+            <a:avLst/>
+          </a:prstGeom>
+        </p:spPr>
+        <p:style>
+          <a:lnRef idx="2">
+            <a:schemeClr val="accent1">
+              <a:shade val="50000"/>
+            </a:schemeClr>
+          </a:lnRef>
+          <a:fillRef idx="1">
+            <a:schemeClr val="accent1"/>
+          </a:fillRef>
+          <a:effectRef idx="0">
+            <a:schemeClr val="accent1"/>
+          </a:effectRef>
+          <a:fontRef idx="minor">
+            <a:schemeClr val="lt1"/>
+          </a:fontRef>
+        </p:style>
+        <p:txBody>
+          <a:bodyPr rtlCol="0" anchor="ctr"/>
+          <a:lstStyle/>
+          <a:p>
+            <a:pPr algn="ctr"/>
+            <a:r>
+              <a:rPr kumimoji="1" lang="zh-CN" altLang="en-US" sz="1200" dirty="0" smtClean="0"/>
+              <a:t>流水管理</a:t>
+            </a:r>
+            <a:endParaRPr kumimoji="1" lang="zh-CN" altLang="en-US" sz="1200" dirty="0"/>
+          </a:p>
+        </p:txBody>
+      </p:sp>
+      <p:sp>
+        <p:nvSpPr>
+          <p:cNvPr id="27" name="矩形 26"/>
+          <p:cNvSpPr/>
+          <p:nvPr/>
+        </p:nvSpPr>
+        <p:spPr>
+          <a:xfrm>
+            <a:off x="2828477" y="2359968"/>
+            <a:ext cx="1472924" cy="1172217"/>
+          </a:xfrm>
+          <a:prstGeom prst="rect">
+            <a:avLst/>
+          </a:prstGeom>
+          <a:solidFill>
+            <a:srgbClr val="00B050"/>
+          </a:solidFill>
+          <a:ln w="12700">
+            <a:solidFill>
+              <a:schemeClr val="tx1"/>
+            </a:solidFill>
+          </a:ln>
+        </p:spPr>
+        <p:style>
+          <a:lnRef idx="2">
+            <a:schemeClr val="accent1">
+              <a:shade val="50000"/>
+            </a:schemeClr>
+          </a:lnRef>
+          <a:fillRef idx="1">
+            <a:schemeClr val="accent1"/>
+          </a:fillRef>
+          <a:effectRef idx="0">
+            <a:schemeClr val="accent1"/>
+          </a:effectRef>
+          <a:fontRef idx="minor">
+            <a:schemeClr val="lt1"/>
+          </a:fontRef>
+        </p:style>
+        <p:txBody>
+          <a:bodyPr rtlCol="0" anchor="t"/>
+          <a:lstStyle/>
+          <a:p>
+            <a:pPr algn="ctr"/>
+            <a:r>
+              <a:rPr kumimoji="1" lang="zh-CN" altLang="en-US" sz="1400" dirty="0" smtClean="0">
+                <a:solidFill>
+                  <a:schemeClr val="tx1"/>
+                </a:solidFill>
+              </a:rPr>
+              <a:t>交易处理</a:t>
+            </a:r>
+            <a:endParaRPr kumimoji="1" lang="zh-CN" altLang="en-US" sz="1400" dirty="0">
+              <a:solidFill>
+                <a:schemeClr val="tx1"/>
+              </a:solidFill>
+            </a:endParaRPr>
+          </a:p>
+        </p:txBody>
+      </p:sp>
+      <p:sp>
+        <p:nvSpPr>
+          <p:cNvPr id="30" name="矩形 29"/>
+          <p:cNvSpPr/>
+          <p:nvPr/>
+        </p:nvSpPr>
+        <p:spPr>
+          <a:xfrm>
+            <a:off x="5909174" y="2355726"/>
+            <a:ext cx="3056257" cy="1172217"/>
+          </a:xfrm>
+          <a:prstGeom prst="rect">
+            <a:avLst/>
+          </a:prstGeom>
+          <a:solidFill>
+            <a:srgbClr val="00B050"/>
+          </a:solidFill>
+          <a:ln w="12700">
+            <a:solidFill>
+              <a:schemeClr val="tx1"/>
+            </a:solidFill>
+          </a:ln>
+        </p:spPr>
+        <p:style>
+          <a:lnRef idx="2">
+            <a:schemeClr val="accent1">
+              <a:shade val="50000"/>
+            </a:schemeClr>
+          </a:lnRef>
+          <a:fillRef idx="1">
+            <a:schemeClr val="accent1"/>
+          </a:fillRef>
+          <a:effectRef idx="0">
+            <a:schemeClr val="accent1"/>
+          </a:effectRef>
+          <a:fontRef idx="minor">
+            <a:schemeClr val="lt1"/>
+          </a:fontRef>
+        </p:style>
+        <p:txBody>
+          <a:bodyPr rtlCol="0" anchor="t"/>
+          <a:lstStyle/>
+          <a:p>
+            <a:pPr algn="ctr"/>
+            <a:r>
+              <a:rPr kumimoji="1" lang="zh-CN" altLang="en-US" sz="1400" smtClean="0">
+                <a:solidFill>
+                  <a:schemeClr val="tx1"/>
+                </a:solidFill>
+              </a:rPr>
+              <a:t>主机服务</a:t>
+            </a:r>
+            <a:endParaRPr kumimoji="1" lang="zh-CN" altLang="en-US" sz="1400" dirty="0">
+              <a:solidFill>
+                <a:schemeClr val="tx1"/>
+              </a:solidFill>
+            </a:endParaRPr>
+          </a:p>
+        </p:txBody>
+      </p:sp>
+      <p:cxnSp>
+        <p:nvCxnSpPr>
+          <p:cNvPr id="41" name="直线箭头连接符 40"/>
+          <p:cNvCxnSpPr>
+            <a:stCxn id="15" idx="2"/>
+            <a:endCxn id="10" idx="0"/>
+          </p:cNvCxnSpPr>
+          <p:nvPr/>
+        </p:nvCxnSpPr>
+        <p:spPr>
+          <a:xfrm>
+            <a:off x="1450075" y="1897944"/>
+            <a:ext cx="43584" cy="457782"/>
+          </a:xfrm>
+          <a:prstGeom prst="straightConnector1">
+            <a:avLst/>
+          </a:prstGeom>
+          <a:ln>
+            <a:tailEnd type="triangle"/>
+          </a:ln>
+        </p:spPr>
+        <p:style>
+          <a:lnRef idx="1">
+            <a:schemeClr val="accent1"/>
+          </a:lnRef>
+          <a:fillRef idx="0">
+            <a:schemeClr val="accent1"/>
+          </a:fillRef>
+          <a:effectRef idx="0">
+            <a:schemeClr val="accent1"/>
+          </a:effectRef>
+          <a:fontRef idx="minor">
+            <a:schemeClr val="tx1"/>
+          </a:fontRef>
+        </p:style>
+      </p:cxnSp>
+      <p:cxnSp>
+        <p:nvCxnSpPr>
+          <p:cNvPr id="47" name="直线箭头连接符 46"/>
+          <p:cNvCxnSpPr>
+            <a:stCxn id="20" idx="2"/>
+            <a:endCxn id="27" idx="0"/>
+          </p:cNvCxnSpPr>
+          <p:nvPr/>
+        </p:nvCxnSpPr>
+        <p:spPr>
+          <a:xfrm flipH="1">
+            <a:off x="3564939" y="1897943"/>
+            <a:ext cx="3583807" cy="462025"/>
+          </a:xfrm>
+          <a:prstGeom prst="straightConnector1">
+            <a:avLst/>
+          </a:prstGeom>
+          <a:ln>
+            <a:tailEnd type="triangle"/>
+          </a:ln>
+        </p:spPr>
+        <p:style>
+          <a:lnRef idx="1">
+            <a:schemeClr val="accent1"/>
+          </a:lnRef>
+          <a:fillRef idx="0">
+            <a:schemeClr val="accent1"/>
+          </a:fillRef>
+          <a:effectRef idx="0">
+            <a:schemeClr val="accent1"/>
+          </a:effectRef>
+          <a:fontRef idx="minor">
+            <a:schemeClr val="tx1"/>
+          </a:fontRef>
+        </p:style>
+      </p:cxnSp>
+      <p:cxnSp>
+        <p:nvCxnSpPr>
+          <p:cNvPr id="53" name="直线箭头连接符 52"/>
+          <p:cNvCxnSpPr>
+            <a:stCxn id="15" idx="2"/>
+            <a:endCxn id="54" idx="0"/>
+          </p:cNvCxnSpPr>
+          <p:nvPr/>
+        </p:nvCxnSpPr>
+        <p:spPr>
+          <a:xfrm>
+            <a:off x="1450075" y="1897944"/>
+            <a:ext cx="3665960" cy="462023"/>
+          </a:xfrm>
+          <a:prstGeom prst="straightConnector1">
+            <a:avLst/>
+          </a:prstGeom>
+          <a:ln>
+            <a:tailEnd type="triangle"/>
+          </a:ln>
+        </p:spPr>
+        <p:style>
+          <a:lnRef idx="1">
+            <a:schemeClr val="accent1"/>
+          </a:lnRef>
+          <a:fillRef idx="0">
+            <a:schemeClr val="accent1"/>
+          </a:fillRef>
+          <a:effectRef idx="0">
+            <a:schemeClr val="accent1"/>
+          </a:effectRef>
+          <a:fontRef idx="minor">
+            <a:schemeClr val="tx1"/>
+          </a:fontRef>
+        </p:style>
+      </p:cxnSp>
+      <p:sp>
+        <p:nvSpPr>
+          <p:cNvPr id="56" name="文本框 55"/>
+          <p:cNvSpPr txBox="1"/>
+          <p:nvPr/>
+        </p:nvSpPr>
+        <p:spPr>
+          <a:xfrm>
+            <a:off x="3990691" y="2039519"/>
+            <a:ext cx="869341" cy="307777"/>
+          </a:xfrm>
+          <a:prstGeom prst="rect">
+            <a:avLst/>
+          </a:prstGeom>
+          <a:noFill/>
+        </p:spPr>
+        <p:txBody>
+          <a:bodyPr wrap="none" rtlCol="0">
+            <a:spAutoFit/>
+          </a:bodyPr>
+          <a:lstStyle/>
+          <a:p>
+            <a:r>
+              <a:rPr kumimoji="1" lang="en-US" altLang="zh-CN" sz="1400" dirty="0" smtClean="0"/>
+              <a:t>RCP</a:t>
+            </a:r>
+            <a:r>
+              <a:rPr kumimoji="1" lang="zh-CN" altLang="en-US" sz="1400" dirty="0" smtClean="0"/>
+              <a:t> 调用</a:t>
+            </a:r>
+            <a:endParaRPr kumimoji="1" lang="zh-CN" altLang="en-US" sz="1400" dirty="0"/>
+          </a:p>
+        </p:txBody>
+      </p:sp>
+      <p:cxnSp>
+        <p:nvCxnSpPr>
+          <p:cNvPr id="57" name="直线箭头连接符 56"/>
+          <p:cNvCxnSpPr>
+            <a:stCxn id="10" idx="2"/>
+            <a:endCxn id="3" idx="0"/>
+          </p:cNvCxnSpPr>
+          <p:nvPr/>
+        </p:nvCxnSpPr>
+        <p:spPr>
+          <a:xfrm>
+            <a:off x="1493659" y="3527943"/>
+            <a:ext cx="1188131" cy="648521"/>
+          </a:xfrm>
+          <a:prstGeom prst="straightConnector1">
+            <a:avLst/>
+          </a:prstGeom>
+          <a:ln>
+            <a:prstDash val="dash"/>
+            <a:tailEnd type="triangle"/>
+          </a:ln>
+        </p:spPr>
+        <p:style>
+          <a:lnRef idx="1">
+            <a:schemeClr val="accent1"/>
+          </a:lnRef>
+          <a:fillRef idx="0">
+            <a:schemeClr val="accent1"/>
+          </a:fillRef>
+          <a:effectRef idx="0">
+            <a:schemeClr val="accent1"/>
+          </a:effectRef>
+          <a:fontRef idx="minor">
+            <a:schemeClr val="tx1"/>
+          </a:fontRef>
+        </p:style>
+      </p:cxnSp>
+      <p:cxnSp>
+        <p:nvCxnSpPr>
+          <p:cNvPr id="60" name="直线箭头连接符 59"/>
+          <p:cNvCxnSpPr>
+            <a:stCxn id="10" idx="2"/>
+            <a:endCxn id="9" idx="0"/>
+          </p:cNvCxnSpPr>
+          <p:nvPr/>
+        </p:nvCxnSpPr>
+        <p:spPr>
+          <a:xfrm>
+            <a:off x="1493659" y="3527943"/>
+            <a:ext cx="5683605" cy="648521"/>
+          </a:xfrm>
+          <a:prstGeom prst="straightConnector1">
+            <a:avLst/>
+          </a:prstGeom>
+          <a:ln>
+            <a:prstDash val="dash"/>
+            <a:tailEnd type="triangle"/>
+          </a:ln>
+        </p:spPr>
+        <p:style>
+          <a:lnRef idx="1">
+            <a:schemeClr val="accent1"/>
+          </a:lnRef>
+          <a:fillRef idx="0">
+            <a:schemeClr val="accent1"/>
+          </a:fillRef>
+          <a:effectRef idx="0">
+            <a:schemeClr val="accent1"/>
+          </a:effectRef>
+          <a:fontRef idx="minor">
+            <a:schemeClr val="tx1"/>
+          </a:fontRef>
+        </p:style>
+      </p:cxnSp>
+      <p:cxnSp>
+        <p:nvCxnSpPr>
+          <p:cNvPr id="63" name="直线箭头连接符 62"/>
+          <p:cNvCxnSpPr>
+            <a:stCxn id="27" idx="2"/>
+            <a:endCxn id="3" idx="0"/>
+          </p:cNvCxnSpPr>
+          <p:nvPr/>
+        </p:nvCxnSpPr>
+        <p:spPr>
+          <a:xfrm flipH="1">
+            <a:off x="2681790" y="3532185"/>
+            <a:ext cx="883149" cy="644279"/>
+          </a:xfrm>
+          <a:prstGeom prst="straightConnector1">
+            <a:avLst/>
+          </a:prstGeom>
+          <a:ln>
+            <a:prstDash val="dash"/>
+            <a:tailEnd type="triangle"/>
+          </a:ln>
+        </p:spPr>
+        <p:style>
+          <a:lnRef idx="1">
+            <a:schemeClr val="accent1"/>
+          </a:lnRef>
+          <a:fillRef idx="0">
+            <a:schemeClr val="accent1"/>
+          </a:fillRef>
+          <a:effectRef idx="0">
+            <a:schemeClr val="accent1"/>
+          </a:effectRef>
+          <a:fontRef idx="minor">
+            <a:schemeClr val="tx1"/>
+          </a:fontRef>
+        </p:style>
+      </p:cxnSp>
+      <p:cxnSp>
+        <p:nvCxnSpPr>
+          <p:cNvPr id="66" name="直线箭头连接符 65"/>
+          <p:cNvCxnSpPr>
+            <a:stCxn id="27" idx="2"/>
+            <a:endCxn id="9" idx="0"/>
+          </p:cNvCxnSpPr>
+          <p:nvPr/>
+        </p:nvCxnSpPr>
+        <p:spPr>
+          <a:xfrm>
+            <a:off x="3564939" y="3532185"/>
+            <a:ext cx="3612325" cy="644279"/>
+          </a:xfrm>
+          <a:prstGeom prst="straightConnector1">
+            <a:avLst/>
+          </a:prstGeom>
+          <a:ln>
+            <a:prstDash val="dash"/>
+            <a:tailEnd type="triangle"/>
+          </a:ln>
+        </p:spPr>
+        <p:style>
+          <a:lnRef idx="1">
+            <a:schemeClr val="accent1"/>
+          </a:lnRef>
+          <a:fillRef idx="0">
+            <a:schemeClr val="accent1"/>
+          </a:fillRef>
+          <a:effectRef idx="0">
+            <a:schemeClr val="accent1"/>
+          </a:effectRef>
+          <a:fontRef idx="minor">
+            <a:schemeClr val="tx1"/>
+          </a:fontRef>
+        </p:style>
+      </p:cxnSp>
+      <p:cxnSp>
+        <p:nvCxnSpPr>
+          <p:cNvPr id="75" name="直线箭头连接符 74"/>
+          <p:cNvCxnSpPr>
+            <a:stCxn id="30" idx="2"/>
+            <a:endCxn id="9" idx="0"/>
+          </p:cNvCxnSpPr>
+          <p:nvPr/>
+        </p:nvCxnSpPr>
+        <p:spPr>
+          <a:xfrm flipH="1">
+            <a:off x="7177264" y="3527943"/>
+            <a:ext cx="260039" cy="648521"/>
+          </a:xfrm>
+          <a:prstGeom prst="straightConnector1">
+            <a:avLst/>
+          </a:prstGeom>
+          <a:ln>
+            <a:prstDash val="dash"/>
+            <a:tailEnd type="triangle"/>
+          </a:ln>
+        </p:spPr>
+        <p:style>
+          <a:lnRef idx="1">
+            <a:schemeClr val="accent1"/>
+          </a:lnRef>
+          <a:fillRef idx="0">
+            <a:schemeClr val="accent1"/>
+          </a:fillRef>
+          <a:effectRef idx="0">
+            <a:schemeClr val="accent1"/>
+          </a:effectRef>
+          <a:fontRef idx="minor">
+            <a:schemeClr val="tx1"/>
+          </a:fontRef>
+        </p:style>
+      </p:cxnSp>
+      <p:cxnSp>
+        <p:nvCxnSpPr>
+          <p:cNvPr id="80" name="直线箭头连接符 79"/>
+          <p:cNvCxnSpPr>
+            <a:stCxn id="30" idx="2"/>
+            <a:endCxn id="3" idx="0"/>
+          </p:cNvCxnSpPr>
+          <p:nvPr/>
+        </p:nvCxnSpPr>
+        <p:spPr>
+          <a:xfrm flipH="1">
+            <a:off x="2681790" y="3527943"/>
+            <a:ext cx="4755513" cy="648521"/>
+          </a:xfrm>
+          <a:prstGeom prst="straightConnector1">
+            <a:avLst/>
+          </a:prstGeom>
+          <a:ln>
+            <a:prstDash val="dash"/>
+            <a:tailEnd type="triangle"/>
+          </a:ln>
+        </p:spPr>
+        <p:style>
+          <a:lnRef idx="1">
+            <a:schemeClr val="accent1"/>
+          </a:lnRef>
+          <a:fillRef idx="0">
+            <a:schemeClr val="accent1"/>
+          </a:fillRef>
+          <a:effectRef idx="0">
+            <a:schemeClr val="accent1"/>
+          </a:effectRef>
+          <a:fontRef idx="minor">
+            <a:schemeClr val="tx1"/>
+          </a:fontRef>
+        </p:style>
+      </p:cxnSp>
+      <p:sp>
+        <p:nvSpPr>
+          <p:cNvPr id="83" name="文本框 82"/>
+          <p:cNvSpPr txBox="1"/>
+          <p:nvPr/>
+        </p:nvSpPr>
+        <p:spPr>
+          <a:xfrm>
+            <a:off x="6876256" y="3803728"/>
+            <a:ext cx="1268296" cy="307777"/>
+          </a:xfrm>
+          <a:prstGeom prst="rect">
+            <a:avLst/>
+          </a:prstGeom>
+          <a:noFill/>
+        </p:spPr>
+        <p:txBody>
+          <a:bodyPr wrap="none" rtlCol="0">
+            <a:spAutoFit/>
+          </a:bodyPr>
+          <a:lstStyle/>
+          <a:p>
+            <a:r>
+              <a:rPr kumimoji="1" lang="zh-CN" altLang="en-US" sz="1400" dirty="0" smtClean="0"/>
+              <a:t>工程依赖</a:t>
+            </a:r>
+            <a:r>
+              <a:rPr kumimoji="1" lang="en-US" altLang="zh-CN" sz="1400" dirty="0" smtClean="0"/>
+              <a:t>POM</a:t>
+            </a:r>
+            <a:endParaRPr kumimoji="1" lang="zh-CN" altLang="en-US" sz="1400" dirty="0"/>
+          </a:p>
+        </p:txBody>
+      </p:sp>
+      <p:cxnSp>
+        <p:nvCxnSpPr>
+          <p:cNvPr id="84" name="直线箭头连接符 83"/>
+          <p:cNvCxnSpPr>
+            <a:stCxn id="20" idx="2"/>
+            <a:endCxn id="30" idx="0"/>
+          </p:cNvCxnSpPr>
+          <p:nvPr/>
+        </p:nvCxnSpPr>
+        <p:spPr>
+          <a:xfrm>
+            <a:off x="7148746" y="1897943"/>
+            <a:ext cx="288557" cy="457783"/>
+          </a:xfrm>
+          <a:prstGeom prst="straightConnector1">
+            <a:avLst/>
+          </a:prstGeom>
+          <a:ln>
+            <a:tailEnd type="triangle"/>
+          </a:ln>
+        </p:spPr>
+        <p:style>
+          <a:lnRef idx="1">
+            <a:schemeClr val="accent1"/>
+          </a:lnRef>
+          <a:fillRef idx="0">
+            <a:schemeClr val="accent1"/>
+          </a:fillRef>
+          <a:effectRef idx="0">
+            <a:schemeClr val="accent1"/>
+          </a:effectRef>
+          <a:fontRef idx="minor">
+            <a:schemeClr val="tx1"/>
+          </a:fontRef>
+        </p:style>
+      </p:cxnSp>
+      <p:cxnSp>
+        <p:nvCxnSpPr>
+          <p:cNvPr id="87" name="直线箭头连接符 86"/>
+          <p:cNvCxnSpPr>
+            <a:stCxn id="20" idx="2"/>
+            <a:endCxn id="10" idx="0"/>
+          </p:cNvCxnSpPr>
+          <p:nvPr/>
+        </p:nvCxnSpPr>
+        <p:spPr>
+          <a:xfrm flipH="1">
+            <a:off x="1493659" y="1897943"/>
+            <a:ext cx="5655087" cy="457783"/>
+          </a:xfrm>
+          <a:prstGeom prst="straightConnector1">
+            <a:avLst/>
+          </a:prstGeom>
+          <a:ln>
+            <a:tailEnd type="triangle"/>
+          </a:ln>
+        </p:spPr>
+        <p:style>
+          <a:lnRef idx="1">
+            <a:schemeClr val="accent1"/>
+          </a:lnRef>
+          <a:fillRef idx="0">
+            <a:schemeClr val="accent1"/>
+          </a:fillRef>
+          <a:effectRef idx="0">
+            <a:schemeClr val="accent1"/>
+          </a:effectRef>
+          <a:fontRef idx="minor">
+            <a:schemeClr val="tx1"/>
+          </a:fontRef>
+        </p:style>
+      </p:cxnSp>
+      <p:sp>
+        <p:nvSpPr>
+          <p:cNvPr id="90" name="圆角矩形 89"/>
+          <p:cNvSpPr/>
+          <p:nvPr/>
+        </p:nvSpPr>
+        <p:spPr>
+          <a:xfrm>
+            <a:off x="7740352" y="4612013"/>
+            <a:ext cx="936104" cy="263993"/>
+          </a:xfrm>
+          <a:prstGeom prst="roundRect">
+            <a:avLst/>
+          </a:prstGeom>
+        </p:spPr>
+        <p:style>
+          <a:lnRef idx="2">
+            <a:schemeClr val="accent1">
+              <a:shade val="50000"/>
+            </a:schemeClr>
+          </a:lnRef>
+          <a:fillRef idx="1">
+            <a:schemeClr val="accent1"/>
+          </a:fillRef>
+          <a:effectRef idx="0">
+            <a:schemeClr val="accent1"/>
+          </a:effectRef>
+          <a:fontRef idx="minor">
+            <a:schemeClr val="lt1"/>
+          </a:fontRef>
+        </p:style>
+        <p:txBody>
+          <a:bodyPr rtlCol="0" anchor="ctr"/>
+          <a:lstStyle/>
+          <a:p>
+            <a:pPr algn="ctr"/>
+            <a:r>
+              <a:rPr kumimoji="1" lang="is-IS" altLang="zh-CN" sz="1200" dirty="0" smtClean="0"/>
+              <a:t>…</a:t>
+            </a:r>
+            <a:endParaRPr kumimoji="1" lang="zh-CN" altLang="en-US" sz="1200" dirty="0"/>
+          </a:p>
+        </p:txBody>
+      </p:sp>
+      <p:sp>
+        <p:nvSpPr>
+          <p:cNvPr id="42" name="圆角矩形 41"/>
+          <p:cNvSpPr/>
+          <p:nvPr/>
+        </p:nvSpPr>
+        <p:spPr>
+          <a:xfrm>
+            <a:off x="336371" y="2966330"/>
+            <a:ext cx="936104" cy="216024"/>
+          </a:xfrm>
+          <a:prstGeom prst="roundRect">
+            <a:avLst/>
+          </a:prstGeom>
+        </p:spPr>
+        <p:style>
+          <a:lnRef idx="2">
+            <a:schemeClr val="accent1">
+              <a:shade val="50000"/>
+            </a:schemeClr>
+          </a:lnRef>
+          <a:fillRef idx="1">
+            <a:schemeClr val="accent1"/>
+          </a:fillRef>
+          <a:effectRef idx="0">
+            <a:schemeClr val="accent1"/>
+          </a:effectRef>
+          <a:fontRef idx="minor">
+            <a:schemeClr val="lt1"/>
+          </a:fontRef>
+        </p:style>
+        <p:txBody>
+          <a:bodyPr rtlCol="0" anchor="ctr"/>
+          <a:lstStyle/>
+          <a:p>
+            <a:pPr algn="ctr"/>
+            <a:r>
+              <a:rPr kumimoji="1" lang="en-US" altLang="zh-CN" sz="1200" dirty="0" smtClean="0"/>
+              <a:t>facade-om</a:t>
+            </a:r>
+            <a:endParaRPr kumimoji="1" lang="zh-CN" altLang="en-US" sz="1200" dirty="0"/>
+          </a:p>
+        </p:txBody>
+      </p:sp>
+      <p:sp>
+        <p:nvSpPr>
+          <p:cNvPr id="43" name="圆角矩形 42"/>
+          <p:cNvSpPr/>
+          <p:nvPr/>
+        </p:nvSpPr>
+        <p:spPr>
+          <a:xfrm>
+            <a:off x="336371" y="3228014"/>
+            <a:ext cx="936104" cy="216024"/>
+          </a:xfrm>
+          <a:prstGeom prst="roundRect">
+            <a:avLst/>
+          </a:prstGeom>
+        </p:spPr>
+        <p:style>
+          <a:lnRef idx="2">
+            <a:schemeClr val="accent1">
+              <a:shade val="50000"/>
+            </a:schemeClr>
+          </a:lnRef>
+          <a:fillRef idx="1">
+            <a:schemeClr val="accent1"/>
+          </a:fillRef>
+          <a:effectRef idx="0">
+            <a:schemeClr val="accent1"/>
+          </a:effectRef>
+          <a:fontRef idx="minor">
+            <a:schemeClr val="lt1"/>
+          </a:fontRef>
+        </p:style>
+        <p:txBody>
+          <a:bodyPr rtlCol="0" anchor="ctr"/>
+          <a:lstStyle/>
+          <a:p>
+            <a:pPr algn="ctr"/>
+            <a:r>
+              <a:rPr kumimoji="1" lang="en-US" altLang="zh-CN" sz="1200" dirty="0" smtClean="0"/>
+              <a:t>facade-ac</a:t>
+            </a:r>
+            <a:endParaRPr kumimoji="1" lang="zh-CN" altLang="en-US" sz="1200" dirty="0"/>
+          </a:p>
+        </p:txBody>
+      </p:sp>
+      <p:sp>
+        <p:nvSpPr>
+          <p:cNvPr id="44" name="圆角矩形 43"/>
+          <p:cNvSpPr/>
+          <p:nvPr/>
+        </p:nvSpPr>
+        <p:spPr>
+          <a:xfrm>
+            <a:off x="1503045" y="2704892"/>
+            <a:ext cx="936104" cy="216024"/>
+          </a:xfrm>
+          <a:prstGeom prst="roundRect">
+            <a:avLst/>
+          </a:prstGeom>
+        </p:spPr>
+        <p:style>
+          <a:lnRef idx="2">
+            <a:schemeClr val="accent1">
+              <a:shade val="50000"/>
+            </a:schemeClr>
+          </a:lnRef>
+          <a:fillRef idx="1">
+            <a:schemeClr val="accent1"/>
+          </a:fillRef>
+          <a:effectRef idx="0">
+            <a:schemeClr val="accent1"/>
+          </a:effectRef>
+          <a:fontRef idx="minor">
+            <a:schemeClr val="lt1"/>
+          </a:fontRef>
+        </p:style>
+        <p:txBody>
+          <a:bodyPr rtlCol="0" anchor="ctr"/>
+          <a:lstStyle/>
+          <a:p>
+            <a:pPr algn="ctr"/>
+            <a:r>
+              <a:rPr kumimoji="1" lang="en-US" altLang="zh-CN" sz="1200" dirty="0" smtClean="0"/>
+              <a:t>facade-sys</a:t>
+            </a:r>
+            <a:endParaRPr kumimoji="1" lang="zh-CN" altLang="en-US" sz="1200" dirty="0"/>
+          </a:p>
+        </p:txBody>
+      </p:sp>
+      <p:sp>
+        <p:nvSpPr>
+          <p:cNvPr id="4" name="六边形 3"/>
+          <p:cNvSpPr/>
+          <p:nvPr/>
+        </p:nvSpPr>
+        <p:spPr>
+          <a:xfrm>
+            <a:off x="1336944" y="3192010"/>
+            <a:ext cx="1368152" cy="252028"/>
+          </a:xfrm>
+          <a:prstGeom prst="hexagon">
+            <a:avLst/>
+          </a:prstGeom>
+        </p:spPr>
+        <p:style>
+          <a:lnRef idx="2">
+            <a:schemeClr val="accent1">
+              <a:shade val="50000"/>
+            </a:schemeClr>
+          </a:lnRef>
+          <a:fillRef idx="1">
+            <a:schemeClr val="accent1"/>
+          </a:fillRef>
+          <a:effectRef idx="0">
+            <a:schemeClr val="accent1"/>
+          </a:effectRef>
+          <a:fontRef idx="minor">
+            <a:schemeClr val="lt1"/>
+          </a:fontRef>
+        </p:style>
+        <p:txBody>
+          <a:bodyPr rtlCol="0" anchor="ctr"/>
+          <a:lstStyle/>
+          <a:p>
+            <a:pPr algn="ctr"/>
+            <a:r>
+              <a:rPr kumimoji="1" lang="en-US" altLang="zh-CN" sz="1200" dirty="0"/>
+              <a:t>service-</a:t>
+            </a:r>
+            <a:r>
+              <a:rPr kumimoji="1" lang="en-US" altLang="zh-CN" sz="1200" dirty="0" err="1"/>
+              <a:t>config</a:t>
+            </a:r>
+            <a:endParaRPr kumimoji="1" lang="zh-CN" altLang="en-US" sz="1200" dirty="0"/>
+          </a:p>
+        </p:txBody>
+      </p:sp>
+      <p:sp>
+        <p:nvSpPr>
+          <p:cNvPr id="54" name="矩形 53"/>
+          <p:cNvSpPr/>
+          <p:nvPr/>
+        </p:nvSpPr>
+        <p:spPr>
+          <a:xfrm>
+            <a:off x="4379573" y="2359967"/>
+            <a:ext cx="1472924" cy="1172217"/>
+          </a:xfrm>
+          <a:prstGeom prst="rect">
+            <a:avLst/>
+          </a:prstGeom>
+          <a:solidFill>
+            <a:srgbClr val="00B050"/>
+          </a:solidFill>
+          <a:ln w="12700">
+            <a:solidFill>
+              <a:schemeClr val="tx1"/>
+            </a:solidFill>
+          </a:ln>
+        </p:spPr>
+        <p:style>
+          <a:lnRef idx="2">
+            <a:schemeClr val="accent1">
+              <a:shade val="50000"/>
+            </a:schemeClr>
+          </a:lnRef>
+          <a:fillRef idx="1">
+            <a:schemeClr val="accent1"/>
+          </a:fillRef>
+          <a:effectRef idx="0">
+            <a:schemeClr val="accent1"/>
+          </a:effectRef>
+          <a:fontRef idx="minor">
+            <a:schemeClr val="lt1"/>
+          </a:fontRef>
+        </p:style>
+        <p:txBody>
+          <a:bodyPr rtlCol="0" anchor="t"/>
+          <a:lstStyle/>
+          <a:p>
+            <a:pPr algn="ctr"/>
+            <a:r>
+              <a:rPr kumimoji="1" lang="zh-CN" altLang="en-US" sz="1400" dirty="0" smtClean="0">
+                <a:solidFill>
+                  <a:schemeClr val="tx1"/>
+                </a:solidFill>
+              </a:rPr>
+              <a:t>流水</a:t>
+            </a:r>
+            <a:r>
+              <a:rPr kumimoji="1" lang="zh-CN" altLang="en-US" sz="1400" dirty="0" smtClean="0">
+                <a:solidFill>
+                  <a:schemeClr val="tx1"/>
+                </a:solidFill>
+              </a:rPr>
+              <a:t>日志</a:t>
+            </a:r>
+            <a:r>
+              <a:rPr kumimoji="1" lang="zh-CN" altLang="en-US" sz="1200" dirty="0" smtClean="0">
+                <a:solidFill>
+                  <a:schemeClr val="tx1"/>
+                </a:solidFill>
+              </a:rPr>
+              <a:t>（</a:t>
+            </a:r>
+            <a:r>
+              <a:rPr kumimoji="1" lang="en-US" altLang="zh-CN" sz="1200" dirty="0" smtClean="0">
+                <a:solidFill>
+                  <a:schemeClr val="tx1"/>
+                </a:solidFill>
+              </a:rPr>
+              <a:t>JNL</a:t>
+            </a:r>
+            <a:r>
+              <a:rPr kumimoji="1" lang="zh-CN" altLang="en-US" sz="1200" dirty="0" smtClean="0">
+                <a:solidFill>
+                  <a:schemeClr val="tx1"/>
+                </a:solidFill>
+              </a:rPr>
+              <a:t>）</a:t>
+            </a:r>
+            <a:endParaRPr kumimoji="1" lang="zh-CN" altLang="en-US" sz="1200" dirty="0">
+              <a:solidFill>
+                <a:schemeClr val="tx1"/>
+              </a:solidFill>
+            </a:endParaRPr>
+          </a:p>
+        </p:txBody>
+      </p:sp>
+      <p:sp>
+        <p:nvSpPr>
+          <p:cNvPr id="59" name="圆角矩形 58"/>
+          <p:cNvSpPr/>
+          <p:nvPr/>
+        </p:nvSpPr>
+        <p:spPr>
+          <a:xfrm>
+            <a:off x="4608004" y="2812659"/>
+            <a:ext cx="936104" cy="216024"/>
+          </a:xfrm>
+          <a:prstGeom prst="roundRect">
+            <a:avLst/>
+          </a:prstGeom>
+        </p:spPr>
+        <p:style>
+          <a:lnRef idx="2">
+            <a:schemeClr val="accent1">
+              <a:shade val="50000"/>
+            </a:schemeClr>
+          </a:lnRef>
+          <a:fillRef idx="1">
+            <a:schemeClr val="accent1"/>
+          </a:fillRef>
+          <a:effectRef idx="0">
+            <a:schemeClr val="accent1"/>
+          </a:effectRef>
+          <a:fontRef idx="minor">
+            <a:schemeClr val="lt1"/>
+          </a:fontRef>
+        </p:style>
+        <p:txBody>
+          <a:bodyPr rtlCol="0" anchor="ctr"/>
+          <a:lstStyle/>
+          <a:p>
+            <a:pPr algn="ctr"/>
+            <a:r>
+              <a:rPr kumimoji="1" lang="en-US" altLang="zh-CN" sz="1200" dirty="0" smtClean="0"/>
+              <a:t>facade-</a:t>
+            </a:r>
+            <a:r>
+              <a:rPr kumimoji="1" lang="en-US" altLang="zh-CN" sz="1200" dirty="0" err="1" smtClean="0"/>
+              <a:t>jnl</a:t>
+            </a:r>
+            <a:endParaRPr kumimoji="1" lang="zh-CN" altLang="en-US" sz="1200" dirty="0"/>
+          </a:p>
+        </p:txBody>
+      </p:sp>
+      <p:sp>
+        <p:nvSpPr>
+          <p:cNvPr id="61" name="六边形 60"/>
+          <p:cNvSpPr/>
+          <p:nvPr/>
+        </p:nvSpPr>
+        <p:spPr>
+          <a:xfrm>
+            <a:off x="4515663" y="3210012"/>
+            <a:ext cx="1120785" cy="252028"/>
+          </a:xfrm>
+          <a:prstGeom prst="hexagon">
+            <a:avLst/>
+          </a:prstGeom>
+        </p:spPr>
+        <p:style>
+          <a:lnRef idx="2">
+            <a:schemeClr val="accent1">
+              <a:shade val="50000"/>
+            </a:schemeClr>
+          </a:lnRef>
+          <a:fillRef idx="1">
+            <a:schemeClr val="accent1"/>
+          </a:fillRef>
+          <a:effectRef idx="0">
+            <a:schemeClr val="accent1"/>
+          </a:effectRef>
+          <a:fontRef idx="minor">
+            <a:schemeClr val="lt1"/>
+          </a:fontRef>
+        </p:style>
+        <p:txBody>
+          <a:bodyPr rtlCol="0" anchor="ctr"/>
+          <a:lstStyle/>
+          <a:p>
+            <a:pPr algn="ctr"/>
+            <a:r>
+              <a:rPr kumimoji="1" lang="en-US" altLang="zh-CN" sz="1200" dirty="0" smtClean="0"/>
+              <a:t>service-</a:t>
+            </a:r>
+            <a:r>
+              <a:rPr kumimoji="1" lang="en-US" altLang="zh-CN" sz="1200" dirty="0" err="1" smtClean="0"/>
+              <a:t>jnl</a:t>
+            </a:r>
+            <a:endParaRPr kumimoji="1" lang="zh-CN" altLang="en-US" sz="1200" dirty="0"/>
+          </a:p>
+        </p:txBody>
+      </p:sp>
+      <p:sp>
+        <p:nvSpPr>
+          <p:cNvPr id="95" name="圆角矩形 94"/>
+          <p:cNvSpPr/>
+          <p:nvPr/>
+        </p:nvSpPr>
+        <p:spPr>
+          <a:xfrm>
+            <a:off x="3114583" y="2794657"/>
+            <a:ext cx="936104" cy="216024"/>
+          </a:xfrm>
+          <a:prstGeom prst="roundRect">
+            <a:avLst/>
+          </a:prstGeom>
+        </p:spPr>
+        <p:style>
+          <a:lnRef idx="2">
+            <a:schemeClr val="accent1">
+              <a:shade val="50000"/>
+            </a:schemeClr>
+          </a:lnRef>
+          <a:fillRef idx="1">
+            <a:schemeClr val="accent1"/>
+          </a:fillRef>
+          <a:effectRef idx="0">
+            <a:schemeClr val="accent1"/>
+          </a:effectRef>
+          <a:fontRef idx="minor">
+            <a:schemeClr val="lt1"/>
+          </a:fontRef>
+        </p:style>
+        <p:txBody>
+          <a:bodyPr rtlCol="0" anchor="ctr"/>
+          <a:lstStyle/>
+          <a:p>
+            <a:pPr algn="ctr"/>
+            <a:r>
+              <a:rPr kumimoji="1" lang="en-US" altLang="zh-CN" sz="1200" dirty="0" smtClean="0"/>
+              <a:t>facade-</a:t>
+            </a:r>
+            <a:r>
+              <a:rPr kumimoji="1" lang="en-US" altLang="zh-CN" sz="1200" dirty="0" err="1" smtClean="0"/>
+              <a:t>tx</a:t>
+            </a:r>
+            <a:endParaRPr kumimoji="1" lang="zh-CN" altLang="en-US" sz="1200" dirty="0"/>
+          </a:p>
+        </p:txBody>
+      </p:sp>
+      <p:sp>
+        <p:nvSpPr>
+          <p:cNvPr id="96" name="六边形 95"/>
+          <p:cNvSpPr/>
+          <p:nvPr/>
+        </p:nvSpPr>
+        <p:spPr>
+          <a:xfrm>
+            <a:off x="3022242" y="3192010"/>
+            <a:ext cx="1120785" cy="252028"/>
+          </a:xfrm>
+          <a:prstGeom prst="hexagon">
+            <a:avLst/>
+          </a:prstGeom>
+        </p:spPr>
+        <p:style>
+          <a:lnRef idx="2">
+            <a:schemeClr val="accent1">
+              <a:shade val="50000"/>
+            </a:schemeClr>
+          </a:lnRef>
+          <a:fillRef idx="1">
+            <a:schemeClr val="accent1"/>
+          </a:fillRef>
+          <a:effectRef idx="0">
+            <a:schemeClr val="accent1"/>
+          </a:effectRef>
+          <a:fontRef idx="minor">
+            <a:schemeClr val="lt1"/>
+          </a:fontRef>
+        </p:style>
+        <p:txBody>
+          <a:bodyPr rtlCol="0" anchor="ctr"/>
+          <a:lstStyle/>
+          <a:p>
+            <a:pPr algn="ctr"/>
+            <a:r>
+              <a:rPr kumimoji="1" lang="en-US" altLang="zh-CN" sz="1200" dirty="0" smtClean="0"/>
+              <a:t>service-</a:t>
+            </a:r>
+            <a:r>
+              <a:rPr kumimoji="1" lang="en-US" altLang="zh-CN" sz="1200" dirty="0" err="1" smtClean="0"/>
+              <a:t>tx</a:t>
+            </a:r>
+            <a:endParaRPr kumimoji="1" lang="zh-CN" altLang="en-US" sz="1200" dirty="0"/>
+          </a:p>
+        </p:txBody>
+      </p:sp>
+      <p:sp>
+        <p:nvSpPr>
+          <p:cNvPr id="97" name="圆角矩形 96"/>
+          <p:cNvSpPr/>
+          <p:nvPr/>
+        </p:nvSpPr>
+        <p:spPr>
+          <a:xfrm>
+            <a:off x="5965523" y="2638396"/>
+            <a:ext cx="1332148" cy="216024"/>
+          </a:xfrm>
+          <a:prstGeom prst="roundRect">
+            <a:avLst/>
+          </a:prstGeom>
+          <a:ln w="12700"/>
+        </p:spPr>
+        <p:style>
+          <a:lnRef idx="2">
+            <a:schemeClr val="accent1">
+              <a:shade val="50000"/>
+            </a:schemeClr>
+          </a:lnRef>
+          <a:fillRef idx="1">
+            <a:schemeClr val="accent1"/>
+          </a:fillRef>
+          <a:effectRef idx="0">
+            <a:schemeClr val="accent1"/>
+          </a:effectRef>
+          <a:fontRef idx="minor">
+            <a:schemeClr val="lt1"/>
+          </a:fontRef>
+        </p:style>
+        <p:txBody>
+          <a:bodyPr rtlCol="0" anchor="ctr"/>
+          <a:lstStyle/>
+          <a:p>
+            <a:pPr algn="ctr"/>
+            <a:r>
+              <a:rPr kumimoji="1" lang="en-US" altLang="zh-CN" sz="1200" dirty="0" smtClean="0"/>
+              <a:t>f</a:t>
+            </a:r>
+            <a:r>
+              <a:rPr kumimoji="1" lang="en-US" altLang="zh-CN" sz="1200" dirty="0"/>
+              <a:t>acade-outbound</a:t>
+            </a:r>
+            <a:endParaRPr kumimoji="1" lang="zh-CN" altLang="en-US" sz="1200" dirty="0"/>
+          </a:p>
+        </p:txBody>
+      </p:sp>
+      <p:sp>
+        <p:nvSpPr>
+          <p:cNvPr id="98" name="六边形 97"/>
+          <p:cNvSpPr/>
+          <p:nvPr/>
+        </p:nvSpPr>
+        <p:spPr>
+          <a:xfrm>
+            <a:off x="7341643" y="2648955"/>
+            <a:ext cx="1579815" cy="205465"/>
+          </a:xfrm>
+          <a:prstGeom prst="hexagon">
+            <a:avLst/>
+          </a:prstGeom>
+          <a:ln w="12700"/>
+        </p:spPr>
+        <p:style>
+          <a:lnRef idx="2">
+            <a:schemeClr val="accent1">
+              <a:shade val="50000"/>
+            </a:schemeClr>
+          </a:lnRef>
+          <a:fillRef idx="1">
+            <a:schemeClr val="accent1"/>
+          </a:fillRef>
+          <a:effectRef idx="0">
+            <a:schemeClr val="accent1"/>
+          </a:effectRef>
+          <a:fontRef idx="minor">
+            <a:schemeClr val="lt1"/>
+          </a:fontRef>
+        </p:style>
+        <p:txBody>
+          <a:bodyPr rtlCol="0" anchor="ctr"/>
+          <a:lstStyle/>
+          <a:p>
+            <a:pPr algn="ctr"/>
+            <a:r>
+              <a:rPr kumimoji="1" lang="en-US" altLang="zh-CN" sz="1200" dirty="0" smtClean="0"/>
+              <a:t>service-outbound</a:t>
+            </a:r>
+            <a:endParaRPr kumimoji="1" lang="zh-CN" altLang="en-US" sz="1200" dirty="0"/>
+          </a:p>
+        </p:txBody>
+      </p:sp>
+      <p:sp>
+        <p:nvSpPr>
+          <p:cNvPr id="101" name="矩形 100"/>
+          <p:cNvSpPr/>
+          <p:nvPr/>
+        </p:nvSpPr>
+        <p:spPr>
+          <a:xfrm>
+            <a:off x="7452320" y="173555"/>
+            <a:ext cx="819556" cy="296416"/>
+          </a:xfrm>
+          <a:prstGeom prst="rect">
+            <a:avLst/>
+          </a:prstGeom>
+          <a:solidFill>
+            <a:srgbClr val="00B050"/>
+          </a:solidFill>
+          <a:ln w="12700">
+            <a:solidFill>
+              <a:schemeClr val="tx1"/>
+            </a:solidFill>
+          </a:ln>
+        </p:spPr>
+        <p:style>
+          <a:lnRef idx="2">
+            <a:schemeClr val="accent1">
+              <a:shade val="50000"/>
+            </a:schemeClr>
+          </a:lnRef>
+          <a:fillRef idx="1">
+            <a:schemeClr val="accent1"/>
+          </a:fillRef>
+          <a:effectRef idx="0">
+            <a:schemeClr val="accent1"/>
+          </a:effectRef>
+          <a:fontRef idx="minor">
+            <a:schemeClr val="lt1"/>
+          </a:fontRef>
+        </p:style>
+        <p:txBody>
+          <a:bodyPr rtlCol="0" anchor="ctr"/>
+          <a:lstStyle/>
+          <a:p>
+            <a:pPr algn="ctr"/>
+            <a:r>
+              <a:rPr kumimoji="1" lang="zh-CN" altLang="en-US" sz="1000" smtClean="0">
+                <a:solidFill>
+                  <a:schemeClr val="tx1"/>
+                </a:solidFill>
+              </a:rPr>
+              <a:t>服务提供者</a:t>
+            </a:r>
+            <a:endParaRPr kumimoji="1" lang="zh-CN" altLang="en-US" sz="1000" dirty="0">
+              <a:solidFill>
+                <a:schemeClr val="tx1"/>
+              </a:solidFill>
+            </a:endParaRPr>
+          </a:p>
+        </p:txBody>
+      </p:sp>
+      <p:sp>
+        <p:nvSpPr>
+          <p:cNvPr id="102" name="矩形 101"/>
+          <p:cNvSpPr/>
+          <p:nvPr/>
+        </p:nvSpPr>
+        <p:spPr>
+          <a:xfrm>
+            <a:off x="6588224" y="162915"/>
+            <a:ext cx="818040" cy="320603"/>
+          </a:xfrm>
+          <a:prstGeom prst="rect">
+            <a:avLst/>
+          </a:prstGeom>
+          <a:solidFill>
+            <a:srgbClr val="00B0F0"/>
+          </a:solidFill>
+          <a:ln w="12700">
+            <a:solidFill>
+              <a:schemeClr val="tx1"/>
+            </a:solidFill>
+          </a:ln>
+        </p:spPr>
+        <p:style>
+          <a:lnRef idx="2">
+            <a:schemeClr val="accent1">
+              <a:shade val="50000"/>
+            </a:schemeClr>
+          </a:lnRef>
+          <a:fillRef idx="1">
+            <a:schemeClr val="accent1"/>
+          </a:fillRef>
+          <a:effectRef idx="0">
+            <a:schemeClr val="accent1"/>
+          </a:effectRef>
+          <a:fontRef idx="minor">
+            <a:schemeClr val="lt1"/>
+          </a:fontRef>
+        </p:style>
+        <p:txBody>
+          <a:bodyPr rtlCol="0" anchor="ctr"/>
+          <a:lstStyle/>
+          <a:p>
+            <a:pPr algn="ctr"/>
+            <a:r>
+              <a:rPr kumimoji="1" lang="zh-CN" altLang="en-US" sz="1000" smtClean="0">
+                <a:solidFill>
+                  <a:schemeClr val="tx1"/>
+                </a:solidFill>
+              </a:rPr>
+              <a:t>服务消费者</a:t>
+            </a:r>
+            <a:endParaRPr kumimoji="1" lang="zh-CN" altLang="en-US" sz="1000" dirty="0">
+              <a:solidFill>
+                <a:schemeClr val="tx1"/>
+              </a:solidFill>
+            </a:endParaRPr>
+          </a:p>
+        </p:txBody>
+      </p:sp>
+      <p:sp>
+        <p:nvSpPr>
+          <p:cNvPr id="103" name="矩形 102"/>
+          <p:cNvSpPr/>
+          <p:nvPr/>
+        </p:nvSpPr>
+        <p:spPr>
+          <a:xfrm>
+            <a:off x="8316416" y="162915"/>
+            <a:ext cx="769598" cy="306869"/>
+          </a:xfrm>
+          <a:prstGeom prst="rect">
+            <a:avLst/>
+          </a:prstGeom>
+          <a:solidFill>
+            <a:schemeClr val="accent6">
+              <a:lumMod val="50000"/>
+            </a:schemeClr>
+          </a:solidFill>
+          <a:ln w="12700">
+            <a:solidFill>
+              <a:schemeClr val="tx1"/>
+            </a:solidFill>
+          </a:ln>
+        </p:spPr>
+        <p:style>
+          <a:lnRef idx="2">
+            <a:schemeClr val="accent1">
+              <a:shade val="50000"/>
+            </a:schemeClr>
+          </a:lnRef>
+          <a:fillRef idx="1">
+            <a:schemeClr val="accent1"/>
+          </a:fillRef>
+          <a:effectRef idx="0">
+            <a:schemeClr val="accent1"/>
+          </a:effectRef>
+          <a:fontRef idx="minor">
+            <a:schemeClr val="lt1"/>
+          </a:fontRef>
+        </p:style>
+        <p:txBody>
+          <a:bodyPr rtlCol="0" anchor="ctr"/>
+          <a:lstStyle/>
+          <a:p>
+            <a:pPr algn="ctr"/>
+            <a:r>
+              <a:rPr kumimoji="1" lang="zh-CN" altLang="en-US" sz="1000" smtClean="0">
+                <a:solidFill>
+                  <a:schemeClr val="tx1"/>
+                </a:solidFill>
+              </a:rPr>
+              <a:t>基础能力</a:t>
+            </a:r>
+            <a:endParaRPr kumimoji="1" lang="zh-CN" altLang="en-US" sz="1000" dirty="0">
+              <a:solidFill>
+                <a:schemeClr val="tx1"/>
+              </a:solidFill>
+            </a:endParaRPr>
+          </a:p>
+        </p:txBody>
+      </p:sp>
+      <p:cxnSp>
+        <p:nvCxnSpPr>
+          <p:cNvPr id="105" name="直线箭头连接符 104"/>
+          <p:cNvCxnSpPr>
+            <a:stCxn id="20" idx="2"/>
+            <a:endCxn id="54" idx="0"/>
+          </p:cNvCxnSpPr>
+          <p:nvPr/>
+        </p:nvCxnSpPr>
+        <p:spPr>
+          <a:xfrm flipH="1">
+            <a:off x="5116035" y="1897943"/>
+            <a:ext cx="2032711" cy="462024"/>
+          </a:xfrm>
+          <a:prstGeom prst="straightConnector1">
+            <a:avLst/>
+          </a:prstGeom>
+          <a:ln>
+            <a:tailEnd type="triangle"/>
+          </a:ln>
+        </p:spPr>
+        <p:style>
+          <a:lnRef idx="1">
+            <a:schemeClr val="accent1"/>
+          </a:lnRef>
+          <a:fillRef idx="0">
+            <a:schemeClr val="accent1"/>
+          </a:fillRef>
+          <a:effectRef idx="0">
+            <a:schemeClr val="accent1"/>
+          </a:effectRef>
+          <a:fontRef idx="minor">
+            <a:schemeClr val="tx1"/>
+          </a:fontRef>
+        </p:style>
+      </p:cxnSp>
+      <p:cxnSp>
+        <p:nvCxnSpPr>
+          <p:cNvPr id="108" name="直线箭头连接符 107"/>
+          <p:cNvCxnSpPr>
+            <a:stCxn id="15" idx="2"/>
+            <a:endCxn id="30" idx="0"/>
+          </p:cNvCxnSpPr>
+          <p:nvPr/>
+        </p:nvCxnSpPr>
+        <p:spPr>
+          <a:xfrm>
+            <a:off x="1450075" y="1897944"/>
+            <a:ext cx="5987228" cy="457782"/>
+          </a:xfrm>
+          <a:prstGeom prst="straightConnector1">
+            <a:avLst/>
+          </a:prstGeom>
+          <a:ln>
+            <a:tailEnd type="triangle"/>
+          </a:ln>
+        </p:spPr>
+        <p:style>
+          <a:lnRef idx="1">
+            <a:schemeClr val="accent1"/>
+          </a:lnRef>
+          <a:fillRef idx="0">
+            <a:schemeClr val="accent1"/>
+          </a:fillRef>
+          <a:effectRef idx="0">
+            <a:schemeClr val="accent1"/>
+          </a:effectRef>
+          <a:fontRef idx="minor">
+            <a:schemeClr val="tx1"/>
+          </a:fontRef>
+        </p:style>
+      </p:cxnSp>
+      <p:sp>
+        <p:nvSpPr>
+          <p:cNvPr id="111" name="圆角矩形 110"/>
+          <p:cNvSpPr/>
+          <p:nvPr/>
+        </p:nvSpPr>
+        <p:spPr>
+          <a:xfrm>
+            <a:off x="5965523" y="2931625"/>
+            <a:ext cx="806703" cy="216024"/>
+          </a:xfrm>
+          <a:prstGeom prst="roundRect">
+            <a:avLst/>
+          </a:prstGeom>
+          <a:ln w="12700"/>
+        </p:spPr>
+        <p:style>
+          <a:lnRef idx="2">
+            <a:schemeClr val="accent1">
+              <a:shade val="50000"/>
+            </a:schemeClr>
+          </a:lnRef>
+          <a:fillRef idx="1">
+            <a:schemeClr val="accent1"/>
+          </a:fillRef>
+          <a:effectRef idx="0">
+            <a:schemeClr val="accent1"/>
+          </a:effectRef>
+          <a:fontRef idx="minor">
+            <a:schemeClr val="lt1"/>
+          </a:fontRef>
+        </p:style>
+        <p:txBody>
+          <a:bodyPr rtlCol="0" anchor="ctr"/>
+          <a:lstStyle/>
+          <a:p>
+            <a:pPr algn="ctr"/>
+            <a:r>
+              <a:rPr kumimoji="1" lang="en-US" altLang="zh-CN" sz="1200" dirty="0" err="1" smtClean="0"/>
+              <a:t>mq</a:t>
+            </a:r>
+            <a:endParaRPr kumimoji="1" lang="zh-CN" altLang="en-US" sz="1200" dirty="0"/>
+          </a:p>
+        </p:txBody>
+      </p:sp>
+      <p:sp>
+        <p:nvSpPr>
+          <p:cNvPr id="112" name="圆角矩形 111"/>
+          <p:cNvSpPr/>
+          <p:nvPr/>
+        </p:nvSpPr>
+        <p:spPr>
+          <a:xfrm>
+            <a:off x="7001364" y="2924332"/>
+            <a:ext cx="915319" cy="216024"/>
+          </a:xfrm>
+          <a:prstGeom prst="roundRect">
+            <a:avLst/>
+          </a:prstGeom>
+          <a:ln w="12700"/>
+        </p:spPr>
+        <p:style>
+          <a:lnRef idx="2">
+            <a:schemeClr val="accent1">
+              <a:shade val="50000"/>
+            </a:schemeClr>
+          </a:lnRef>
+          <a:fillRef idx="1">
+            <a:schemeClr val="accent1"/>
+          </a:fillRef>
+          <a:effectRef idx="0">
+            <a:schemeClr val="accent1"/>
+          </a:effectRef>
+          <a:fontRef idx="minor">
+            <a:schemeClr val="lt1"/>
+          </a:fontRef>
+        </p:style>
+        <p:txBody>
+          <a:bodyPr rtlCol="0" anchor="ctr"/>
+          <a:lstStyle/>
+          <a:p>
+            <a:pPr algn="ctr"/>
+            <a:r>
+              <a:rPr kumimoji="1" lang="en-US" altLang="zh-CN" sz="1200" dirty="0" err="1" smtClean="0"/>
+              <a:t>tcp</a:t>
+            </a:r>
+            <a:endParaRPr kumimoji="1" lang="zh-CN" altLang="en-US" sz="1200" dirty="0"/>
+          </a:p>
+        </p:txBody>
+      </p:sp>
+      <p:sp>
+        <p:nvSpPr>
+          <p:cNvPr id="121" name="圆角矩形 120"/>
+          <p:cNvSpPr/>
+          <p:nvPr/>
+        </p:nvSpPr>
+        <p:spPr>
+          <a:xfrm>
+            <a:off x="5965523" y="3180390"/>
+            <a:ext cx="806703" cy="216024"/>
+          </a:xfrm>
+          <a:prstGeom prst="roundRect">
+            <a:avLst/>
+          </a:prstGeom>
+          <a:ln w="12700"/>
+        </p:spPr>
+        <p:style>
+          <a:lnRef idx="2">
+            <a:schemeClr val="accent1">
+              <a:shade val="50000"/>
+            </a:schemeClr>
+          </a:lnRef>
+          <a:fillRef idx="1">
+            <a:schemeClr val="accent1"/>
+          </a:fillRef>
+          <a:effectRef idx="0">
+            <a:schemeClr val="accent1"/>
+          </a:effectRef>
+          <a:fontRef idx="minor">
+            <a:schemeClr val="lt1"/>
+          </a:fontRef>
+        </p:style>
+        <p:txBody>
+          <a:bodyPr rtlCol="0" anchor="ctr"/>
+          <a:lstStyle/>
+          <a:p>
+            <a:pPr algn="ctr"/>
+            <a:r>
+              <a:rPr kumimoji="1" lang="en-US" altLang="zh-CN" sz="1200" dirty="0" smtClean="0"/>
+              <a:t>message</a:t>
+            </a:r>
+            <a:endParaRPr kumimoji="1" lang="zh-CN" altLang="en-US" sz="1200" dirty="0"/>
+          </a:p>
+        </p:txBody>
+      </p:sp>
+      <p:sp>
+        <p:nvSpPr>
+          <p:cNvPr id="123" name="圆角矩形 122"/>
+          <p:cNvSpPr/>
+          <p:nvPr/>
+        </p:nvSpPr>
+        <p:spPr>
+          <a:xfrm>
+            <a:off x="8114755" y="2925764"/>
+            <a:ext cx="806703" cy="216024"/>
+          </a:xfrm>
+          <a:prstGeom prst="roundRect">
+            <a:avLst/>
+          </a:prstGeom>
+          <a:ln w="12700"/>
+        </p:spPr>
+        <p:style>
+          <a:lnRef idx="2">
+            <a:schemeClr val="accent1">
+              <a:shade val="50000"/>
+            </a:schemeClr>
+          </a:lnRef>
+          <a:fillRef idx="1">
+            <a:schemeClr val="accent1"/>
+          </a:fillRef>
+          <a:effectRef idx="0">
+            <a:schemeClr val="accent1"/>
+          </a:effectRef>
+          <a:fontRef idx="minor">
+            <a:schemeClr val="lt1"/>
+          </a:fontRef>
+        </p:style>
+        <p:txBody>
+          <a:bodyPr rtlCol="0" anchor="ctr"/>
+          <a:lstStyle/>
+          <a:p>
+            <a:pPr algn="ctr"/>
+            <a:r>
+              <a:rPr kumimoji="1" lang="en-US" altLang="zh-CN" sz="1200" dirty="0" smtClean="0"/>
+              <a:t>http</a:t>
+            </a:r>
+            <a:endParaRPr kumimoji="1" lang="zh-CN" altLang="en-US" sz="1200" dirty="0"/>
+          </a:p>
+        </p:txBody>
+      </p:sp>
+      <p:sp>
+        <p:nvSpPr>
+          <p:cNvPr id="124" name="圆角矩形 123"/>
+          <p:cNvSpPr/>
+          <p:nvPr/>
+        </p:nvSpPr>
+        <p:spPr>
+          <a:xfrm>
+            <a:off x="7001364" y="3192944"/>
+            <a:ext cx="915320" cy="216024"/>
+          </a:xfrm>
+          <a:prstGeom prst="roundRect">
+            <a:avLst/>
+          </a:prstGeom>
+          <a:ln w="12700"/>
+        </p:spPr>
+        <p:style>
+          <a:lnRef idx="2">
+            <a:schemeClr val="accent1">
+              <a:shade val="50000"/>
+            </a:schemeClr>
+          </a:lnRef>
+          <a:fillRef idx="1">
+            <a:schemeClr val="accent1"/>
+          </a:fillRef>
+          <a:effectRef idx="0">
+            <a:schemeClr val="accent1"/>
+          </a:effectRef>
+          <a:fontRef idx="minor">
+            <a:schemeClr val="lt1"/>
+          </a:fontRef>
+        </p:style>
+        <p:txBody>
+          <a:bodyPr rtlCol="0" anchor="ctr"/>
+          <a:lstStyle/>
+          <a:p>
+            <a:pPr algn="ctr"/>
+            <a:r>
+              <a:rPr kumimoji="1" lang="en-US" altLang="zh-CN" sz="1200" dirty="0" err="1" smtClean="0"/>
+              <a:t>hostservice</a:t>
+            </a:r>
+            <a:endParaRPr kumimoji="1" lang="zh-CN" altLang="en-US" sz="1200" dirty="0"/>
+          </a:p>
+        </p:txBody>
+      </p:sp>
+      <p:sp>
+        <p:nvSpPr>
+          <p:cNvPr id="125" name="圆角矩形 124"/>
+          <p:cNvSpPr/>
+          <p:nvPr/>
+        </p:nvSpPr>
+        <p:spPr>
+          <a:xfrm>
+            <a:off x="8114755" y="3189393"/>
+            <a:ext cx="806703" cy="216024"/>
+          </a:xfrm>
+          <a:prstGeom prst="roundRect">
+            <a:avLst/>
+          </a:prstGeom>
+          <a:ln w="12700"/>
+        </p:spPr>
+        <p:style>
+          <a:lnRef idx="2">
+            <a:schemeClr val="accent1">
+              <a:shade val="50000"/>
+            </a:schemeClr>
+          </a:lnRef>
+          <a:fillRef idx="1">
+            <a:schemeClr val="accent1"/>
+          </a:fillRef>
+          <a:effectRef idx="0">
+            <a:schemeClr val="accent1"/>
+          </a:effectRef>
+          <a:fontRef idx="minor">
+            <a:schemeClr val="lt1"/>
+          </a:fontRef>
+        </p:style>
+        <p:txBody>
+          <a:bodyPr rtlCol="0" anchor="ctr"/>
+          <a:lstStyle/>
+          <a:p>
+            <a:pPr algn="ctr"/>
+            <a:r>
+              <a:rPr kumimoji="1" lang="en-US" altLang="zh-CN" sz="1200" dirty="0" smtClean="0"/>
+              <a:t>gateway</a:t>
+            </a:r>
+            <a:endParaRPr kumimoji="1" lang="zh-CN" altLang="en-US" sz="1200" dirty="0"/>
+          </a:p>
+        </p:txBody>
+      </p:sp>
+      <p:sp>
+        <p:nvSpPr>
+          <p:cNvPr id="126" name="矩形 125"/>
+          <p:cNvSpPr/>
+          <p:nvPr/>
+        </p:nvSpPr>
+        <p:spPr>
+          <a:xfrm>
+            <a:off x="2772088" y="843557"/>
+            <a:ext cx="2343947" cy="1054385"/>
+          </a:xfrm>
+          <a:prstGeom prst="rect">
+            <a:avLst/>
+          </a:prstGeom>
+          <a:solidFill>
+            <a:srgbClr val="00B0F0"/>
+          </a:solidFill>
+          <a:ln w="12700">
+            <a:solidFill>
+              <a:schemeClr val="tx1"/>
+            </a:solidFill>
+          </a:ln>
+        </p:spPr>
+        <p:style>
+          <a:lnRef idx="2">
+            <a:schemeClr val="accent1">
+              <a:shade val="50000"/>
+            </a:schemeClr>
+          </a:lnRef>
+          <a:fillRef idx="1">
+            <a:schemeClr val="accent1"/>
+          </a:fillRef>
+          <a:effectRef idx="0">
+            <a:schemeClr val="accent1"/>
+          </a:effectRef>
+          <a:fontRef idx="minor">
+            <a:schemeClr val="lt1"/>
+          </a:fontRef>
+        </p:style>
+        <p:txBody>
+          <a:bodyPr rtlCol="0" anchor="t"/>
+          <a:lstStyle/>
+          <a:p>
+            <a:pPr algn="r"/>
+            <a:r>
+              <a:rPr kumimoji="1" lang="en-US" altLang="zh-CN" sz="1400" smtClean="0">
+                <a:solidFill>
+                  <a:schemeClr val="tx1"/>
+                </a:solidFill>
+              </a:rPr>
+              <a:t>Governor</a:t>
+            </a:r>
+            <a:r>
+              <a:rPr kumimoji="1" lang="zh-CN" altLang="en-US" sz="1400" dirty="0" smtClean="0">
+                <a:solidFill>
+                  <a:schemeClr val="tx1"/>
+                </a:solidFill>
+              </a:rPr>
+              <a:t>（应用系统）</a:t>
+            </a:r>
+            <a:endParaRPr kumimoji="1" lang="zh-CN" altLang="en-US" sz="1400" dirty="0">
+              <a:solidFill>
+                <a:schemeClr val="tx1"/>
+              </a:solidFill>
+            </a:endParaRPr>
+          </a:p>
+        </p:txBody>
+      </p:sp>
+      <p:sp>
+        <p:nvSpPr>
+          <p:cNvPr id="130" name="圆角矩形 129"/>
+          <p:cNvSpPr/>
+          <p:nvPr/>
+        </p:nvSpPr>
+        <p:spPr>
+          <a:xfrm>
+            <a:off x="2848440" y="1241104"/>
+            <a:ext cx="634033" cy="504056"/>
+          </a:xfrm>
+          <a:prstGeom prst="roundRect">
+            <a:avLst/>
+          </a:prstGeom>
+        </p:spPr>
+        <p:style>
+          <a:lnRef idx="2">
+            <a:schemeClr val="accent1">
+              <a:shade val="50000"/>
+            </a:schemeClr>
+          </a:lnRef>
+          <a:fillRef idx="1">
+            <a:schemeClr val="accent1"/>
+          </a:fillRef>
+          <a:effectRef idx="0">
+            <a:schemeClr val="accent1"/>
+          </a:effectRef>
+          <a:fontRef idx="minor">
+            <a:schemeClr val="lt1"/>
+          </a:fontRef>
+        </p:style>
+        <p:txBody>
+          <a:bodyPr rtlCol="0" anchor="ctr"/>
+          <a:lstStyle/>
+          <a:p>
+            <a:pPr algn="ctr"/>
+            <a:r>
+              <a:rPr kumimoji="1" lang="zh-CN" altLang="en-US" sz="1200" dirty="0" smtClean="0"/>
+              <a:t>流水监控</a:t>
+            </a:r>
+            <a:endParaRPr kumimoji="1" lang="zh-CN" altLang="en-US" sz="1200" dirty="0"/>
+          </a:p>
+        </p:txBody>
+      </p:sp>
+      <p:sp>
+        <p:nvSpPr>
+          <p:cNvPr id="131" name="圆角矩形 130"/>
+          <p:cNvSpPr/>
+          <p:nvPr/>
+        </p:nvSpPr>
+        <p:spPr>
+          <a:xfrm>
+            <a:off x="3608548" y="1241104"/>
+            <a:ext cx="634033" cy="504056"/>
+          </a:xfrm>
+          <a:prstGeom prst="roundRect">
+            <a:avLst/>
+          </a:prstGeom>
+        </p:spPr>
+        <p:style>
+          <a:lnRef idx="2">
+            <a:schemeClr val="accent1">
+              <a:shade val="50000"/>
+            </a:schemeClr>
+          </a:lnRef>
+          <a:fillRef idx="1">
+            <a:schemeClr val="accent1"/>
+          </a:fillRef>
+          <a:effectRef idx="0">
+            <a:schemeClr val="accent1"/>
+          </a:effectRef>
+          <a:fontRef idx="minor">
+            <a:schemeClr val="lt1"/>
+          </a:fontRef>
+        </p:style>
+        <p:txBody>
+          <a:bodyPr rtlCol="0" anchor="ctr"/>
+          <a:lstStyle/>
+          <a:p>
+            <a:pPr algn="ctr"/>
+            <a:r>
+              <a:rPr kumimoji="1" lang="zh-CN" altLang="en-US" sz="1200" dirty="0" smtClean="0"/>
+              <a:t>主机状态</a:t>
+            </a:r>
+            <a:endParaRPr kumimoji="1" lang="zh-CN" altLang="en-US" sz="1200" dirty="0"/>
+          </a:p>
+        </p:txBody>
+      </p:sp>
+      <p:sp>
+        <p:nvSpPr>
+          <p:cNvPr id="132" name="圆角矩形 131"/>
+          <p:cNvSpPr/>
+          <p:nvPr/>
+        </p:nvSpPr>
+        <p:spPr>
+          <a:xfrm>
+            <a:off x="4417857" y="1155336"/>
+            <a:ext cx="563889" cy="673892"/>
+          </a:xfrm>
+          <a:prstGeom prst="roundRect">
+            <a:avLst/>
+          </a:prstGeom>
+        </p:spPr>
+        <p:style>
+          <a:lnRef idx="2">
+            <a:schemeClr val="accent1">
+              <a:shade val="50000"/>
+            </a:schemeClr>
+          </a:lnRef>
+          <a:fillRef idx="1">
+            <a:schemeClr val="accent1"/>
+          </a:fillRef>
+          <a:effectRef idx="0">
+            <a:schemeClr val="accent1"/>
+          </a:effectRef>
+          <a:fontRef idx="minor">
+            <a:schemeClr val="lt1"/>
+          </a:fontRef>
+        </p:style>
+        <p:txBody>
+          <a:bodyPr rtlCol="0" anchor="ctr"/>
+          <a:lstStyle/>
+          <a:p>
+            <a:pPr algn="ctr"/>
+            <a:r>
+              <a:rPr kumimoji="1" lang="zh-CN" altLang="en-US" sz="1200" dirty="0" smtClean="0"/>
+              <a:t>服务管理</a:t>
+            </a:r>
+            <a:endParaRPr kumimoji="1" lang="en-US" altLang="zh-CN" sz="1200" dirty="0" smtClean="0"/>
+          </a:p>
+          <a:p>
+            <a:pPr algn="ctr"/>
+            <a:r>
+              <a:rPr kumimoji="1" lang="en-US" altLang="zh-CN" sz="800" dirty="0" err="1" smtClean="0"/>
+              <a:t>DubboAdmin</a:t>
+            </a:r>
+            <a:endParaRPr kumimoji="1" lang="zh-CN" altLang="en-US" sz="800" dirty="0"/>
           </a:p>
         </p:txBody>
       </p:sp>

--- a/TIStools.pptx
+++ b/TIStools.pptx
@@ -264,7 +264,7 @@
             <a:fld id="{5C979E5A-5764-4AAB-A962-3E8F18291B4D}" type="datetimeFigureOut">
               <a:rPr lang="zh-CN" altLang="en-US" smtClean="0"/>
               <a:pPr/>
-              <a:t>17/4/12</a:t>
+              <a:t>17/4/16</a:t>
             </a:fld>
             <a:endParaRPr lang="zh-CN" altLang="en-US"/>
           </a:p>
@@ -431,7 +431,7 @@
             <a:fld id="{01776D96-E550-42A4-AAC9-143101C0E129}" type="datetimeFigureOut">
               <a:rPr lang="zh-CN" altLang="en-US" smtClean="0"/>
               <a:pPr/>
-              <a:t>17/4/12</a:t>
+              <a:t>17/4/16</a:t>
             </a:fld>
             <a:endParaRPr lang="zh-CN" altLang="en-US"/>
           </a:p>
@@ -7455,7 +7455,7 @@
             <a:fld id="{530820CF-B880-4189-942D-D702A7CBA730}" type="datetimeFigureOut">
               <a:rPr lang="zh-CN" altLang="en-US" smtClean="0"/>
               <a:pPr/>
-              <a:t>17/4/12</a:t>
+              <a:t>17/4/16</a:t>
             </a:fld>
             <a:endParaRPr lang="zh-CN" altLang="en-US"/>
           </a:p>
@@ -45437,15 +45437,7 @@
                   <a:schemeClr val="tx1"/>
                 </a:solidFill>
               </a:rPr>
-              <a:t>（应用系统</a:t>
-            </a:r>
-            <a:r>
-              <a:rPr kumimoji="1" lang="zh-CN" altLang="en-US" sz="1400" dirty="0" smtClean="0">
-                <a:solidFill>
-                  <a:schemeClr val="tx1"/>
-                </a:solidFill>
-              </a:rPr>
-              <a:t>）</a:t>
+              <a:t>（应用系统）</a:t>
             </a:r>
             <a:endParaRPr kumimoji="1" lang="zh-CN" altLang="en-US" sz="1400" dirty="0">
               <a:solidFill>
@@ -45853,7 +45845,31 @@
                   <a:schemeClr val="tx1"/>
                 </a:solidFill>
               </a:rPr>
-              <a:t>交易处理</a:t>
+              <a:t>交易</a:t>
+            </a:r>
+            <a:r>
+              <a:rPr kumimoji="1" lang="zh-CN" altLang="en-US" sz="1400" dirty="0" smtClean="0">
+                <a:solidFill>
+                  <a:schemeClr val="tx1"/>
+                </a:solidFill>
+              </a:rPr>
+              <a:t>处理（</a:t>
+            </a:r>
+            <a:r>
+              <a:rPr kumimoji="1" lang="en-US" altLang="zh-CN" sz="1400" dirty="0" smtClean="0">
+                <a:solidFill>
+                  <a:schemeClr val="tx1"/>
+                </a:solidFill>
+              </a:rPr>
+              <a:t>TX</a:t>
+            </a:r>
+            <a:r>
+              <a:rPr kumimoji="1" lang="zh-CN" altLang="en-US" sz="1400" dirty="0" smtClean="0">
+                <a:solidFill>
+                  <a:schemeClr val="tx1"/>
+                </a:solidFill>
+              </a:rPr>
+              <a:t>）</a:t>
             </a:r>
             <a:endParaRPr kumimoji="1" lang="zh-CN" altLang="en-US" sz="1400" dirty="0">
               <a:solidFill>
@@ -45908,12 +45924,36 @@
           <a:p>
             <a:pPr algn="ctr"/>
             <a:r>
-              <a:rPr kumimoji="1" lang="zh-CN" altLang="en-US" sz="1400" smtClean="0">
+              <a:rPr kumimoji="1" lang="zh-CN" altLang="en-US" sz="1400" dirty="0" smtClean="0">
                 <a:solidFill>
                   <a:schemeClr val="tx1"/>
                 </a:solidFill>
               </a:rPr>
-              <a:t>主机服务</a:t>
+              <a:t>主机</a:t>
+            </a:r>
+            <a:r>
+              <a:rPr kumimoji="1" lang="zh-CN" altLang="en-US" sz="1400" dirty="0" smtClean="0">
+                <a:solidFill>
+                  <a:schemeClr val="tx1"/>
+                </a:solidFill>
+              </a:rPr>
+              <a:t>服务（</a:t>
+            </a:r>
+            <a:r>
+              <a:rPr kumimoji="1" lang="en-US" altLang="zh-CN" sz="1400" dirty="0" smtClean="0">
+                <a:solidFill>
+                  <a:schemeClr val="tx1"/>
+                </a:solidFill>
+              </a:rPr>
+              <a:t>HS</a:t>
+            </a:r>
+            <a:r>
+              <a:rPr kumimoji="1" lang="zh-CN" altLang="en-US" sz="1400" dirty="0" smtClean="0">
+                <a:solidFill>
+                  <a:schemeClr val="tx1"/>
+                </a:solidFill>
+              </a:rPr>
+              <a:t>）</a:t>
             </a:r>
             <a:endParaRPr kumimoji="1" lang="zh-CN" altLang="en-US" sz="1400" dirty="0">
               <a:solidFill>
@@ -46667,15 +46707,7 @@
                   <a:schemeClr val="tx1"/>
                 </a:solidFill>
               </a:rPr>
-              <a:t>流水</a:t>
-            </a:r>
-            <a:r>
-              <a:rPr kumimoji="1" lang="zh-CN" altLang="en-US" sz="1400" dirty="0" smtClean="0">
-                <a:solidFill>
-                  <a:schemeClr val="tx1"/>
-                </a:solidFill>
-              </a:rPr>
-              <a:t>日志</a:t>
+              <a:t>流水日志</a:t>
             </a:r>
             <a:r>
               <a:rPr kumimoji="1" lang="zh-CN" altLang="en-US" sz="1200" dirty="0" smtClean="0">

--- a/TIStools.pptx
+++ b/TIStools.pptx
@@ -265,7 +265,7 @@
             <a:fld id="{5C979E5A-5764-4AAB-A962-3E8F18291B4D}" type="datetimeFigureOut">
               <a:rPr lang="zh-CN" altLang="en-US" smtClean="0"/>
               <a:pPr/>
-              <a:t>17/5/8</a:t>
+              <a:t>17/5/15</a:t>
             </a:fld>
             <a:endParaRPr lang="zh-CN" altLang="en-US"/>
           </a:p>
@@ -432,7 +432,7 @@
             <a:fld id="{01776D96-E550-42A4-AAC9-143101C0E129}" type="datetimeFigureOut">
               <a:rPr lang="zh-CN" altLang="en-US" smtClean="0"/>
               <a:pPr/>
-              <a:t>17/5/8</a:t>
+              <a:t>17/5/15</a:t>
             </a:fld>
             <a:endParaRPr lang="zh-CN" altLang="en-US"/>
           </a:p>
@@ -7743,7 +7743,7 @@
             <a:fld id="{530820CF-B880-4189-942D-D702A7CBA730}" type="datetimeFigureOut">
               <a:rPr lang="zh-CN" altLang="en-US" smtClean="0"/>
               <a:pPr/>
-              <a:t>17/5/8</a:t>
+              <a:t>17/5/15</a:t>
             </a:fld>
             <a:endParaRPr lang="zh-CN" altLang="en-US"/>
           </a:p>
@@ -48530,11 +48530,7 @@
             <a:pPr algn="ctr"/>
             <a:r>
               <a:rPr kumimoji="1" lang="en-US" altLang="zh-CN" dirty="0" smtClean="0"/>
-              <a:t>Web</a:t>
-            </a:r>
-            <a:r>
-              <a:rPr kumimoji="1" lang="en-US" altLang="zh-CN" dirty="0" smtClean="0"/>
-              <a:t>/H5</a:t>
+              <a:t>Web/H5</a:t>
             </a:r>
             <a:endParaRPr kumimoji="1" lang="zh-CN" altLang="en-US" dirty="0"/>
           </a:p>
@@ -49490,11 +49486,7 @@
             <a:pPr algn="ctr"/>
             <a:r>
               <a:rPr kumimoji="1" lang="zh-CN" altLang="en-US" sz="1400" dirty="0" smtClean="0"/>
-              <a:t>业务流程</a:t>
-            </a:r>
-            <a:r>
-              <a:rPr kumimoji="1" lang="zh-CN" altLang="en-US" sz="1400" dirty="0" smtClean="0"/>
-              <a:t>（</a:t>
+              <a:t>业务流程（</a:t>
             </a:r>
             <a:r>
               <a:rPr kumimoji="1" lang="en-US" altLang="zh-CN" sz="1400" dirty="0" err="1" smtClean="0"/>
@@ -49552,11 +49544,7 @@
             <a:pPr algn="ctr"/>
             <a:r>
               <a:rPr kumimoji="1" lang="zh-CN" altLang="en-US" sz="1400" dirty="0" smtClean="0"/>
-              <a:t>服务提供</a:t>
-            </a:r>
-            <a:r>
-              <a:rPr kumimoji="1" lang="zh-CN" altLang="en-US" sz="1400" dirty="0" smtClean="0"/>
-              <a:t>层（</a:t>
+              <a:t>服务提供层（</a:t>
             </a:r>
             <a:r>
               <a:rPr kumimoji="1" lang="en-US" altLang="zh-CN" sz="1400" dirty="0" err="1" smtClean="0"/>
@@ -52511,6 +52499,16 @@
           <a:p>
             <a:pPr algn="r"/>
             <a:r>
+              <a:rPr kumimoji="1" lang="en-US" altLang="zh-CN" sz="1400" dirty="0" err="1">
+                <a:solidFill>
+                  <a:schemeClr val="bg1">
+                    <a:lumMod val="95000"/>
+                  </a:schemeClr>
+                </a:solidFill>
+              </a:rPr>
+              <a:t>c</a:t>
+            </a:r>
+            <a:r>
               <a:rPr kumimoji="1" lang="en-US" altLang="zh-CN" sz="1400" dirty="0" err="1" smtClean="0">
                 <a:solidFill>
                   <a:schemeClr val="bg1">
@@ -52518,7 +52516,7 @@
                   </a:schemeClr>
                 </a:solidFill>
               </a:rPr>
-              <a:t>Core.jar</a:t>
+              <a:t>ore.jar</a:t>
             </a:r>
             <a:endParaRPr kumimoji="1" lang="en-US" altLang="zh-CN" sz="1400" dirty="0" smtClean="0">
               <a:solidFill>
@@ -52753,14 +52751,14 @@
           <a:p>
             <a:pPr algn="r"/>
             <a:r>
-              <a:rPr kumimoji="1" lang="en-US" altLang="zh-CN" sz="1400" dirty="0" err="1" smtClean="0">
+              <a:rPr kumimoji="1" lang="en-US" altLang="zh-CN" sz="1400" dirty="0" smtClean="0">
                 <a:solidFill>
                   <a:schemeClr val="bg1">
                     <a:lumMod val="95000"/>
                   </a:schemeClr>
                 </a:solidFill>
               </a:rPr>
-              <a:t>Common.jar</a:t>
+              <a:t>common-*.jar</a:t>
             </a:r>
             <a:endParaRPr kumimoji="1" lang="zh-CN" altLang="en-US" sz="1400" dirty="0">
               <a:solidFill>
@@ -52908,8 +52906,8 @@
         </p:nvSpPr>
         <p:spPr>
           <a:xfrm>
-            <a:off x="5508104" y="4612013"/>
-            <a:ext cx="936104" cy="263993"/>
+            <a:off x="5508104" y="4443959"/>
+            <a:ext cx="936104" cy="432048"/>
           </a:xfrm>
           <a:prstGeom prst="roundRect">
             <a:avLst/>
@@ -52937,52 +52935,16 @@
           <a:p>
             <a:pPr algn="ctr"/>
             <a:r>
-              <a:rPr kumimoji="1" lang="en-US" altLang="zh-CN" sz="1200" smtClean="0"/>
+              <a:rPr kumimoji="1" lang="en-US" altLang="zh-CN" sz="1200" dirty="0"/>
+              <a:t>c</a:t>
+            </a:r>
+            <a:r>
+              <a:rPr kumimoji="1" lang="en-US" altLang="zh-CN" sz="1200" dirty="0" smtClean="0"/>
+              <a:t>ommon-</a:t>
+            </a:r>
+            <a:r>
+              <a:rPr kumimoji="1" lang="en-US" altLang="zh-CN" sz="1200" dirty="0" err="1" smtClean="0"/>
               <a:t>utils</a:t>
-            </a:r>
-            <a:endParaRPr kumimoji="1" lang="zh-CN" altLang="en-US" sz="1200" dirty="0"/>
-          </a:p>
-        </p:txBody>
-      </p:sp>
-      <p:sp>
-        <p:nvSpPr>
-          <p:cNvPr id="14" name="圆角矩形 13"/>
-          <p:cNvSpPr/>
-          <p:nvPr/>
-        </p:nvSpPr>
-        <p:spPr>
-          <a:xfrm>
-            <a:off x="6614176" y="4612013"/>
-            <a:ext cx="936104" cy="263993"/>
-          </a:xfrm>
-          <a:prstGeom prst="roundRect">
-            <a:avLst/>
-          </a:prstGeom>
-        </p:spPr>
-        <p:style>
-          <a:lnRef idx="2">
-            <a:schemeClr val="accent1">
-              <a:shade val="50000"/>
-            </a:schemeClr>
-          </a:lnRef>
-          <a:fillRef idx="1">
-            <a:schemeClr val="accent1"/>
-          </a:fillRef>
-          <a:effectRef idx="0">
-            <a:schemeClr val="accent1"/>
-          </a:effectRef>
-          <a:fontRef idx="minor">
-            <a:schemeClr val="lt1"/>
-          </a:fontRef>
-        </p:style>
-        <p:txBody>
-          <a:bodyPr rtlCol="0" anchor="ctr"/>
-          <a:lstStyle/>
-          <a:p>
-            <a:pPr algn="ctr"/>
-            <a:r>
-              <a:rPr kumimoji="1" lang="en-US" altLang="zh-CN" sz="1200" dirty="0" smtClean="0"/>
-              <a:t>helper</a:t>
             </a:r>
             <a:endParaRPr kumimoji="1" lang="zh-CN" altLang="en-US" sz="1200" dirty="0"/>
           </a:p>
@@ -54034,8 +53996,8 @@
         </p:nvSpPr>
         <p:spPr>
           <a:xfrm>
-            <a:off x="7740352" y="4612013"/>
-            <a:ext cx="936104" cy="263993"/>
+            <a:off x="6560730" y="4443959"/>
+            <a:ext cx="936104" cy="432048"/>
           </a:xfrm>
           <a:prstGeom prst="roundRect">
             <a:avLst/>
@@ -54063,8 +54025,12 @@
           <a:p>
             <a:pPr algn="ctr"/>
             <a:r>
-              <a:rPr kumimoji="1" lang="is-IS" altLang="zh-CN" sz="1200" dirty="0" smtClean="0"/>
-              <a:t>…</a:t>
+              <a:rPr kumimoji="1" lang="en-US" altLang="zh-CN" sz="1200" dirty="0"/>
+              <a:t>c</a:t>
+            </a:r>
+            <a:r>
+              <a:rPr kumimoji="1" lang="en-US" altLang="zh-CN" sz="1200" dirty="0" smtClean="0"/>
+              <a:t>ommon-service</a:t>
             </a:r>
             <a:endParaRPr kumimoji="1" lang="zh-CN" altLang="en-US" sz="1200" dirty="0"/>
           </a:p>
